--- a/lectures/03_synthetic_control/synthetic_control.pptx
+++ b/lectures/03_synthetic_control/synthetic_control.pptx
@@ -23,32 +23,32 @@
     <p:sldId id="401" r:id="rId14"/>
     <p:sldId id="414" r:id="rId15"/>
     <p:sldId id="415" r:id="rId16"/>
-    <p:sldId id="416" r:id="rId17"/>
-    <p:sldId id="417" r:id="rId18"/>
-    <p:sldId id="418" r:id="rId19"/>
-    <p:sldId id="419" r:id="rId20"/>
-    <p:sldId id="371" r:id="rId21"/>
-    <p:sldId id="403" r:id="rId22"/>
-    <p:sldId id="412" r:id="rId23"/>
-    <p:sldId id="413" r:id="rId24"/>
-    <p:sldId id="411" r:id="rId25"/>
-    <p:sldId id="372" r:id="rId26"/>
-    <p:sldId id="420" r:id="rId27"/>
-    <p:sldId id="425" r:id="rId28"/>
-    <p:sldId id="426" r:id="rId29"/>
-    <p:sldId id="427" r:id="rId30"/>
-    <p:sldId id="428" r:id="rId31"/>
-    <p:sldId id="429" r:id="rId32"/>
-    <p:sldId id="430" r:id="rId33"/>
-    <p:sldId id="431" r:id="rId34"/>
-    <p:sldId id="432" r:id="rId35"/>
-    <p:sldId id="424" r:id="rId36"/>
-    <p:sldId id="422" r:id="rId37"/>
-    <p:sldId id="421" r:id="rId38"/>
-    <p:sldId id="423" r:id="rId39"/>
-    <p:sldId id="435" r:id="rId40"/>
-    <p:sldId id="436" r:id="rId41"/>
-    <p:sldId id="437" r:id="rId42"/>
+    <p:sldId id="417" r:id="rId17"/>
+    <p:sldId id="418" r:id="rId18"/>
+    <p:sldId id="419" r:id="rId19"/>
+    <p:sldId id="371" r:id="rId20"/>
+    <p:sldId id="403" r:id="rId21"/>
+    <p:sldId id="412" r:id="rId22"/>
+    <p:sldId id="413" r:id="rId23"/>
+    <p:sldId id="411" r:id="rId24"/>
+    <p:sldId id="372" r:id="rId25"/>
+    <p:sldId id="420" r:id="rId26"/>
+    <p:sldId id="425" r:id="rId27"/>
+    <p:sldId id="426" r:id="rId28"/>
+    <p:sldId id="427" r:id="rId29"/>
+    <p:sldId id="428" r:id="rId30"/>
+    <p:sldId id="429" r:id="rId31"/>
+    <p:sldId id="430" r:id="rId32"/>
+    <p:sldId id="431" r:id="rId33"/>
+    <p:sldId id="432" r:id="rId34"/>
+    <p:sldId id="424" r:id="rId35"/>
+    <p:sldId id="422" r:id="rId36"/>
+    <p:sldId id="421" r:id="rId37"/>
+    <p:sldId id="423" r:id="rId38"/>
+    <p:sldId id="435" r:id="rId39"/>
+    <p:sldId id="436" r:id="rId40"/>
+    <p:sldId id="437" r:id="rId41"/>
+    <p:sldId id="438" r:id="rId42"/>
     <p:sldId id="434" r:id="rId43"/>
     <p:sldId id="325" r:id="rId44"/>
     <p:sldId id="364" r:id="rId45"/>
@@ -958,7 +958,7 @@
     </p:spTree>
     <p:extLst>
       <p:ext uri="{BB962C8B-B14F-4D97-AF65-F5344CB8AC3E}">
-        <p14:creationId xmlns:p14="http://schemas.microsoft.com/office/powerpoint/2010/main" val="2685237571"/>
+        <p14:creationId xmlns:p14="http://schemas.microsoft.com/office/powerpoint/2010/main" val="42073789"/>
       </p:ext>
     </p:extLst>
   </p:cSld>
@@ -1048,7 +1048,7 @@
     </p:spTree>
     <p:extLst>
       <p:ext uri="{BB962C8B-B14F-4D97-AF65-F5344CB8AC3E}">
-        <p14:creationId xmlns:p14="http://schemas.microsoft.com/office/powerpoint/2010/main" val="42073789"/>
+        <p14:creationId xmlns:p14="http://schemas.microsoft.com/office/powerpoint/2010/main" val="1863535156"/>
       </p:ext>
     </p:extLst>
   </p:cSld>
@@ -1138,7 +1138,7 @@
     </p:spTree>
     <p:extLst>
       <p:ext uri="{BB962C8B-B14F-4D97-AF65-F5344CB8AC3E}">
-        <p14:creationId xmlns:p14="http://schemas.microsoft.com/office/powerpoint/2010/main" val="1863535156"/>
+        <p14:creationId xmlns:p14="http://schemas.microsoft.com/office/powerpoint/2010/main" val="142730928"/>
       </p:ext>
     </p:extLst>
   </p:cSld>
@@ -1219,7 +1219,7 @@
             <a:pPr lvl="0"/>
             <a:fld id="{8E8F8CAC-A6C2-44BD-8532-85D68FCA9A10}" type="slidenum">
               <a:rPr lang="en-NL" smtClean="0"/>
-              <a:t>19</a:t>
+              <a:t>20</a:t>
             </a:fld>
             <a:endParaRPr lang="en-NL"/>
           </a:p>
@@ -1228,7 +1228,7 @@
     </p:spTree>
     <p:extLst>
       <p:ext uri="{BB962C8B-B14F-4D97-AF65-F5344CB8AC3E}">
-        <p14:creationId xmlns:p14="http://schemas.microsoft.com/office/powerpoint/2010/main" val="142730928"/>
+        <p14:creationId xmlns:p14="http://schemas.microsoft.com/office/powerpoint/2010/main" val="483999717"/>
       </p:ext>
     </p:extLst>
   </p:cSld>
@@ -1318,7 +1318,7 @@
     </p:spTree>
     <p:extLst>
       <p:ext uri="{BB962C8B-B14F-4D97-AF65-F5344CB8AC3E}">
-        <p14:creationId xmlns:p14="http://schemas.microsoft.com/office/powerpoint/2010/main" val="483999717"/>
+        <p14:creationId xmlns:p14="http://schemas.microsoft.com/office/powerpoint/2010/main" val="425689359"/>
       </p:ext>
     </p:extLst>
   </p:cSld>
@@ -1408,7 +1408,7 @@
     </p:spTree>
     <p:extLst>
       <p:ext uri="{BB962C8B-B14F-4D97-AF65-F5344CB8AC3E}">
-        <p14:creationId xmlns:p14="http://schemas.microsoft.com/office/powerpoint/2010/main" val="425689359"/>
+        <p14:creationId xmlns:p14="http://schemas.microsoft.com/office/powerpoint/2010/main" val="25979218"/>
       </p:ext>
     </p:extLst>
   </p:cSld>
@@ -1489,7 +1489,7 @@
             <a:pPr lvl="0"/>
             <a:fld id="{8E8F8CAC-A6C2-44BD-8532-85D68FCA9A10}" type="slidenum">
               <a:rPr lang="en-NL" smtClean="0"/>
-              <a:t>23</a:t>
+              <a:t>24</a:t>
             </a:fld>
             <a:endParaRPr lang="en-NL"/>
           </a:p>
@@ -1498,7 +1498,7 @@
     </p:spTree>
     <p:extLst>
       <p:ext uri="{BB962C8B-B14F-4D97-AF65-F5344CB8AC3E}">
-        <p14:creationId xmlns:p14="http://schemas.microsoft.com/office/powerpoint/2010/main" val="25979218"/>
+        <p14:creationId xmlns:p14="http://schemas.microsoft.com/office/powerpoint/2010/main" val="1375226254"/>
       </p:ext>
     </p:extLst>
   </p:cSld>
@@ -1579,7 +1579,7 @@
             <a:pPr lvl="0"/>
             <a:fld id="{8E8F8CAC-A6C2-44BD-8532-85D68FCA9A10}" type="slidenum">
               <a:rPr lang="en-NL" smtClean="0"/>
-              <a:t>25</a:t>
+              <a:t>26</a:t>
             </a:fld>
             <a:endParaRPr lang="en-NL"/>
           </a:p>
@@ -1588,7 +1588,7 @@
     </p:spTree>
     <p:extLst>
       <p:ext uri="{BB962C8B-B14F-4D97-AF65-F5344CB8AC3E}">
-        <p14:creationId xmlns:p14="http://schemas.microsoft.com/office/powerpoint/2010/main" val="1375226254"/>
+        <p14:creationId xmlns:p14="http://schemas.microsoft.com/office/powerpoint/2010/main" val="1662609198"/>
       </p:ext>
     </p:extLst>
   </p:cSld>
@@ -1678,7 +1678,7 @@
     </p:spTree>
     <p:extLst>
       <p:ext uri="{BB962C8B-B14F-4D97-AF65-F5344CB8AC3E}">
-        <p14:creationId xmlns:p14="http://schemas.microsoft.com/office/powerpoint/2010/main" val="1662609198"/>
+        <p14:creationId xmlns:p14="http://schemas.microsoft.com/office/powerpoint/2010/main" val="112294938"/>
       </p:ext>
     </p:extLst>
   </p:cSld>
@@ -1858,7 +1858,7 @@
     </p:spTree>
     <p:extLst>
       <p:ext uri="{BB962C8B-B14F-4D97-AF65-F5344CB8AC3E}">
-        <p14:creationId xmlns:p14="http://schemas.microsoft.com/office/powerpoint/2010/main" val="112294938"/>
+        <p14:creationId xmlns:p14="http://schemas.microsoft.com/office/powerpoint/2010/main" val="3123127847"/>
       </p:ext>
     </p:extLst>
   </p:cSld>
@@ -1948,7 +1948,7 @@
     </p:spTree>
     <p:extLst>
       <p:ext uri="{BB962C8B-B14F-4D97-AF65-F5344CB8AC3E}">
-        <p14:creationId xmlns:p14="http://schemas.microsoft.com/office/powerpoint/2010/main" val="3123127847"/>
+        <p14:creationId xmlns:p14="http://schemas.microsoft.com/office/powerpoint/2010/main" val="2612037641"/>
       </p:ext>
     </p:extLst>
   </p:cSld>
@@ -2038,7 +2038,7 @@
     </p:spTree>
     <p:extLst>
       <p:ext uri="{BB962C8B-B14F-4D97-AF65-F5344CB8AC3E}">
-        <p14:creationId xmlns:p14="http://schemas.microsoft.com/office/powerpoint/2010/main" val="2612037641"/>
+        <p14:creationId xmlns:p14="http://schemas.microsoft.com/office/powerpoint/2010/main" val="534322986"/>
       </p:ext>
     </p:extLst>
   </p:cSld>
@@ -2128,7 +2128,7 @@
     </p:spTree>
     <p:extLst>
       <p:ext uri="{BB962C8B-B14F-4D97-AF65-F5344CB8AC3E}">
-        <p14:creationId xmlns:p14="http://schemas.microsoft.com/office/powerpoint/2010/main" val="534322986"/>
+        <p14:creationId xmlns:p14="http://schemas.microsoft.com/office/powerpoint/2010/main" val="4272560795"/>
       </p:ext>
     </p:extLst>
   </p:cSld>
@@ -2218,7 +2218,7 @@
     </p:spTree>
     <p:extLst>
       <p:ext uri="{BB962C8B-B14F-4D97-AF65-F5344CB8AC3E}">
-        <p14:creationId xmlns:p14="http://schemas.microsoft.com/office/powerpoint/2010/main" val="4272560795"/>
+        <p14:creationId xmlns:p14="http://schemas.microsoft.com/office/powerpoint/2010/main" val="925318121"/>
       </p:ext>
     </p:extLst>
   </p:cSld>
@@ -2308,7 +2308,7 @@
     </p:spTree>
     <p:extLst>
       <p:ext uri="{BB962C8B-B14F-4D97-AF65-F5344CB8AC3E}">
-        <p14:creationId xmlns:p14="http://schemas.microsoft.com/office/powerpoint/2010/main" val="925318121"/>
+        <p14:creationId xmlns:p14="http://schemas.microsoft.com/office/powerpoint/2010/main" val="3991016552"/>
       </p:ext>
     </p:extLst>
   </p:cSld>
@@ -2389,7 +2389,7 @@
             <a:pPr lvl="0"/>
             <a:fld id="{8E8F8CAC-A6C2-44BD-8532-85D68FCA9A10}" type="slidenum">
               <a:rPr lang="en-NL" smtClean="0"/>
-              <a:t>34</a:t>
+              <a:t>35</a:t>
             </a:fld>
             <a:endParaRPr lang="en-NL"/>
           </a:p>
@@ -2398,7 +2398,7 @@
     </p:spTree>
     <p:extLst>
       <p:ext uri="{BB962C8B-B14F-4D97-AF65-F5344CB8AC3E}">
-        <p14:creationId xmlns:p14="http://schemas.microsoft.com/office/powerpoint/2010/main" val="3991016552"/>
+        <p14:creationId xmlns:p14="http://schemas.microsoft.com/office/powerpoint/2010/main" val="2071890320"/>
       </p:ext>
     </p:extLst>
   </p:cSld>
@@ -2488,7 +2488,7 @@
     </p:spTree>
     <p:extLst>
       <p:ext uri="{BB962C8B-B14F-4D97-AF65-F5344CB8AC3E}">
-        <p14:creationId xmlns:p14="http://schemas.microsoft.com/office/powerpoint/2010/main" val="2071890320"/>
+        <p14:creationId xmlns:p14="http://schemas.microsoft.com/office/powerpoint/2010/main" val="2272136931"/>
       </p:ext>
     </p:extLst>
   </p:cSld>
@@ -2578,7 +2578,7 @@
     </p:spTree>
     <p:extLst>
       <p:ext uri="{BB962C8B-B14F-4D97-AF65-F5344CB8AC3E}">
-        <p14:creationId xmlns:p14="http://schemas.microsoft.com/office/powerpoint/2010/main" val="2272136931"/>
+        <p14:creationId xmlns:p14="http://schemas.microsoft.com/office/powerpoint/2010/main" val="3352213623"/>
       </p:ext>
     </p:extLst>
   </p:cSld>
@@ -2659,7 +2659,7 @@
             <a:pPr lvl="0"/>
             <a:fld id="{8E8F8CAC-A6C2-44BD-8532-85D68FCA9A10}" type="slidenum">
               <a:rPr lang="en-NL" smtClean="0"/>
-              <a:t>38</a:t>
+              <a:t>39</a:t>
             </a:fld>
             <a:endParaRPr lang="en-NL"/>
           </a:p>
@@ -2668,7 +2668,7 @@
     </p:spTree>
     <p:extLst>
       <p:ext uri="{BB962C8B-B14F-4D97-AF65-F5344CB8AC3E}">
-        <p14:creationId xmlns:p14="http://schemas.microsoft.com/office/powerpoint/2010/main" val="3352213623"/>
+        <p14:creationId xmlns:p14="http://schemas.microsoft.com/office/powerpoint/2010/main" val="3397955260"/>
       </p:ext>
     </p:extLst>
   </p:cSld>
@@ -2840,96 +2840,6 @@
             <a:fld id="{8E8F8CAC-A6C2-44BD-8532-85D68FCA9A10}" type="slidenum">
               <a:rPr lang="en-NL" smtClean="0"/>
               <a:t>40</a:t>
-            </a:fld>
-            <a:endParaRPr lang="en-NL"/>
-          </a:p>
-        </p:txBody>
-      </p:sp>
-    </p:spTree>
-    <p:extLst>
-      <p:ext uri="{BB962C8B-B14F-4D97-AF65-F5344CB8AC3E}">
-        <p14:creationId xmlns:p14="http://schemas.microsoft.com/office/powerpoint/2010/main" val="3397955260"/>
-      </p:ext>
-    </p:extLst>
-  </p:cSld>
-  <p:clrMapOvr>
-    <a:masterClrMapping/>
-  </p:clrMapOvr>
-</p:notes>
-</file>
-
-<file path=ppt/notesSlides/notesSlide31.xml><?xml version="1.0" encoding="utf-8"?>
-<p:notes xmlns:a="http://schemas.openxmlformats.org/drawingml/2006/main" xmlns:r="http://schemas.openxmlformats.org/officeDocument/2006/relationships" xmlns:p="http://schemas.openxmlformats.org/presentationml/2006/main">
-  <p:cSld>
-    <p:spTree>
-      <p:nvGrpSpPr>
-        <p:cNvPr id="1" name=""/>
-        <p:cNvGrpSpPr/>
-        <p:nvPr/>
-      </p:nvGrpSpPr>
-      <p:grpSpPr>
-        <a:xfrm>
-          <a:off x="0" y="0"/>
-          <a:ext cx="0" cy="0"/>
-          <a:chOff x="0" y="0"/>
-          <a:chExt cx="0" cy="0"/>
-        </a:xfrm>
-      </p:grpSpPr>
-      <p:sp>
-        <p:nvSpPr>
-          <p:cNvPr id="2" name="Slide Image Placeholder 1"/>
-          <p:cNvSpPr>
-            <a:spLocks noGrp="1" noRot="1" noChangeAspect="1"/>
-          </p:cNvSpPr>
-          <p:nvPr>
-            <p:ph type="sldImg"/>
-          </p:nvPr>
-        </p:nvSpPr>
-        <p:spPr>
-          <a:xfrm>
-            <a:off x="685800" y="1143000"/>
-            <a:ext cx="5486400" cy="3086100"/>
-          </a:xfrm>
-        </p:spPr>
-      </p:sp>
-      <p:sp>
-        <p:nvSpPr>
-          <p:cNvPr id="3" name="Notes Placeholder 2"/>
-          <p:cNvSpPr>
-            <a:spLocks noGrp="1"/>
-          </p:cNvSpPr>
-          <p:nvPr>
-            <p:ph type="body" idx="1"/>
-          </p:nvPr>
-        </p:nvSpPr>
-        <p:spPr/>
-        <p:txBody>
-          <a:bodyPr/>
-          <a:lstStyle/>
-          <a:p>
-            <a:endParaRPr lang="en-NL" dirty="0"/>
-          </a:p>
-        </p:txBody>
-      </p:sp>
-      <p:sp>
-        <p:nvSpPr>
-          <p:cNvPr id="4" name="Slide Number Placeholder 3"/>
-          <p:cNvSpPr>
-            <a:spLocks noGrp="1"/>
-          </p:cNvSpPr>
-          <p:nvPr>
-            <p:ph type="sldNum" sz="quarter" idx="5"/>
-          </p:nvPr>
-        </p:nvSpPr>
-        <p:spPr/>
-        <p:txBody>
-          <a:bodyPr/>
-          <a:lstStyle/>
-          <a:p>
-            <a:pPr lvl="0"/>
-            <a:fld id="{8E8F8CAC-A6C2-44BD-8532-85D68FCA9A10}" type="slidenum">
-              <a:rPr lang="en-NL" smtClean="0"/>
-              <a:t>41</a:t>
             </a:fld>
             <a:endParaRPr lang="en-NL"/>
           </a:p>
@@ -7043,8 +6953,8 @@
           </a:p>
         </p:txBody>
       </p:sp>
-      <mc:AlternateContent xmlns:mc="http://schemas.openxmlformats.org/markup-compatibility/2006">
-        <mc:Choice xmlns:a14="http://schemas.microsoft.com/office/drawing/2010/main" Requires="a14">
+      <mc:AlternateContent xmlns:mc="http://schemas.openxmlformats.org/markup-compatibility/2006" xmlns:a14="http://schemas.microsoft.com/office/drawing/2010/main">
+        <mc:Choice Requires="a14">
           <p:sp>
             <p:nvSpPr>
               <p:cNvPr id="3" name="Content Placeholder 2">
@@ -7344,7 +7254,7 @@
             </p:txBody>
           </p:sp>
         </mc:Choice>
-        <mc:Fallback>
+        <mc:Fallback xmlns="">
           <p:sp>
             <p:nvSpPr>
               <p:cNvPr id="3" name="Content Placeholder 2">
@@ -7673,7 +7583,16 @@
                               </a:solidFill>
                               <a:latin typeface="Cambria Math" panose="02040503050406030204" pitchFamily="18" charset="0"/>
                             </a:rPr>
-                            <m:t>=1</m:t>
+                            <m:t>=</m:t>
+                          </m:r>
+                          <m:r>
+                            <a:rPr lang="en-US" sz="3200" b="0" i="1" smtClean="0">
+                              <a:solidFill>
+                                <a:srgbClr val="404040"/>
+                              </a:solidFill>
+                              <a:latin typeface="Cambria Math" panose="02040503050406030204" pitchFamily="18" charset="0"/>
+                            </a:rPr>
+                            <m:t>1</m:t>
                           </m:r>
                         </m:sub>
                         <m:sup>
@@ -8073,8 +7992,8 @@
           </a:prstGeom>
         </p:spPr>
       </p:pic>
-      <mc:AlternateContent xmlns:mc="http://schemas.openxmlformats.org/markup-compatibility/2006">
-        <mc:Choice xmlns:a14="http://schemas.microsoft.com/office/drawing/2010/main" Requires="a14">
+      <mc:AlternateContent xmlns:mc="http://schemas.openxmlformats.org/markup-compatibility/2006" xmlns:a14="http://schemas.microsoft.com/office/drawing/2010/main">
+        <mc:Choice Requires="a14">
           <p:sp>
             <p:nvSpPr>
               <p:cNvPr id="11" name="TextBox 10">
@@ -8163,7 +8082,7 @@
             </p:txBody>
           </p:sp>
         </mc:Choice>
-        <mc:Fallback>
+        <mc:Fallback xmlns="">
           <p:sp>
             <p:nvSpPr>
               <p:cNvPr id="11" name="TextBox 10">
@@ -8208,8 +8127,8 @@
           </p:sp>
         </mc:Fallback>
       </mc:AlternateContent>
-      <mc:AlternateContent xmlns:mc="http://schemas.openxmlformats.org/markup-compatibility/2006">
-        <mc:Choice xmlns:a14="http://schemas.microsoft.com/office/drawing/2010/main" Requires="a14">
+      <mc:AlternateContent xmlns:mc="http://schemas.openxmlformats.org/markup-compatibility/2006" xmlns:a14="http://schemas.microsoft.com/office/drawing/2010/main">
+        <mc:Choice Requires="a14">
           <p:sp>
             <p:nvSpPr>
               <p:cNvPr id="12" name="TextBox 11">
@@ -8298,7 +8217,7 @@
             </p:txBody>
           </p:sp>
         </mc:Choice>
-        <mc:Fallback>
+        <mc:Fallback xmlns="">
           <p:sp>
             <p:nvSpPr>
               <p:cNvPr id="12" name="TextBox 11">
@@ -8687,7 +8606,25 @@
                 </a:solidFill>
                 <a:latin typeface="Fira Sans" pitchFamily="34"/>
               </a:rPr>
-              <a:t>Choose weights such that the synthetic control looks like the treated unit</a:t>
+              <a:t>Choose weights such that the synthetic control </a:t>
+            </a:r>
+            <a:r>
+              <a:rPr lang="en-GB" sz="3200" b="1" dirty="0">
+                <a:solidFill>
+                  <a:srgbClr val="404040"/>
+                </a:solidFill>
+                <a:latin typeface="Fira Sans" pitchFamily="34"/>
+              </a:rPr>
+              <a:t>looks like</a:t>
+            </a:r>
+            <a:r>
+              <a:rPr lang="en-GB" sz="3200" dirty="0">
+                <a:solidFill>
+                  <a:srgbClr val="404040"/>
+                </a:solidFill>
+                <a:latin typeface="Fira Sans" pitchFamily="34"/>
+              </a:rPr>
+              <a:t> the treated unit</a:t>
             </a:r>
           </a:p>
           <a:p>
@@ -8844,7 +8781,7 @@
         </p:spPr>
         <p:txBody>
           <a:bodyPr>
-            <a:normAutofit/>
+            <a:normAutofit lnSpcReduction="10000"/>
           </a:bodyPr>
           <a:lstStyle/>
           <a:p>
@@ -8909,7 +8846,7 @@
                 </a:solidFill>
                 <a:latin typeface="Fira Sans" pitchFamily="34"/>
               </a:rPr>
-              <a:t>Pre-intervention control variables</a:t>
+              <a:t>Pre-intervention covariates</a:t>
             </a:r>
           </a:p>
           <a:p>
@@ -8960,12 +8897,28 @@
               <a:t>Price of cigarettes</a:t>
             </a:r>
           </a:p>
+          <a:p>
+            <a:pPr lvl="1">
+              <a:lnSpc>
+                <a:spcPct val="100000"/>
+              </a:lnSpc>
+            </a:pPr>
+            <a:r>
+              <a:rPr lang="en-GB" sz="2800" dirty="0">
+                <a:solidFill>
+                  <a:srgbClr val="404040"/>
+                </a:solidFill>
+                <a:latin typeface="Fira Sans" pitchFamily="34"/>
+              </a:rPr>
+              <a:t>Beer consumption</a:t>
+            </a:r>
+          </a:p>
         </p:txBody>
       </p:sp>
     </p:spTree>
     <p:extLst>
       <p:ext uri="{BB962C8B-B14F-4D97-AF65-F5344CB8AC3E}">
-        <p14:creationId xmlns:p14="http://schemas.microsoft.com/office/powerpoint/2010/main" val="700492099"/>
+        <p14:creationId xmlns:p14="http://schemas.microsoft.com/office/powerpoint/2010/main" val="1048524269"/>
       </p:ext>
     </p:extLst>
   </p:cSld>
@@ -9032,236 +8985,8 @@
           </a:p>
         </p:txBody>
       </p:sp>
-      <p:sp>
-        <p:nvSpPr>
-          <p:cNvPr id="3" name="Content Placeholder 2">
-            <a:extLst>
-              <a:ext uri="{FF2B5EF4-FFF2-40B4-BE49-F238E27FC236}">
-                <a16:creationId xmlns:a16="http://schemas.microsoft.com/office/drawing/2014/main" id="{101C6031-0036-4227-9AE0-DCC63CE3973A}"/>
-              </a:ext>
-            </a:extLst>
-          </p:cNvPr>
-          <p:cNvSpPr txBox="1">
-            <a:spLocks noGrp="1"/>
-          </p:cNvSpPr>
-          <p:nvPr>
-            <p:ph idx="1"/>
-          </p:nvPr>
-        </p:nvSpPr>
-        <p:spPr>
-          <a:xfrm>
-            <a:off x="838203" y="1825627"/>
-            <a:ext cx="10515600" cy="4667243"/>
-          </a:xfrm>
-        </p:spPr>
-        <p:txBody>
-          <a:bodyPr>
-            <a:normAutofit lnSpcReduction="10000"/>
-          </a:bodyPr>
-          <a:lstStyle/>
-          <a:p>
-            <a:pPr marL="0" indent="0">
-              <a:lnSpc>
-                <a:spcPct val="100000"/>
-              </a:lnSpc>
-              <a:buNone/>
-            </a:pPr>
-            <a:r>
-              <a:rPr lang="en-GB" sz="3200" dirty="0">
-                <a:solidFill>
-                  <a:srgbClr val="404040"/>
-                </a:solidFill>
-                <a:latin typeface="Fira Sans" pitchFamily="34"/>
-              </a:rPr>
-              <a:t>What does it mean to looks like California? This is a choice by the researcher!</a:t>
-            </a:r>
-          </a:p>
-          <a:p>
-            <a:pPr>
-              <a:lnSpc>
-                <a:spcPct val="100000"/>
-              </a:lnSpc>
-            </a:pPr>
-            <a:r>
-              <a:rPr lang="en-GB" sz="3200" dirty="0">
-                <a:solidFill>
-                  <a:srgbClr val="404040"/>
-                </a:solidFill>
-                <a:latin typeface="Fira Sans" pitchFamily="34"/>
-              </a:rPr>
-              <a:t>Pre-intervention target variables</a:t>
-            </a:r>
-          </a:p>
-          <a:p>
-            <a:pPr lvl="1">
-              <a:lnSpc>
-                <a:spcPct val="100000"/>
-              </a:lnSpc>
-            </a:pPr>
-            <a:r>
-              <a:rPr lang="en-GB" sz="2800" dirty="0">
-                <a:solidFill>
-                  <a:srgbClr val="404040"/>
-                </a:solidFill>
-                <a:latin typeface="Fira Sans" pitchFamily="34"/>
-              </a:rPr>
-              <a:t>Cigarette sales</a:t>
-            </a:r>
-          </a:p>
-          <a:p>
-            <a:pPr>
-              <a:lnSpc>
-                <a:spcPct val="100000"/>
-              </a:lnSpc>
-            </a:pPr>
-            <a:r>
-              <a:rPr lang="en-GB" sz="3200" dirty="0">
-                <a:solidFill>
-                  <a:srgbClr val="404040"/>
-                </a:solidFill>
-                <a:latin typeface="Fira Sans" pitchFamily="34"/>
-              </a:rPr>
-              <a:t>Pre-intervention control variables</a:t>
-            </a:r>
-          </a:p>
-          <a:p>
-            <a:pPr lvl="1">
-              <a:lnSpc>
-                <a:spcPct val="100000"/>
-              </a:lnSpc>
-            </a:pPr>
-            <a:r>
-              <a:rPr lang="en-GB" sz="2800" dirty="0">
-                <a:solidFill>
-                  <a:srgbClr val="404040"/>
-                </a:solidFill>
-                <a:latin typeface="Fira Sans" pitchFamily="34"/>
-              </a:rPr>
-              <a:t>Population composition</a:t>
-            </a:r>
-          </a:p>
-          <a:p>
-            <a:pPr lvl="1">
-              <a:lnSpc>
-                <a:spcPct val="100000"/>
-              </a:lnSpc>
-            </a:pPr>
-            <a:r>
-              <a:rPr lang="en-GB" sz="2800" dirty="0">
-                <a:solidFill>
-                  <a:srgbClr val="404040"/>
-                </a:solidFill>
-                <a:latin typeface="Fira Sans" pitchFamily="34"/>
-              </a:rPr>
-              <a:t>Average income of population</a:t>
-            </a:r>
-          </a:p>
-          <a:p>
-            <a:pPr lvl="1">
-              <a:lnSpc>
-                <a:spcPct val="100000"/>
-              </a:lnSpc>
-            </a:pPr>
-            <a:r>
-              <a:rPr lang="en-GB" sz="2800" dirty="0">
-                <a:solidFill>
-                  <a:srgbClr val="404040"/>
-                </a:solidFill>
-                <a:latin typeface="Fira Sans" pitchFamily="34"/>
-              </a:rPr>
-              <a:t>Price of cigarettes</a:t>
-            </a:r>
-          </a:p>
-          <a:p>
-            <a:pPr lvl="1">
-              <a:lnSpc>
-                <a:spcPct val="100000"/>
-              </a:lnSpc>
-            </a:pPr>
-            <a:r>
-              <a:rPr lang="en-GB" sz="2800" dirty="0">
-                <a:solidFill>
-                  <a:srgbClr val="404040"/>
-                </a:solidFill>
-                <a:latin typeface="Fira Sans" pitchFamily="34"/>
-              </a:rPr>
-              <a:t>Beer consumption</a:t>
-            </a:r>
-          </a:p>
-        </p:txBody>
-      </p:sp>
-    </p:spTree>
-    <p:extLst>
-      <p:ext uri="{BB962C8B-B14F-4D97-AF65-F5344CB8AC3E}">
-        <p14:creationId xmlns:p14="http://schemas.microsoft.com/office/powerpoint/2010/main" val="1048524269"/>
-      </p:ext>
-    </p:extLst>
-  </p:cSld>
-  <p:clrMapOvr>
-    <a:masterClrMapping/>
-  </p:clrMapOvr>
-</p:sld>
-</file>
-
-<file path=ppt/slides/slide18.xml><?xml version="1.0" encoding="utf-8"?>
-<p:sld xmlns:a="http://schemas.openxmlformats.org/drawingml/2006/main" xmlns:r="http://schemas.openxmlformats.org/officeDocument/2006/relationships" xmlns:p="http://schemas.openxmlformats.org/presentationml/2006/main">
-  <p:cSld>
-    <p:spTree>
-      <p:nvGrpSpPr>
-        <p:cNvPr id="1" name=""/>
-        <p:cNvGrpSpPr/>
-        <p:nvPr/>
-      </p:nvGrpSpPr>
-      <p:grpSpPr>
-        <a:xfrm>
-          <a:off x="0" y="0"/>
-          <a:ext cx="0" cy="0"/>
-          <a:chOff x="0" y="0"/>
-          <a:chExt cx="0" cy="0"/>
-        </a:xfrm>
-      </p:grpSpPr>
-      <p:sp>
-        <p:nvSpPr>
-          <p:cNvPr id="2" name="Title 1">
-            <a:extLst>
-              <a:ext uri="{FF2B5EF4-FFF2-40B4-BE49-F238E27FC236}">
-                <a16:creationId xmlns:a16="http://schemas.microsoft.com/office/drawing/2014/main" id="{036EB03B-6F62-4CCD-A4CD-12EC24AAF912}"/>
-              </a:ext>
-            </a:extLst>
-          </p:cNvPr>
-          <p:cNvSpPr txBox="1">
-            <a:spLocks noGrp="1"/>
-          </p:cNvSpPr>
-          <p:nvPr>
-            <p:ph type="title"/>
-          </p:nvPr>
-        </p:nvSpPr>
-        <p:spPr/>
-        <p:txBody>
-          <a:bodyPr/>
-          <a:lstStyle/>
-          <a:p>
-            <a:pPr lvl="0">
-              <a:lnSpc>
-                <a:spcPct val="100000"/>
-              </a:lnSpc>
-            </a:pPr>
-            <a:r>
-              <a:rPr lang="en-GB" sz="5400" b="1" kern="0" dirty="0">
-                <a:solidFill>
-                  <a:srgbClr val="006388"/>
-                </a:solidFill>
-                <a:latin typeface="Fira Sans" pitchFamily="34"/>
-                <a:ea typeface="Fira Code" pitchFamily="49"/>
-              </a:rPr>
-              <a:t>Estimating weights</a:t>
-            </a:r>
-            <a:endParaRPr lang="en-GB" sz="1800" kern="0" dirty="0"/>
-          </a:p>
-        </p:txBody>
-      </p:sp>
-      <mc:AlternateContent xmlns:mc="http://schemas.openxmlformats.org/markup-compatibility/2006">
-        <mc:Choice xmlns:a14="http://schemas.microsoft.com/office/drawing/2010/main" Requires="a14">
+      <mc:AlternateContent xmlns:mc="http://schemas.openxmlformats.org/markup-compatibility/2006" xmlns:a14="http://schemas.microsoft.com/office/drawing/2010/main">
+        <mc:Choice Requires="a14">
           <p:sp>
             <p:nvSpPr>
               <p:cNvPr id="3" name="Content Placeholder 2">
@@ -9950,7 +9675,7 @@
             </p:txBody>
           </p:sp>
         </mc:Choice>
-        <mc:Fallback>
+        <mc:Fallback xmlns="">
           <p:sp>
             <p:nvSpPr>
               <p:cNvPr id="3" name="Content Placeholder 2">
@@ -10007,7 +9732,7 @@
 </p:sld>
 </file>
 
-<file path=ppt/slides/slide19.xml><?xml version="1.0" encoding="utf-8"?>
+<file path=ppt/slides/slide18.xml><?xml version="1.0" encoding="utf-8"?>
 <p:sld xmlns:a="http://schemas.openxmlformats.org/drawingml/2006/main" xmlns:r="http://schemas.openxmlformats.org/officeDocument/2006/relationships" xmlns:p="http://schemas.openxmlformats.org/presentationml/2006/main">
   <p:cSld>
     <p:spTree>
@@ -10064,8 +9789,8 @@
           </a:p>
         </p:txBody>
       </p:sp>
-      <mc:AlternateContent xmlns:mc="http://schemas.openxmlformats.org/markup-compatibility/2006">
-        <mc:Choice xmlns:a14="http://schemas.microsoft.com/office/drawing/2010/main" Requires="a14">
+      <mc:AlternateContent xmlns:mc="http://schemas.openxmlformats.org/markup-compatibility/2006" xmlns:a14="http://schemas.microsoft.com/office/drawing/2010/main">
+        <mc:Choice Requires="a14">
           <p:sp>
             <p:nvSpPr>
               <p:cNvPr id="3" name="Content Placeholder 2">
@@ -10324,7 +10049,7 @@
             </p:txBody>
           </p:sp>
         </mc:Choice>
-        <mc:Fallback>
+        <mc:Fallback xmlns="">
           <p:sp>
             <p:nvSpPr>
               <p:cNvPr id="3" name="Content Placeholder 2">
@@ -10381,194 +10106,7 @@
 </p:sld>
 </file>
 
-<file path=ppt/slides/slide2.xml><?xml version="1.0" encoding="utf-8"?>
-<p:sld xmlns:a="http://schemas.openxmlformats.org/drawingml/2006/main" xmlns:r="http://schemas.openxmlformats.org/officeDocument/2006/relationships" xmlns:p="http://schemas.openxmlformats.org/presentationml/2006/main">
-  <p:cSld>
-    <p:spTree>
-      <p:nvGrpSpPr>
-        <p:cNvPr id="1" name=""/>
-        <p:cNvGrpSpPr/>
-        <p:nvPr/>
-      </p:nvGrpSpPr>
-      <p:grpSpPr>
-        <a:xfrm>
-          <a:off x="0" y="0"/>
-          <a:ext cx="0" cy="0"/>
-          <a:chOff x="0" y="0"/>
-          <a:chExt cx="0" cy="0"/>
-        </a:xfrm>
-      </p:grpSpPr>
-      <p:sp>
-        <p:nvSpPr>
-          <p:cNvPr id="3" name="Content Placeholder 2">
-            <a:extLst>
-              <a:ext uri="{FF2B5EF4-FFF2-40B4-BE49-F238E27FC236}">
-                <a16:creationId xmlns:a16="http://schemas.microsoft.com/office/drawing/2014/main" id="{101C6031-0036-4227-9AE0-DCC63CE3973A}"/>
-              </a:ext>
-            </a:extLst>
-          </p:cNvPr>
-          <p:cNvSpPr txBox="1">
-            <a:spLocks noGrp="1"/>
-          </p:cNvSpPr>
-          <p:nvPr>
-            <p:ph idx="1"/>
-          </p:nvPr>
-        </p:nvSpPr>
-        <p:spPr>
-          <a:xfrm>
-            <a:off x="838203" y="1825627"/>
-            <a:ext cx="10515600" cy="4667243"/>
-          </a:xfrm>
-        </p:spPr>
-        <p:txBody>
-          <a:bodyPr>
-            <a:normAutofit/>
-          </a:bodyPr>
-          <a:lstStyle/>
-          <a:p>
-            <a:pPr marL="0" indent="0">
-              <a:lnSpc>
-                <a:spcPct val="100000"/>
-              </a:lnSpc>
-              <a:buNone/>
-            </a:pPr>
-            <a:r>
-              <a:rPr lang="en-US" sz="3200" i="1" dirty="0">
-                <a:solidFill>
-                  <a:srgbClr val="404040"/>
-                </a:solidFill>
-                <a:latin typeface="Fira Sans" pitchFamily="34"/>
-              </a:rPr>
-              <a:t>,,arguably the most important innovation in the policy evaluation literature in the last 15 years”</a:t>
-            </a:r>
-          </a:p>
-          <a:p>
-            <a:pPr marL="0" indent="0">
-              <a:lnSpc>
-                <a:spcPct val="100000"/>
-              </a:lnSpc>
-              <a:buNone/>
-            </a:pPr>
-            <a:endParaRPr lang="en-GB" sz="3200" dirty="0">
-              <a:solidFill>
-                <a:srgbClr val="404040"/>
-              </a:solidFill>
-              <a:latin typeface="Fira Sans" pitchFamily="34"/>
-            </a:endParaRPr>
-          </a:p>
-        </p:txBody>
-      </p:sp>
-      <p:sp>
-        <p:nvSpPr>
-          <p:cNvPr id="4" name="TextBox 3">
-            <a:extLst>
-              <a:ext uri="{FF2B5EF4-FFF2-40B4-BE49-F238E27FC236}">
-                <a16:creationId xmlns:a16="http://schemas.microsoft.com/office/drawing/2014/main" id="{1A13266D-0EE9-9E0E-BBA6-185A2BF0CD6B}"/>
-              </a:ext>
-            </a:extLst>
-          </p:cNvPr>
-          <p:cNvSpPr txBox="1"/>
-          <p:nvPr/>
-        </p:nvSpPr>
-        <p:spPr>
-          <a:xfrm>
-            <a:off x="5416547" y="2958919"/>
-            <a:ext cx="5632450" cy="1200329"/>
-          </a:xfrm>
-          <a:prstGeom prst="rect">
-            <a:avLst/>
-          </a:prstGeom>
-          <a:noFill/>
-        </p:spPr>
-        <p:txBody>
-          <a:bodyPr wrap="square">
-            <a:spAutoFit/>
-          </a:bodyPr>
-          <a:lstStyle/>
-          <a:p>
-            <a:pPr marL="0" indent="0" algn="r">
-              <a:lnSpc>
-                <a:spcPct val="100000"/>
-              </a:lnSpc>
-              <a:buNone/>
-            </a:pPr>
-            <a:endParaRPr lang="en-GB" dirty="0">
-              <a:solidFill>
-                <a:schemeClr val="bg2">
-                  <a:lumMod val="75000"/>
-                </a:schemeClr>
-              </a:solidFill>
-              <a:latin typeface="Fira Sans" pitchFamily="34"/>
-            </a:endParaRPr>
-          </a:p>
-          <a:p>
-            <a:pPr marL="0" indent="0" algn="r">
-              <a:lnSpc>
-                <a:spcPct val="100000"/>
-              </a:lnSpc>
-              <a:buNone/>
-            </a:pPr>
-            <a:r>
-              <a:rPr lang="en-US" i="1" dirty="0" err="1">
-                <a:solidFill>
-                  <a:schemeClr val="bg2">
-                    <a:lumMod val="75000"/>
-                  </a:schemeClr>
-                </a:solidFill>
-                <a:latin typeface="Fira Sans" pitchFamily="34"/>
-              </a:rPr>
-              <a:t>Athey</a:t>
-            </a:r>
-            <a:r>
-              <a:rPr lang="en-US" i="1" dirty="0">
-                <a:solidFill>
-                  <a:schemeClr val="bg2">
-                    <a:lumMod val="75000"/>
-                  </a:schemeClr>
-                </a:solidFill>
-                <a:latin typeface="Fira Sans" pitchFamily="34"/>
-              </a:rPr>
-              <a:t>, S., &amp; </a:t>
-            </a:r>
-            <a:r>
-              <a:rPr lang="en-US" i="1" dirty="0" err="1">
-                <a:solidFill>
-                  <a:schemeClr val="bg2">
-                    <a:lumMod val="75000"/>
-                  </a:schemeClr>
-                </a:solidFill>
-                <a:latin typeface="Fira Sans" pitchFamily="34"/>
-              </a:rPr>
-              <a:t>Imbens</a:t>
-            </a:r>
-            <a:r>
-              <a:rPr lang="en-US" i="1" dirty="0">
-                <a:solidFill>
-                  <a:schemeClr val="bg2">
-                    <a:lumMod val="75000"/>
-                  </a:schemeClr>
-                </a:solidFill>
-                <a:latin typeface="Fira Sans" pitchFamily="34"/>
-              </a:rPr>
-              <a:t>, G. W. (2017). The state of applied econometrics: Causality and policy evaluation. Journal of Economic perspectives, 31(2), 3-32.</a:t>
-            </a:r>
-          </a:p>
-        </p:txBody>
-      </p:sp>
-    </p:spTree>
-    <p:extLst>
-      <p:ext uri="{BB962C8B-B14F-4D97-AF65-F5344CB8AC3E}">
-        <p14:creationId xmlns:p14="http://schemas.microsoft.com/office/powerpoint/2010/main" val="3711603300"/>
-      </p:ext>
-    </p:extLst>
-  </p:cSld>
-  <p:clrMapOvr>
-    <a:masterClrMapping/>
-  </p:clrMapOvr>
-</p:sld>
-</file>
-
-<file path=ppt/slides/slide20.xml><?xml version="1.0" encoding="utf-8"?>
+<file path=ppt/slides/slide19.xml><?xml version="1.0" encoding="utf-8"?>
 <p:sld xmlns:a="http://schemas.openxmlformats.org/drawingml/2006/main" xmlns:r="http://schemas.openxmlformats.org/officeDocument/2006/relationships" xmlns:p="http://schemas.openxmlformats.org/presentationml/2006/main">
   <p:cSld>
     <p:bg>
@@ -10646,6 +10184,388 @@
     <p:extLst>
       <p:ext uri="{BB962C8B-B14F-4D97-AF65-F5344CB8AC3E}">
         <p14:creationId xmlns:p14="http://schemas.microsoft.com/office/powerpoint/2010/main" val="1928620155"/>
+      </p:ext>
+    </p:extLst>
+  </p:cSld>
+  <p:clrMapOvr>
+    <a:masterClrMapping/>
+  </p:clrMapOvr>
+</p:sld>
+</file>
+
+<file path=ppt/slides/slide2.xml><?xml version="1.0" encoding="utf-8"?>
+<p:sld xmlns:a="http://schemas.openxmlformats.org/drawingml/2006/main" xmlns:r="http://schemas.openxmlformats.org/officeDocument/2006/relationships" xmlns:p="http://schemas.openxmlformats.org/presentationml/2006/main">
+  <p:cSld>
+    <p:spTree>
+      <p:nvGrpSpPr>
+        <p:cNvPr id="1" name=""/>
+        <p:cNvGrpSpPr/>
+        <p:nvPr/>
+      </p:nvGrpSpPr>
+      <p:grpSpPr>
+        <a:xfrm>
+          <a:off x="0" y="0"/>
+          <a:ext cx="0" cy="0"/>
+          <a:chOff x="0" y="0"/>
+          <a:chExt cx="0" cy="0"/>
+        </a:xfrm>
+      </p:grpSpPr>
+      <p:sp>
+        <p:nvSpPr>
+          <p:cNvPr id="3" name="Content Placeholder 2">
+            <a:extLst>
+              <a:ext uri="{FF2B5EF4-FFF2-40B4-BE49-F238E27FC236}">
+                <a16:creationId xmlns:a16="http://schemas.microsoft.com/office/drawing/2014/main" id="{101C6031-0036-4227-9AE0-DCC63CE3973A}"/>
+              </a:ext>
+            </a:extLst>
+          </p:cNvPr>
+          <p:cNvSpPr txBox="1">
+            <a:spLocks noGrp="1"/>
+          </p:cNvSpPr>
+          <p:nvPr>
+            <p:ph idx="1"/>
+          </p:nvPr>
+        </p:nvSpPr>
+        <p:spPr>
+          <a:xfrm>
+            <a:off x="838203" y="1825627"/>
+            <a:ext cx="10515600" cy="4667243"/>
+          </a:xfrm>
+        </p:spPr>
+        <p:txBody>
+          <a:bodyPr>
+            <a:normAutofit/>
+          </a:bodyPr>
+          <a:lstStyle/>
+          <a:p>
+            <a:pPr marL="0" indent="0">
+              <a:lnSpc>
+                <a:spcPct val="100000"/>
+              </a:lnSpc>
+              <a:buNone/>
+            </a:pPr>
+            <a:r>
+              <a:rPr lang="en-US" sz="3200" i="1" dirty="0">
+                <a:solidFill>
+                  <a:srgbClr val="404040"/>
+                </a:solidFill>
+                <a:latin typeface="Fira Sans" pitchFamily="34"/>
+              </a:rPr>
+              <a:t>,,arguably the most important innovation in the policy evaluation literature in the last 15 years”</a:t>
+            </a:r>
+          </a:p>
+          <a:p>
+            <a:pPr marL="0" indent="0">
+              <a:lnSpc>
+                <a:spcPct val="100000"/>
+              </a:lnSpc>
+              <a:buNone/>
+            </a:pPr>
+            <a:endParaRPr lang="en-GB" sz="3200" dirty="0">
+              <a:solidFill>
+                <a:srgbClr val="404040"/>
+              </a:solidFill>
+              <a:latin typeface="Fira Sans" pitchFamily="34"/>
+            </a:endParaRPr>
+          </a:p>
+        </p:txBody>
+      </p:sp>
+      <p:sp>
+        <p:nvSpPr>
+          <p:cNvPr id="4" name="TextBox 3">
+            <a:extLst>
+              <a:ext uri="{FF2B5EF4-FFF2-40B4-BE49-F238E27FC236}">
+                <a16:creationId xmlns:a16="http://schemas.microsoft.com/office/drawing/2014/main" id="{1A13266D-0EE9-9E0E-BBA6-185A2BF0CD6B}"/>
+              </a:ext>
+            </a:extLst>
+          </p:cNvPr>
+          <p:cNvSpPr txBox="1"/>
+          <p:nvPr/>
+        </p:nvSpPr>
+        <p:spPr>
+          <a:xfrm>
+            <a:off x="5416547" y="2958919"/>
+            <a:ext cx="5632450" cy="1200329"/>
+          </a:xfrm>
+          <a:prstGeom prst="rect">
+            <a:avLst/>
+          </a:prstGeom>
+          <a:noFill/>
+        </p:spPr>
+        <p:txBody>
+          <a:bodyPr wrap="square">
+            <a:spAutoFit/>
+          </a:bodyPr>
+          <a:lstStyle/>
+          <a:p>
+            <a:pPr marL="0" indent="0" algn="r">
+              <a:lnSpc>
+                <a:spcPct val="100000"/>
+              </a:lnSpc>
+              <a:buNone/>
+            </a:pPr>
+            <a:endParaRPr lang="en-GB" dirty="0">
+              <a:solidFill>
+                <a:schemeClr val="bg2">
+                  <a:lumMod val="75000"/>
+                </a:schemeClr>
+              </a:solidFill>
+              <a:latin typeface="Fira Sans" pitchFamily="34"/>
+            </a:endParaRPr>
+          </a:p>
+          <a:p>
+            <a:pPr marL="0" indent="0" algn="r">
+              <a:lnSpc>
+                <a:spcPct val="100000"/>
+              </a:lnSpc>
+              <a:buNone/>
+            </a:pPr>
+            <a:r>
+              <a:rPr lang="en-US" i="1" dirty="0" err="1">
+                <a:solidFill>
+                  <a:schemeClr val="bg2">
+                    <a:lumMod val="75000"/>
+                  </a:schemeClr>
+                </a:solidFill>
+                <a:latin typeface="Fira Sans" pitchFamily="34"/>
+              </a:rPr>
+              <a:t>Athey</a:t>
+            </a:r>
+            <a:r>
+              <a:rPr lang="en-US" i="1" dirty="0">
+                <a:solidFill>
+                  <a:schemeClr val="bg2">
+                    <a:lumMod val="75000"/>
+                  </a:schemeClr>
+                </a:solidFill>
+                <a:latin typeface="Fira Sans" pitchFamily="34"/>
+              </a:rPr>
+              <a:t>, S., &amp; </a:t>
+            </a:r>
+            <a:r>
+              <a:rPr lang="en-US" i="1" dirty="0" err="1">
+                <a:solidFill>
+                  <a:schemeClr val="bg2">
+                    <a:lumMod val="75000"/>
+                  </a:schemeClr>
+                </a:solidFill>
+                <a:latin typeface="Fira Sans" pitchFamily="34"/>
+              </a:rPr>
+              <a:t>Imbens</a:t>
+            </a:r>
+            <a:r>
+              <a:rPr lang="en-US" i="1" dirty="0">
+                <a:solidFill>
+                  <a:schemeClr val="bg2">
+                    <a:lumMod val="75000"/>
+                  </a:schemeClr>
+                </a:solidFill>
+                <a:latin typeface="Fira Sans" pitchFamily="34"/>
+              </a:rPr>
+              <a:t>, G. W. (2017). The state of applied econometrics: Causality and policy evaluation. Journal of Economic perspectives, 31(2), 3-32.</a:t>
+            </a:r>
+          </a:p>
+        </p:txBody>
+      </p:sp>
+    </p:spTree>
+    <p:extLst>
+      <p:ext uri="{BB962C8B-B14F-4D97-AF65-F5344CB8AC3E}">
+        <p14:creationId xmlns:p14="http://schemas.microsoft.com/office/powerpoint/2010/main" val="3711603300"/>
+      </p:ext>
+    </p:extLst>
+  </p:cSld>
+  <p:clrMapOvr>
+    <a:masterClrMapping/>
+  </p:clrMapOvr>
+</p:sld>
+</file>
+
+<file path=ppt/slides/slide20.xml><?xml version="1.0" encoding="utf-8"?>
+<p:sld xmlns:a="http://schemas.openxmlformats.org/drawingml/2006/main" xmlns:r="http://schemas.openxmlformats.org/officeDocument/2006/relationships" xmlns:p="http://schemas.openxmlformats.org/presentationml/2006/main">
+  <p:cSld>
+    <p:spTree>
+      <p:nvGrpSpPr>
+        <p:cNvPr id="1" name=""/>
+        <p:cNvGrpSpPr/>
+        <p:nvPr/>
+      </p:nvGrpSpPr>
+      <p:grpSpPr>
+        <a:xfrm>
+          <a:off x="0" y="0"/>
+          <a:ext cx="0" cy="0"/>
+          <a:chOff x="0" y="0"/>
+          <a:chExt cx="0" cy="0"/>
+        </a:xfrm>
+      </p:grpSpPr>
+      <p:sp>
+        <p:nvSpPr>
+          <p:cNvPr id="2" name="Title 1">
+            <a:extLst>
+              <a:ext uri="{FF2B5EF4-FFF2-40B4-BE49-F238E27FC236}">
+                <a16:creationId xmlns:a16="http://schemas.microsoft.com/office/drawing/2014/main" id="{036EB03B-6F62-4CCD-A4CD-12EC24AAF912}"/>
+              </a:ext>
+            </a:extLst>
+          </p:cNvPr>
+          <p:cNvSpPr txBox="1">
+            <a:spLocks noGrp="1"/>
+          </p:cNvSpPr>
+          <p:nvPr>
+            <p:ph type="title"/>
+          </p:nvPr>
+        </p:nvSpPr>
+        <p:spPr/>
+        <p:txBody>
+          <a:bodyPr/>
+          <a:lstStyle/>
+          <a:p>
+            <a:pPr lvl="0">
+              <a:lnSpc>
+                <a:spcPct val="100000"/>
+              </a:lnSpc>
+            </a:pPr>
+            <a:r>
+              <a:rPr lang="en-GB" sz="5400" b="1" kern="0" dirty="0">
+                <a:solidFill>
+                  <a:srgbClr val="006388"/>
+                </a:solidFill>
+                <a:latin typeface="Fira Sans" pitchFamily="34"/>
+                <a:ea typeface="Fira Code" pitchFamily="49"/>
+              </a:rPr>
+              <a:t>No interference / </a:t>
+            </a:r>
+            <a:r>
+              <a:rPr lang="en-GB" sz="5400" b="1" kern="0" dirty="0" err="1">
+                <a:solidFill>
+                  <a:srgbClr val="006388"/>
+                </a:solidFill>
+                <a:latin typeface="Fira Sans" pitchFamily="34"/>
+                <a:ea typeface="Fira Code" pitchFamily="49"/>
+              </a:rPr>
+              <a:t>spillover</a:t>
+            </a:r>
+            <a:endParaRPr lang="en-GB" sz="5400" b="1" kern="0" dirty="0">
+              <a:solidFill>
+                <a:srgbClr val="006388"/>
+              </a:solidFill>
+              <a:latin typeface="Fira Sans" pitchFamily="34"/>
+              <a:ea typeface="Fira Code" pitchFamily="49"/>
+            </a:endParaRPr>
+          </a:p>
+        </p:txBody>
+      </p:sp>
+      <p:sp>
+        <p:nvSpPr>
+          <p:cNvPr id="3" name="Content Placeholder 2">
+            <a:extLst>
+              <a:ext uri="{FF2B5EF4-FFF2-40B4-BE49-F238E27FC236}">
+                <a16:creationId xmlns:a16="http://schemas.microsoft.com/office/drawing/2014/main" id="{101C6031-0036-4227-9AE0-DCC63CE3973A}"/>
+              </a:ext>
+            </a:extLst>
+          </p:cNvPr>
+          <p:cNvSpPr txBox="1">
+            <a:spLocks noGrp="1"/>
+          </p:cNvSpPr>
+          <p:nvPr>
+            <p:ph idx="1"/>
+          </p:nvPr>
+        </p:nvSpPr>
+        <p:spPr>
+          <a:xfrm>
+            <a:off x="838203" y="1825627"/>
+            <a:ext cx="10515600" cy="4667243"/>
+          </a:xfrm>
+        </p:spPr>
+        <p:txBody>
+          <a:bodyPr>
+            <a:normAutofit/>
+          </a:bodyPr>
+          <a:lstStyle/>
+          <a:p>
+            <a:pPr marL="0" indent="0">
+              <a:lnSpc>
+                <a:spcPct val="100000"/>
+              </a:lnSpc>
+              <a:buNone/>
+            </a:pPr>
+            <a:r>
+              <a:rPr lang="en-US" sz="3200" b="1" dirty="0">
+                <a:solidFill>
+                  <a:srgbClr val="404040"/>
+                </a:solidFill>
+                <a:latin typeface="Fira Sans" pitchFamily="34"/>
+              </a:rPr>
+              <a:t>The donor pool unit does not receive any intervention effect</a:t>
+            </a:r>
+          </a:p>
+          <a:p>
+            <a:pPr marL="0" indent="0">
+              <a:lnSpc>
+                <a:spcPct val="100000"/>
+              </a:lnSpc>
+              <a:buNone/>
+            </a:pPr>
+            <a:endParaRPr lang="en-US" sz="3200" dirty="0">
+              <a:solidFill>
+                <a:srgbClr val="404040"/>
+              </a:solidFill>
+              <a:latin typeface="Fira Sans" pitchFamily="34"/>
+            </a:endParaRPr>
+          </a:p>
+          <a:p>
+            <a:pPr marL="0" indent="0">
+              <a:lnSpc>
+                <a:spcPct val="100000"/>
+              </a:lnSpc>
+              <a:buNone/>
+            </a:pPr>
+            <a:r>
+              <a:rPr lang="en-US" sz="3200" dirty="0">
+                <a:solidFill>
+                  <a:srgbClr val="404040"/>
+                </a:solidFill>
+                <a:latin typeface="Fira Sans" pitchFamily="34"/>
+              </a:rPr>
+              <a:t>Example spillover effects</a:t>
+            </a:r>
+          </a:p>
+          <a:p>
+            <a:pPr>
+              <a:lnSpc>
+                <a:spcPct val="100000"/>
+              </a:lnSpc>
+            </a:pPr>
+            <a:r>
+              <a:rPr lang="en-US" sz="3200" dirty="0">
+                <a:solidFill>
+                  <a:srgbClr val="404040"/>
+                </a:solidFill>
+                <a:latin typeface="Fira Sans" pitchFamily="34"/>
+              </a:rPr>
+              <a:t>Californians living near the border may buy their cigarettes in states across the border</a:t>
+            </a:r>
+          </a:p>
+          <a:p>
+            <a:pPr>
+              <a:lnSpc>
+                <a:spcPct val="100000"/>
+              </a:lnSpc>
+            </a:pPr>
+            <a:r>
+              <a:rPr lang="en-US" sz="3200" dirty="0">
+                <a:solidFill>
+                  <a:srgbClr val="404040"/>
+                </a:solidFill>
+                <a:latin typeface="Fira Sans" pitchFamily="34"/>
+              </a:rPr>
+              <a:t>Other states may pass laws similar to on California</a:t>
+            </a:r>
+          </a:p>
+        </p:txBody>
+      </p:sp>
+    </p:spTree>
+    <p:extLst>
+      <p:ext uri="{BB962C8B-B14F-4D97-AF65-F5344CB8AC3E}">
+        <p14:creationId xmlns:p14="http://schemas.microsoft.com/office/powerpoint/2010/main" val="3108774746"/>
       </p:ext>
     </p:extLst>
   </p:cSld>
@@ -10706,25 +10626,8 @@
                 <a:latin typeface="Fira Sans" pitchFamily="34"/>
                 <a:ea typeface="Fira Code" pitchFamily="49"/>
               </a:rPr>
-              <a:t>No interference / </a:t>
-            </a:r>
-            <a:r>
-              <a:rPr lang="en-GB" sz="5400" b="1" kern="0" dirty="0" err="1">
-                <a:solidFill>
-                  <a:srgbClr val="006388"/>
-                </a:solidFill>
-                <a:latin typeface="Fira Sans" pitchFamily="34"/>
-                <a:ea typeface="Fira Code" pitchFamily="49"/>
-              </a:rPr>
-              <a:t>spillover</a:t>
-            </a:r>
-            <a:endParaRPr lang="en-GB" sz="5400" b="1" kern="0" dirty="0">
-              <a:solidFill>
-                <a:srgbClr val="006388"/>
-              </a:solidFill>
-              <a:latin typeface="Fira Sans" pitchFamily="34"/>
-              <a:ea typeface="Fira Code" pitchFamily="49"/>
-            </a:endParaRPr>
+              <a:t>Measurement</a:t>
+            </a:r>
           </a:p>
         </p:txBody>
       </p:sp>
@@ -10763,13 +10666,31 @@
               <a:buNone/>
             </a:pPr>
             <a:r>
+              <a:rPr lang="en-US" sz="3200" dirty="0">
+                <a:solidFill>
+                  <a:srgbClr val="404040"/>
+                </a:solidFill>
+                <a:latin typeface="Fira Sans" pitchFamily="34"/>
+              </a:rPr>
+              <a:t>Measure control variables and target variable in the donor pool unit </a:t>
+            </a:r>
+            <a:r>
               <a:rPr lang="en-US" sz="3200" b="1" dirty="0">
                 <a:solidFill>
                   <a:srgbClr val="404040"/>
                 </a:solidFill>
                 <a:latin typeface="Fira Sans" pitchFamily="34"/>
               </a:rPr>
-              <a:t>The donor pool unit does not receive any intervention effect</a:t>
+              <a:t>before and after </a:t>
+            </a:r>
+            <a:r>
+              <a:rPr lang="en-US" sz="3200" dirty="0">
+                <a:solidFill>
+                  <a:srgbClr val="404040"/>
+                </a:solidFill>
+                <a:latin typeface="Fira Sans" pitchFamily="34"/>
+              </a:rPr>
+              <a:t>the intervention</a:t>
             </a:r>
           </a:p>
           <a:p>
@@ -10787,60 +10708,97 @@
             </a:endParaRPr>
           </a:p>
           <a:p>
+            <a:pPr>
+              <a:lnSpc>
+                <a:spcPct val="100000"/>
+              </a:lnSpc>
+            </a:pPr>
+            <a:r>
+              <a:rPr lang="en-US" sz="3200" dirty="0">
+                <a:solidFill>
+                  <a:srgbClr val="404040"/>
+                </a:solidFill>
+                <a:latin typeface="Fira Sans" pitchFamily="34"/>
+              </a:rPr>
+              <a:t>Ideally, large pre-intervention time window</a:t>
+            </a:r>
+            <a:br>
+              <a:rPr lang="en-US" sz="3200" dirty="0">
+                <a:solidFill>
+                  <a:srgbClr val="404040"/>
+                </a:solidFill>
+                <a:latin typeface="Fira Sans" pitchFamily="34"/>
+              </a:rPr>
+            </a:br>
+            <a:r>
+              <a:rPr lang="en-US" sz="3200" dirty="0">
+                <a:solidFill>
+                  <a:schemeClr val="tx1">
+                    <a:lumMod val="50000"/>
+                    <a:lumOff val="50000"/>
+                  </a:schemeClr>
+                </a:solidFill>
+                <a:latin typeface="Fira Sans" pitchFamily="34"/>
+              </a:rPr>
+              <a:t>Otherwise, risk overfitting pre-intervention; bad prediction for counterfactual</a:t>
+            </a:r>
+          </a:p>
+          <a:p>
+            <a:pPr>
+              <a:lnSpc>
+                <a:spcPct val="100000"/>
+              </a:lnSpc>
+            </a:pPr>
+            <a:r>
+              <a:rPr lang="en-US" sz="3200" dirty="0">
+                <a:solidFill>
+                  <a:srgbClr val="404040"/>
+                </a:solidFill>
+                <a:latin typeface="Fira Sans" pitchFamily="34"/>
+              </a:rPr>
+              <a:t>Be able to measure target variable after intervention</a:t>
+            </a:r>
+            <a:br>
+              <a:rPr lang="en-US" sz="3200" dirty="0">
+                <a:solidFill>
+                  <a:srgbClr val="404040"/>
+                </a:solidFill>
+                <a:latin typeface="Fira Sans" pitchFamily="34"/>
+              </a:rPr>
+            </a:br>
+            <a:r>
+              <a:rPr lang="en-US" sz="3200" dirty="0">
+                <a:solidFill>
+                  <a:schemeClr val="tx1">
+                    <a:lumMod val="50000"/>
+                    <a:lumOff val="50000"/>
+                  </a:schemeClr>
+                </a:solidFill>
+                <a:latin typeface="Fira Sans" pitchFamily="34"/>
+              </a:rPr>
+              <a:t>counterfactual is weighted average of this</a:t>
+            </a:r>
+          </a:p>
+          <a:p>
             <a:pPr marL="0" indent="0">
               <a:lnSpc>
                 <a:spcPct val="100000"/>
               </a:lnSpc>
               <a:buNone/>
             </a:pPr>
-            <a:r>
-              <a:rPr lang="en-US" sz="3200" dirty="0">
-                <a:solidFill>
-                  <a:srgbClr val="404040"/>
-                </a:solidFill>
-                <a:latin typeface="Fira Sans" pitchFamily="34"/>
-              </a:rPr>
-              <a:t>Example spillover effects</a:t>
-            </a:r>
-          </a:p>
-          <a:p>
-            <a:pPr>
-              <a:lnSpc>
-                <a:spcPct val="100000"/>
-              </a:lnSpc>
-            </a:pPr>
-            <a:r>
-              <a:rPr lang="en-US" sz="3200" dirty="0">
-                <a:solidFill>
-                  <a:srgbClr val="404040"/>
-                </a:solidFill>
-                <a:latin typeface="Fira Sans" pitchFamily="34"/>
-              </a:rPr>
-              <a:t>Californians living near the border may buy their cigarettes in states across the border</a:t>
-            </a:r>
-          </a:p>
-          <a:p>
-            <a:pPr>
-              <a:lnSpc>
-                <a:spcPct val="100000"/>
-              </a:lnSpc>
-            </a:pPr>
-            <a:r>
-              <a:rPr lang="en-US" sz="3200" dirty="0">
-                <a:solidFill>
-                  <a:srgbClr val="404040"/>
-                </a:solidFill>
-                <a:latin typeface="Fira Sans" pitchFamily="34"/>
-              </a:rPr>
-              <a:t>Other states may pass laws similar to on California</a:t>
-            </a:r>
+            <a:endParaRPr lang="en-US" sz="3200" dirty="0">
+              <a:solidFill>
+                <a:srgbClr val="404040"/>
+              </a:solidFill>
+              <a:latin typeface="Fira Sans" pitchFamily="34"/>
+            </a:endParaRPr>
           </a:p>
         </p:txBody>
       </p:sp>
     </p:spTree>
     <p:extLst>
       <p:ext uri="{BB962C8B-B14F-4D97-AF65-F5344CB8AC3E}">
-        <p14:creationId xmlns:p14="http://schemas.microsoft.com/office/powerpoint/2010/main" val="3108774746"/>
+        <p14:creationId xmlns:p14="http://schemas.microsoft.com/office/powerpoint/2010/main" val="3123224058"/>
       </p:ext>
     </p:extLst>
   </p:cSld>
@@ -10901,239 +10859,6 @@
                 <a:latin typeface="Fira Sans" pitchFamily="34"/>
                 <a:ea typeface="Fira Code" pitchFamily="49"/>
               </a:rPr>
-              <a:t>Measurement</a:t>
-            </a:r>
-          </a:p>
-        </p:txBody>
-      </p:sp>
-      <p:sp>
-        <p:nvSpPr>
-          <p:cNvPr id="3" name="Content Placeholder 2">
-            <a:extLst>
-              <a:ext uri="{FF2B5EF4-FFF2-40B4-BE49-F238E27FC236}">
-                <a16:creationId xmlns:a16="http://schemas.microsoft.com/office/drawing/2014/main" id="{101C6031-0036-4227-9AE0-DCC63CE3973A}"/>
-              </a:ext>
-            </a:extLst>
-          </p:cNvPr>
-          <p:cNvSpPr txBox="1">
-            <a:spLocks noGrp="1"/>
-          </p:cNvSpPr>
-          <p:nvPr>
-            <p:ph idx="1"/>
-          </p:nvPr>
-        </p:nvSpPr>
-        <p:spPr>
-          <a:xfrm>
-            <a:off x="838203" y="1825627"/>
-            <a:ext cx="10515600" cy="4667243"/>
-          </a:xfrm>
-        </p:spPr>
-        <p:txBody>
-          <a:bodyPr>
-            <a:normAutofit/>
-          </a:bodyPr>
-          <a:lstStyle/>
-          <a:p>
-            <a:pPr marL="0" indent="0">
-              <a:lnSpc>
-                <a:spcPct val="100000"/>
-              </a:lnSpc>
-              <a:buNone/>
-            </a:pPr>
-            <a:r>
-              <a:rPr lang="en-US" sz="3200" dirty="0">
-                <a:solidFill>
-                  <a:srgbClr val="404040"/>
-                </a:solidFill>
-                <a:latin typeface="Fira Sans" pitchFamily="34"/>
-              </a:rPr>
-              <a:t>Measure control variables and target variable in the donor pool unit </a:t>
-            </a:r>
-            <a:r>
-              <a:rPr lang="en-US" sz="3200" b="1" dirty="0">
-                <a:solidFill>
-                  <a:srgbClr val="404040"/>
-                </a:solidFill>
-                <a:latin typeface="Fira Sans" pitchFamily="34"/>
-              </a:rPr>
-              <a:t>before and after </a:t>
-            </a:r>
-            <a:r>
-              <a:rPr lang="en-US" sz="3200" dirty="0">
-                <a:solidFill>
-                  <a:srgbClr val="404040"/>
-                </a:solidFill>
-                <a:latin typeface="Fira Sans" pitchFamily="34"/>
-              </a:rPr>
-              <a:t>the intervention</a:t>
-            </a:r>
-          </a:p>
-          <a:p>
-            <a:pPr marL="0" indent="0">
-              <a:lnSpc>
-                <a:spcPct val="100000"/>
-              </a:lnSpc>
-              <a:buNone/>
-            </a:pPr>
-            <a:endParaRPr lang="en-US" sz="3200" dirty="0">
-              <a:solidFill>
-                <a:srgbClr val="404040"/>
-              </a:solidFill>
-              <a:latin typeface="Fira Sans" pitchFamily="34"/>
-            </a:endParaRPr>
-          </a:p>
-          <a:p>
-            <a:pPr>
-              <a:lnSpc>
-                <a:spcPct val="100000"/>
-              </a:lnSpc>
-            </a:pPr>
-            <a:r>
-              <a:rPr lang="en-US" sz="3200" dirty="0">
-                <a:solidFill>
-                  <a:srgbClr val="404040"/>
-                </a:solidFill>
-                <a:latin typeface="Fira Sans" pitchFamily="34"/>
-              </a:rPr>
-              <a:t>Ideally, large pre-intervention time window</a:t>
-            </a:r>
-            <a:br>
-              <a:rPr lang="en-US" sz="3200" dirty="0">
-                <a:solidFill>
-                  <a:srgbClr val="404040"/>
-                </a:solidFill>
-                <a:latin typeface="Fira Sans" pitchFamily="34"/>
-              </a:rPr>
-            </a:br>
-            <a:r>
-              <a:rPr lang="en-US" sz="3200" dirty="0">
-                <a:solidFill>
-                  <a:schemeClr val="tx1">
-                    <a:lumMod val="50000"/>
-                    <a:lumOff val="50000"/>
-                  </a:schemeClr>
-                </a:solidFill>
-                <a:latin typeface="Fira Sans" pitchFamily="34"/>
-              </a:rPr>
-              <a:t>Otherwise, risk overfitting pre-intervention; bad prediction for counterfactual</a:t>
-            </a:r>
-          </a:p>
-          <a:p>
-            <a:pPr>
-              <a:lnSpc>
-                <a:spcPct val="100000"/>
-              </a:lnSpc>
-            </a:pPr>
-            <a:r>
-              <a:rPr lang="en-US" sz="3200" dirty="0">
-                <a:solidFill>
-                  <a:srgbClr val="404040"/>
-                </a:solidFill>
-                <a:latin typeface="Fira Sans" pitchFamily="34"/>
-              </a:rPr>
-              <a:t>Be able to measure target variable after intervention</a:t>
-            </a:r>
-            <a:br>
-              <a:rPr lang="en-US" sz="3200" dirty="0">
-                <a:solidFill>
-                  <a:srgbClr val="404040"/>
-                </a:solidFill>
-                <a:latin typeface="Fira Sans" pitchFamily="34"/>
-              </a:rPr>
-            </a:br>
-            <a:r>
-              <a:rPr lang="en-US" sz="3200" dirty="0">
-                <a:solidFill>
-                  <a:schemeClr val="tx1">
-                    <a:lumMod val="50000"/>
-                    <a:lumOff val="50000"/>
-                  </a:schemeClr>
-                </a:solidFill>
-                <a:latin typeface="Fira Sans" pitchFamily="34"/>
-              </a:rPr>
-              <a:t>counterfactual is weighted average of this</a:t>
-            </a:r>
-          </a:p>
-          <a:p>
-            <a:pPr marL="0" indent="0">
-              <a:lnSpc>
-                <a:spcPct val="100000"/>
-              </a:lnSpc>
-              <a:buNone/>
-            </a:pPr>
-            <a:endParaRPr lang="en-US" sz="3200" dirty="0">
-              <a:solidFill>
-                <a:srgbClr val="404040"/>
-              </a:solidFill>
-              <a:latin typeface="Fira Sans" pitchFamily="34"/>
-            </a:endParaRPr>
-          </a:p>
-        </p:txBody>
-      </p:sp>
-    </p:spTree>
-    <p:extLst>
-      <p:ext uri="{BB962C8B-B14F-4D97-AF65-F5344CB8AC3E}">
-        <p14:creationId xmlns:p14="http://schemas.microsoft.com/office/powerpoint/2010/main" val="3123224058"/>
-      </p:ext>
-    </p:extLst>
-  </p:cSld>
-  <p:clrMapOvr>
-    <a:masterClrMapping/>
-  </p:clrMapOvr>
-</p:sld>
-</file>
-
-<file path=ppt/slides/slide23.xml><?xml version="1.0" encoding="utf-8"?>
-<p:sld xmlns:a="http://schemas.openxmlformats.org/drawingml/2006/main" xmlns:r="http://schemas.openxmlformats.org/officeDocument/2006/relationships" xmlns:p="http://schemas.openxmlformats.org/presentationml/2006/main">
-  <p:cSld>
-    <p:spTree>
-      <p:nvGrpSpPr>
-        <p:cNvPr id="1" name=""/>
-        <p:cNvGrpSpPr/>
-        <p:nvPr/>
-      </p:nvGrpSpPr>
-      <p:grpSpPr>
-        <a:xfrm>
-          <a:off x="0" y="0"/>
-          <a:ext cx="0" cy="0"/>
-          <a:chOff x="0" y="0"/>
-          <a:chExt cx="0" cy="0"/>
-        </a:xfrm>
-      </p:grpSpPr>
-      <p:sp>
-        <p:nvSpPr>
-          <p:cNvPr id="2" name="Title 1">
-            <a:extLst>
-              <a:ext uri="{FF2B5EF4-FFF2-40B4-BE49-F238E27FC236}">
-                <a16:creationId xmlns:a16="http://schemas.microsoft.com/office/drawing/2014/main" id="{036EB03B-6F62-4CCD-A4CD-12EC24AAF912}"/>
-              </a:ext>
-            </a:extLst>
-          </p:cNvPr>
-          <p:cNvSpPr txBox="1">
-            <a:spLocks noGrp="1"/>
-          </p:cNvSpPr>
-          <p:nvPr>
-            <p:ph type="title"/>
-          </p:nvPr>
-        </p:nvSpPr>
-        <p:spPr/>
-        <p:txBody>
-          <a:bodyPr/>
-          <a:lstStyle/>
-          <a:p>
-            <a:pPr lvl="0">
-              <a:lnSpc>
-                <a:spcPct val="100000"/>
-              </a:lnSpc>
-            </a:pPr>
-            <a:r>
-              <a:rPr lang="en-GB" sz="5400" b="1" kern="0" dirty="0">
-                <a:solidFill>
-                  <a:srgbClr val="006388"/>
-                </a:solidFill>
-                <a:latin typeface="Fira Sans" pitchFamily="34"/>
-                <a:ea typeface="Fira Code" pitchFamily="49"/>
-              </a:rPr>
               <a:t>Convex </a:t>
             </a:r>
             <a:r>
@@ -11253,7 +10978,7 @@
 </p:sld>
 </file>
 
-<file path=ppt/slides/slide24.xml><?xml version="1.0" encoding="utf-8"?>
+<file path=ppt/slides/slide23.xml><?xml version="1.0" encoding="utf-8"?>
 <p:sld xmlns:a="http://schemas.openxmlformats.org/drawingml/2006/main" xmlns:r="http://schemas.openxmlformats.org/officeDocument/2006/relationships" xmlns:p="http://schemas.openxmlformats.org/presentationml/2006/main">
   <p:cSld>
     <p:bg>
@@ -11340,7 +11065,7 @@
 </p:sld>
 </file>
 
-<file path=ppt/slides/slide25.xml><?xml version="1.0" encoding="utf-8"?>
+<file path=ppt/slides/slide24.xml><?xml version="1.0" encoding="utf-8"?>
 <p:sld xmlns:a="http://schemas.openxmlformats.org/drawingml/2006/main" xmlns:r="http://schemas.openxmlformats.org/officeDocument/2006/relationships" xmlns:p="http://schemas.openxmlformats.org/presentationml/2006/main">
   <p:cSld>
     <p:spTree>
@@ -11519,7 +11244,7 @@
 </p:sld>
 </file>
 
-<file path=ppt/slides/slide26.xml><?xml version="1.0" encoding="utf-8"?>
+<file path=ppt/slides/slide25.xml><?xml version="1.0" encoding="utf-8"?>
 <p:sld xmlns:a="http://schemas.openxmlformats.org/drawingml/2006/main" xmlns:r="http://schemas.openxmlformats.org/officeDocument/2006/relationships" xmlns:p="http://schemas.openxmlformats.org/presentationml/2006/main">
   <p:cSld>
     <p:bg>
@@ -11618,7 +11343,7 @@
 </p:sld>
 </file>
 
-<file path=ppt/slides/slide27.xml><?xml version="1.0" encoding="utf-8"?>
+<file path=ppt/slides/slide26.xml><?xml version="1.0" encoding="utf-8"?>
 <p:sld xmlns:a="http://schemas.openxmlformats.org/drawingml/2006/main" xmlns:r="http://schemas.openxmlformats.org/officeDocument/2006/relationships" xmlns:p="http://schemas.openxmlformats.org/presentationml/2006/main">
   <p:cSld>
     <p:spTree>
@@ -11718,7 +11443,7 @@
 </p:sld>
 </file>
 
-<file path=ppt/slides/slide28.xml><?xml version="1.0" encoding="utf-8"?>
+<file path=ppt/slides/slide27.xml><?xml version="1.0" encoding="utf-8"?>
 <p:sld xmlns:a="http://schemas.openxmlformats.org/drawingml/2006/main" xmlns:r="http://schemas.openxmlformats.org/officeDocument/2006/relationships" xmlns:p="http://schemas.openxmlformats.org/presentationml/2006/main">
   <p:cSld>
     <p:spTree>
@@ -11783,7 +11508,7 @@
 </p:sld>
 </file>
 
-<file path=ppt/slides/slide29.xml><?xml version="1.0" encoding="utf-8"?>
+<file path=ppt/slides/slide28.xml><?xml version="1.0" encoding="utf-8"?>
 <p:sld xmlns:a="http://schemas.openxmlformats.org/drawingml/2006/main" xmlns:r="http://schemas.openxmlformats.org/officeDocument/2006/relationships" xmlns:p="http://schemas.openxmlformats.org/presentationml/2006/main">
   <p:cSld>
     <p:spTree>
@@ -11923,201 +11648,7 @@
 </p:sld>
 </file>
 
-<file path=ppt/slides/slide3.xml><?xml version="1.0" encoding="utf-8"?>
-<p:sld xmlns:a="http://schemas.openxmlformats.org/drawingml/2006/main" xmlns:r="http://schemas.openxmlformats.org/officeDocument/2006/relationships" xmlns:p="http://schemas.openxmlformats.org/presentationml/2006/main">
-  <p:cSld>
-    <p:spTree>
-      <p:nvGrpSpPr>
-        <p:cNvPr id="1" name=""/>
-        <p:cNvGrpSpPr/>
-        <p:nvPr/>
-      </p:nvGrpSpPr>
-      <p:grpSpPr>
-        <a:xfrm>
-          <a:off x="0" y="0"/>
-          <a:ext cx="0" cy="0"/>
-          <a:chOff x="0" y="0"/>
-          <a:chExt cx="0" cy="0"/>
-        </a:xfrm>
-      </p:grpSpPr>
-      <p:sp>
-        <p:nvSpPr>
-          <p:cNvPr id="2" name="Title 1">
-            <a:extLst>
-              <a:ext uri="{FF2B5EF4-FFF2-40B4-BE49-F238E27FC236}">
-                <a16:creationId xmlns:a16="http://schemas.microsoft.com/office/drawing/2014/main" id="{036EB03B-6F62-4CCD-A4CD-12EC24AAF912}"/>
-              </a:ext>
-            </a:extLst>
-          </p:cNvPr>
-          <p:cNvSpPr txBox="1">
-            <a:spLocks noGrp="1"/>
-          </p:cNvSpPr>
-          <p:nvPr>
-            <p:ph type="title"/>
-          </p:nvPr>
-        </p:nvSpPr>
-        <p:spPr/>
-        <p:txBody>
-          <a:bodyPr/>
-          <a:lstStyle/>
-          <a:p>
-            <a:pPr lvl="0">
-              <a:lnSpc>
-                <a:spcPct val="100000"/>
-              </a:lnSpc>
-            </a:pPr>
-            <a:r>
-              <a:rPr lang="en-GB" sz="5400" b="1" kern="0" dirty="0">
-                <a:solidFill>
-                  <a:srgbClr val="006388"/>
-                </a:solidFill>
-                <a:latin typeface="Fira Sans" pitchFamily="34"/>
-                <a:ea typeface="Fira Code" pitchFamily="49"/>
-              </a:rPr>
-              <a:t>In this part</a:t>
-            </a:r>
-            <a:endParaRPr lang="en-GB" sz="1800" kern="0" dirty="0"/>
-          </a:p>
-        </p:txBody>
-      </p:sp>
-      <p:sp>
-        <p:nvSpPr>
-          <p:cNvPr id="3" name="Content Placeholder 2">
-            <a:extLst>
-              <a:ext uri="{FF2B5EF4-FFF2-40B4-BE49-F238E27FC236}">
-                <a16:creationId xmlns:a16="http://schemas.microsoft.com/office/drawing/2014/main" id="{101C6031-0036-4227-9AE0-DCC63CE3973A}"/>
-              </a:ext>
-            </a:extLst>
-          </p:cNvPr>
-          <p:cNvSpPr txBox="1">
-            <a:spLocks noGrp="1"/>
-          </p:cNvSpPr>
-          <p:nvPr>
-            <p:ph idx="1"/>
-          </p:nvPr>
-        </p:nvSpPr>
-        <p:spPr>
-          <a:xfrm>
-            <a:off x="838203" y="1825627"/>
-            <a:ext cx="10515600" cy="4667243"/>
-          </a:xfrm>
-        </p:spPr>
-        <p:txBody>
-          <a:bodyPr>
-            <a:normAutofit/>
-          </a:bodyPr>
-          <a:lstStyle/>
-          <a:p>
-            <a:pPr>
-              <a:lnSpc>
-                <a:spcPct val="100000"/>
-              </a:lnSpc>
-            </a:pPr>
-            <a:r>
-              <a:rPr lang="en-GB" sz="3200" dirty="0">
-                <a:solidFill>
-                  <a:srgbClr val="404040"/>
-                </a:solidFill>
-                <a:latin typeface="Fira Sans" pitchFamily="34"/>
-              </a:rPr>
-              <a:t>Introducing the synthetic control method</a:t>
-            </a:r>
-          </a:p>
-          <a:p>
-            <a:pPr>
-              <a:lnSpc>
-                <a:spcPct val="100000"/>
-              </a:lnSpc>
-            </a:pPr>
-            <a:r>
-              <a:rPr lang="en-GB" sz="3200" dirty="0">
-                <a:solidFill>
-                  <a:srgbClr val="404040"/>
-                </a:solidFill>
-                <a:latin typeface="Fira Sans" pitchFamily="34"/>
-              </a:rPr>
-              <a:t>How to quantify uncertainty</a:t>
-            </a:r>
-          </a:p>
-          <a:p>
-            <a:pPr>
-              <a:lnSpc>
-                <a:spcPct val="100000"/>
-              </a:lnSpc>
-            </a:pPr>
-            <a:r>
-              <a:rPr lang="en-GB" sz="3200" dirty="0">
-                <a:solidFill>
-                  <a:srgbClr val="404040"/>
-                </a:solidFill>
-                <a:latin typeface="Fira Sans" pitchFamily="34"/>
-              </a:rPr>
-              <a:t>What choices do we need to make and how do these impact our causal effect estimates?</a:t>
-            </a:r>
-          </a:p>
-          <a:p>
-            <a:pPr>
-              <a:lnSpc>
-                <a:spcPct val="100000"/>
-              </a:lnSpc>
-            </a:pPr>
-            <a:r>
-              <a:rPr lang="en-GB" sz="3200" dirty="0">
-                <a:solidFill>
-                  <a:srgbClr val="404040"/>
-                </a:solidFill>
-                <a:latin typeface="Fira Sans" pitchFamily="34"/>
-              </a:rPr>
-              <a:t>Performing the synthetic control method with </a:t>
-            </a:r>
-            <a:r>
-              <a:rPr lang="en-GB" sz="3200" dirty="0" err="1">
-                <a:solidFill>
-                  <a:srgbClr val="404040"/>
-                </a:solidFill>
-                <a:latin typeface="Fira Sans" pitchFamily="34"/>
-              </a:rPr>
-              <a:t>tidysynth</a:t>
-            </a:r>
-            <a:r>
-              <a:rPr lang="en-GB" sz="3200" dirty="0">
-                <a:solidFill>
-                  <a:srgbClr val="404040"/>
-                </a:solidFill>
-                <a:latin typeface="Fira Sans" pitchFamily="34"/>
-              </a:rPr>
-              <a:t> package</a:t>
-            </a:r>
-          </a:p>
-          <a:p>
-            <a:pPr>
-              <a:lnSpc>
-                <a:spcPct val="100000"/>
-              </a:lnSpc>
-            </a:pPr>
-            <a:endParaRPr lang="en-GB" sz="3200" dirty="0">
-              <a:solidFill>
-                <a:srgbClr val="404040"/>
-              </a:solidFill>
-              <a:latin typeface="Fira Sans" pitchFamily="34"/>
-            </a:endParaRPr>
-          </a:p>
-        </p:txBody>
-      </p:sp>
-    </p:spTree>
-    <p:extLst>
-      <p:ext uri="{BB962C8B-B14F-4D97-AF65-F5344CB8AC3E}">
-        <p14:creationId xmlns:p14="http://schemas.microsoft.com/office/powerpoint/2010/main" val="3141317725"/>
-      </p:ext>
-    </p:extLst>
-  </p:cSld>
-  <p:clrMapOvr>
-    <a:masterClrMapping/>
-  </p:clrMapOvr>
-</p:sld>
-</file>
-
-<file path=ppt/slides/slide30.xml><?xml version="1.0" encoding="utf-8"?>
+<file path=ppt/slides/slide29.xml><?xml version="1.0" encoding="utf-8"?>
 <p:sld xmlns:a="http://schemas.openxmlformats.org/drawingml/2006/main" xmlns:r="http://schemas.openxmlformats.org/officeDocument/2006/relationships" xmlns:p="http://schemas.openxmlformats.org/presentationml/2006/main">
   <p:cSld>
     <p:spTree>
@@ -12222,7 +11753,201 @@
 </p:sld>
 </file>
 
-<file path=ppt/slides/slide31.xml><?xml version="1.0" encoding="utf-8"?>
+<file path=ppt/slides/slide3.xml><?xml version="1.0" encoding="utf-8"?>
+<p:sld xmlns:a="http://schemas.openxmlformats.org/drawingml/2006/main" xmlns:r="http://schemas.openxmlformats.org/officeDocument/2006/relationships" xmlns:p="http://schemas.openxmlformats.org/presentationml/2006/main">
+  <p:cSld>
+    <p:spTree>
+      <p:nvGrpSpPr>
+        <p:cNvPr id="1" name=""/>
+        <p:cNvGrpSpPr/>
+        <p:nvPr/>
+      </p:nvGrpSpPr>
+      <p:grpSpPr>
+        <a:xfrm>
+          <a:off x="0" y="0"/>
+          <a:ext cx="0" cy="0"/>
+          <a:chOff x="0" y="0"/>
+          <a:chExt cx="0" cy="0"/>
+        </a:xfrm>
+      </p:grpSpPr>
+      <p:sp>
+        <p:nvSpPr>
+          <p:cNvPr id="2" name="Title 1">
+            <a:extLst>
+              <a:ext uri="{FF2B5EF4-FFF2-40B4-BE49-F238E27FC236}">
+                <a16:creationId xmlns:a16="http://schemas.microsoft.com/office/drawing/2014/main" id="{036EB03B-6F62-4CCD-A4CD-12EC24AAF912}"/>
+              </a:ext>
+            </a:extLst>
+          </p:cNvPr>
+          <p:cNvSpPr txBox="1">
+            <a:spLocks noGrp="1"/>
+          </p:cNvSpPr>
+          <p:nvPr>
+            <p:ph type="title"/>
+          </p:nvPr>
+        </p:nvSpPr>
+        <p:spPr/>
+        <p:txBody>
+          <a:bodyPr/>
+          <a:lstStyle/>
+          <a:p>
+            <a:pPr lvl="0">
+              <a:lnSpc>
+                <a:spcPct val="100000"/>
+              </a:lnSpc>
+            </a:pPr>
+            <a:r>
+              <a:rPr lang="en-GB" sz="5400" b="1" kern="0" dirty="0">
+                <a:solidFill>
+                  <a:srgbClr val="006388"/>
+                </a:solidFill>
+                <a:latin typeface="Fira Sans" pitchFamily="34"/>
+                <a:ea typeface="Fira Code" pitchFamily="49"/>
+              </a:rPr>
+              <a:t>In this part</a:t>
+            </a:r>
+            <a:endParaRPr lang="en-GB" sz="1800" kern="0" dirty="0"/>
+          </a:p>
+        </p:txBody>
+      </p:sp>
+      <p:sp>
+        <p:nvSpPr>
+          <p:cNvPr id="3" name="Content Placeholder 2">
+            <a:extLst>
+              <a:ext uri="{FF2B5EF4-FFF2-40B4-BE49-F238E27FC236}">
+                <a16:creationId xmlns:a16="http://schemas.microsoft.com/office/drawing/2014/main" id="{101C6031-0036-4227-9AE0-DCC63CE3973A}"/>
+              </a:ext>
+            </a:extLst>
+          </p:cNvPr>
+          <p:cNvSpPr txBox="1">
+            <a:spLocks noGrp="1"/>
+          </p:cNvSpPr>
+          <p:nvPr>
+            <p:ph idx="1"/>
+          </p:nvPr>
+        </p:nvSpPr>
+        <p:spPr>
+          <a:xfrm>
+            <a:off x="838203" y="1825627"/>
+            <a:ext cx="10515600" cy="4667243"/>
+          </a:xfrm>
+        </p:spPr>
+        <p:txBody>
+          <a:bodyPr>
+            <a:normAutofit/>
+          </a:bodyPr>
+          <a:lstStyle/>
+          <a:p>
+            <a:pPr>
+              <a:lnSpc>
+                <a:spcPct val="100000"/>
+              </a:lnSpc>
+            </a:pPr>
+            <a:r>
+              <a:rPr lang="en-GB" sz="3200" dirty="0">
+                <a:solidFill>
+                  <a:srgbClr val="404040"/>
+                </a:solidFill>
+                <a:latin typeface="Fira Sans" pitchFamily="34"/>
+              </a:rPr>
+              <a:t>Introducing the synthetic control method</a:t>
+            </a:r>
+          </a:p>
+          <a:p>
+            <a:pPr>
+              <a:lnSpc>
+                <a:spcPct val="100000"/>
+              </a:lnSpc>
+            </a:pPr>
+            <a:r>
+              <a:rPr lang="en-GB" sz="3200" dirty="0">
+                <a:solidFill>
+                  <a:srgbClr val="404040"/>
+                </a:solidFill>
+                <a:latin typeface="Fira Sans" pitchFamily="34"/>
+              </a:rPr>
+              <a:t>How to quantify uncertainty</a:t>
+            </a:r>
+          </a:p>
+          <a:p>
+            <a:pPr>
+              <a:lnSpc>
+                <a:spcPct val="100000"/>
+              </a:lnSpc>
+            </a:pPr>
+            <a:r>
+              <a:rPr lang="en-GB" sz="3200" dirty="0">
+                <a:solidFill>
+                  <a:srgbClr val="404040"/>
+                </a:solidFill>
+                <a:latin typeface="Fira Sans" pitchFamily="34"/>
+              </a:rPr>
+              <a:t>What choices do we need to make and how do these impact our causal effect estimates?</a:t>
+            </a:r>
+          </a:p>
+          <a:p>
+            <a:pPr>
+              <a:lnSpc>
+                <a:spcPct val="100000"/>
+              </a:lnSpc>
+            </a:pPr>
+            <a:r>
+              <a:rPr lang="en-GB" sz="3200" dirty="0">
+                <a:solidFill>
+                  <a:srgbClr val="404040"/>
+                </a:solidFill>
+                <a:latin typeface="Fira Sans" pitchFamily="34"/>
+              </a:rPr>
+              <a:t>Performing the synthetic control method with </a:t>
+            </a:r>
+            <a:r>
+              <a:rPr lang="en-GB" sz="3200" dirty="0" err="1">
+                <a:solidFill>
+                  <a:srgbClr val="404040"/>
+                </a:solidFill>
+                <a:latin typeface="Fira Sans" pitchFamily="34"/>
+              </a:rPr>
+              <a:t>tidysynth</a:t>
+            </a:r>
+            <a:r>
+              <a:rPr lang="en-GB" sz="3200" dirty="0">
+                <a:solidFill>
+                  <a:srgbClr val="404040"/>
+                </a:solidFill>
+                <a:latin typeface="Fira Sans" pitchFamily="34"/>
+              </a:rPr>
+              <a:t> package</a:t>
+            </a:r>
+          </a:p>
+          <a:p>
+            <a:pPr>
+              <a:lnSpc>
+                <a:spcPct val="100000"/>
+              </a:lnSpc>
+            </a:pPr>
+            <a:endParaRPr lang="en-GB" sz="3200" dirty="0">
+              <a:solidFill>
+                <a:srgbClr val="404040"/>
+              </a:solidFill>
+              <a:latin typeface="Fira Sans" pitchFamily="34"/>
+            </a:endParaRPr>
+          </a:p>
+        </p:txBody>
+      </p:sp>
+    </p:spTree>
+    <p:extLst>
+      <p:ext uri="{BB962C8B-B14F-4D97-AF65-F5344CB8AC3E}">
+        <p14:creationId xmlns:p14="http://schemas.microsoft.com/office/powerpoint/2010/main" val="3141317725"/>
+      </p:ext>
+    </p:extLst>
+  </p:cSld>
+  <p:clrMapOvr>
+    <a:masterClrMapping/>
+  </p:clrMapOvr>
+</p:sld>
+</file>
+
+<file path=ppt/slides/slide30.xml><?xml version="1.0" encoding="utf-8"?>
 <p:sld xmlns:a="http://schemas.openxmlformats.org/drawingml/2006/main" xmlns:r="http://schemas.openxmlformats.org/officeDocument/2006/relationships" xmlns:p="http://schemas.openxmlformats.org/presentationml/2006/main">
   <p:cSld>
     <p:spTree>
@@ -12367,7 +12092,7 @@
 </p:sld>
 </file>
 
-<file path=ppt/slides/slide32.xml><?xml version="1.0" encoding="utf-8"?>
+<file path=ppt/slides/slide31.xml><?xml version="1.0" encoding="utf-8"?>
 <p:sld xmlns:a="http://schemas.openxmlformats.org/drawingml/2006/main" xmlns:r="http://schemas.openxmlformats.org/officeDocument/2006/relationships" xmlns:p="http://schemas.openxmlformats.org/presentationml/2006/main">
   <p:cSld>
     <p:spTree>
@@ -12433,7 +12158,7 @@
 </p:sld>
 </file>
 
-<file path=ppt/slides/slide33.xml><?xml version="1.0" encoding="utf-8"?>
+<file path=ppt/slides/slide32.xml><?xml version="1.0" encoding="utf-8"?>
 <p:sld xmlns:a="http://schemas.openxmlformats.org/drawingml/2006/main" xmlns:r="http://schemas.openxmlformats.org/officeDocument/2006/relationships" xmlns:p="http://schemas.openxmlformats.org/presentationml/2006/main">
   <p:cSld>
     <p:spTree>
@@ -12543,7 +12268,7 @@
 </p:sld>
 </file>
 
-<file path=ppt/slides/slide34.xml><?xml version="1.0" encoding="utf-8"?>
+<file path=ppt/slides/slide33.xml><?xml version="1.0" encoding="utf-8"?>
 <p:sld xmlns:a="http://schemas.openxmlformats.org/drawingml/2006/main" xmlns:r="http://schemas.openxmlformats.org/officeDocument/2006/relationships" xmlns:p="http://schemas.openxmlformats.org/presentationml/2006/main">
   <p:cSld>
     <p:spTree>
@@ -12609,7 +12334,7 @@
 </p:sld>
 </file>
 
-<file path=ppt/slides/slide35.xml><?xml version="1.0" encoding="utf-8"?>
+<file path=ppt/slides/slide34.xml><?xml version="1.0" encoding="utf-8"?>
 <p:sld xmlns:a="http://schemas.openxmlformats.org/drawingml/2006/main" xmlns:r="http://schemas.openxmlformats.org/officeDocument/2006/relationships" xmlns:p="http://schemas.openxmlformats.org/presentationml/2006/main">
   <p:cSld>
     <p:bg>
@@ -12696,7 +12421,7 @@
 </p:sld>
 </file>
 
-<file path=ppt/slides/slide36.xml><?xml version="1.0" encoding="utf-8"?>
+<file path=ppt/slides/slide35.xml><?xml version="1.0" encoding="utf-8"?>
 <p:sld xmlns:a="http://schemas.openxmlformats.org/drawingml/2006/main" xmlns:r="http://schemas.openxmlformats.org/officeDocument/2006/relationships" xmlns:p="http://schemas.openxmlformats.org/presentationml/2006/main">
   <p:cSld>
     <p:spTree>
@@ -12749,276 +12474,6 @@
           </a:prstGeom>
         </p:spPr>
       </p:pic>
-      <mc:AlternateContent xmlns:mc="http://schemas.openxmlformats.org/markup-compatibility/2006">
-        <mc:Choice xmlns:a14="http://schemas.microsoft.com/office/drawing/2010/main" Requires="a14">
-          <p:sp>
-            <p:nvSpPr>
-              <p:cNvPr id="11" name="TextBox 10">
-                <a:extLst>
-                  <a:ext uri="{FF2B5EF4-FFF2-40B4-BE49-F238E27FC236}">
-                    <a16:creationId xmlns:a16="http://schemas.microsoft.com/office/drawing/2014/main" id="{EE1BCC9E-C2DC-F2C5-F7CE-208D7FBC57E8}"/>
-                  </a:ext>
-                </a:extLst>
-              </p:cNvPr>
-              <p:cNvSpPr txBox="1"/>
-              <p:nvPr/>
-            </p:nvSpPr>
-            <p:spPr>
-              <a:xfrm>
-                <a:off x="9182108" y="2775550"/>
-                <a:ext cx="965200" cy="653449"/>
-              </a:xfrm>
-              <a:prstGeom prst="rect">
-                <a:avLst/>
-              </a:prstGeom>
-              <a:noFill/>
-            </p:spPr>
-            <p:txBody>
-              <a:bodyPr wrap="square">
-                <a:spAutoFit/>
-              </a:bodyPr>
-              <a:lstStyle/>
-              <a:p>
-                <a:pPr/>
-                <a14:m>
-                  <m:oMathPara xmlns:m="http://schemas.openxmlformats.org/officeDocument/2006/math">
-                    <m:oMathParaPr>
-                      <m:jc m:val="centerGroup"/>
-                    </m:oMathParaPr>
-                    <m:oMath xmlns:m="http://schemas.openxmlformats.org/officeDocument/2006/math">
-                      <m:sSubSup>
-                        <m:sSubSupPr>
-                          <m:ctrlPr>
-                            <a:rPr lang="en-US" sz="3600" b="0" i="1" smtClean="0">
-                              <a:solidFill>
-                                <a:srgbClr val="404040"/>
-                              </a:solidFill>
-                              <a:latin typeface="Cambria Math" panose="02040503050406030204" pitchFamily="18" charset="0"/>
-                            </a:rPr>
-                          </m:ctrlPr>
-                        </m:sSubSupPr>
-                        <m:e>
-                          <m:r>
-                            <a:rPr lang="en-US" sz="3600" b="0" i="1" smtClean="0">
-                              <a:solidFill>
-                                <a:srgbClr val="404040"/>
-                              </a:solidFill>
-                              <a:latin typeface="Cambria Math" panose="02040503050406030204" pitchFamily="18" charset="0"/>
-                            </a:rPr>
-                            <m:t>𝑌</m:t>
-                          </m:r>
-                        </m:e>
-                        <m:sub>
-                          <m:r>
-                            <a:rPr lang="en-US" sz="3600" b="0" i="1" smtClean="0">
-                              <a:solidFill>
-                                <a:srgbClr val="404040"/>
-                              </a:solidFill>
-                              <a:latin typeface="Cambria Math" panose="02040503050406030204" pitchFamily="18" charset="0"/>
-                            </a:rPr>
-                            <m:t>𝑡</m:t>
-                          </m:r>
-                        </m:sub>
-                        <m:sup>
-                          <m:r>
-                            <a:rPr lang="en-US" sz="3600" b="0" i="1" smtClean="0">
-                              <a:solidFill>
-                                <a:srgbClr val="404040"/>
-                              </a:solidFill>
-                              <a:latin typeface="Cambria Math" panose="02040503050406030204" pitchFamily="18" charset="0"/>
-                            </a:rPr>
-                            <m:t>0</m:t>
-                          </m:r>
-                        </m:sup>
-                      </m:sSubSup>
-                    </m:oMath>
-                  </m:oMathPara>
-                </a14:m>
-                <a:endParaRPr lang="en-NL" sz="3600" dirty="0"/>
-              </a:p>
-            </p:txBody>
-          </p:sp>
-        </mc:Choice>
-        <mc:Fallback>
-          <p:sp>
-            <p:nvSpPr>
-              <p:cNvPr id="11" name="TextBox 10">
-                <a:extLst>
-                  <a:ext uri="{FF2B5EF4-FFF2-40B4-BE49-F238E27FC236}">
-                    <a16:creationId xmlns:a16="http://schemas.microsoft.com/office/drawing/2014/main" id="{EE1BCC9E-C2DC-F2C5-F7CE-208D7FBC57E8}"/>
-                  </a:ext>
-                </a:extLst>
-              </p:cNvPr>
-              <p:cNvSpPr txBox="1">
-                <a:spLocks noRot="1" noChangeAspect="1" noMove="1" noResize="1" noEditPoints="1" noAdjustHandles="1" noChangeArrowheads="1" noChangeShapeType="1" noTextEdit="1"/>
-              </p:cNvSpPr>
-              <p:nvPr/>
-            </p:nvSpPr>
-            <p:spPr>
-              <a:xfrm>
-                <a:off x="9182108" y="2775550"/>
-                <a:ext cx="965200" cy="653449"/>
-              </a:xfrm>
-              <a:prstGeom prst="rect">
-                <a:avLst/>
-              </a:prstGeom>
-              <a:blipFill>
-                <a:blip r:embed="rId4"/>
-                <a:stretch>
-                  <a:fillRect/>
-                </a:stretch>
-              </a:blipFill>
-            </p:spPr>
-            <p:txBody>
-              <a:bodyPr/>
-              <a:lstStyle/>
-              <a:p>
-                <a:r>
-                  <a:rPr lang="en-NL">
-                    <a:noFill/>
-                  </a:rPr>
-                  <a:t> </a:t>
-                </a:r>
-              </a:p>
-            </p:txBody>
-          </p:sp>
-        </mc:Fallback>
-      </mc:AlternateContent>
-      <mc:AlternateContent xmlns:mc="http://schemas.openxmlformats.org/markup-compatibility/2006">
-        <mc:Choice xmlns:a14="http://schemas.microsoft.com/office/drawing/2010/main" Requires="a14">
-          <p:sp>
-            <p:nvSpPr>
-              <p:cNvPr id="12" name="TextBox 11">
-                <a:extLst>
-                  <a:ext uri="{FF2B5EF4-FFF2-40B4-BE49-F238E27FC236}">
-                    <a16:creationId xmlns:a16="http://schemas.microsoft.com/office/drawing/2014/main" id="{D42522DB-AE89-C8C9-ED16-EA60941B58D2}"/>
-                  </a:ext>
-                </a:extLst>
-              </p:cNvPr>
-              <p:cNvSpPr txBox="1"/>
-              <p:nvPr/>
-            </p:nvSpPr>
-            <p:spPr>
-              <a:xfrm>
-                <a:off x="9461508" y="4236050"/>
-                <a:ext cx="965200" cy="648960"/>
-              </a:xfrm>
-              <a:prstGeom prst="rect">
-                <a:avLst/>
-              </a:prstGeom>
-              <a:noFill/>
-            </p:spPr>
-            <p:txBody>
-              <a:bodyPr wrap="square">
-                <a:spAutoFit/>
-              </a:bodyPr>
-              <a:lstStyle/>
-              <a:p>
-                <a:pPr/>
-                <a14:m>
-                  <m:oMathPara xmlns:m="http://schemas.openxmlformats.org/officeDocument/2006/math">
-                    <m:oMathParaPr>
-                      <m:jc m:val="centerGroup"/>
-                    </m:oMathParaPr>
-                    <m:oMath xmlns:m="http://schemas.openxmlformats.org/officeDocument/2006/math">
-                      <m:sSubSup>
-                        <m:sSubSupPr>
-                          <m:ctrlPr>
-                            <a:rPr lang="en-US" sz="3600" b="0" i="1" smtClean="0">
-                              <a:solidFill>
-                                <a:srgbClr val="404040"/>
-                              </a:solidFill>
-                              <a:latin typeface="Cambria Math" panose="02040503050406030204" pitchFamily="18" charset="0"/>
-                            </a:rPr>
-                          </m:ctrlPr>
-                        </m:sSubSupPr>
-                        <m:e>
-                          <m:r>
-                            <a:rPr lang="en-US" sz="3600" b="0" i="1" smtClean="0">
-                              <a:solidFill>
-                                <a:srgbClr val="404040"/>
-                              </a:solidFill>
-                              <a:latin typeface="Cambria Math" panose="02040503050406030204" pitchFamily="18" charset="0"/>
-                            </a:rPr>
-                            <m:t>𝑌</m:t>
-                          </m:r>
-                        </m:e>
-                        <m:sub>
-                          <m:r>
-                            <a:rPr lang="en-US" sz="3600" b="0" i="1" smtClean="0">
-                              <a:solidFill>
-                                <a:srgbClr val="404040"/>
-                              </a:solidFill>
-                              <a:latin typeface="Cambria Math" panose="02040503050406030204" pitchFamily="18" charset="0"/>
-                            </a:rPr>
-                            <m:t>𝑡</m:t>
-                          </m:r>
-                        </m:sub>
-                        <m:sup>
-                          <m:r>
-                            <a:rPr lang="en-US" sz="3600" b="0" i="1" smtClean="0">
-                              <a:solidFill>
-                                <a:srgbClr val="404040"/>
-                              </a:solidFill>
-                              <a:latin typeface="Cambria Math" panose="02040503050406030204" pitchFamily="18" charset="0"/>
-                            </a:rPr>
-                            <m:t>1</m:t>
-                          </m:r>
-                        </m:sup>
-                      </m:sSubSup>
-                    </m:oMath>
-                  </m:oMathPara>
-                </a14:m>
-                <a:endParaRPr lang="en-NL" sz="3600" dirty="0"/>
-              </a:p>
-            </p:txBody>
-          </p:sp>
-        </mc:Choice>
-        <mc:Fallback>
-          <p:sp>
-            <p:nvSpPr>
-              <p:cNvPr id="12" name="TextBox 11">
-                <a:extLst>
-                  <a:ext uri="{FF2B5EF4-FFF2-40B4-BE49-F238E27FC236}">
-                    <a16:creationId xmlns:a16="http://schemas.microsoft.com/office/drawing/2014/main" id="{D42522DB-AE89-C8C9-ED16-EA60941B58D2}"/>
-                  </a:ext>
-                </a:extLst>
-              </p:cNvPr>
-              <p:cNvSpPr txBox="1">
-                <a:spLocks noRot="1" noChangeAspect="1" noMove="1" noResize="1" noEditPoints="1" noAdjustHandles="1" noChangeArrowheads="1" noChangeShapeType="1" noTextEdit="1"/>
-              </p:cNvSpPr>
-              <p:nvPr/>
-            </p:nvSpPr>
-            <p:spPr>
-              <a:xfrm>
-                <a:off x="9461508" y="4236050"/>
-                <a:ext cx="965200" cy="648960"/>
-              </a:xfrm>
-              <a:prstGeom prst="rect">
-                <a:avLst/>
-              </a:prstGeom>
-              <a:blipFill>
-                <a:blip r:embed="rId5"/>
-                <a:stretch>
-                  <a:fillRect/>
-                </a:stretch>
-              </a:blipFill>
-            </p:spPr>
-            <p:txBody>
-              <a:bodyPr/>
-              <a:lstStyle/>
-              <a:p>
-                <a:r>
-                  <a:rPr lang="en-NL">
-                    <a:noFill/>
-                  </a:rPr>
-                  <a:t> </a:t>
-                </a:r>
-              </a:p>
-            </p:txBody>
-          </p:sp>
-        </mc:Fallback>
-      </mc:AlternateContent>
     </p:spTree>
     <p:extLst>
       <p:ext uri="{BB962C8B-B14F-4D97-AF65-F5344CB8AC3E}">
@@ -13032,7 +12487,7 @@
 </p:sld>
 </file>
 
-<file path=ppt/slides/slide37.xml><?xml version="1.0" encoding="utf-8"?>
+<file path=ppt/slides/slide36.xml><?xml version="1.0" encoding="utf-8"?>
 <p:sld xmlns:a="http://schemas.openxmlformats.org/drawingml/2006/main" xmlns:r="http://schemas.openxmlformats.org/officeDocument/2006/relationships" xmlns:p="http://schemas.openxmlformats.org/presentationml/2006/main">
   <p:cSld>
     <p:spTree>
@@ -13089,8 +12544,8 @@
           </a:p>
         </p:txBody>
       </p:sp>
-      <mc:AlternateContent xmlns:mc="http://schemas.openxmlformats.org/markup-compatibility/2006">
-        <mc:Choice xmlns:a14="http://schemas.microsoft.com/office/drawing/2010/main" Requires="a14">
+      <mc:AlternateContent xmlns:mc="http://schemas.openxmlformats.org/markup-compatibility/2006" xmlns:a14="http://schemas.microsoft.com/office/drawing/2010/main">
+        <mc:Choice Requires="a14">
           <p:sp>
             <p:nvSpPr>
               <p:cNvPr id="3" name="Content Placeholder 2">
@@ -13281,7 +12736,7 @@
             </p:txBody>
           </p:sp>
         </mc:Choice>
-        <mc:Fallback>
+        <mc:Fallback xmlns="">
           <p:sp>
             <p:nvSpPr>
               <p:cNvPr id="3" name="Content Placeholder 2">
@@ -13338,7 +12793,7 @@
 </p:sld>
 </file>
 
-<file path=ppt/slides/slide38.xml><?xml version="1.0" encoding="utf-8"?>
+<file path=ppt/slides/slide37.xml><?xml version="1.0" encoding="utf-8"?>
 <p:sld xmlns:a="http://schemas.openxmlformats.org/drawingml/2006/main" xmlns:r="http://schemas.openxmlformats.org/officeDocument/2006/relationships" xmlns:p="http://schemas.openxmlformats.org/presentationml/2006/main">
   <p:cSld>
     <p:spTree>
@@ -13403,7 +12858,7 @@
 </p:sld>
 </file>
 
-<file path=ppt/slides/slide39.xml><?xml version="1.0" encoding="utf-8"?>
+<file path=ppt/slides/slide38.xml><?xml version="1.0" encoding="utf-8"?>
 <p:sld xmlns:a="http://schemas.openxmlformats.org/drawingml/2006/main" xmlns:r="http://schemas.openxmlformats.org/officeDocument/2006/relationships" xmlns:p="http://schemas.openxmlformats.org/presentationml/2006/main">
   <p:cSld>
     <p:bg>
@@ -13481,6 +12936,215 @@
     <p:extLst>
       <p:ext uri="{BB962C8B-B14F-4D97-AF65-F5344CB8AC3E}">
         <p14:creationId xmlns:p14="http://schemas.microsoft.com/office/powerpoint/2010/main" val="916440319"/>
+      </p:ext>
+    </p:extLst>
+  </p:cSld>
+  <p:clrMapOvr>
+    <a:masterClrMapping/>
+  </p:clrMapOvr>
+</p:sld>
+</file>
+
+<file path=ppt/slides/slide39.xml><?xml version="1.0" encoding="utf-8"?>
+<p:sld xmlns:a="http://schemas.openxmlformats.org/drawingml/2006/main" xmlns:r="http://schemas.openxmlformats.org/officeDocument/2006/relationships" xmlns:p="http://schemas.openxmlformats.org/presentationml/2006/main">
+  <p:cSld>
+    <p:spTree>
+      <p:nvGrpSpPr>
+        <p:cNvPr id="1" name=""/>
+        <p:cNvGrpSpPr/>
+        <p:nvPr/>
+      </p:nvGrpSpPr>
+      <p:grpSpPr>
+        <a:xfrm>
+          <a:off x="0" y="0"/>
+          <a:ext cx="0" cy="0"/>
+          <a:chOff x="0" y="0"/>
+          <a:chExt cx="0" cy="0"/>
+        </a:xfrm>
+      </p:grpSpPr>
+      <p:sp>
+        <p:nvSpPr>
+          <p:cNvPr id="2" name="Title 1">
+            <a:extLst>
+              <a:ext uri="{FF2B5EF4-FFF2-40B4-BE49-F238E27FC236}">
+                <a16:creationId xmlns:a16="http://schemas.microsoft.com/office/drawing/2014/main" id="{036EB03B-6F62-4CCD-A4CD-12EC24AAF912}"/>
+              </a:ext>
+            </a:extLst>
+          </p:cNvPr>
+          <p:cNvSpPr txBox="1">
+            <a:spLocks noGrp="1"/>
+          </p:cNvSpPr>
+          <p:nvPr>
+            <p:ph type="title"/>
+          </p:nvPr>
+        </p:nvSpPr>
+        <p:spPr/>
+        <p:txBody>
+          <a:bodyPr/>
+          <a:lstStyle/>
+          <a:p>
+            <a:pPr lvl="0">
+              <a:lnSpc>
+                <a:spcPct val="100000"/>
+              </a:lnSpc>
+            </a:pPr>
+            <a:r>
+              <a:rPr lang="en-GB" sz="5400" b="1" kern="0" dirty="0">
+                <a:solidFill>
+                  <a:srgbClr val="006388"/>
+                </a:solidFill>
+                <a:latin typeface="Fira Sans" pitchFamily="34"/>
+                <a:ea typeface="Fira Code" pitchFamily="49"/>
+              </a:rPr>
+              <a:t>There are many choices</a:t>
+            </a:r>
+            <a:endParaRPr lang="en-GB" sz="1800" kern="0" dirty="0"/>
+          </a:p>
+        </p:txBody>
+      </p:sp>
+      <p:sp>
+        <p:nvSpPr>
+          <p:cNvPr id="3" name="Content Placeholder 2">
+            <a:extLst>
+              <a:ext uri="{FF2B5EF4-FFF2-40B4-BE49-F238E27FC236}">
+                <a16:creationId xmlns:a16="http://schemas.microsoft.com/office/drawing/2014/main" id="{101C6031-0036-4227-9AE0-DCC63CE3973A}"/>
+              </a:ext>
+            </a:extLst>
+          </p:cNvPr>
+          <p:cNvSpPr txBox="1">
+            <a:spLocks noGrp="1"/>
+          </p:cNvSpPr>
+          <p:nvPr>
+            <p:ph idx="1"/>
+          </p:nvPr>
+        </p:nvSpPr>
+        <p:spPr>
+          <a:xfrm>
+            <a:off x="838204" y="1825628"/>
+            <a:ext cx="10312396" cy="4667243"/>
+          </a:xfrm>
+        </p:spPr>
+        <p:txBody>
+          <a:bodyPr>
+            <a:normAutofit/>
+          </a:bodyPr>
+          <a:lstStyle/>
+          <a:p>
+            <a:pPr>
+              <a:lnSpc>
+                <a:spcPct val="110000"/>
+              </a:lnSpc>
+            </a:pPr>
+            <a:r>
+              <a:rPr lang="en-US" sz="3200" dirty="0">
+                <a:solidFill>
+                  <a:srgbClr val="404040"/>
+                </a:solidFill>
+                <a:latin typeface="Fira Sans" pitchFamily="34"/>
+              </a:rPr>
+              <a:t>Which units in the donor pool?</a:t>
+            </a:r>
+          </a:p>
+          <a:p>
+            <a:pPr>
+              <a:lnSpc>
+                <a:spcPct val="110000"/>
+              </a:lnSpc>
+            </a:pPr>
+            <a:r>
+              <a:rPr lang="en-US" sz="3200" dirty="0">
+                <a:solidFill>
+                  <a:srgbClr val="404040"/>
+                </a:solidFill>
+                <a:latin typeface="Fira Sans" pitchFamily="34"/>
+              </a:rPr>
+              <a:t>Which control variables?</a:t>
+            </a:r>
+          </a:p>
+          <a:p>
+            <a:pPr>
+              <a:lnSpc>
+                <a:spcPct val="110000"/>
+              </a:lnSpc>
+            </a:pPr>
+            <a:r>
+              <a:rPr lang="en-US" sz="3200" dirty="0">
+                <a:solidFill>
+                  <a:srgbClr val="404040"/>
+                </a:solidFill>
+                <a:latin typeface="Fira Sans" pitchFamily="34"/>
+              </a:rPr>
+              <a:t>What should my weights optimize?</a:t>
+            </a:r>
+          </a:p>
+          <a:p>
+            <a:pPr>
+              <a:lnSpc>
+                <a:spcPct val="110000"/>
+              </a:lnSpc>
+            </a:pPr>
+            <a:r>
+              <a:rPr lang="en-US" sz="3200" dirty="0">
+                <a:solidFill>
+                  <a:srgbClr val="404040"/>
+                </a:solidFill>
+                <a:latin typeface="Fira Sans" pitchFamily="34"/>
+              </a:rPr>
+              <a:t>How many nonzero unit weights should I get?</a:t>
+            </a:r>
+          </a:p>
+          <a:p>
+            <a:pPr>
+              <a:lnSpc>
+                <a:spcPct val="110000"/>
+              </a:lnSpc>
+            </a:pPr>
+            <a:r>
+              <a:rPr lang="en-US" sz="3200" dirty="0">
+                <a:solidFill>
+                  <a:srgbClr val="404040"/>
+                </a:solidFill>
+                <a:latin typeface="Fira Sans" pitchFamily="34"/>
+              </a:rPr>
+              <a:t>What settings do I give to the nonlinear optimizer?</a:t>
+            </a:r>
+          </a:p>
+          <a:p>
+            <a:pPr>
+              <a:lnSpc>
+                <a:spcPct val="110000"/>
+              </a:lnSpc>
+            </a:pPr>
+            <a:endParaRPr lang="en-US" sz="3200" dirty="0">
+              <a:solidFill>
+                <a:srgbClr val="404040"/>
+              </a:solidFill>
+              <a:latin typeface="Fira Sans" pitchFamily="34"/>
+            </a:endParaRPr>
+          </a:p>
+          <a:p>
+            <a:pPr marL="0" indent="0">
+              <a:lnSpc>
+                <a:spcPct val="110000"/>
+              </a:lnSpc>
+              <a:buNone/>
+            </a:pPr>
+            <a:r>
+              <a:rPr lang="en-US" sz="3200" dirty="0">
+                <a:solidFill>
+                  <a:srgbClr val="404040"/>
+                </a:solidFill>
+                <a:latin typeface="Fira Sans" pitchFamily="34"/>
+              </a:rPr>
+              <a:t>“researcher degrees of freedom”</a:t>
+            </a:r>
+          </a:p>
+        </p:txBody>
+      </p:sp>
+    </p:spTree>
+    <p:extLst>
+      <p:ext uri="{BB962C8B-B14F-4D97-AF65-F5344CB8AC3E}">
+        <p14:creationId xmlns:p14="http://schemas.microsoft.com/office/powerpoint/2010/main" val="2703230073"/>
       </p:ext>
     </p:extLst>
   </p:cSld>
@@ -13629,217 +13293,8 @@
           </a:p>
         </p:txBody>
       </p:sp>
-      <p:sp>
-        <p:nvSpPr>
-          <p:cNvPr id="3" name="Content Placeholder 2">
-            <a:extLst>
-              <a:ext uri="{FF2B5EF4-FFF2-40B4-BE49-F238E27FC236}">
-                <a16:creationId xmlns:a16="http://schemas.microsoft.com/office/drawing/2014/main" id="{101C6031-0036-4227-9AE0-DCC63CE3973A}"/>
-              </a:ext>
-            </a:extLst>
-          </p:cNvPr>
-          <p:cNvSpPr txBox="1">
-            <a:spLocks noGrp="1"/>
-          </p:cNvSpPr>
-          <p:nvPr>
-            <p:ph idx="1"/>
-          </p:nvPr>
-        </p:nvSpPr>
-        <p:spPr>
-          <a:xfrm>
-            <a:off x="838204" y="1825628"/>
-            <a:ext cx="10312396" cy="4667243"/>
-          </a:xfrm>
-        </p:spPr>
-        <p:txBody>
-          <a:bodyPr>
-            <a:normAutofit/>
-          </a:bodyPr>
-          <a:lstStyle/>
-          <a:p>
-            <a:pPr>
-              <a:lnSpc>
-                <a:spcPct val="110000"/>
-              </a:lnSpc>
-            </a:pPr>
-            <a:r>
-              <a:rPr lang="en-US" sz="3200" dirty="0">
-                <a:solidFill>
-                  <a:srgbClr val="404040"/>
-                </a:solidFill>
-                <a:latin typeface="Fira Sans" pitchFamily="34"/>
-              </a:rPr>
-              <a:t>Which units in the donor pool?</a:t>
-            </a:r>
-          </a:p>
-          <a:p>
-            <a:pPr>
-              <a:lnSpc>
-                <a:spcPct val="110000"/>
-              </a:lnSpc>
-            </a:pPr>
-            <a:r>
-              <a:rPr lang="en-US" sz="3200" dirty="0">
-                <a:solidFill>
-                  <a:srgbClr val="404040"/>
-                </a:solidFill>
-                <a:latin typeface="Fira Sans" pitchFamily="34"/>
-              </a:rPr>
-              <a:t>Which control variables?</a:t>
-            </a:r>
-          </a:p>
-          <a:p>
-            <a:pPr>
-              <a:lnSpc>
-                <a:spcPct val="110000"/>
-              </a:lnSpc>
-            </a:pPr>
-            <a:r>
-              <a:rPr lang="en-US" sz="3200" dirty="0">
-                <a:solidFill>
-                  <a:srgbClr val="404040"/>
-                </a:solidFill>
-                <a:latin typeface="Fira Sans" pitchFamily="34"/>
-              </a:rPr>
-              <a:t>What should my weights optimize?</a:t>
-            </a:r>
-          </a:p>
-          <a:p>
-            <a:pPr>
-              <a:lnSpc>
-                <a:spcPct val="110000"/>
-              </a:lnSpc>
-            </a:pPr>
-            <a:r>
-              <a:rPr lang="en-US" sz="3200" dirty="0">
-                <a:solidFill>
-                  <a:srgbClr val="404040"/>
-                </a:solidFill>
-                <a:latin typeface="Fira Sans" pitchFamily="34"/>
-              </a:rPr>
-              <a:t>How many nonzero unit weights should I get?</a:t>
-            </a:r>
-          </a:p>
-          <a:p>
-            <a:pPr>
-              <a:lnSpc>
-                <a:spcPct val="110000"/>
-              </a:lnSpc>
-            </a:pPr>
-            <a:r>
-              <a:rPr lang="en-US" sz="3200" dirty="0">
-                <a:solidFill>
-                  <a:srgbClr val="404040"/>
-                </a:solidFill>
-                <a:latin typeface="Fira Sans" pitchFamily="34"/>
-              </a:rPr>
-              <a:t>What settings do I give to the nonlinear optimizer?</a:t>
-            </a:r>
-          </a:p>
-          <a:p>
-            <a:pPr>
-              <a:lnSpc>
-                <a:spcPct val="110000"/>
-              </a:lnSpc>
-            </a:pPr>
-            <a:endParaRPr lang="en-US" sz="3200" dirty="0">
-              <a:solidFill>
-                <a:srgbClr val="404040"/>
-              </a:solidFill>
-              <a:latin typeface="Fira Sans" pitchFamily="34"/>
-            </a:endParaRPr>
-          </a:p>
-          <a:p>
-            <a:pPr marL="0" indent="0">
-              <a:lnSpc>
-                <a:spcPct val="110000"/>
-              </a:lnSpc>
-              <a:buNone/>
-            </a:pPr>
-            <a:r>
-              <a:rPr lang="en-US" sz="3200" dirty="0">
-                <a:solidFill>
-                  <a:srgbClr val="404040"/>
-                </a:solidFill>
-                <a:latin typeface="Fira Sans" pitchFamily="34"/>
-              </a:rPr>
-              <a:t>“researcher degrees of freedom”</a:t>
-            </a:r>
-          </a:p>
-        </p:txBody>
-      </p:sp>
-    </p:spTree>
-    <p:extLst>
-      <p:ext uri="{BB962C8B-B14F-4D97-AF65-F5344CB8AC3E}">
-        <p14:creationId xmlns:p14="http://schemas.microsoft.com/office/powerpoint/2010/main" val="2703230073"/>
-      </p:ext>
-    </p:extLst>
-  </p:cSld>
-  <p:clrMapOvr>
-    <a:masterClrMapping/>
-  </p:clrMapOvr>
-</p:sld>
-</file>
-
-<file path=ppt/slides/slide41.xml><?xml version="1.0" encoding="utf-8"?>
-<p:sld xmlns:a="http://schemas.openxmlformats.org/drawingml/2006/main" xmlns:r="http://schemas.openxmlformats.org/officeDocument/2006/relationships" xmlns:p="http://schemas.openxmlformats.org/presentationml/2006/main">
-  <p:cSld>
-    <p:spTree>
-      <p:nvGrpSpPr>
-        <p:cNvPr id="1" name=""/>
-        <p:cNvGrpSpPr/>
-        <p:nvPr/>
-      </p:nvGrpSpPr>
-      <p:grpSpPr>
-        <a:xfrm>
-          <a:off x="0" y="0"/>
-          <a:ext cx="0" cy="0"/>
-          <a:chOff x="0" y="0"/>
-          <a:chExt cx="0" cy="0"/>
-        </a:xfrm>
-      </p:grpSpPr>
-      <p:sp>
-        <p:nvSpPr>
-          <p:cNvPr id="2" name="Title 1">
-            <a:extLst>
-              <a:ext uri="{FF2B5EF4-FFF2-40B4-BE49-F238E27FC236}">
-                <a16:creationId xmlns:a16="http://schemas.microsoft.com/office/drawing/2014/main" id="{036EB03B-6F62-4CCD-A4CD-12EC24AAF912}"/>
-              </a:ext>
-            </a:extLst>
-          </p:cNvPr>
-          <p:cNvSpPr txBox="1">
-            <a:spLocks noGrp="1"/>
-          </p:cNvSpPr>
-          <p:nvPr>
-            <p:ph type="title"/>
-          </p:nvPr>
-        </p:nvSpPr>
-        <p:spPr/>
-        <p:txBody>
-          <a:bodyPr/>
-          <a:lstStyle/>
-          <a:p>
-            <a:pPr lvl="0">
-              <a:lnSpc>
-                <a:spcPct val="100000"/>
-              </a:lnSpc>
-            </a:pPr>
-            <a:r>
-              <a:rPr lang="en-GB" sz="5400" b="1" kern="0" dirty="0">
-                <a:solidFill>
-                  <a:srgbClr val="006388"/>
-                </a:solidFill>
-                <a:latin typeface="Fira Sans" pitchFamily="34"/>
-                <a:ea typeface="Fira Code" pitchFamily="49"/>
-              </a:rPr>
-              <a:t>There are many choices</a:t>
-            </a:r>
-            <a:endParaRPr lang="en-GB" sz="1800" kern="0" dirty="0"/>
-          </a:p>
-        </p:txBody>
-      </p:sp>
-      <mc:AlternateContent xmlns:mc="http://schemas.openxmlformats.org/markup-compatibility/2006">
-        <mc:Choice xmlns:a14="http://schemas.microsoft.com/office/drawing/2010/main" Requires="a14">
+      <mc:AlternateContent xmlns:mc="http://schemas.openxmlformats.org/markup-compatibility/2006" xmlns:a14="http://schemas.microsoft.com/office/drawing/2010/main">
+        <mc:Choice Requires="a14">
           <p:sp>
             <p:nvSpPr>
               <p:cNvPr id="3" name="Content Placeholder 2">
@@ -14010,7 +13465,7 @@
             </p:txBody>
           </p:sp>
         </mc:Choice>
-        <mc:Fallback>
+        <mc:Fallback xmlns="">
           <p:sp>
             <p:nvSpPr>
               <p:cNvPr id="3" name="Content Placeholder 2">
@@ -14058,6 +13513,111 @@
     <p:extLst>
       <p:ext uri="{BB962C8B-B14F-4D97-AF65-F5344CB8AC3E}">
         <p14:creationId xmlns:p14="http://schemas.microsoft.com/office/powerpoint/2010/main" val="2613123646"/>
+      </p:ext>
+    </p:extLst>
+  </p:cSld>
+  <p:clrMapOvr>
+    <a:masterClrMapping/>
+  </p:clrMapOvr>
+</p:sld>
+</file>
+
+<file path=ppt/slides/slide41.xml><?xml version="1.0" encoding="utf-8"?>
+<p:sld xmlns:a="http://schemas.openxmlformats.org/drawingml/2006/main" xmlns:r="http://schemas.openxmlformats.org/officeDocument/2006/relationships" xmlns:p="http://schemas.openxmlformats.org/presentationml/2006/main">
+  <p:cSld>
+    <p:spTree>
+      <p:nvGrpSpPr>
+        <p:cNvPr id="1" name=""/>
+        <p:cNvGrpSpPr/>
+        <p:nvPr/>
+      </p:nvGrpSpPr>
+      <p:grpSpPr>
+        <a:xfrm>
+          <a:off x="0" y="0"/>
+          <a:ext cx="0" cy="0"/>
+          <a:chOff x="0" y="0"/>
+          <a:chExt cx="0" cy="0"/>
+        </a:xfrm>
+      </p:grpSpPr>
+      <p:pic>
+        <p:nvPicPr>
+          <p:cNvPr id="5" name="Picture 4">
+            <a:extLst>
+              <a:ext uri="{FF2B5EF4-FFF2-40B4-BE49-F238E27FC236}">
+                <a16:creationId xmlns:a16="http://schemas.microsoft.com/office/drawing/2014/main" id="{881951C7-3C93-C1EA-4C06-39AF82477FC7}"/>
+              </a:ext>
+            </a:extLst>
+          </p:cNvPr>
+          <p:cNvPicPr>
+            <a:picLocks noChangeAspect="1"/>
+          </p:cNvPicPr>
+          <p:nvPr/>
+        </p:nvPicPr>
+        <p:blipFill>
+          <a:blip r:embed="rId2"/>
+          <a:stretch>
+            <a:fillRect/>
+          </a:stretch>
+        </p:blipFill>
+        <p:spPr>
+          <a:xfrm>
+            <a:off x="3216363" y="1690688"/>
+            <a:ext cx="5759273" cy="4936959"/>
+          </a:xfrm>
+          <a:prstGeom prst="rect">
+            <a:avLst/>
+          </a:prstGeom>
+        </p:spPr>
+      </p:pic>
+      <p:sp>
+        <p:nvSpPr>
+          <p:cNvPr id="6" name="Title 1">
+            <a:extLst>
+              <a:ext uri="{FF2B5EF4-FFF2-40B4-BE49-F238E27FC236}">
+                <a16:creationId xmlns:a16="http://schemas.microsoft.com/office/drawing/2014/main" id="{1B9B20B9-28BA-4420-57B3-687A8A5714D9}"/>
+              </a:ext>
+            </a:extLst>
+          </p:cNvPr>
+          <p:cNvSpPr txBox="1">
+            <a:spLocks noGrp="1"/>
+          </p:cNvSpPr>
+          <p:nvPr>
+            <p:ph type="title"/>
+          </p:nvPr>
+        </p:nvSpPr>
+        <p:spPr>
+          <a:xfrm>
+            <a:off x="838203" y="365129"/>
+            <a:ext cx="10515600" cy="1325559"/>
+          </a:xfrm>
+        </p:spPr>
+        <p:txBody>
+          <a:bodyPr/>
+          <a:lstStyle/>
+          <a:p>
+            <a:pPr lvl="0">
+              <a:lnSpc>
+                <a:spcPct val="100000"/>
+              </a:lnSpc>
+            </a:pPr>
+            <a:r>
+              <a:rPr lang="en-GB" sz="5400" b="1" kern="0" dirty="0">
+                <a:solidFill>
+                  <a:srgbClr val="006388"/>
+                </a:solidFill>
+                <a:latin typeface="Fira Sans" pitchFamily="34"/>
+                <a:ea typeface="Fira Code" pitchFamily="49"/>
+              </a:rPr>
+              <a:t>Leave-one-unit-out validation</a:t>
+            </a:r>
+            <a:endParaRPr lang="en-GB" sz="1800" kern="0" dirty="0"/>
+          </a:p>
+        </p:txBody>
+      </p:sp>
+    </p:spTree>
+    <p:extLst>
+      <p:ext uri="{BB962C8B-B14F-4D97-AF65-F5344CB8AC3E}">
+        <p14:creationId xmlns:p14="http://schemas.microsoft.com/office/powerpoint/2010/main" val="3264062137"/>
       </p:ext>
     </p:extLst>
   </p:cSld>
@@ -15900,8 +15460,8 @@
           </a:p>
         </p:txBody>
       </p:sp>
-      <mc:AlternateContent xmlns:mc="http://schemas.openxmlformats.org/markup-compatibility/2006">
-        <mc:Choice xmlns:a14="http://schemas.microsoft.com/office/drawing/2010/main" Requires="a14">
+      <mc:AlternateContent xmlns:mc="http://schemas.openxmlformats.org/markup-compatibility/2006" xmlns:a14="http://schemas.microsoft.com/office/drawing/2010/main">
+        <mc:Choice Requires="a14">
           <p:sp>
             <p:nvSpPr>
               <p:cNvPr id="3" name="Content Placeholder 2">
@@ -16278,7 +15838,7 @@
             </p:txBody>
           </p:sp>
         </mc:Choice>
-        <mc:Fallback>
+        <mc:Fallback xmlns="">
           <p:sp>
             <p:nvSpPr>
               <p:cNvPr id="3" name="Content Placeholder 2">
@@ -16392,8 +15952,8 @@
           </a:p>
         </p:txBody>
       </p:sp>
-      <mc:AlternateContent xmlns:mc="http://schemas.openxmlformats.org/markup-compatibility/2006">
-        <mc:Choice xmlns:a14="http://schemas.microsoft.com/office/drawing/2010/main" Requires="a14">
+      <mc:AlternateContent xmlns:mc="http://schemas.openxmlformats.org/markup-compatibility/2006" xmlns:a14="http://schemas.microsoft.com/office/drawing/2010/main">
+        <mc:Choice Requires="a14">
           <p:sp>
             <p:nvSpPr>
               <p:cNvPr id="3" name="Content Placeholder 2">
@@ -16791,7 +16351,7 @@
             </p:txBody>
           </p:sp>
         </mc:Choice>
-        <mc:Fallback>
+        <mc:Fallback xmlns="">
           <p:sp>
             <p:nvSpPr>
               <p:cNvPr id="3" name="Content Placeholder 2">

--- a/lectures/03_synthetic_control/synthetic_control.pptx
+++ b/lectures/03_synthetic_control/synthetic_control.pptx
@@ -5,7 +5,7 @@
     <p:sldMasterId id="2147483648" r:id="rId1"/>
   </p:sldMasterIdLst>
   <p:notesMasterIdLst>
-    <p:notesMasterId r:id="rId51"/>
+    <p:notesMasterId r:id="rId52"/>
   </p:notesMasterIdLst>
   <p:sldIdLst>
     <p:sldId id="297" r:id="rId2"/>
@@ -30,33 +30,34 @@
     <p:sldId id="403" r:id="rId21"/>
     <p:sldId id="412" r:id="rId22"/>
     <p:sldId id="413" r:id="rId23"/>
-    <p:sldId id="411" r:id="rId24"/>
-    <p:sldId id="372" r:id="rId25"/>
-    <p:sldId id="420" r:id="rId26"/>
-    <p:sldId id="425" r:id="rId27"/>
-    <p:sldId id="426" r:id="rId28"/>
-    <p:sldId id="427" r:id="rId29"/>
-    <p:sldId id="428" r:id="rId30"/>
-    <p:sldId id="429" r:id="rId31"/>
-    <p:sldId id="430" r:id="rId32"/>
-    <p:sldId id="431" r:id="rId33"/>
-    <p:sldId id="432" r:id="rId34"/>
-    <p:sldId id="424" r:id="rId35"/>
-    <p:sldId id="422" r:id="rId36"/>
-    <p:sldId id="421" r:id="rId37"/>
-    <p:sldId id="423" r:id="rId38"/>
-    <p:sldId id="435" r:id="rId39"/>
-    <p:sldId id="436" r:id="rId40"/>
-    <p:sldId id="437" r:id="rId41"/>
-    <p:sldId id="438" r:id="rId42"/>
-    <p:sldId id="434" r:id="rId43"/>
-    <p:sldId id="325" r:id="rId44"/>
-    <p:sldId id="364" r:id="rId45"/>
-    <p:sldId id="313" r:id="rId46"/>
-    <p:sldId id="335" r:id="rId47"/>
-    <p:sldId id="362" r:id="rId48"/>
-    <p:sldId id="339" r:id="rId49"/>
-    <p:sldId id="292" r:id="rId50"/>
+    <p:sldId id="439" r:id="rId24"/>
+    <p:sldId id="411" r:id="rId25"/>
+    <p:sldId id="372" r:id="rId26"/>
+    <p:sldId id="420" r:id="rId27"/>
+    <p:sldId id="425" r:id="rId28"/>
+    <p:sldId id="426" r:id="rId29"/>
+    <p:sldId id="427" r:id="rId30"/>
+    <p:sldId id="428" r:id="rId31"/>
+    <p:sldId id="429" r:id="rId32"/>
+    <p:sldId id="430" r:id="rId33"/>
+    <p:sldId id="431" r:id="rId34"/>
+    <p:sldId id="432" r:id="rId35"/>
+    <p:sldId id="424" r:id="rId36"/>
+    <p:sldId id="422" r:id="rId37"/>
+    <p:sldId id="421" r:id="rId38"/>
+    <p:sldId id="423" r:id="rId39"/>
+    <p:sldId id="435" r:id="rId40"/>
+    <p:sldId id="436" r:id="rId41"/>
+    <p:sldId id="437" r:id="rId42"/>
+    <p:sldId id="438" r:id="rId43"/>
+    <p:sldId id="434" r:id="rId44"/>
+    <p:sldId id="325" r:id="rId45"/>
+    <p:sldId id="364" r:id="rId46"/>
+    <p:sldId id="313" r:id="rId47"/>
+    <p:sldId id="335" r:id="rId48"/>
+    <p:sldId id="362" r:id="rId49"/>
+    <p:sldId id="339" r:id="rId50"/>
+    <p:sldId id="292" r:id="rId51"/>
   </p:sldIdLst>
   <p:sldSz cx="12192000" cy="6858000"/>
   <p:notesSz cx="6858000" cy="9144000"/>
@@ -1489,7 +1490,7 @@
             <a:pPr lvl="0"/>
             <a:fld id="{8E8F8CAC-A6C2-44BD-8532-85D68FCA9A10}" type="slidenum">
               <a:rPr lang="en-NL" smtClean="0"/>
-              <a:t>24</a:t>
+              <a:t>23</a:t>
             </a:fld>
             <a:endParaRPr lang="en-NL"/>
           </a:p>
@@ -1498,7 +1499,7 @@
     </p:spTree>
     <p:extLst>
       <p:ext uri="{BB962C8B-B14F-4D97-AF65-F5344CB8AC3E}">
-        <p14:creationId xmlns:p14="http://schemas.microsoft.com/office/powerpoint/2010/main" val="1375226254"/>
+        <p14:creationId xmlns:p14="http://schemas.microsoft.com/office/powerpoint/2010/main" val="4212911564"/>
       </p:ext>
     </p:extLst>
   </p:cSld>
@@ -1579,7 +1580,7 @@
             <a:pPr lvl="0"/>
             <a:fld id="{8E8F8CAC-A6C2-44BD-8532-85D68FCA9A10}" type="slidenum">
               <a:rPr lang="en-NL" smtClean="0"/>
-              <a:t>26</a:t>
+              <a:t>25</a:t>
             </a:fld>
             <a:endParaRPr lang="en-NL"/>
           </a:p>
@@ -1588,7 +1589,7 @@
     </p:spTree>
     <p:extLst>
       <p:ext uri="{BB962C8B-B14F-4D97-AF65-F5344CB8AC3E}">
-        <p14:creationId xmlns:p14="http://schemas.microsoft.com/office/powerpoint/2010/main" val="1662609198"/>
+        <p14:creationId xmlns:p14="http://schemas.microsoft.com/office/powerpoint/2010/main" val="1375226254"/>
       </p:ext>
     </p:extLst>
   </p:cSld>
@@ -1678,7 +1679,7 @@
     </p:spTree>
     <p:extLst>
       <p:ext uri="{BB962C8B-B14F-4D97-AF65-F5344CB8AC3E}">
-        <p14:creationId xmlns:p14="http://schemas.microsoft.com/office/powerpoint/2010/main" val="112294938"/>
+        <p14:creationId xmlns:p14="http://schemas.microsoft.com/office/powerpoint/2010/main" val="1662609198"/>
       </p:ext>
     </p:extLst>
   </p:cSld>
@@ -1858,7 +1859,7 @@
     </p:spTree>
     <p:extLst>
       <p:ext uri="{BB962C8B-B14F-4D97-AF65-F5344CB8AC3E}">
-        <p14:creationId xmlns:p14="http://schemas.microsoft.com/office/powerpoint/2010/main" val="3123127847"/>
+        <p14:creationId xmlns:p14="http://schemas.microsoft.com/office/powerpoint/2010/main" val="112294938"/>
       </p:ext>
     </p:extLst>
   </p:cSld>
@@ -1948,7 +1949,7 @@
     </p:spTree>
     <p:extLst>
       <p:ext uri="{BB962C8B-B14F-4D97-AF65-F5344CB8AC3E}">
-        <p14:creationId xmlns:p14="http://schemas.microsoft.com/office/powerpoint/2010/main" val="2612037641"/>
+        <p14:creationId xmlns:p14="http://schemas.microsoft.com/office/powerpoint/2010/main" val="3123127847"/>
       </p:ext>
     </p:extLst>
   </p:cSld>
@@ -2038,7 +2039,7 @@
     </p:spTree>
     <p:extLst>
       <p:ext uri="{BB962C8B-B14F-4D97-AF65-F5344CB8AC3E}">
-        <p14:creationId xmlns:p14="http://schemas.microsoft.com/office/powerpoint/2010/main" val="534322986"/>
+        <p14:creationId xmlns:p14="http://schemas.microsoft.com/office/powerpoint/2010/main" val="2612037641"/>
       </p:ext>
     </p:extLst>
   </p:cSld>
@@ -2128,7 +2129,7 @@
     </p:spTree>
     <p:extLst>
       <p:ext uri="{BB962C8B-B14F-4D97-AF65-F5344CB8AC3E}">
-        <p14:creationId xmlns:p14="http://schemas.microsoft.com/office/powerpoint/2010/main" val="4272560795"/>
+        <p14:creationId xmlns:p14="http://schemas.microsoft.com/office/powerpoint/2010/main" val="534322986"/>
       </p:ext>
     </p:extLst>
   </p:cSld>
@@ -2218,7 +2219,7 @@
     </p:spTree>
     <p:extLst>
       <p:ext uri="{BB962C8B-B14F-4D97-AF65-F5344CB8AC3E}">
-        <p14:creationId xmlns:p14="http://schemas.microsoft.com/office/powerpoint/2010/main" val="925318121"/>
+        <p14:creationId xmlns:p14="http://schemas.microsoft.com/office/powerpoint/2010/main" val="4272560795"/>
       </p:ext>
     </p:extLst>
   </p:cSld>
@@ -2308,7 +2309,7 @@
     </p:spTree>
     <p:extLst>
       <p:ext uri="{BB962C8B-B14F-4D97-AF65-F5344CB8AC3E}">
-        <p14:creationId xmlns:p14="http://schemas.microsoft.com/office/powerpoint/2010/main" val="3991016552"/>
+        <p14:creationId xmlns:p14="http://schemas.microsoft.com/office/powerpoint/2010/main" val="925318121"/>
       </p:ext>
     </p:extLst>
   </p:cSld>
@@ -2389,7 +2390,7 @@
             <a:pPr lvl="0"/>
             <a:fld id="{8E8F8CAC-A6C2-44BD-8532-85D68FCA9A10}" type="slidenum">
               <a:rPr lang="en-NL" smtClean="0"/>
-              <a:t>35</a:t>
+              <a:t>34</a:t>
             </a:fld>
             <a:endParaRPr lang="en-NL"/>
           </a:p>
@@ -2398,7 +2399,7 @@
     </p:spTree>
     <p:extLst>
       <p:ext uri="{BB962C8B-B14F-4D97-AF65-F5344CB8AC3E}">
-        <p14:creationId xmlns:p14="http://schemas.microsoft.com/office/powerpoint/2010/main" val="2071890320"/>
+        <p14:creationId xmlns:p14="http://schemas.microsoft.com/office/powerpoint/2010/main" val="3991016552"/>
       </p:ext>
     </p:extLst>
   </p:cSld>
@@ -2488,7 +2489,7 @@
     </p:spTree>
     <p:extLst>
       <p:ext uri="{BB962C8B-B14F-4D97-AF65-F5344CB8AC3E}">
-        <p14:creationId xmlns:p14="http://schemas.microsoft.com/office/powerpoint/2010/main" val="2272136931"/>
+        <p14:creationId xmlns:p14="http://schemas.microsoft.com/office/powerpoint/2010/main" val="2071890320"/>
       </p:ext>
     </p:extLst>
   </p:cSld>
@@ -2578,7 +2579,7 @@
     </p:spTree>
     <p:extLst>
       <p:ext uri="{BB962C8B-B14F-4D97-AF65-F5344CB8AC3E}">
-        <p14:creationId xmlns:p14="http://schemas.microsoft.com/office/powerpoint/2010/main" val="3352213623"/>
+        <p14:creationId xmlns:p14="http://schemas.microsoft.com/office/powerpoint/2010/main" val="2272136931"/>
       </p:ext>
     </p:extLst>
   </p:cSld>
@@ -2659,7 +2660,7 @@
             <a:pPr lvl="0"/>
             <a:fld id="{8E8F8CAC-A6C2-44BD-8532-85D68FCA9A10}" type="slidenum">
               <a:rPr lang="en-NL" smtClean="0"/>
-              <a:t>39</a:t>
+              <a:t>38</a:t>
             </a:fld>
             <a:endParaRPr lang="en-NL"/>
           </a:p>
@@ -2668,7 +2669,7 @@
     </p:spTree>
     <p:extLst>
       <p:ext uri="{BB962C8B-B14F-4D97-AF65-F5344CB8AC3E}">
-        <p14:creationId xmlns:p14="http://schemas.microsoft.com/office/powerpoint/2010/main" val="3397955260"/>
+        <p14:creationId xmlns:p14="http://schemas.microsoft.com/office/powerpoint/2010/main" val="3352213623"/>
       </p:ext>
     </p:extLst>
   </p:cSld>
@@ -2840,6 +2841,96 @@
             <a:fld id="{8E8F8CAC-A6C2-44BD-8532-85D68FCA9A10}" type="slidenum">
               <a:rPr lang="en-NL" smtClean="0"/>
               <a:t>40</a:t>
+            </a:fld>
+            <a:endParaRPr lang="en-NL"/>
+          </a:p>
+        </p:txBody>
+      </p:sp>
+    </p:spTree>
+    <p:extLst>
+      <p:ext uri="{BB962C8B-B14F-4D97-AF65-F5344CB8AC3E}">
+        <p14:creationId xmlns:p14="http://schemas.microsoft.com/office/powerpoint/2010/main" val="3397955260"/>
+      </p:ext>
+    </p:extLst>
+  </p:cSld>
+  <p:clrMapOvr>
+    <a:masterClrMapping/>
+  </p:clrMapOvr>
+</p:notes>
+</file>
+
+<file path=ppt/notesSlides/notesSlide31.xml><?xml version="1.0" encoding="utf-8"?>
+<p:notes xmlns:a="http://schemas.openxmlformats.org/drawingml/2006/main" xmlns:r="http://schemas.openxmlformats.org/officeDocument/2006/relationships" xmlns:p="http://schemas.openxmlformats.org/presentationml/2006/main">
+  <p:cSld>
+    <p:spTree>
+      <p:nvGrpSpPr>
+        <p:cNvPr id="1" name=""/>
+        <p:cNvGrpSpPr/>
+        <p:nvPr/>
+      </p:nvGrpSpPr>
+      <p:grpSpPr>
+        <a:xfrm>
+          <a:off x="0" y="0"/>
+          <a:ext cx="0" cy="0"/>
+          <a:chOff x="0" y="0"/>
+          <a:chExt cx="0" cy="0"/>
+        </a:xfrm>
+      </p:grpSpPr>
+      <p:sp>
+        <p:nvSpPr>
+          <p:cNvPr id="2" name="Slide Image Placeholder 1"/>
+          <p:cNvSpPr>
+            <a:spLocks noGrp="1" noRot="1" noChangeAspect="1"/>
+          </p:cNvSpPr>
+          <p:nvPr>
+            <p:ph type="sldImg"/>
+          </p:nvPr>
+        </p:nvSpPr>
+        <p:spPr>
+          <a:xfrm>
+            <a:off x="685800" y="1143000"/>
+            <a:ext cx="5486400" cy="3086100"/>
+          </a:xfrm>
+        </p:spPr>
+      </p:sp>
+      <p:sp>
+        <p:nvSpPr>
+          <p:cNvPr id="3" name="Notes Placeholder 2"/>
+          <p:cNvSpPr>
+            <a:spLocks noGrp="1"/>
+          </p:cNvSpPr>
+          <p:nvPr>
+            <p:ph type="body" idx="1"/>
+          </p:nvPr>
+        </p:nvSpPr>
+        <p:spPr/>
+        <p:txBody>
+          <a:bodyPr/>
+          <a:lstStyle/>
+          <a:p>
+            <a:endParaRPr lang="en-NL" dirty="0"/>
+          </a:p>
+        </p:txBody>
+      </p:sp>
+      <p:sp>
+        <p:nvSpPr>
+          <p:cNvPr id="4" name="Slide Number Placeholder 3"/>
+          <p:cNvSpPr>
+            <a:spLocks noGrp="1"/>
+          </p:cNvSpPr>
+          <p:nvPr>
+            <p:ph type="sldNum" sz="quarter" idx="5"/>
+          </p:nvPr>
+        </p:nvSpPr>
+        <p:spPr/>
+        <p:txBody>
+          <a:bodyPr/>
+          <a:lstStyle/>
+          <a:p>
+            <a:pPr lvl="0"/>
+            <a:fld id="{8E8F8CAC-A6C2-44BD-8532-85D68FCA9A10}" type="slidenum">
+              <a:rPr lang="en-NL" smtClean="0"/>
+              <a:t>41</a:t>
             </a:fld>
             <a:endParaRPr lang="en-NL"/>
           </a:p>
@@ -7432,8 +7523,8 @@
           </a:p>
         </p:txBody>
       </p:sp>
-      <mc:AlternateContent xmlns:mc="http://schemas.openxmlformats.org/markup-compatibility/2006">
-        <mc:Choice xmlns:a14="http://schemas.microsoft.com/office/drawing/2010/main" Requires="a14">
+      <mc:AlternateContent xmlns:mc="http://schemas.openxmlformats.org/markup-compatibility/2006" xmlns:a14="http://schemas.microsoft.com/office/drawing/2010/main">
+        <mc:Choice Requires="a14">
           <p:sp>
             <p:nvSpPr>
               <p:cNvPr id="3" name="Content Placeholder 2">
@@ -7583,16 +7674,7 @@
                               </a:solidFill>
                               <a:latin typeface="Cambria Math" panose="02040503050406030204" pitchFamily="18" charset="0"/>
                             </a:rPr>
-                            <m:t>=</m:t>
-                          </m:r>
-                          <m:r>
-                            <a:rPr lang="en-US" sz="3200" b="0" i="1" smtClean="0">
-                              <a:solidFill>
-                                <a:srgbClr val="404040"/>
-                              </a:solidFill>
-                              <a:latin typeface="Cambria Math" panose="02040503050406030204" pitchFamily="18" charset="0"/>
-                            </a:rPr>
-                            <m:t>1</m:t>
+                            <m:t>=1</m:t>
                           </m:r>
                         </m:sub>
                         <m:sup>
@@ -7882,7 +7964,7 @@
             </p:txBody>
           </p:sp>
         </mc:Choice>
-        <mc:Fallback>
+        <mc:Fallback xmlns="">
           <p:sp>
             <p:nvSpPr>
               <p:cNvPr id="3" name="Content Placeholder 2">
@@ -10981,14 +11063,6 @@
 <file path=ppt/slides/slide23.xml><?xml version="1.0" encoding="utf-8"?>
 <p:sld xmlns:a="http://schemas.openxmlformats.org/drawingml/2006/main" xmlns:r="http://schemas.openxmlformats.org/officeDocument/2006/relationships" xmlns:p="http://schemas.openxmlformats.org/presentationml/2006/main">
   <p:cSld>
-    <p:bg>
-      <p:bgPr>
-        <a:solidFill>
-          <a:srgbClr val="006388"/>
-        </a:solidFill>
-        <a:effectLst/>
-      </p:bgPr>
-    </p:bg>
     <p:spTree>
       <p:nvGrpSpPr>
         <p:cNvPr id="1" name=""/>
@@ -11008,7 +11082,7 @@
           <p:cNvPr id="2" name="Title 1">
             <a:extLst>
               <a:ext uri="{FF2B5EF4-FFF2-40B4-BE49-F238E27FC236}">
-                <a16:creationId xmlns:a16="http://schemas.microsoft.com/office/drawing/2014/main" id="{35BAD9E9-4EDD-4A8E-BACA-88345240EC67}"/>
+                <a16:creationId xmlns:a16="http://schemas.microsoft.com/office/drawing/2014/main" id="{036EB03B-6F62-4CCD-A4CD-12EC24AAF912}"/>
               </a:ext>
             </a:extLst>
           </p:cNvPr>
@@ -11019,17 +11093,12 @@
             <p:ph type="title"/>
           </p:nvPr>
         </p:nvSpPr>
-        <p:spPr>
-          <a:xfrm>
-            <a:off x="838203" y="2766215"/>
-            <a:ext cx="10515600" cy="1325559"/>
-          </a:xfrm>
-        </p:spPr>
-        <p:txBody>
-          <a:bodyPr anchorCtr="1"/>
+        <p:spPr/>
+        <p:txBody>
+          <a:bodyPr/>
           <a:lstStyle/>
           <a:p>
-            <a:pPr lvl="0" algn="ctr">
+            <a:pPr lvl="0">
               <a:lnSpc>
                 <a:spcPct val="100000"/>
               </a:lnSpc>
@@ -11037,17 +11106,103 @@
             <a:r>
               <a:rPr lang="en-GB" sz="5400" b="1" kern="0" dirty="0">
                 <a:solidFill>
-                  <a:srgbClr val="FFFFFF"/>
+                  <a:srgbClr val="006388"/>
                 </a:solidFill>
                 <a:latin typeface="Fira Sans" pitchFamily="34"/>
                 <a:ea typeface="Fira Code" pitchFamily="49"/>
               </a:rPr>
-              <a:t>Interpretability</a:t>
-            </a:r>
-            <a:endParaRPr lang="en-GB" sz="1800" kern="0" dirty="0">
+              <a:t>Interpolation</a:t>
+            </a:r>
+          </a:p>
+        </p:txBody>
+      </p:sp>
+      <p:pic>
+        <p:nvPicPr>
+          <p:cNvPr id="7" name="Picture 6" descr="Diagram&#10;&#10;Description automatically generated">
+            <a:extLst>
+              <a:ext uri="{FF2B5EF4-FFF2-40B4-BE49-F238E27FC236}">
+                <a16:creationId xmlns:a16="http://schemas.microsoft.com/office/drawing/2014/main" id="{535C118C-666F-0CAD-E579-7958FEF30890}"/>
+              </a:ext>
+            </a:extLst>
+          </p:cNvPr>
+          <p:cNvPicPr>
+            <a:picLocks noChangeAspect="1"/>
+          </p:cNvPicPr>
+          <p:nvPr/>
+        </p:nvPicPr>
+        <p:blipFill>
+          <a:blip r:embed="rId3">
+            <a:extLst>
+              <a:ext uri="{28A0092B-C50C-407E-A947-70E740481C1C}">
+                <a14:useLocalDpi xmlns:a14="http://schemas.microsoft.com/office/drawing/2010/main" val="0"/>
+              </a:ext>
+            </a:extLst>
+          </a:blip>
+          <a:stretch>
+            <a:fillRect/>
+          </a:stretch>
+        </p:blipFill>
+        <p:spPr>
+          <a:xfrm>
+            <a:off x="1968142" y="1851826"/>
+            <a:ext cx="8255715" cy="3508679"/>
+          </a:xfrm>
+          <a:prstGeom prst="rect">
+            <a:avLst/>
+          </a:prstGeom>
+        </p:spPr>
+      </p:pic>
+      <p:sp>
+        <p:nvSpPr>
+          <p:cNvPr id="11" name="TextBox 10">
+            <a:extLst>
+              <a:ext uri="{FF2B5EF4-FFF2-40B4-BE49-F238E27FC236}">
+                <a16:creationId xmlns:a16="http://schemas.microsoft.com/office/drawing/2014/main" id="{FE1FAD7A-1259-D0CB-03EB-E02087E3E75E}"/>
+              </a:ext>
+            </a:extLst>
+          </p:cNvPr>
+          <p:cNvSpPr txBox="1"/>
+          <p:nvPr/>
+        </p:nvSpPr>
+        <p:spPr>
+          <a:xfrm>
+            <a:off x="5530850" y="6240240"/>
+            <a:ext cx="6311900" cy="369332"/>
+          </a:xfrm>
+          <a:prstGeom prst="rect">
+            <a:avLst/>
+          </a:prstGeom>
+          <a:noFill/>
+        </p:spPr>
+        <p:txBody>
+          <a:bodyPr wrap="square">
+            <a:spAutoFit/>
+          </a:bodyPr>
+          <a:lstStyle/>
+          <a:p>
+            <a:pPr algn="r"/>
+            <a:r>
+              <a:rPr lang="en-US" dirty="0">
+                <a:solidFill>
+                  <a:schemeClr val="tx1">
+                    <a:lumMod val="50000"/>
+                    <a:lumOff val="50000"/>
+                  </a:schemeClr>
+                </a:solidFill>
+                <a:latin typeface="Fira Sans" panose="020B0503050000020004" pitchFamily="34" charset="0"/>
+                <a:ea typeface="Fira Sans" panose="020B0503050000020004" pitchFamily="34" charset="0"/>
+              </a:rPr>
+              <a:t>Alves, M. F. (2022). Causal inference for the brave and true.</a:t>
+            </a:r>
+            <a:endParaRPr lang="en-NL" dirty="0">
               <a:solidFill>
-                <a:srgbClr val="FFFFFF"/>
+                <a:schemeClr val="tx1">
+                  <a:lumMod val="50000"/>
+                  <a:lumOff val="50000"/>
+                </a:schemeClr>
               </a:solidFill>
+              <a:latin typeface="Fira Sans" panose="020B0503050000020004" pitchFamily="34" charset="0"/>
+              <a:ea typeface="Fira Sans" panose="020B0503050000020004" pitchFamily="34" charset="0"/>
             </a:endParaRPr>
           </a:p>
         </p:txBody>
@@ -11055,7 +11210,7 @@
     </p:spTree>
     <p:extLst>
       <p:ext uri="{BB962C8B-B14F-4D97-AF65-F5344CB8AC3E}">
-        <p14:creationId xmlns:p14="http://schemas.microsoft.com/office/powerpoint/2010/main" val="2961039974"/>
+        <p14:creationId xmlns:p14="http://schemas.microsoft.com/office/powerpoint/2010/main" val="4218427114"/>
       </p:ext>
     </p:extLst>
   </p:cSld>
@@ -11066,185 +11221,6 @@
 </file>
 
 <file path=ppt/slides/slide24.xml><?xml version="1.0" encoding="utf-8"?>
-<p:sld xmlns:a="http://schemas.openxmlformats.org/drawingml/2006/main" xmlns:r="http://schemas.openxmlformats.org/officeDocument/2006/relationships" xmlns:p="http://schemas.openxmlformats.org/presentationml/2006/main">
-  <p:cSld>
-    <p:spTree>
-      <p:nvGrpSpPr>
-        <p:cNvPr id="1" name=""/>
-        <p:cNvGrpSpPr/>
-        <p:nvPr/>
-      </p:nvGrpSpPr>
-      <p:grpSpPr>
-        <a:xfrm>
-          <a:off x="0" y="0"/>
-          <a:ext cx="0" cy="0"/>
-          <a:chOff x="0" y="0"/>
-          <a:chExt cx="0" cy="0"/>
-        </a:xfrm>
-      </p:grpSpPr>
-      <p:sp>
-        <p:nvSpPr>
-          <p:cNvPr id="2" name="Title 1">
-            <a:extLst>
-              <a:ext uri="{FF2B5EF4-FFF2-40B4-BE49-F238E27FC236}">
-                <a16:creationId xmlns:a16="http://schemas.microsoft.com/office/drawing/2014/main" id="{036EB03B-6F62-4CCD-A4CD-12EC24AAF912}"/>
-              </a:ext>
-            </a:extLst>
-          </p:cNvPr>
-          <p:cNvSpPr txBox="1">
-            <a:spLocks noGrp="1"/>
-          </p:cNvSpPr>
-          <p:nvPr>
-            <p:ph type="title"/>
-          </p:nvPr>
-        </p:nvSpPr>
-        <p:spPr/>
-        <p:txBody>
-          <a:bodyPr/>
-          <a:lstStyle/>
-          <a:p>
-            <a:pPr lvl="0">
-              <a:lnSpc>
-                <a:spcPct val="100000"/>
-              </a:lnSpc>
-            </a:pPr>
-            <a:r>
-              <a:rPr lang="en-GB" sz="5400" b="1" kern="0" dirty="0">
-                <a:solidFill>
-                  <a:srgbClr val="006388"/>
-                </a:solidFill>
-                <a:latin typeface="Fira Sans" pitchFamily="34"/>
-                <a:ea typeface="Fira Code" pitchFamily="49"/>
-              </a:rPr>
-              <a:t>Interpretability</a:t>
-            </a:r>
-            <a:endParaRPr lang="en-GB" sz="1800" kern="0" dirty="0"/>
-          </a:p>
-        </p:txBody>
-      </p:sp>
-      <p:sp>
-        <p:nvSpPr>
-          <p:cNvPr id="3" name="Content Placeholder 2">
-            <a:extLst>
-              <a:ext uri="{FF2B5EF4-FFF2-40B4-BE49-F238E27FC236}">
-                <a16:creationId xmlns:a16="http://schemas.microsoft.com/office/drawing/2014/main" id="{101C6031-0036-4227-9AE0-DCC63CE3973A}"/>
-              </a:ext>
-            </a:extLst>
-          </p:cNvPr>
-          <p:cNvSpPr txBox="1">
-            <a:spLocks noGrp="1"/>
-          </p:cNvSpPr>
-          <p:nvPr>
-            <p:ph idx="1"/>
-          </p:nvPr>
-        </p:nvSpPr>
-        <p:spPr>
-          <a:xfrm>
-            <a:off x="838204" y="1825628"/>
-            <a:ext cx="10312396" cy="4667243"/>
-          </a:xfrm>
-        </p:spPr>
-        <p:txBody>
-          <a:bodyPr>
-            <a:normAutofit/>
-          </a:bodyPr>
-          <a:lstStyle/>
-          <a:p>
-            <a:pPr>
-              <a:lnSpc>
-                <a:spcPct val="100000"/>
-              </a:lnSpc>
-            </a:pPr>
-            <a:r>
-              <a:rPr lang="en-US" sz="3200" dirty="0">
-                <a:solidFill>
-                  <a:srgbClr val="404040"/>
-                </a:solidFill>
-                <a:latin typeface="Fira Sans" pitchFamily="34"/>
-              </a:rPr>
-              <a:t>If donor pool is large, synthetic control can be combination of many units</a:t>
-            </a:r>
-          </a:p>
-          <a:p>
-            <a:pPr>
-              <a:lnSpc>
-                <a:spcPct val="100000"/>
-              </a:lnSpc>
-            </a:pPr>
-            <a:r>
-              <a:rPr lang="en-US" sz="3200" dirty="0">
-                <a:solidFill>
-                  <a:srgbClr val="404040"/>
-                </a:solidFill>
-                <a:latin typeface="Fira Sans" pitchFamily="34"/>
-              </a:rPr>
-              <a:t>Hard to interpret what the synthetic control unit is!</a:t>
-            </a:r>
-          </a:p>
-          <a:p>
-            <a:pPr>
-              <a:lnSpc>
-                <a:spcPct val="100000"/>
-              </a:lnSpc>
-            </a:pPr>
-            <a:r>
-              <a:rPr lang="en-US" sz="3200" dirty="0">
-                <a:solidFill>
-                  <a:srgbClr val="404040"/>
-                </a:solidFill>
-                <a:latin typeface="Fira Sans" pitchFamily="34"/>
-              </a:rPr>
-              <a:t>Therefore: sparse estimation of weights</a:t>
-            </a:r>
-          </a:p>
-          <a:p>
-            <a:pPr>
-              <a:lnSpc>
-                <a:spcPct val="100000"/>
-              </a:lnSpc>
-            </a:pPr>
-            <a:r>
-              <a:rPr lang="en-US" sz="3200" dirty="0">
-                <a:solidFill>
-                  <a:srgbClr val="404040"/>
-                </a:solidFill>
-                <a:latin typeface="Fira Sans" pitchFamily="34"/>
-              </a:rPr>
-              <a:t>Additional penalty such that most weights are 0</a:t>
-            </a:r>
-          </a:p>
-          <a:p>
-            <a:pPr>
-              <a:lnSpc>
-                <a:spcPct val="100000"/>
-              </a:lnSpc>
-            </a:pPr>
-            <a:r>
-              <a:rPr lang="en-US" sz="3200" dirty="0">
-                <a:solidFill>
-                  <a:srgbClr val="404040"/>
-                </a:solidFill>
-                <a:latin typeface="Fira Sans" pitchFamily="34"/>
-              </a:rPr>
-              <a:t>The units belonging to nonzero weights can be manually inspected</a:t>
-            </a:r>
-          </a:p>
-        </p:txBody>
-      </p:sp>
-    </p:spTree>
-    <p:extLst>
-      <p:ext uri="{BB962C8B-B14F-4D97-AF65-F5344CB8AC3E}">
-        <p14:creationId xmlns:p14="http://schemas.microsoft.com/office/powerpoint/2010/main" val="1966628253"/>
-      </p:ext>
-    </p:extLst>
-  </p:cSld>
-  <p:clrMapOvr>
-    <a:masterClrMapping/>
-  </p:clrMapOvr>
-</p:sld>
-</file>
-
-<file path=ppt/slides/slide25.xml><?xml version="1.0" encoding="utf-8"?>
 <p:sld xmlns:a="http://schemas.openxmlformats.org/drawingml/2006/main" xmlns:r="http://schemas.openxmlformats.org/officeDocument/2006/relationships" xmlns:p="http://schemas.openxmlformats.org/presentationml/2006/main">
   <p:cSld>
     <p:bg>
@@ -11292,6 +11268,272 @@
           </a:xfrm>
         </p:spPr>
         <p:txBody>
+          <a:bodyPr anchorCtr="1"/>
+          <a:lstStyle/>
+          <a:p>
+            <a:pPr lvl="0" algn="ctr">
+              <a:lnSpc>
+                <a:spcPct val="100000"/>
+              </a:lnSpc>
+            </a:pPr>
+            <a:r>
+              <a:rPr lang="en-GB" sz="5400" b="1" kern="0" dirty="0">
+                <a:solidFill>
+                  <a:srgbClr val="FFFFFF"/>
+                </a:solidFill>
+                <a:latin typeface="Fira Sans" pitchFamily="34"/>
+                <a:ea typeface="Fira Code" pitchFamily="49"/>
+              </a:rPr>
+              <a:t>Interpretability</a:t>
+            </a:r>
+            <a:endParaRPr lang="en-GB" sz="1800" kern="0" dirty="0">
+              <a:solidFill>
+                <a:srgbClr val="FFFFFF"/>
+              </a:solidFill>
+            </a:endParaRPr>
+          </a:p>
+        </p:txBody>
+      </p:sp>
+    </p:spTree>
+    <p:extLst>
+      <p:ext uri="{BB962C8B-B14F-4D97-AF65-F5344CB8AC3E}">
+        <p14:creationId xmlns:p14="http://schemas.microsoft.com/office/powerpoint/2010/main" val="2961039974"/>
+      </p:ext>
+    </p:extLst>
+  </p:cSld>
+  <p:clrMapOvr>
+    <a:masterClrMapping/>
+  </p:clrMapOvr>
+</p:sld>
+</file>
+
+<file path=ppt/slides/slide25.xml><?xml version="1.0" encoding="utf-8"?>
+<p:sld xmlns:a="http://schemas.openxmlformats.org/drawingml/2006/main" xmlns:r="http://schemas.openxmlformats.org/officeDocument/2006/relationships" xmlns:p="http://schemas.openxmlformats.org/presentationml/2006/main">
+  <p:cSld>
+    <p:spTree>
+      <p:nvGrpSpPr>
+        <p:cNvPr id="1" name=""/>
+        <p:cNvGrpSpPr/>
+        <p:nvPr/>
+      </p:nvGrpSpPr>
+      <p:grpSpPr>
+        <a:xfrm>
+          <a:off x="0" y="0"/>
+          <a:ext cx="0" cy="0"/>
+          <a:chOff x="0" y="0"/>
+          <a:chExt cx="0" cy="0"/>
+        </a:xfrm>
+      </p:grpSpPr>
+      <p:sp>
+        <p:nvSpPr>
+          <p:cNvPr id="2" name="Title 1">
+            <a:extLst>
+              <a:ext uri="{FF2B5EF4-FFF2-40B4-BE49-F238E27FC236}">
+                <a16:creationId xmlns:a16="http://schemas.microsoft.com/office/drawing/2014/main" id="{036EB03B-6F62-4CCD-A4CD-12EC24AAF912}"/>
+              </a:ext>
+            </a:extLst>
+          </p:cNvPr>
+          <p:cNvSpPr txBox="1">
+            <a:spLocks noGrp="1"/>
+          </p:cNvSpPr>
+          <p:nvPr>
+            <p:ph type="title"/>
+          </p:nvPr>
+        </p:nvSpPr>
+        <p:spPr/>
+        <p:txBody>
+          <a:bodyPr/>
+          <a:lstStyle/>
+          <a:p>
+            <a:pPr lvl="0">
+              <a:lnSpc>
+                <a:spcPct val="100000"/>
+              </a:lnSpc>
+            </a:pPr>
+            <a:r>
+              <a:rPr lang="en-GB" sz="5400" b="1" kern="0" dirty="0">
+                <a:solidFill>
+                  <a:srgbClr val="006388"/>
+                </a:solidFill>
+                <a:latin typeface="Fira Sans" pitchFamily="34"/>
+                <a:ea typeface="Fira Code" pitchFamily="49"/>
+              </a:rPr>
+              <a:t>Interpretability</a:t>
+            </a:r>
+            <a:endParaRPr lang="en-GB" sz="1800" kern="0" dirty="0"/>
+          </a:p>
+        </p:txBody>
+      </p:sp>
+      <p:sp>
+        <p:nvSpPr>
+          <p:cNvPr id="3" name="Content Placeholder 2">
+            <a:extLst>
+              <a:ext uri="{FF2B5EF4-FFF2-40B4-BE49-F238E27FC236}">
+                <a16:creationId xmlns:a16="http://schemas.microsoft.com/office/drawing/2014/main" id="{101C6031-0036-4227-9AE0-DCC63CE3973A}"/>
+              </a:ext>
+            </a:extLst>
+          </p:cNvPr>
+          <p:cNvSpPr txBox="1">
+            <a:spLocks noGrp="1"/>
+          </p:cNvSpPr>
+          <p:nvPr>
+            <p:ph idx="1"/>
+          </p:nvPr>
+        </p:nvSpPr>
+        <p:spPr>
+          <a:xfrm>
+            <a:off x="838204" y="1825628"/>
+            <a:ext cx="10312396" cy="4667243"/>
+          </a:xfrm>
+        </p:spPr>
+        <p:txBody>
+          <a:bodyPr>
+            <a:normAutofit/>
+          </a:bodyPr>
+          <a:lstStyle/>
+          <a:p>
+            <a:pPr>
+              <a:lnSpc>
+                <a:spcPct val="100000"/>
+              </a:lnSpc>
+            </a:pPr>
+            <a:r>
+              <a:rPr lang="en-US" sz="3200" dirty="0">
+                <a:solidFill>
+                  <a:srgbClr val="404040"/>
+                </a:solidFill>
+                <a:latin typeface="Fira Sans" pitchFamily="34"/>
+              </a:rPr>
+              <a:t>If donor pool is large, synthetic control can be combination of many units</a:t>
+            </a:r>
+          </a:p>
+          <a:p>
+            <a:pPr>
+              <a:lnSpc>
+                <a:spcPct val="100000"/>
+              </a:lnSpc>
+            </a:pPr>
+            <a:r>
+              <a:rPr lang="en-US" sz="3200" dirty="0">
+                <a:solidFill>
+                  <a:srgbClr val="404040"/>
+                </a:solidFill>
+                <a:latin typeface="Fira Sans" pitchFamily="34"/>
+              </a:rPr>
+              <a:t>Hard to interpret what the synthetic control unit is!</a:t>
+            </a:r>
+          </a:p>
+          <a:p>
+            <a:pPr>
+              <a:lnSpc>
+                <a:spcPct val="100000"/>
+              </a:lnSpc>
+            </a:pPr>
+            <a:r>
+              <a:rPr lang="en-US" sz="3200" dirty="0">
+                <a:solidFill>
+                  <a:srgbClr val="404040"/>
+                </a:solidFill>
+                <a:latin typeface="Fira Sans" pitchFamily="34"/>
+              </a:rPr>
+              <a:t>Therefore: sparse estimation of weights</a:t>
+            </a:r>
+          </a:p>
+          <a:p>
+            <a:pPr>
+              <a:lnSpc>
+                <a:spcPct val="100000"/>
+              </a:lnSpc>
+            </a:pPr>
+            <a:r>
+              <a:rPr lang="en-US" sz="3200" dirty="0">
+                <a:solidFill>
+                  <a:srgbClr val="404040"/>
+                </a:solidFill>
+                <a:latin typeface="Fira Sans" pitchFamily="34"/>
+              </a:rPr>
+              <a:t>Additional penalty such that most weights are 0</a:t>
+            </a:r>
+          </a:p>
+          <a:p>
+            <a:pPr>
+              <a:lnSpc>
+                <a:spcPct val="100000"/>
+              </a:lnSpc>
+            </a:pPr>
+            <a:r>
+              <a:rPr lang="en-US" sz="3200" dirty="0">
+                <a:solidFill>
+                  <a:srgbClr val="404040"/>
+                </a:solidFill>
+                <a:latin typeface="Fira Sans" pitchFamily="34"/>
+              </a:rPr>
+              <a:t>The units belonging to nonzero weights can be manually inspected</a:t>
+            </a:r>
+          </a:p>
+        </p:txBody>
+      </p:sp>
+    </p:spTree>
+    <p:extLst>
+      <p:ext uri="{BB962C8B-B14F-4D97-AF65-F5344CB8AC3E}">
+        <p14:creationId xmlns:p14="http://schemas.microsoft.com/office/powerpoint/2010/main" val="1966628253"/>
+      </p:ext>
+    </p:extLst>
+  </p:cSld>
+  <p:clrMapOvr>
+    <a:masterClrMapping/>
+  </p:clrMapOvr>
+</p:sld>
+</file>
+
+<file path=ppt/slides/slide26.xml><?xml version="1.0" encoding="utf-8"?>
+<p:sld xmlns:a="http://schemas.openxmlformats.org/drawingml/2006/main" xmlns:r="http://schemas.openxmlformats.org/officeDocument/2006/relationships" xmlns:p="http://schemas.openxmlformats.org/presentationml/2006/main">
+  <p:cSld>
+    <p:bg>
+      <p:bgPr>
+        <a:solidFill>
+          <a:srgbClr val="006388"/>
+        </a:solidFill>
+        <a:effectLst/>
+      </p:bgPr>
+    </p:bg>
+    <p:spTree>
+      <p:nvGrpSpPr>
+        <p:cNvPr id="1" name=""/>
+        <p:cNvGrpSpPr/>
+        <p:nvPr/>
+      </p:nvGrpSpPr>
+      <p:grpSpPr>
+        <a:xfrm>
+          <a:off x="0" y="0"/>
+          <a:ext cx="0" cy="0"/>
+          <a:chOff x="0" y="0"/>
+          <a:chExt cx="0" cy="0"/>
+        </a:xfrm>
+      </p:grpSpPr>
+      <p:sp>
+        <p:nvSpPr>
+          <p:cNvPr id="2" name="Title 1">
+            <a:extLst>
+              <a:ext uri="{FF2B5EF4-FFF2-40B4-BE49-F238E27FC236}">
+                <a16:creationId xmlns:a16="http://schemas.microsoft.com/office/drawing/2014/main" id="{35BAD9E9-4EDD-4A8E-BACA-88345240EC67}"/>
+              </a:ext>
+            </a:extLst>
+          </p:cNvPr>
+          <p:cNvSpPr txBox="1">
+            <a:spLocks noGrp="1"/>
+          </p:cNvSpPr>
+          <p:nvPr>
+            <p:ph type="title"/>
+          </p:nvPr>
+        </p:nvSpPr>
+        <p:spPr>
+          <a:xfrm>
+            <a:off x="838203" y="2766215"/>
+            <a:ext cx="10515600" cy="1325559"/>
+          </a:xfrm>
+        </p:spPr>
+        <p:txBody>
           <a:bodyPr anchorCtr="1">
             <a:normAutofit fontScale="90000"/>
           </a:bodyPr>
@@ -11343,7 +11585,7 @@
 </p:sld>
 </file>
 
-<file path=ppt/slides/slide26.xml><?xml version="1.0" encoding="utf-8"?>
+<file path=ppt/slides/slide27.xml><?xml version="1.0" encoding="utf-8"?>
 <p:sld xmlns:a="http://schemas.openxmlformats.org/drawingml/2006/main" xmlns:r="http://schemas.openxmlformats.org/officeDocument/2006/relationships" xmlns:p="http://schemas.openxmlformats.org/presentationml/2006/main">
   <p:cSld>
     <p:spTree>
@@ -11443,7 +11685,7 @@
 </p:sld>
 </file>
 
-<file path=ppt/slides/slide27.xml><?xml version="1.0" encoding="utf-8"?>
+<file path=ppt/slides/slide28.xml><?xml version="1.0" encoding="utf-8"?>
 <p:sld xmlns:a="http://schemas.openxmlformats.org/drawingml/2006/main" xmlns:r="http://schemas.openxmlformats.org/officeDocument/2006/relationships" xmlns:p="http://schemas.openxmlformats.org/presentationml/2006/main">
   <p:cSld>
     <p:spTree>
@@ -11508,7 +11750,7 @@
 </p:sld>
 </file>
 
-<file path=ppt/slides/slide28.xml><?xml version="1.0" encoding="utf-8"?>
+<file path=ppt/slides/slide29.xml><?xml version="1.0" encoding="utf-8"?>
 <p:sld xmlns:a="http://schemas.openxmlformats.org/drawingml/2006/main" xmlns:r="http://schemas.openxmlformats.org/officeDocument/2006/relationships" xmlns:p="http://schemas.openxmlformats.org/presentationml/2006/main">
   <p:cSld>
     <p:spTree>
@@ -11648,7 +11890,201 @@
 </p:sld>
 </file>
 
-<file path=ppt/slides/slide29.xml><?xml version="1.0" encoding="utf-8"?>
+<file path=ppt/slides/slide3.xml><?xml version="1.0" encoding="utf-8"?>
+<p:sld xmlns:a="http://schemas.openxmlformats.org/drawingml/2006/main" xmlns:r="http://schemas.openxmlformats.org/officeDocument/2006/relationships" xmlns:p="http://schemas.openxmlformats.org/presentationml/2006/main">
+  <p:cSld>
+    <p:spTree>
+      <p:nvGrpSpPr>
+        <p:cNvPr id="1" name=""/>
+        <p:cNvGrpSpPr/>
+        <p:nvPr/>
+      </p:nvGrpSpPr>
+      <p:grpSpPr>
+        <a:xfrm>
+          <a:off x="0" y="0"/>
+          <a:ext cx="0" cy="0"/>
+          <a:chOff x="0" y="0"/>
+          <a:chExt cx="0" cy="0"/>
+        </a:xfrm>
+      </p:grpSpPr>
+      <p:sp>
+        <p:nvSpPr>
+          <p:cNvPr id="2" name="Title 1">
+            <a:extLst>
+              <a:ext uri="{FF2B5EF4-FFF2-40B4-BE49-F238E27FC236}">
+                <a16:creationId xmlns:a16="http://schemas.microsoft.com/office/drawing/2014/main" id="{036EB03B-6F62-4CCD-A4CD-12EC24AAF912}"/>
+              </a:ext>
+            </a:extLst>
+          </p:cNvPr>
+          <p:cNvSpPr txBox="1">
+            <a:spLocks noGrp="1"/>
+          </p:cNvSpPr>
+          <p:nvPr>
+            <p:ph type="title"/>
+          </p:nvPr>
+        </p:nvSpPr>
+        <p:spPr/>
+        <p:txBody>
+          <a:bodyPr/>
+          <a:lstStyle/>
+          <a:p>
+            <a:pPr lvl="0">
+              <a:lnSpc>
+                <a:spcPct val="100000"/>
+              </a:lnSpc>
+            </a:pPr>
+            <a:r>
+              <a:rPr lang="en-GB" sz="5400" b="1" kern="0" dirty="0">
+                <a:solidFill>
+                  <a:srgbClr val="006388"/>
+                </a:solidFill>
+                <a:latin typeface="Fira Sans" pitchFamily="34"/>
+                <a:ea typeface="Fira Code" pitchFamily="49"/>
+              </a:rPr>
+              <a:t>In this part</a:t>
+            </a:r>
+            <a:endParaRPr lang="en-GB" sz="1800" kern="0" dirty="0"/>
+          </a:p>
+        </p:txBody>
+      </p:sp>
+      <p:sp>
+        <p:nvSpPr>
+          <p:cNvPr id="3" name="Content Placeholder 2">
+            <a:extLst>
+              <a:ext uri="{FF2B5EF4-FFF2-40B4-BE49-F238E27FC236}">
+                <a16:creationId xmlns:a16="http://schemas.microsoft.com/office/drawing/2014/main" id="{101C6031-0036-4227-9AE0-DCC63CE3973A}"/>
+              </a:ext>
+            </a:extLst>
+          </p:cNvPr>
+          <p:cNvSpPr txBox="1">
+            <a:spLocks noGrp="1"/>
+          </p:cNvSpPr>
+          <p:nvPr>
+            <p:ph idx="1"/>
+          </p:nvPr>
+        </p:nvSpPr>
+        <p:spPr>
+          <a:xfrm>
+            <a:off x="838203" y="1825627"/>
+            <a:ext cx="10515600" cy="4667243"/>
+          </a:xfrm>
+        </p:spPr>
+        <p:txBody>
+          <a:bodyPr>
+            <a:normAutofit/>
+          </a:bodyPr>
+          <a:lstStyle/>
+          <a:p>
+            <a:pPr>
+              <a:lnSpc>
+                <a:spcPct val="100000"/>
+              </a:lnSpc>
+            </a:pPr>
+            <a:r>
+              <a:rPr lang="en-GB" sz="3200" dirty="0">
+                <a:solidFill>
+                  <a:srgbClr val="404040"/>
+                </a:solidFill>
+                <a:latin typeface="Fira Sans" pitchFamily="34"/>
+              </a:rPr>
+              <a:t>Introducing the synthetic control method</a:t>
+            </a:r>
+          </a:p>
+          <a:p>
+            <a:pPr>
+              <a:lnSpc>
+                <a:spcPct val="100000"/>
+              </a:lnSpc>
+            </a:pPr>
+            <a:r>
+              <a:rPr lang="en-GB" sz="3200" dirty="0">
+                <a:solidFill>
+                  <a:srgbClr val="404040"/>
+                </a:solidFill>
+                <a:latin typeface="Fira Sans" pitchFamily="34"/>
+              </a:rPr>
+              <a:t>How to quantify uncertainty</a:t>
+            </a:r>
+          </a:p>
+          <a:p>
+            <a:pPr>
+              <a:lnSpc>
+                <a:spcPct val="100000"/>
+              </a:lnSpc>
+            </a:pPr>
+            <a:r>
+              <a:rPr lang="en-GB" sz="3200" dirty="0">
+                <a:solidFill>
+                  <a:srgbClr val="404040"/>
+                </a:solidFill>
+                <a:latin typeface="Fira Sans" pitchFamily="34"/>
+              </a:rPr>
+              <a:t>What choices do we need to make and how do these impact our causal effect estimates?</a:t>
+            </a:r>
+          </a:p>
+          <a:p>
+            <a:pPr>
+              <a:lnSpc>
+                <a:spcPct val="100000"/>
+              </a:lnSpc>
+            </a:pPr>
+            <a:r>
+              <a:rPr lang="en-GB" sz="3200" dirty="0">
+                <a:solidFill>
+                  <a:srgbClr val="404040"/>
+                </a:solidFill>
+                <a:latin typeface="Fira Sans" pitchFamily="34"/>
+              </a:rPr>
+              <a:t>Performing the synthetic control method with </a:t>
+            </a:r>
+            <a:r>
+              <a:rPr lang="en-GB" sz="3200" dirty="0" err="1">
+                <a:solidFill>
+                  <a:srgbClr val="404040"/>
+                </a:solidFill>
+                <a:latin typeface="Fira Sans" pitchFamily="34"/>
+              </a:rPr>
+              <a:t>tidysynth</a:t>
+            </a:r>
+            <a:r>
+              <a:rPr lang="en-GB" sz="3200" dirty="0">
+                <a:solidFill>
+                  <a:srgbClr val="404040"/>
+                </a:solidFill>
+                <a:latin typeface="Fira Sans" pitchFamily="34"/>
+              </a:rPr>
+              <a:t> package</a:t>
+            </a:r>
+          </a:p>
+          <a:p>
+            <a:pPr>
+              <a:lnSpc>
+                <a:spcPct val="100000"/>
+              </a:lnSpc>
+            </a:pPr>
+            <a:endParaRPr lang="en-GB" sz="3200" dirty="0">
+              <a:solidFill>
+                <a:srgbClr val="404040"/>
+              </a:solidFill>
+              <a:latin typeface="Fira Sans" pitchFamily="34"/>
+            </a:endParaRPr>
+          </a:p>
+        </p:txBody>
+      </p:sp>
+    </p:spTree>
+    <p:extLst>
+      <p:ext uri="{BB962C8B-B14F-4D97-AF65-F5344CB8AC3E}">
+        <p14:creationId xmlns:p14="http://schemas.microsoft.com/office/powerpoint/2010/main" val="3141317725"/>
+      </p:ext>
+    </p:extLst>
+  </p:cSld>
+  <p:clrMapOvr>
+    <a:masterClrMapping/>
+  </p:clrMapOvr>
+</p:sld>
+</file>
+
+<file path=ppt/slides/slide30.xml><?xml version="1.0" encoding="utf-8"?>
 <p:sld xmlns:a="http://schemas.openxmlformats.org/drawingml/2006/main" xmlns:r="http://schemas.openxmlformats.org/officeDocument/2006/relationships" xmlns:p="http://schemas.openxmlformats.org/presentationml/2006/main">
   <p:cSld>
     <p:spTree>
@@ -11753,201 +12189,7 @@
 </p:sld>
 </file>
 
-<file path=ppt/slides/slide3.xml><?xml version="1.0" encoding="utf-8"?>
-<p:sld xmlns:a="http://schemas.openxmlformats.org/drawingml/2006/main" xmlns:r="http://schemas.openxmlformats.org/officeDocument/2006/relationships" xmlns:p="http://schemas.openxmlformats.org/presentationml/2006/main">
-  <p:cSld>
-    <p:spTree>
-      <p:nvGrpSpPr>
-        <p:cNvPr id="1" name=""/>
-        <p:cNvGrpSpPr/>
-        <p:nvPr/>
-      </p:nvGrpSpPr>
-      <p:grpSpPr>
-        <a:xfrm>
-          <a:off x="0" y="0"/>
-          <a:ext cx="0" cy="0"/>
-          <a:chOff x="0" y="0"/>
-          <a:chExt cx="0" cy="0"/>
-        </a:xfrm>
-      </p:grpSpPr>
-      <p:sp>
-        <p:nvSpPr>
-          <p:cNvPr id="2" name="Title 1">
-            <a:extLst>
-              <a:ext uri="{FF2B5EF4-FFF2-40B4-BE49-F238E27FC236}">
-                <a16:creationId xmlns:a16="http://schemas.microsoft.com/office/drawing/2014/main" id="{036EB03B-6F62-4CCD-A4CD-12EC24AAF912}"/>
-              </a:ext>
-            </a:extLst>
-          </p:cNvPr>
-          <p:cNvSpPr txBox="1">
-            <a:spLocks noGrp="1"/>
-          </p:cNvSpPr>
-          <p:nvPr>
-            <p:ph type="title"/>
-          </p:nvPr>
-        </p:nvSpPr>
-        <p:spPr/>
-        <p:txBody>
-          <a:bodyPr/>
-          <a:lstStyle/>
-          <a:p>
-            <a:pPr lvl="0">
-              <a:lnSpc>
-                <a:spcPct val="100000"/>
-              </a:lnSpc>
-            </a:pPr>
-            <a:r>
-              <a:rPr lang="en-GB" sz="5400" b="1" kern="0" dirty="0">
-                <a:solidFill>
-                  <a:srgbClr val="006388"/>
-                </a:solidFill>
-                <a:latin typeface="Fira Sans" pitchFamily="34"/>
-                <a:ea typeface="Fira Code" pitchFamily="49"/>
-              </a:rPr>
-              <a:t>In this part</a:t>
-            </a:r>
-            <a:endParaRPr lang="en-GB" sz="1800" kern="0" dirty="0"/>
-          </a:p>
-        </p:txBody>
-      </p:sp>
-      <p:sp>
-        <p:nvSpPr>
-          <p:cNvPr id="3" name="Content Placeholder 2">
-            <a:extLst>
-              <a:ext uri="{FF2B5EF4-FFF2-40B4-BE49-F238E27FC236}">
-                <a16:creationId xmlns:a16="http://schemas.microsoft.com/office/drawing/2014/main" id="{101C6031-0036-4227-9AE0-DCC63CE3973A}"/>
-              </a:ext>
-            </a:extLst>
-          </p:cNvPr>
-          <p:cNvSpPr txBox="1">
-            <a:spLocks noGrp="1"/>
-          </p:cNvSpPr>
-          <p:nvPr>
-            <p:ph idx="1"/>
-          </p:nvPr>
-        </p:nvSpPr>
-        <p:spPr>
-          <a:xfrm>
-            <a:off x="838203" y="1825627"/>
-            <a:ext cx="10515600" cy="4667243"/>
-          </a:xfrm>
-        </p:spPr>
-        <p:txBody>
-          <a:bodyPr>
-            <a:normAutofit/>
-          </a:bodyPr>
-          <a:lstStyle/>
-          <a:p>
-            <a:pPr>
-              <a:lnSpc>
-                <a:spcPct val="100000"/>
-              </a:lnSpc>
-            </a:pPr>
-            <a:r>
-              <a:rPr lang="en-GB" sz="3200" dirty="0">
-                <a:solidFill>
-                  <a:srgbClr val="404040"/>
-                </a:solidFill>
-                <a:latin typeface="Fira Sans" pitchFamily="34"/>
-              </a:rPr>
-              <a:t>Introducing the synthetic control method</a:t>
-            </a:r>
-          </a:p>
-          <a:p>
-            <a:pPr>
-              <a:lnSpc>
-                <a:spcPct val="100000"/>
-              </a:lnSpc>
-            </a:pPr>
-            <a:r>
-              <a:rPr lang="en-GB" sz="3200" dirty="0">
-                <a:solidFill>
-                  <a:srgbClr val="404040"/>
-                </a:solidFill>
-                <a:latin typeface="Fira Sans" pitchFamily="34"/>
-              </a:rPr>
-              <a:t>How to quantify uncertainty</a:t>
-            </a:r>
-          </a:p>
-          <a:p>
-            <a:pPr>
-              <a:lnSpc>
-                <a:spcPct val="100000"/>
-              </a:lnSpc>
-            </a:pPr>
-            <a:r>
-              <a:rPr lang="en-GB" sz="3200" dirty="0">
-                <a:solidFill>
-                  <a:srgbClr val="404040"/>
-                </a:solidFill>
-                <a:latin typeface="Fira Sans" pitchFamily="34"/>
-              </a:rPr>
-              <a:t>What choices do we need to make and how do these impact our causal effect estimates?</a:t>
-            </a:r>
-          </a:p>
-          <a:p>
-            <a:pPr>
-              <a:lnSpc>
-                <a:spcPct val="100000"/>
-              </a:lnSpc>
-            </a:pPr>
-            <a:r>
-              <a:rPr lang="en-GB" sz="3200" dirty="0">
-                <a:solidFill>
-                  <a:srgbClr val="404040"/>
-                </a:solidFill>
-                <a:latin typeface="Fira Sans" pitchFamily="34"/>
-              </a:rPr>
-              <a:t>Performing the synthetic control method with </a:t>
-            </a:r>
-            <a:r>
-              <a:rPr lang="en-GB" sz="3200" dirty="0" err="1">
-                <a:solidFill>
-                  <a:srgbClr val="404040"/>
-                </a:solidFill>
-                <a:latin typeface="Fira Sans" pitchFamily="34"/>
-              </a:rPr>
-              <a:t>tidysynth</a:t>
-            </a:r>
-            <a:r>
-              <a:rPr lang="en-GB" sz="3200" dirty="0">
-                <a:solidFill>
-                  <a:srgbClr val="404040"/>
-                </a:solidFill>
-                <a:latin typeface="Fira Sans" pitchFamily="34"/>
-              </a:rPr>
-              <a:t> package</a:t>
-            </a:r>
-          </a:p>
-          <a:p>
-            <a:pPr>
-              <a:lnSpc>
-                <a:spcPct val="100000"/>
-              </a:lnSpc>
-            </a:pPr>
-            <a:endParaRPr lang="en-GB" sz="3200" dirty="0">
-              <a:solidFill>
-                <a:srgbClr val="404040"/>
-              </a:solidFill>
-              <a:latin typeface="Fira Sans" pitchFamily="34"/>
-            </a:endParaRPr>
-          </a:p>
-        </p:txBody>
-      </p:sp>
-    </p:spTree>
-    <p:extLst>
-      <p:ext uri="{BB962C8B-B14F-4D97-AF65-F5344CB8AC3E}">
-        <p14:creationId xmlns:p14="http://schemas.microsoft.com/office/powerpoint/2010/main" val="3141317725"/>
-      </p:ext>
-    </p:extLst>
-  </p:cSld>
-  <p:clrMapOvr>
-    <a:masterClrMapping/>
-  </p:clrMapOvr>
-</p:sld>
-</file>
-
-<file path=ppt/slides/slide30.xml><?xml version="1.0" encoding="utf-8"?>
+<file path=ppt/slides/slide31.xml><?xml version="1.0" encoding="utf-8"?>
 <p:sld xmlns:a="http://schemas.openxmlformats.org/drawingml/2006/main" xmlns:r="http://schemas.openxmlformats.org/officeDocument/2006/relationships" xmlns:p="http://schemas.openxmlformats.org/presentationml/2006/main">
   <p:cSld>
     <p:spTree>
@@ -12092,7 +12334,7 @@
 </p:sld>
 </file>
 
-<file path=ppt/slides/slide31.xml><?xml version="1.0" encoding="utf-8"?>
+<file path=ppt/slides/slide32.xml><?xml version="1.0" encoding="utf-8"?>
 <p:sld xmlns:a="http://schemas.openxmlformats.org/drawingml/2006/main" xmlns:r="http://schemas.openxmlformats.org/officeDocument/2006/relationships" xmlns:p="http://schemas.openxmlformats.org/presentationml/2006/main">
   <p:cSld>
     <p:spTree>
@@ -12158,7 +12400,7 @@
 </p:sld>
 </file>
 
-<file path=ppt/slides/slide32.xml><?xml version="1.0" encoding="utf-8"?>
+<file path=ppt/slides/slide33.xml><?xml version="1.0" encoding="utf-8"?>
 <p:sld xmlns:a="http://schemas.openxmlformats.org/drawingml/2006/main" xmlns:r="http://schemas.openxmlformats.org/officeDocument/2006/relationships" xmlns:p="http://schemas.openxmlformats.org/presentationml/2006/main">
   <p:cSld>
     <p:spTree>
@@ -12268,7 +12510,7 @@
 </p:sld>
 </file>
 
-<file path=ppt/slides/slide33.xml><?xml version="1.0" encoding="utf-8"?>
+<file path=ppt/slides/slide34.xml><?xml version="1.0" encoding="utf-8"?>
 <p:sld xmlns:a="http://schemas.openxmlformats.org/drawingml/2006/main" xmlns:r="http://schemas.openxmlformats.org/officeDocument/2006/relationships" xmlns:p="http://schemas.openxmlformats.org/presentationml/2006/main">
   <p:cSld>
     <p:spTree>
@@ -12334,7 +12576,7 @@
 </p:sld>
 </file>
 
-<file path=ppt/slides/slide34.xml><?xml version="1.0" encoding="utf-8"?>
+<file path=ppt/slides/slide35.xml><?xml version="1.0" encoding="utf-8"?>
 <p:sld xmlns:a="http://schemas.openxmlformats.org/drawingml/2006/main" xmlns:r="http://schemas.openxmlformats.org/officeDocument/2006/relationships" xmlns:p="http://schemas.openxmlformats.org/presentationml/2006/main">
   <p:cSld>
     <p:bg>
@@ -12421,7 +12663,7 @@
 </p:sld>
 </file>
 
-<file path=ppt/slides/slide35.xml><?xml version="1.0" encoding="utf-8"?>
+<file path=ppt/slides/slide36.xml><?xml version="1.0" encoding="utf-8"?>
 <p:sld xmlns:a="http://schemas.openxmlformats.org/drawingml/2006/main" xmlns:r="http://schemas.openxmlformats.org/officeDocument/2006/relationships" xmlns:p="http://schemas.openxmlformats.org/presentationml/2006/main">
   <p:cSld>
     <p:spTree>
@@ -12487,7 +12729,7 @@
 </p:sld>
 </file>
 
-<file path=ppt/slides/slide36.xml><?xml version="1.0" encoding="utf-8"?>
+<file path=ppt/slides/slide37.xml><?xml version="1.0" encoding="utf-8"?>
 <p:sld xmlns:a="http://schemas.openxmlformats.org/drawingml/2006/main" xmlns:r="http://schemas.openxmlformats.org/officeDocument/2006/relationships" xmlns:p="http://schemas.openxmlformats.org/presentationml/2006/main">
   <p:cSld>
     <p:spTree>
@@ -12793,7 +13035,7 @@
 </p:sld>
 </file>
 
-<file path=ppt/slides/slide37.xml><?xml version="1.0" encoding="utf-8"?>
+<file path=ppt/slides/slide38.xml><?xml version="1.0" encoding="utf-8"?>
 <p:sld xmlns:a="http://schemas.openxmlformats.org/drawingml/2006/main" xmlns:r="http://schemas.openxmlformats.org/officeDocument/2006/relationships" xmlns:p="http://schemas.openxmlformats.org/presentationml/2006/main">
   <p:cSld>
     <p:spTree>
@@ -12858,7 +13100,7 @@
 </p:sld>
 </file>
 
-<file path=ppt/slides/slide38.xml><?xml version="1.0" encoding="utf-8"?>
+<file path=ppt/slides/slide39.xml><?xml version="1.0" encoding="utf-8"?>
 <p:sld xmlns:a="http://schemas.openxmlformats.org/drawingml/2006/main" xmlns:r="http://schemas.openxmlformats.org/officeDocument/2006/relationships" xmlns:p="http://schemas.openxmlformats.org/presentationml/2006/main">
   <p:cSld>
     <p:bg>
@@ -12936,215 +13178,6 @@
     <p:extLst>
       <p:ext uri="{BB962C8B-B14F-4D97-AF65-F5344CB8AC3E}">
         <p14:creationId xmlns:p14="http://schemas.microsoft.com/office/powerpoint/2010/main" val="916440319"/>
-      </p:ext>
-    </p:extLst>
-  </p:cSld>
-  <p:clrMapOvr>
-    <a:masterClrMapping/>
-  </p:clrMapOvr>
-</p:sld>
-</file>
-
-<file path=ppt/slides/slide39.xml><?xml version="1.0" encoding="utf-8"?>
-<p:sld xmlns:a="http://schemas.openxmlformats.org/drawingml/2006/main" xmlns:r="http://schemas.openxmlformats.org/officeDocument/2006/relationships" xmlns:p="http://schemas.openxmlformats.org/presentationml/2006/main">
-  <p:cSld>
-    <p:spTree>
-      <p:nvGrpSpPr>
-        <p:cNvPr id="1" name=""/>
-        <p:cNvGrpSpPr/>
-        <p:nvPr/>
-      </p:nvGrpSpPr>
-      <p:grpSpPr>
-        <a:xfrm>
-          <a:off x="0" y="0"/>
-          <a:ext cx="0" cy="0"/>
-          <a:chOff x="0" y="0"/>
-          <a:chExt cx="0" cy="0"/>
-        </a:xfrm>
-      </p:grpSpPr>
-      <p:sp>
-        <p:nvSpPr>
-          <p:cNvPr id="2" name="Title 1">
-            <a:extLst>
-              <a:ext uri="{FF2B5EF4-FFF2-40B4-BE49-F238E27FC236}">
-                <a16:creationId xmlns:a16="http://schemas.microsoft.com/office/drawing/2014/main" id="{036EB03B-6F62-4CCD-A4CD-12EC24AAF912}"/>
-              </a:ext>
-            </a:extLst>
-          </p:cNvPr>
-          <p:cNvSpPr txBox="1">
-            <a:spLocks noGrp="1"/>
-          </p:cNvSpPr>
-          <p:nvPr>
-            <p:ph type="title"/>
-          </p:nvPr>
-        </p:nvSpPr>
-        <p:spPr/>
-        <p:txBody>
-          <a:bodyPr/>
-          <a:lstStyle/>
-          <a:p>
-            <a:pPr lvl="0">
-              <a:lnSpc>
-                <a:spcPct val="100000"/>
-              </a:lnSpc>
-            </a:pPr>
-            <a:r>
-              <a:rPr lang="en-GB" sz="5400" b="1" kern="0" dirty="0">
-                <a:solidFill>
-                  <a:srgbClr val="006388"/>
-                </a:solidFill>
-                <a:latin typeface="Fira Sans" pitchFamily="34"/>
-                <a:ea typeface="Fira Code" pitchFamily="49"/>
-              </a:rPr>
-              <a:t>There are many choices</a:t>
-            </a:r>
-            <a:endParaRPr lang="en-GB" sz="1800" kern="0" dirty="0"/>
-          </a:p>
-        </p:txBody>
-      </p:sp>
-      <p:sp>
-        <p:nvSpPr>
-          <p:cNvPr id="3" name="Content Placeholder 2">
-            <a:extLst>
-              <a:ext uri="{FF2B5EF4-FFF2-40B4-BE49-F238E27FC236}">
-                <a16:creationId xmlns:a16="http://schemas.microsoft.com/office/drawing/2014/main" id="{101C6031-0036-4227-9AE0-DCC63CE3973A}"/>
-              </a:ext>
-            </a:extLst>
-          </p:cNvPr>
-          <p:cNvSpPr txBox="1">
-            <a:spLocks noGrp="1"/>
-          </p:cNvSpPr>
-          <p:nvPr>
-            <p:ph idx="1"/>
-          </p:nvPr>
-        </p:nvSpPr>
-        <p:spPr>
-          <a:xfrm>
-            <a:off x="838204" y="1825628"/>
-            <a:ext cx="10312396" cy="4667243"/>
-          </a:xfrm>
-        </p:spPr>
-        <p:txBody>
-          <a:bodyPr>
-            <a:normAutofit/>
-          </a:bodyPr>
-          <a:lstStyle/>
-          <a:p>
-            <a:pPr>
-              <a:lnSpc>
-                <a:spcPct val="110000"/>
-              </a:lnSpc>
-            </a:pPr>
-            <a:r>
-              <a:rPr lang="en-US" sz="3200" dirty="0">
-                <a:solidFill>
-                  <a:srgbClr val="404040"/>
-                </a:solidFill>
-                <a:latin typeface="Fira Sans" pitchFamily="34"/>
-              </a:rPr>
-              <a:t>Which units in the donor pool?</a:t>
-            </a:r>
-          </a:p>
-          <a:p>
-            <a:pPr>
-              <a:lnSpc>
-                <a:spcPct val="110000"/>
-              </a:lnSpc>
-            </a:pPr>
-            <a:r>
-              <a:rPr lang="en-US" sz="3200" dirty="0">
-                <a:solidFill>
-                  <a:srgbClr val="404040"/>
-                </a:solidFill>
-                <a:latin typeface="Fira Sans" pitchFamily="34"/>
-              </a:rPr>
-              <a:t>Which control variables?</a:t>
-            </a:r>
-          </a:p>
-          <a:p>
-            <a:pPr>
-              <a:lnSpc>
-                <a:spcPct val="110000"/>
-              </a:lnSpc>
-            </a:pPr>
-            <a:r>
-              <a:rPr lang="en-US" sz="3200" dirty="0">
-                <a:solidFill>
-                  <a:srgbClr val="404040"/>
-                </a:solidFill>
-                <a:latin typeface="Fira Sans" pitchFamily="34"/>
-              </a:rPr>
-              <a:t>What should my weights optimize?</a:t>
-            </a:r>
-          </a:p>
-          <a:p>
-            <a:pPr>
-              <a:lnSpc>
-                <a:spcPct val="110000"/>
-              </a:lnSpc>
-            </a:pPr>
-            <a:r>
-              <a:rPr lang="en-US" sz="3200" dirty="0">
-                <a:solidFill>
-                  <a:srgbClr val="404040"/>
-                </a:solidFill>
-                <a:latin typeface="Fira Sans" pitchFamily="34"/>
-              </a:rPr>
-              <a:t>How many nonzero unit weights should I get?</a:t>
-            </a:r>
-          </a:p>
-          <a:p>
-            <a:pPr>
-              <a:lnSpc>
-                <a:spcPct val="110000"/>
-              </a:lnSpc>
-            </a:pPr>
-            <a:r>
-              <a:rPr lang="en-US" sz="3200" dirty="0">
-                <a:solidFill>
-                  <a:srgbClr val="404040"/>
-                </a:solidFill>
-                <a:latin typeface="Fira Sans" pitchFamily="34"/>
-              </a:rPr>
-              <a:t>What settings do I give to the nonlinear optimizer?</a:t>
-            </a:r>
-          </a:p>
-          <a:p>
-            <a:pPr>
-              <a:lnSpc>
-                <a:spcPct val="110000"/>
-              </a:lnSpc>
-            </a:pPr>
-            <a:endParaRPr lang="en-US" sz="3200" dirty="0">
-              <a:solidFill>
-                <a:srgbClr val="404040"/>
-              </a:solidFill>
-              <a:latin typeface="Fira Sans" pitchFamily="34"/>
-            </a:endParaRPr>
-          </a:p>
-          <a:p>
-            <a:pPr marL="0" indent="0">
-              <a:lnSpc>
-                <a:spcPct val="110000"/>
-              </a:lnSpc>
-              <a:buNone/>
-            </a:pPr>
-            <a:r>
-              <a:rPr lang="en-US" sz="3200" dirty="0">
-                <a:solidFill>
-                  <a:srgbClr val="404040"/>
-                </a:solidFill>
-                <a:latin typeface="Fira Sans" pitchFamily="34"/>
-              </a:rPr>
-              <a:t>“researcher degrees of freedom”</a:t>
-            </a:r>
-          </a:p>
-        </p:txBody>
-      </p:sp>
-    </p:spTree>
-    <p:extLst>
-      <p:ext uri="{BB962C8B-B14F-4D97-AF65-F5344CB8AC3E}">
-        <p14:creationId xmlns:p14="http://schemas.microsoft.com/office/powerpoint/2010/main" val="2703230073"/>
       </p:ext>
     </p:extLst>
   </p:cSld>
@@ -13237,6 +13270,215 @@
 </file>
 
 <file path=ppt/slides/slide40.xml><?xml version="1.0" encoding="utf-8"?>
+<p:sld xmlns:a="http://schemas.openxmlformats.org/drawingml/2006/main" xmlns:r="http://schemas.openxmlformats.org/officeDocument/2006/relationships" xmlns:p="http://schemas.openxmlformats.org/presentationml/2006/main">
+  <p:cSld>
+    <p:spTree>
+      <p:nvGrpSpPr>
+        <p:cNvPr id="1" name=""/>
+        <p:cNvGrpSpPr/>
+        <p:nvPr/>
+      </p:nvGrpSpPr>
+      <p:grpSpPr>
+        <a:xfrm>
+          <a:off x="0" y="0"/>
+          <a:ext cx="0" cy="0"/>
+          <a:chOff x="0" y="0"/>
+          <a:chExt cx="0" cy="0"/>
+        </a:xfrm>
+      </p:grpSpPr>
+      <p:sp>
+        <p:nvSpPr>
+          <p:cNvPr id="2" name="Title 1">
+            <a:extLst>
+              <a:ext uri="{FF2B5EF4-FFF2-40B4-BE49-F238E27FC236}">
+                <a16:creationId xmlns:a16="http://schemas.microsoft.com/office/drawing/2014/main" id="{036EB03B-6F62-4CCD-A4CD-12EC24AAF912}"/>
+              </a:ext>
+            </a:extLst>
+          </p:cNvPr>
+          <p:cNvSpPr txBox="1">
+            <a:spLocks noGrp="1"/>
+          </p:cNvSpPr>
+          <p:nvPr>
+            <p:ph type="title"/>
+          </p:nvPr>
+        </p:nvSpPr>
+        <p:spPr/>
+        <p:txBody>
+          <a:bodyPr/>
+          <a:lstStyle/>
+          <a:p>
+            <a:pPr lvl="0">
+              <a:lnSpc>
+                <a:spcPct val="100000"/>
+              </a:lnSpc>
+            </a:pPr>
+            <a:r>
+              <a:rPr lang="en-GB" sz="5400" b="1" kern="0" dirty="0">
+                <a:solidFill>
+                  <a:srgbClr val="006388"/>
+                </a:solidFill>
+                <a:latin typeface="Fira Sans" pitchFamily="34"/>
+                <a:ea typeface="Fira Code" pitchFamily="49"/>
+              </a:rPr>
+              <a:t>There are many choices</a:t>
+            </a:r>
+            <a:endParaRPr lang="en-GB" sz="1800" kern="0" dirty="0"/>
+          </a:p>
+        </p:txBody>
+      </p:sp>
+      <p:sp>
+        <p:nvSpPr>
+          <p:cNvPr id="3" name="Content Placeholder 2">
+            <a:extLst>
+              <a:ext uri="{FF2B5EF4-FFF2-40B4-BE49-F238E27FC236}">
+                <a16:creationId xmlns:a16="http://schemas.microsoft.com/office/drawing/2014/main" id="{101C6031-0036-4227-9AE0-DCC63CE3973A}"/>
+              </a:ext>
+            </a:extLst>
+          </p:cNvPr>
+          <p:cNvSpPr txBox="1">
+            <a:spLocks noGrp="1"/>
+          </p:cNvSpPr>
+          <p:nvPr>
+            <p:ph idx="1"/>
+          </p:nvPr>
+        </p:nvSpPr>
+        <p:spPr>
+          <a:xfrm>
+            <a:off x="838204" y="1825628"/>
+            <a:ext cx="10312396" cy="4667243"/>
+          </a:xfrm>
+        </p:spPr>
+        <p:txBody>
+          <a:bodyPr>
+            <a:normAutofit/>
+          </a:bodyPr>
+          <a:lstStyle/>
+          <a:p>
+            <a:pPr>
+              <a:lnSpc>
+                <a:spcPct val="110000"/>
+              </a:lnSpc>
+            </a:pPr>
+            <a:r>
+              <a:rPr lang="en-US" sz="3200" dirty="0">
+                <a:solidFill>
+                  <a:srgbClr val="404040"/>
+                </a:solidFill>
+                <a:latin typeface="Fira Sans" pitchFamily="34"/>
+              </a:rPr>
+              <a:t>Which units in the donor pool?</a:t>
+            </a:r>
+          </a:p>
+          <a:p>
+            <a:pPr>
+              <a:lnSpc>
+                <a:spcPct val="110000"/>
+              </a:lnSpc>
+            </a:pPr>
+            <a:r>
+              <a:rPr lang="en-US" sz="3200" dirty="0">
+                <a:solidFill>
+                  <a:srgbClr val="404040"/>
+                </a:solidFill>
+                <a:latin typeface="Fira Sans" pitchFamily="34"/>
+              </a:rPr>
+              <a:t>Which control variables?</a:t>
+            </a:r>
+          </a:p>
+          <a:p>
+            <a:pPr>
+              <a:lnSpc>
+                <a:spcPct val="110000"/>
+              </a:lnSpc>
+            </a:pPr>
+            <a:r>
+              <a:rPr lang="en-US" sz="3200" dirty="0">
+                <a:solidFill>
+                  <a:srgbClr val="404040"/>
+                </a:solidFill>
+                <a:latin typeface="Fira Sans" pitchFamily="34"/>
+              </a:rPr>
+              <a:t>What should my weights optimize?</a:t>
+            </a:r>
+          </a:p>
+          <a:p>
+            <a:pPr>
+              <a:lnSpc>
+                <a:spcPct val="110000"/>
+              </a:lnSpc>
+            </a:pPr>
+            <a:r>
+              <a:rPr lang="en-US" sz="3200" dirty="0">
+                <a:solidFill>
+                  <a:srgbClr val="404040"/>
+                </a:solidFill>
+                <a:latin typeface="Fira Sans" pitchFamily="34"/>
+              </a:rPr>
+              <a:t>How many nonzero unit weights should I get?</a:t>
+            </a:r>
+          </a:p>
+          <a:p>
+            <a:pPr>
+              <a:lnSpc>
+                <a:spcPct val="110000"/>
+              </a:lnSpc>
+            </a:pPr>
+            <a:r>
+              <a:rPr lang="en-US" sz="3200" dirty="0">
+                <a:solidFill>
+                  <a:srgbClr val="404040"/>
+                </a:solidFill>
+                <a:latin typeface="Fira Sans" pitchFamily="34"/>
+              </a:rPr>
+              <a:t>What settings do I give to the nonlinear optimizer?</a:t>
+            </a:r>
+          </a:p>
+          <a:p>
+            <a:pPr>
+              <a:lnSpc>
+                <a:spcPct val="110000"/>
+              </a:lnSpc>
+            </a:pPr>
+            <a:endParaRPr lang="en-US" sz="3200" dirty="0">
+              <a:solidFill>
+                <a:srgbClr val="404040"/>
+              </a:solidFill>
+              <a:latin typeface="Fira Sans" pitchFamily="34"/>
+            </a:endParaRPr>
+          </a:p>
+          <a:p>
+            <a:pPr marL="0" indent="0">
+              <a:lnSpc>
+                <a:spcPct val="110000"/>
+              </a:lnSpc>
+              <a:buNone/>
+            </a:pPr>
+            <a:r>
+              <a:rPr lang="en-US" sz="3200" dirty="0">
+                <a:solidFill>
+                  <a:srgbClr val="404040"/>
+                </a:solidFill>
+                <a:latin typeface="Fira Sans" pitchFamily="34"/>
+              </a:rPr>
+              <a:t>“researcher degrees of freedom”</a:t>
+            </a:r>
+          </a:p>
+        </p:txBody>
+      </p:sp>
+    </p:spTree>
+    <p:extLst>
+      <p:ext uri="{BB962C8B-B14F-4D97-AF65-F5344CB8AC3E}">
+        <p14:creationId xmlns:p14="http://schemas.microsoft.com/office/powerpoint/2010/main" val="2703230073"/>
+      </p:ext>
+    </p:extLst>
+  </p:cSld>
+  <p:clrMapOvr>
+    <a:masterClrMapping/>
+  </p:clrMapOvr>
+</p:sld>
+</file>
+
+<file path=ppt/slides/slide41.xml><?xml version="1.0" encoding="utf-8"?>
 <p:sld xmlns:a="http://schemas.openxmlformats.org/drawingml/2006/main" xmlns:r="http://schemas.openxmlformats.org/officeDocument/2006/relationships" xmlns:p="http://schemas.openxmlformats.org/presentationml/2006/main">
   <p:cSld>
     <p:spTree>
@@ -13522,7 +13764,7 @@
 </p:sld>
 </file>
 
-<file path=ppt/slides/slide41.xml><?xml version="1.0" encoding="utf-8"?>
+<file path=ppt/slides/slide42.xml><?xml version="1.0" encoding="utf-8"?>
 <p:sld xmlns:a="http://schemas.openxmlformats.org/drawingml/2006/main" xmlns:r="http://schemas.openxmlformats.org/officeDocument/2006/relationships" xmlns:p="http://schemas.openxmlformats.org/presentationml/2006/main">
   <p:cSld>
     <p:spTree>
@@ -13627,7 +13869,7 @@
 </p:sld>
 </file>
 
-<file path=ppt/slides/slide42.xml><?xml version="1.0" encoding="utf-8"?>
+<file path=ppt/slides/slide43.xml><?xml version="1.0" encoding="utf-8"?>
 <p:sld xmlns:a="http://schemas.openxmlformats.org/drawingml/2006/main" xmlns:r="http://schemas.openxmlformats.org/officeDocument/2006/relationships" xmlns:p="http://schemas.openxmlformats.org/presentationml/2006/main">
   <p:cSld>
     <p:spTree>
@@ -13728,7 +13970,7 @@
 </p:sld>
 </file>
 
-<file path=ppt/slides/slide43.xml><?xml version="1.0" encoding="utf-8"?>
+<file path=ppt/slides/slide44.xml><?xml version="1.0" encoding="utf-8"?>
 <p:sld xmlns:a="http://schemas.openxmlformats.org/drawingml/2006/main" xmlns:r="http://schemas.openxmlformats.org/officeDocument/2006/relationships" xmlns:p="http://schemas.openxmlformats.org/presentationml/2006/main">
   <p:cSld name="Slide70">
     <p:spTree>
@@ -13921,7 +14163,7 @@
 </p:sld>
 </file>
 
-<file path=ppt/slides/slide44.xml><?xml version="1.0" encoding="utf-8"?>
+<file path=ppt/slides/slide45.xml><?xml version="1.0" encoding="utf-8"?>
 <p:sld xmlns:a="http://schemas.openxmlformats.org/drawingml/2006/main" xmlns:r="http://schemas.openxmlformats.org/officeDocument/2006/relationships" xmlns:p="http://schemas.openxmlformats.org/presentationml/2006/main">
   <p:cSld>
     <p:bg>
@@ -14008,7 +14250,7 @@
 </p:sld>
 </file>
 
-<file path=ppt/slides/slide45.xml><?xml version="1.0" encoding="utf-8"?>
+<file path=ppt/slides/slide46.xml><?xml version="1.0" encoding="utf-8"?>
 <p:sld xmlns:a="http://schemas.openxmlformats.org/drawingml/2006/main" xmlns:r="http://schemas.openxmlformats.org/officeDocument/2006/relationships" xmlns:p="http://schemas.openxmlformats.org/presentationml/2006/main" show="0">
   <p:cSld name="Slide58">
     <p:spTree>
@@ -14256,7 +14498,7 @@
 </p:sld>
 </file>
 
-<file path=ppt/slides/slide46.xml><?xml version="1.0" encoding="utf-8"?>
+<file path=ppt/slides/slide47.xml><?xml version="1.0" encoding="utf-8"?>
 <p:sld xmlns:a="http://schemas.openxmlformats.org/drawingml/2006/main" xmlns:r="http://schemas.openxmlformats.org/officeDocument/2006/relationships" xmlns:p="http://schemas.openxmlformats.org/presentationml/2006/main" show="0">
   <p:cSld name="Slide80">
     <p:bg>
@@ -14516,7 +14758,7 @@
 </p:sld>
 </file>
 
-<file path=ppt/slides/slide47.xml><?xml version="1.0" encoding="utf-8"?>
+<file path=ppt/slides/slide48.xml><?xml version="1.0" encoding="utf-8"?>
 <p:sld xmlns:a="http://schemas.openxmlformats.org/drawingml/2006/main" xmlns:r="http://schemas.openxmlformats.org/officeDocument/2006/relationships" xmlns:p="http://schemas.openxmlformats.org/presentationml/2006/main" show="0">
   <p:cSld>
     <p:bg>
@@ -14603,7 +14845,7 @@
 </p:sld>
 </file>
 
-<file path=ppt/slides/slide48.xml><?xml version="1.0" encoding="utf-8"?>
+<file path=ppt/slides/slide49.xml><?xml version="1.0" encoding="utf-8"?>
 <p:sld xmlns:a="http://schemas.openxmlformats.org/drawingml/2006/main" xmlns:r="http://schemas.openxmlformats.org/officeDocument/2006/relationships" xmlns:p="http://schemas.openxmlformats.org/presentationml/2006/main" show="0">
   <p:cSld>
     <p:spTree>
@@ -14751,7 +14993,237 @@
 </p:sld>
 </file>
 
-<file path=ppt/slides/slide49.xml><?xml version="1.0" encoding="utf-8"?>
+<file path=ppt/slides/slide5.xml><?xml version="1.0" encoding="utf-8"?>
+<p:sld xmlns:a="http://schemas.openxmlformats.org/drawingml/2006/main" xmlns:r="http://schemas.openxmlformats.org/officeDocument/2006/relationships" xmlns:p="http://schemas.openxmlformats.org/presentationml/2006/main">
+  <p:cSld>
+    <p:spTree>
+      <p:nvGrpSpPr>
+        <p:cNvPr id="1" name=""/>
+        <p:cNvGrpSpPr/>
+        <p:nvPr/>
+      </p:nvGrpSpPr>
+      <p:grpSpPr>
+        <a:xfrm>
+          <a:off x="0" y="0"/>
+          <a:ext cx="0" cy="0"/>
+          <a:chOff x="0" y="0"/>
+          <a:chExt cx="0" cy="0"/>
+        </a:xfrm>
+      </p:grpSpPr>
+      <p:sp>
+        <p:nvSpPr>
+          <p:cNvPr id="2" name="Title 1">
+            <a:extLst>
+              <a:ext uri="{FF2B5EF4-FFF2-40B4-BE49-F238E27FC236}">
+                <a16:creationId xmlns:a16="http://schemas.microsoft.com/office/drawing/2014/main" id="{036EB03B-6F62-4CCD-A4CD-12EC24AAF912}"/>
+              </a:ext>
+            </a:extLst>
+          </p:cNvPr>
+          <p:cNvSpPr txBox="1">
+            <a:spLocks noGrp="1"/>
+          </p:cNvSpPr>
+          <p:nvPr>
+            <p:ph type="title"/>
+          </p:nvPr>
+        </p:nvSpPr>
+        <p:spPr/>
+        <p:txBody>
+          <a:bodyPr/>
+          <a:lstStyle/>
+          <a:p>
+            <a:pPr lvl="0">
+              <a:lnSpc>
+                <a:spcPct val="100000"/>
+              </a:lnSpc>
+            </a:pPr>
+            <a:r>
+              <a:rPr lang="en-GB" sz="5400" b="1" kern="0" dirty="0">
+                <a:solidFill>
+                  <a:srgbClr val="006388"/>
+                </a:solidFill>
+                <a:latin typeface="Fira Sans" pitchFamily="34"/>
+                <a:ea typeface="Fira Code" pitchFamily="49"/>
+              </a:rPr>
+              <a:t>Basic idea</a:t>
+            </a:r>
+            <a:endParaRPr lang="en-GB" sz="1800" kern="0" dirty="0"/>
+          </a:p>
+        </p:txBody>
+      </p:sp>
+      <p:sp>
+        <p:nvSpPr>
+          <p:cNvPr id="3" name="Content Placeholder 2">
+            <a:extLst>
+              <a:ext uri="{FF2B5EF4-FFF2-40B4-BE49-F238E27FC236}">
+                <a16:creationId xmlns:a16="http://schemas.microsoft.com/office/drawing/2014/main" id="{101C6031-0036-4227-9AE0-DCC63CE3973A}"/>
+              </a:ext>
+            </a:extLst>
+          </p:cNvPr>
+          <p:cNvSpPr txBox="1">
+            <a:spLocks noGrp="1"/>
+          </p:cNvSpPr>
+          <p:nvPr>
+            <p:ph idx="1"/>
+          </p:nvPr>
+        </p:nvSpPr>
+        <p:spPr>
+          <a:xfrm>
+            <a:off x="838203" y="1825627"/>
+            <a:ext cx="10515600" cy="4667243"/>
+          </a:xfrm>
+        </p:spPr>
+        <p:txBody>
+          <a:bodyPr>
+            <a:normAutofit fontScale="92500" lnSpcReduction="20000"/>
+          </a:bodyPr>
+          <a:lstStyle/>
+          <a:p>
+            <a:pPr marL="0" indent="0">
+              <a:lnSpc>
+                <a:spcPct val="110000"/>
+              </a:lnSpc>
+              <a:buNone/>
+            </a:pPr>
+            <a:r>
+              <a:rPr lang="en-GB" sz="3200" dirty="0">
+                <a:solidFill>
+                  <a:srgbClr val="404040"/>
+                </a:solidFill>
+                <a:latin typeface="Fira Sans" pitchFamily="34"/>
+              </a:rPr>
+              <a:t>With diff-in-diff we used a control unit to attempt a correction for unmeasured time-varying confounders (e.g., macroeconomic situation in U.S.A.)</a:t>
+            </a:r>
+          </a:p>
+          <a:p>
+            <a:pPr>
+              <a:lnSpc>
+                <a:spcPct val="110000"/>
+              </a:lnSpc>
+            </a:pPr>
+            <a:r>
+              <a:rPr lang="en-GB" sz="3200" dirty="0">
+                <a:solidFill>
+                  <a:srgbClr val="404040"/>
+                </a:solidFill>
+                <a:latin typeface="Fira Sans" pitchFamily="34"/>
+              </a:rPr>
+              <a:t>You need a good control unit!</a:t>
+            </a:r>
+          </a:p>
+          <a:p>
+            <a:pPr>
+              <a:lnSpc>
+                <a:spcPct val="110000"/>
+              </a:lnSpc>
+            </a:pPr>
+            <a:r>
+              <a:rPr lang="en-GB" sz="3200" dirty="0">
+                <a:solidFill>
+                  <a:srgbClr val="404040"/>
+                </a:solidFill>
+                <a:latin typeface="Fira Sans" pitchFamily="34"/>
+              </a:rPr>
+              <a:t>How much is Utah like California?</a:t>
+            </a:r>
+          </a:p>
+          <a:p>
+            <a:pPr>
+              <a:lnSpc>
+                <a:spcPct val="110000"/>
+              </a:lnSpc>
+            </a:pPr>
+            <a:endParaRPr lang="en-GB" sz="3200" dirty="0">
+              <a:solidFill>
+                <a:srgbClr val="404040"/>
+              </a:solidFill>
+              <a:latin typeface="Fira Sans" pitchFamily="34"/>
+            </a:endParaRPr>
+          </a:p>
+          <a:p>
+            <a:pPr marL="0" indent="0">
+              <a:lnSpc>
+                <a:spcPct val="110000"/>
+              </a:lnSpc>
+              <a:buNone/>
+            </a:pPr>
+            <a:r>
+              <a:rPr lang="en-GB" sz="3200" dirty="0">
+                <a:solidFill>
+                  <a:srgbClr val="404040"/>
+                </a:solidFill>
+                <a:latin typeface="Fira Sans" pitchFamily="34"/>
+              </a:rPr>
+              <a:t>We can instead use a weighted average of a </a:t>
+            </a:r>
+            <a:r>
+              <a:rPr lang="en-GB" sz="3200" b="1" dirty="0">
+                <a:solidFill>
+                  <a:srgbClr val="006388"/>
+                </a:solidFill>
+                <a:latin typeface="Fira Sans" pitchFamily="34"/>
+              </a:rPr>
+              <a:t>donor pool </a:t>
+            </a:r>
+            <a:r>
+              <a:rPr lang="en-GB" sz="3200" dirty="0">
+                <a:solidFill>
+                  <a:srgbClr val="404040"/>
+                </a:solidFill>
+                <a:latin typeface="Fira Sans" pitchFamily="34"/>
+              </a:rPr>
+              <a:t>of control units to create a </a:t>
+            </a:r>
+            <a:r>
+              <a:rPr lang="en-GB" sz="3200" b="1" dirty="0">
+                <a:solidFill>
+                  <a:srgbClr val="006388"/>
+                </a:solidFill>
+                <a:latin typeface="Fira Sans" pitchFamily="34"/>
+              </a:rPr>
+              <a:t>synthetic control </a:t>
+            </a:r>
+            <a:r>
+              <a:rPr lang="en-GB" sz="3200" dirty="0">
+                <a:solidFill>
+                  <a:srgbClr val="404040"/>
+                </a:solidFill>
+                <a:latin typeface="Fira Sans" pitchFamily="34"/>
+              </a:rPr>
+              <a:t>unit</a:t>
+            </a:r>
+          </a:p>
+          <a:p>
+            <a:pPr>
+              <a:lnSpc>
+                <a:spcPct val="110000"/>
+              </a:lnSpc>
+            </a:pPr>
+            <a:r>
+              <a:rPr lang="en-GB" sz="3200" dirty="0">
+                <a:solidFill>
+                  <a:srgbClr val="404040"/>
+                </a:solidFill>
+                <a:latin typeface="Fira Sans" pitchFamily="34"/>
+              </a:rPr>
+              <a:t>Choose the weights such that control is like California</a:t>
+            </a:r>
+          </a:p>
+        </p:txBody>
+      </p:sp>
+    </p:spTree>
+    <p:extLst>
+      <p:ext uri="{BB962C8B-B14F-4D97-AF65-F5344CB8AC3E}">
+        <p14:creationId xmlns:p14="http://schemas.microsoft.com/office/powerpoint/2010/main" val="1034235853"/>
+      </p:ext>
+    </p:extLst>
+  </p:cSld>
+  <p:clrMapOvr>
+    <a:masterClrMapping/>
+  </p:clrMapOvr>
+</p:sld>
+</file>
+
+<file path=ppt/slides/slide50.xml><?xml version="1.0" encoding="utf-8"?>
 <p:sld xmlns:a="http://schemas.openxmlformats.org/drawingml/2006/main" xmlns:r="http://schemas.openxmlformats.org/officeDocument/2006/relationships" xmlns:p="http://schemas.openxmlformats.org/presentationml/2006/main" show="0">
   <p:cSld name="Slide37">
     <p:bg>
@@ -14826,236 +15298,6 @@
         </p:txBody>
       </p:sp>
     </p:spTree>
-  </p:cSld>
-  <p:clrMapOvr>
-    <a:masterClrMapping/>
-  </p:clrMapOvr>
-</p:sld>
-</file>
-
-<file path=ppt/slides/slide5.xml><?xml version="1.0" encoding="utf-8"?>
-<p:sld xmlns:a="http://schemas.openxmlformats.org/drawingml/2006/main" xmlns:r="http://schemas.openxmlformats.org/officeDocument/2006/relationships" xmlns:p="http://schemas.openxmlformats.org/presentationml/2006/main">
-  <p:cSld>
-    <p:spTree>
-      <p:nvGrpSpPr>
-        <p:cNvPr id="1" name=""/>
-        <p:cNvGrpSpPr/>
-        <p:nvPr/>
-      </p:nvGrpSpPr>
-      <p:grpSpPr>
-        <a:xfrm>
-          <a:off x="0" y="0"/>
-          <a:ext cx="0" cy="0"/>
-          <a:chOff x="0" y="0"/>
-          <a:chExt cx="0" cy="0"/>
-        </a:xfrm>
-      </p:grpSpPr>
-      <p:sp>
-        <p:nvSpPr>
-          <p:cNvPr id="2" name="Title 1">
-            <a:extLst>
-              <a:ext uri="{FF2B5EF4-FFF2-40B4-BE49-F238E27FC236}">
-                <a16:creationId xmlns:a16="http://schemas.microsoft.com/office/drawing/2014/main" id="{036EB03B-6F62-4CCD-A4CD-12EC24AAF912}"/>
-              </a:ext>
-            </a:extLst>
-          </p:cNvPr>
-          <p:cNvSpPr txBox="1">
-            <a:spLocks noGrp="1"/>
-          </p:cNvSpPr>
-          <p:nvPr>
-            <p:ph type="title"/>
-          </p:nvPr>
-        </p:nvSpPr>
-        <p:spPr/>
-        <p:txBody>
-          <a:bodyPr/>
-          <a:lstStyle/>
-          <a:p>
-            <a:pPr lvl="0">
-              <a:lnSpc>
-                <a:spcPct val="100000"/>
-              </a:lnSpc>
-            </a:pPr>
-            <a:r>
-              <a:rPr lang="en-GB" sz="5400" b="1" kern="0" dirty="0">
-                <a:solidFill>
-                  <a:srgbClr val="006388"/>
-                </a:solidFill>
-                <a:latin typeface="Fira Sans" pitchFamily="34"/>
-                <a:ea typeface="Fira Code" pitchFamily="49"/>
-              </a:rPr>
-              <a:t>Basic idea</a:t>
-            </a:r>
-            <a:endParaRPr lang="en-GB" sz="1800" kern="0" dirty="0"/>
-          </a:p>
-        </p:txBody>
-      </p:sp>
-      <p:sp>
-        <p:nvSpPr>
-          <p:cNvPr id="3" name="Content Placeholder 2">
-            <a:extLst>
-              <a:ext uri="{FF2B5EF4-FFF2-40B4-BE49-F238E27FC236}">
-                <a16:creationId xmlns:a16="http://schemas.microsoft.com/office/drawing/2014/main" id="{101C6031-0036-4227-9AE0-DCC63CE3973A}"/>
-              </a:ext>
-            </a:extLst>
-          </p:cNvPr>
-          <p:cNvSpPr txBox="1">
-            <a:spLocks noGrp="1"/>
-          </p:cNvSpPr>
-          <p:nvPr>
-            <p:ph idx="1"/>
-          </p:nvPr>
-        </p:nvSpPr>
-        <p:spPr>
-          <a:xfrm>
-            <a:off x="838203" y="1825627"/>
-            <a:ext cx="10515600" cy="4667243"/>
-          </a:xfrm>
-        </p:spPr>
-        <p:txBody>
-          <a:bodyPr>
-            <a:normAutofit fontScale="92500" lnSpcReduction="20000"/>
-          </a:bodyPr>
-          <a:lstStyle/>
-          <a:p>
-            <a:pPr marL="0" indent="0">
-              <a:lnSpc>
-                <a:spcPct val="110000"/>
-              </a:lnSpc>
-              <a:buNone/>
-            </a:pPr>
-            <a:r>
-              <a:rPr lang="en-GB" sz="3200" dirty="0">
-                <a:solidFill>
-                  <a:srgbClr val="404040"/>
-                </a:solidFill>
-                <a:latin typeface="Fira Sans" pitchFamily="34"/>
-              </a:rPr>
-              <a:t>With diff-in-diff we used a control unit to attempt a correction for unmeasured time-varying confounders (e.g., macroeconomic situation in U.S.A.)</a:t>
-            </a:r>
-          </a:p>
-          <a:p>
-            <a:pPr>
-              <a:lnSpc>
-                <a:spcPct val="110000"/>
-              </a:lnSpc>
-            </a:pPr>
-            <a:r>
-              <a:rPr lang="en-GB" sz="3200" dirty="0">
-                <a:solidFill>
-                  <a:srgbClr val="404040"/>
-                </a:solidFill>
-                <a:latin typeface="Fira Sans" pitchFamily="34"/>
-              </a:rPr>
-              <a:t>You need a good control unit!</a:t>
-            </a:r>
-          </a:p>
-          <a:p>
-            <a:pPr>
-              <a:lnSpc>
-                <a:spcPct val="110000"/>
-              </a:lnSpc>
-            </a:pPr>
-            <a:r>
-              <a:rPr lang="en-GB" sz="3200" dirty="0">
-                <a:solidFill>
-                  <a:srgbClr val="404040"/>
-                </a:solidFill>
-                <a:latin typeface="Fira Sans" pitchFamily="34"/>
-              </a:rPr>
-              <a:t>How much is Utah like California?</a:t>
-            </a:r>
-          </a:p>
-          <a:p>
-            <a:pPr>
-              <a:lnSpc>
-                <a:spcPct val="110000"/>
-              </a:lnSpc>
-            </a:pPr>
-            <a:endParaRPr lang="en-GB" sz="3200" dirty="0">
-              <a:solidFill>
-                <a:srgbClr val="404040"/>
-              </a:solidFill>
-              <a:latin typeface="Fira Sans" pitchFamily="34"/>
-            </a:endParaRPr>
-          </a:p>
-          <a:p>
-            <a:pPr marL="0" indent="0">
-              <a:lnSpc>
-                <a:spcPct val="110000"/>
-              </a:lnSpc>
-              <a:buNone/>
-            </a:pPr>
-            <a:r>
-              <a:rPr lang="en-GB" sz="3200" dirty="0">
-                <a:solidFill>
-                  <a:srgbClr val="404040"/>
-                </a:solidFill>
-                <a:latin typeface="Fira Sans" pitchFamily="34"/>
-              </a:rPr>
-              <a:t>We can instead use a weighted average of a </a:t>
-            </a:r>
-            <a:r>
-              <a:rPr lang="en-GB" sz="3200" b="1" dirty="0">
-                <a:solidFill>
-                  <a:srgbClr val="006388"/>
-                </a:solidFill>
-                <a:latin typeface="Fira Sans" pitchFamily="34"/>
-              </a:rPr>
-              <a:t>donor pool </a:t>
-            </a:r>
-            <a:r>
-              <a:rPr lang="en-GB" sz="3200" dirty="0">
-                <a:solidFill>
-                  <a:srgbClr val="404040"/>
-                </a:solidFill>
-                <a:latin typeface="Fira Sans" pitchFamily="34"/>
-              </a:rPr>
-              <a:t>of control units to create a </a:t>
-            </a:r>
-            <a:r>
-              <a:rPr lang="en-GB" sz="3200" b="1" dirty="0">
-                <a:solidFill>
-                  <a:srgbClr val="006388"/>
-                </a:solidFill>
-                <a:latin typeface="Fira Sans" pitchFamily="34"/>
-              </a:rPr>
-              <a:t>synthetic control </a:t>
-            </a:r>
-            <a:r>
-              <a:rPr lang="en-GB" sz="3200" dirty="0">
-                <a:solidFill>
-                  <a:srgbClr val="404040"/>
-                </a:solidFill>
-                <a:latin typeface="Fira Sans" pitchFamily="34"/>
-              </a:rPr>
-              <a:t>unit</a:t>
-            </a:r>
-          </a:p>
-          <a:p>
-            <a:pPr>
-              <a:lnSpc>
-                <a:spcPct val="110000"/>
-              </a:lnSpc>
-            </a:pPr>
-            <a:r>
-              <a:rPr lang="en-GB" sz="3200" dirty="0">
-                <a:solidFill>
-                  <a:srgbClr val="404040"/>
-                </a:solidFill>
-                <a:latin typeface="Fira Sans" pitchFamily="34"/>
-              </a:rPr>
-              <a:t>Choose the weights such that control is like California</a:t>
-            </a:r>
-          </a:p>
-        </p:txBody>
-      </p:sp>
-    </p:spTree>
-    <p:extLst>
-      <p:ext uri="{BB962C8B-B14F-4D97-AF65-F5344CB8AC3E}">
-        <p14:creationId xmlns:p14="http://schemas.microsoft.com/office/powerpoint/2010/main" val="1034235853"/>
-      </p:ext>
-    </p:extLst>
   </p:cSld>
   <p:clrMapOvr>
     <a:masterClrMapping/>

--- a/lectures/03_synthetic_control/synthetic_control.pptx
+++ b/lectures/03_synthetic_control/synthetic_control.pptx
@@ -315,7 +315,7 @@
             <a:fld id="{61C17900-95FA-4124-853C-9BC71B59CBE5}" type="datetime1">
               <a:rPr lang="en-GB"/>
               <a:pPr lvl="0"/>
-              <a:t>10/05/2023</a:t>
+              <a:t>15/05/2023</a:t>
             </a:fld>
             <a:endParaRPr lang="en-GB"/>
           </a:p>
@@ -3619,7 +3619,7 @@
             <a:fld id="{4A25D1A3-0A93-4C94-80FF-26B8FD61124B}" type="datetime1">
               <a:rPr lang="en-GB"/>
               <a:pPr lvl="0"/>
-              <a:t>10/05/2023</a:t>
+              <a:t>15/05/2023</a:t>
             </a:fld>
             <a:endParaRPr lang="en-GB"/>
           </a:p>
@@ -3856,7 +3856,7 @@
             <a:fld id="{81142B93-5A2B-450B-8B37-47C337A7F461}" type="datetime1">
               <a:rPr lang="en-GB"/>
               <a:pPr lvl="0"/>
-              <a:t>10/05/2023</a:t>
+              <a:t>15/05/2023</a:t>
             </a:fld>
             <a:endParaRPr lang="en-GB"/>
           </a:p>
@@ -4102,7 +4102,7 @@
             <a:fld id="{6E063067-B603-41EE-A9A7-41899DD775E6}" type="datetime1">
               <a:rPr lang="en-GB"/>
               <a:pPr lvl="0"/>
-              <a:t>10/05/2023</a:t>
+              <a:t>15/05/2023</a:t>
             </a:fld>
             <a:endParaRPr lang="en-GB"/>
           </a:p>
@@ -4338,7 +4338,7 @@
             <a:fld id="{6F249873-F8C6-4397-84F9-F8EC0F22A697}" type="datetime1">
               <a:rPr lang="en-GB"/>
               <a:pPr lvl="0"/>
-              <a:t>10/05/2023</a:t>
+              <a:t>15/05/2023</a:t>
             </a:fld>
             <a:endParaRPr lang="en-GB"/>
           </a:p>
@@ -4549,7 +4549,7 @@
             <a:fld id="{C12BD4ED-6206-4BF6-96F8-E25353DC0FB4}" type="datetime1">
               <a:rPr lang="en-GB"/>
               <a:pPr lvl="0"/>
-              <a:t>10/05/2023</a:t>
+              <a:t>15/05/2023</a:t>
             </a:fld>
             <a:endParaRPr lang="en-GB"/>
           </a:p>
@@ -4869,7 +4869,7 @@
             <a:fld id="{39B86B4E-481C-4780-B006-4B46E923812F}" type="datetime1">
               <a:rPr lang="en-GB"/>
               <a:pPr lvl="0"/>
-              <a:t>10/05/2023</a:t>
+              <a:t>15/05/2023</a:t>
             </a:fld>
             <a:endParaRPr lang="en-GB"/>
           </a:p>
@@ -5272,7 +5272,7 @@
             <a:fld id="{4D4B0C8B-6A6B-4F9A-AD92-C7A874294C43}" type="datetime1">
               <a:rPr lang="en-GB"/>
               <a:pPr lvl="0"/>
-              <a:t>10/05/2023</a:t>
+              <a:t>15/05/2023</a:t>
             </a:fld>
             <a:endParaRPr lang="en-GB"/>
           </a:p>
@@ -5434,7 +5434,7 @@
             <a:fld id="{2242089C-BC90-4A09-BBF2-11ACCFCC6AAC}" type="datetime1">
               <a:rPr lang="en-GB"/>
               <a:pPr lvl="0"/>
-              <a:t>10/05/2023</a:t>
+              <a:t>15/05/2023</a:t>
             </a:fld>
             <a:endParaRPr lang="en-GB"/>
           </a:p>
@@ -5562,7 +5562,7 @@
             <a:fld id="{9E45A0C3-C9A4-409A-ABC1-542A7544900D}" type="datetime1">
               <a:rPr lang="en-GB"/>
               <a:pPr lvl="0"/>
-              <a:t>10/05/2023</a:t>
+              <a:t>15/05/2023</a:t>
             </a:fld>
             <a:endParaRPr lang="en-GB"/>
           </a:p>
@@ -5847,7 +5847,7 @@
             <a:fld id="{FE905373-3B96-430D-80BE-EEB6F3514509}" type="datetime1">
               <a:rPr lang="en-GB"/>
               <a:pPr lvl="0"/>
-              <a:t>10/05/2023</a:t>
+              <a:t>15/05/2023</a:t>
             </a:fld>
             <a:endParaRPr lang="en-GB"/>
           </a:p>
@@ -6089,7 +6089,7 @@
             <a:fld id="{FD713A6C-3BFD-4C18-89E6-78D595B19DB8}" type="datetime1">
               <a:rPr lang="en-GB"/>
               <a:pPr lvl="0"/>
-              <a:t>10/05/2023</a:t>
+              <a:t>15/05/2023</a:t>
             </a:fld>
             <a:endParaRPr lang="en-GB"/>
           </a:p>
@@ -6372,7 +6372,7 @@
             <a:fld id="{19E4415A-9E33-406F-911E-8770DEE3AE96}" type="datetime1">
               <a:rPr lang="en-GB"/>
               <a:pPr lvl="0"/>
-              <a:t>10/05/2023</a:t>
+              <a:t>15/05/2023</a:t>
             </a:fld>
             <a:endParaRPr lang="en-GB"/>
           </a:p>
@@ -17798,8 +17798,8 @@
           <a:chExt cx="0" cy="0"/>
         </a:xfrm>
       </p:grpSpPr>
-      <mc:AlternateContent xmlns:mc="http://schemas.openxmlformats.org/markup-compatibility/2006">
-        <mc:Choice xmlns:a14="http://schemas.microsoft.com/office/drawing/2010/main" Requires="a14">
+      <mc:AlternateContent xmlns:mc="http://schemas.openxmlformats.org/markup-compatibility/2006" xmlns:a14="http://schemas.microsoft.com/office/drawing/2010/main">
+        <mc:Choice Requires="a14">
           <p:graphicFrame>
             <p:nvGraphicFramePr>
               <p:cNvPr id="3" name="Table 6">
@@ -18740,13 +18740,7 @@
                                       <a:rPr lang="en-GB" sz="2800" b="0" i="1" smtClean="0">
                                         <a:latin typeface="Cambria Math" panose="02040503050406030204" pitchFamily="18" charset="0"/>
                                       </a:rPr>
-                                      <m:t>𝑗</m:t>
-                                    </m:r>
-                                    <m:r>
-                                      <a:rPr lang="en-GB" sz="2800" b="0" i="1" smtClean="0">
-                                        <a:latin typeface="Cambria Math" panose="02040503050406030204" pitchFamily="18" charset="0"/>
-                                      </a:rPr>
-                                      <m:t>𝑡</m:t>
+                                      <m:t>𝑗𝑡</m:t>
                                     </m:r>
                                   </m:sub>
                                 </m:sSub>
@@ -21118,7 +21112,7 @@
             </a:graphic>
           </p:graphicFrame>
         </mc:Choice>
-        <mc:Fallback>
+        <mc:Fallback xmlns="">
           <p:graphicFrame>
             <p:nvGraphicFramePr>
               <p:cNvPr id="3" name="Table 6">
@@ -23634,8 +23628,8 @@
           <a:chExt cx="0" cy="0"/>
         </a:xfrm>
       </p:grpSpPr>
-      <mc:AlternateContent xmlns:mc="http://schemas.openxmlformats.org/markup-compatibility/2006">
-        <mc:Choice xmlns:a14="http://schemas.microsoft.com/office/drawing/2010/main" Requires="a14">
+      <mc:AlternateContent xmlns:mc="http://schemas.openxmlformats.org/markup-compatibility/2006" xmlns:a14="http://schemas.microsoft.com/office/drawing/2010/main">
+        <mc:Choice Requires="a14">
           <p:graphicFrame>
             <p:nvGraphicFramePr>
               <p:cNvPr id="3" name="Table 6">
@@ -26972,7 +26966,7 @@
             </a:graphic>
           </p:graphicFrame>
         </mc:Choice>
-        <mc:Fallback>
+        <mc:Fallback xmlns="">
           <p:graphicFrame>
             <p:nvGraphicFramePr>
               <p:cNvPr id="3" name="Table 6">
@@ -29488,8 +29482,8 @@
           <a:chExt cx="0" cy="0"/>
         </a:xfrm>
       </p:grpSpPr>
-      <mc:AlternateContent xmlns:mc="http://schemas.openxmlformats.org/markup-compatibility/2006">
-        <mc:Choice xmlns:a14="http://schemas.microsoft.com/office/drawing/2010/main" Requires="a14">
+      <mc:AlternateContent xmlns:mc="http://schemas.openxmlformats.org/markup-compatibility/2006" xmlns:a14="http://schemas.microsoft.com/office/drawing/2010/main">
+        <mc:Choice Requires="a14">
           <p:graphicFrame>
             <p:nvGraphicFramePr>
               <p:cNvPr id="3" name="Table 6">
@@ -32861,7 +32855,7 @@
             </a:graphic>
           </p:graphicFrame>
         </mc:Choice>
-        <mc:Fallback>
+        <mc:Fallback xmlns="">
           <p:graphicFrame>
             <p:nvGraphicFramePr>
               <p:cNvPr id="3" name="Table 6">
@@ -35349,8 +35343,8 @@
           </a:fontRef>
         </p:style>
       </p:cxnSp>
-      <mc:AlternateContent xmlns:mc="http://schemas.openxmlformats.org/markup-compatibility/2006">
-        <mc:Choice xmlns:a14="http://schemas.microsoft.com/office/drawing/2010/main" Requires="a14">
+      <mc:AlternateContent xmlns:mc="http://schemas.openxmlformats.org/markup-compatibility/2006" xmlns:a14="http://schemas.microsoft.com/office/drawing/2010/main">
+        <mc:Choice Requires="a14">
           <p:sp>
             <p:nvSpPr>
               <p:cNvPr id="6" name="TextBox 5">
@@ -35569,7 +35563,7 @@
             </p:txBody>
           </p:sp>
         </mc:Choice>
-        <mc:Fallback>
+        <mc:Fallback xmlns="">
           <p:sp>
             <p:nvSpPr>
               <p:cNvPr id="6" name="TextBox 5">
@@ -36156,8 +36150,8 @@
           <a:chExt cx="0" cy="0"/>
         </a:xfrm>
       </p:grpSpPr>
-      <mc:AlternateContent xmlns:mc="http://schemas.openxmlformats.org/markup-compatibility/2006">
-        <mc:Choice xmlns:a14="http://schemas.microsoft.com/office/drawing/2010/main" Requires="a14">
+      <mc:AlternateContent xmlns:mc="http://schemas.openxmlformats.org/markup-compatibility/2006" xmlns:a14="http://schemas.microsoft.com/office/drawing/2010/main">
+        <mc:Choice Requires="a14">
           <p:graphicFrame>
             <p:nvGraphicFramePr>
               <p:cNvPr id="3" name="Table 6">
@@ -39733,7 +39727,7 @@
             </a:graphic>
           </p:graphicFrame>
         </mc:Choice>
-        <mc:Fallback>
+        <mc:Fallback xmlns="">
           <p:graphicFrame>
             <p:nvGraphicFramePr>
               <p:cNvPr id="3" name="Table 6">
@@ -42221,8 +42215,8 @@
           </a:fontRef>
         </p:style>
       </p:cxnSp>
-      <mc:AlternateContent xmlns:mc="http://schemas.openxmlformats.org/markup-compatibility/2006">
-        <mc:Choice xmlns:a14="http://schemas.microsoft.com/office/drawing/2010/main" Requires="a14">
+      <mc:AlternateContent xmlns:mc="http://schemas.openxmlformats.org/markup-compatibility/2006" xmlns:a14="http://schemas.microsoft.com/office/drawing/2010/main">
+        <mc:Choice Requires="a14">
           <p:sp>
             <p:nvSpPr>
               <p:cNvPr id="6" name="TextBox 5">
@@ -42441,7 +42435,7 @@
             </p:txBody>
           </p:sp>
         </mc:Choice>
-        <mc:Fallback>
+        <mc:Fallback xmlns="">
           <p:sp>
             <p:nvSpPr>
               <p:cNvPr id="6" name="TextBox 5">
@@ -42824,8 +42818,8 @@
           </a:fontRef>
         </p:style>
       </p:cxnSp>
-      <mc:AlternateContent xmlns:mc="http://schemas.openxmlformats.org/markup-compatibility/2006">
-        <mc:Choice xmlns:a14="http://schemas.microsoft.com/office/drawing/2010/main" Requires="a14">
+      <mc:AlternateContent xmlns:mc="http://schemas.openxmlformats.org/markup-compatibility/2006" xmlns:a14="http://schemas.microsoft.com/office/drawing/2010/main">
+        <mc:Choice Requires="a14">
           <p:sp>
             <p:nvSpPr>
               <p:cNvPr id="12" name="TextBox 11">
@@ -43070,7 +43064,7 @@
             </p:txBody>
           </p:sp>
         </mc:Choice>
-        <mc:Fallback>
+        <mc:Fallback xmlns="">
           <p:sp>
             <p:nvSpPr>
               <p:cNvPr id="12" name="TextBox 11">
@@ -43160,8 +43154,8 @@
           </a:fontRef>
         </p:style>
       </p:cxnSp>
-      <mc:AlternateContent xmlns:mc="http://schemas.openxmlformats.org/markup-compatibility/2006">
-        <mc:Choice xmlns:a14="http://schemas.microsoft.com/office/drawing/2010/main" Requires="a14">
+      <mc:AlternateContent xmlns:mc="http://schemas.openxmlformats.org/markup-compatibility/2006" xmlns:a14="http://schemas.microsoft.com/office/drawing/2010/main">
+        <mc:Choice Requires="a14">
           <p:sp>
             <p:nvSpPr>
               <p:cNvPr id="18" name="TextBox 17">
@@ -43411,7 +43405,7 @@
             </p:txBody>
           </p:sp>
         </mc:Choice>
-        <mc:Fallback>
+        <mc:Fallback xmlns="">
           <p:sp>
             <p:nvSpPr>
               <p:cNvPr id="18" name="TextBox 17">

--- a/lectures/03_synthetic_control/synthetic_control.pptx
+++ b/lectures/03_synthetic_control/synthetic_control.pptx
@@ -5,7 +5,7 @@
     <p:sldMasterId id="2147483648" r:id="rId1"/>
   </p:sldMasterIdLst>
   <p:notesMasterIdLst>
-    <p:notesMasterId r:id="rId58"/>
+    <p:notesMasterId r:id="rId55"/>
   </p:notesMasterIdLst>
   <p:sldIdLst>
     <p:sldId id="297" r:id="rId2"/>
@@ -56,14 +56,11 @@
     <p:sldId id="437" r:id="rId47"/>
     <p:sldId id="438" r:id="rId48"/>
     <p:sldId id="434" r:id="rId49"/>
-    <p:sldId id="325" r:id="rId50"/>
-    <p:sldId id="364" r:id="rId51"/>
-    <p:sldId id="441" r:id="rId52"/>
-    <p:sldId id="313" r:id="rId53"/>
-    <p:sldId id="335" r:id="rId54"/>
-    <p:sldId id="362" r:id="rId55"/>
-    <p:sldId id="339" r:id="rId56"/>
-    <p:sldId id="292" r:id="rId57"/>
+    <p:sldId id="364" r:id="rId50"/>
+    <p:sldId id="313" r:id="rId51"/>
+    <p:sldId id="335" r:id="rId52"/>
+    <p:sldId id="362" r:id="rId53"/>
+    <p:sldId id="339" r:id="rId54"/>
   </p:sldIdLst>
   <p:sldSz cx="12192000" cy="6858000"/>
   <p:notesSz cx="6858000" cy="9144000"/>
@@ -29848,7 +29845,15 @@
 
 <file path=ppt/slides/slide49.xml><?xml version="1.0" encoding="utf-8"?>
 <p:sld xmlns:a="http://schemas.openxmlformats.org/drawingml/2006/main" xmlns:r="http://schemas.openxmlformats.org/officeDocument/2006/relationships" xmlns:p="http://schemas.openxmlformats.org/presentationml/2006/main">
-  <p:cSld name="Slide70">
+  <p:cSld>
+    <p:bg>
+      <p:bgPr>
+        <a:solidFill>
+          <a:srgbClr val="006388"/>
+        </a:solidFill>
+        <a:effectLst/>
+      </p:bgPr>
+    </p:bg>
     <p:spTree>
       <p:nvGrpSpPr>
         <p:cNvPr id="1" name=""/>
@@ -29868,7 +29873,7 @@
           <p:cNvPr id="2" name="Title 1">
             <a:extLst>
               <a:ext uri="{FF2B5EF4-FFF2-40B4-BE49-F238E27FC236}">
-                <a16:creationId xmlns:a16="http://schemas.microsoft.com/office/drawing/2014/main" id="{51E44C08-D2D3-4847-9593-818BE0A13B4B}"/>
+                <a16:creationId xmlns:a16="http://schemas.microsoft.com/office/drawing/2014/main" id="{35BAD9E9-4EDD-4A8E-BACA-88345240EC67}"/>
               </a:ext>
             </a:extLst>
           </p:cNvPr>
@@ -29881,157 +29886,43 @@
         </p:nvSpPr>
         <p:spPr>
           <a:xfrm>
-            <a:off x="838203" y="1798551"/>
+            <a:off x="838203" y="2766215"/>
             <a:ext cx="10515600" cy="1325559"/>
           </a:xfrm>
         </p:spPr>
         <p:txBody>
-          <a:bodyPr>
-            <a:noAutofit/>
-          </a:bodyPr>
+          <a:bodyPr anchorCtr="1"/>
           <a:lstStyle/>
           <a:p>
-            <a:pPr lvl="0">
+            <a:pPr lvl="0" algn="ctr">
               <a:lnSpc>
                 <a:spcPct val="100000"/>
               </a:lnSpc>
             </a:pPr>
             <a:r>
-              <a:rPr lang="en-GB" sz="4800" b="1" kern="0" dirty="0">
+              <a:rPr lang="en-GB" sz="5400" b="1" kern="0" dirty="0">
                 <a:solidFill>
-                  <a:srgbClr val="006388"/>
+                  <a:srgbClr val="FFFFFF"/>
                 </a:solidFill>
                 <a:latin typeface="Fira Sans" pitchFamily="34"/>
                 <a:ea typeface="Fira Code" pitchFamily="49"/>
               </a:rPr>
-              <a:t>Practical: </a:t>
+              <a:t>Break</a:t>
             </a:r>
-            <a:r>
-              <a:rPr lang="en-GB" sz="4800" b="1" kern="0" dirty="0" err="1">
-                <a:solidFill>
-                  <a:srgbClr val="006388"/>
-                </a:solidFill>
-                <a:latin typeface="Fira Sans" pitchFamily="34"/>
-                <a:ea typeface="Fira Code" pitchFamily="49"/>
-              </a:rPr>
-              <a:t>tidysynth</a:t>
-            </a:r>
-            <a:r>
-              <a:rPr lang="en-GB" sz="4800" b="1" kern="0" dirty="0">
-                <a:solidFill>
-                  <a:srgbClr val="006388"/>
-                </a:solidFill>
-                <a:latin typeface="Fira Sans" pitchFamily="34"/>
-                <a:ea typeface="Fira Code" pitchFamily="49"/>
-              </a:rPr>
-              <a:t>, inference, robustness</a:t>
-            </a:r>
-            <a:endParaRPr lang="en-GB" sz="4800" dirty="0"/>
-          </a:p>
-        </p:txBody>
-      </p:sp>
-      <p:sp>
-        <p:nvSpPr>
-          <p:cNvPr id="3" name="Title 1">
-            <a:extLst>
-              <a:ext uri="{FF2B5EF4-FFF2-40B4-BE49-F238E27FC236}">
-                <a16:creationId xmlns:a16="http://schemas.microsoft.com/office/drawing/2014/main" id="{0E8FBB61-0675-4827-B00A-B2ADDB6105DF}"/>
-              </a:ext>
-            </a:extLst>
-          </p:cNvPr>
-          <p:cNvSpPr txBox="1"/>
-          <p:nvPr/>
-        </p:nvSpPr>
-        <p:spPr>
-          <a:xfrm>
-            <a:off x="838200" y="3337811"/>
-            <a:ext cx="10515600" cy="1325559"/>
-          </a:xfrm>
-          <a:prstGeom prst="rect">
-            <a:avLst/>
-          </a:prstGeom>
-          <a:noFill/>
-          <a:ln cap="flat">
-            <a:noFill/>
-          </a:ln>
-        </p:spPr>
-        <p:txBody>
-          <a:bodyPr vert="horz" wrap="square" lIns="91440" tIns="45720" rIns="91440" bIns="45720" anchor="ctr" anchorCtr="0" compatLnSpc="1">
-            <a:normAutofit/>
-          </a:bodyPr>
-          <a:lstStyle/>
-          <a:p>
-            <a:pPr marL="0" marR="0" lvl="0" indent="0" algn="l" defTabSz="914400" rtl="0" fontAlgn="auto" hangingPunct="1">
-              <a:lnSpc>
-                <a:spcPct val="90000"/>
-              </a:lnSpc>
-              <a:spcBef>
-                <a:spcPts val="0"/>
-              </a:spcBef>
-              <a:spcAft>
-                <a:spcPts val="0"/>
-              </a:spcAft>
-              <a:buNone/>
-              <a:tabLst/>
-              <a:defRPr sz="1800" b="0" i="0" u="none" strike="noStrike" kern="0" cap="none" spc="0" baseline="0">
-                <a:solidFill>
-                  <a:srgbClr val="000000"/>
-                </a:solidFill>
-                <a:uFillTx/>
-              </a:defRPr>
-            </a:pPr>
-            <a:r>
-              <a:rPr lang="en-GB" sz="4000" b="1" kern="0" dirty="0">
-                <a:solidFill>
-                  <a:srgbClr val="7F7F7F"/>
-                </a:solidFill>
-                <a:latin typeface="Fira Sans" pitchFamily="34"/>
-                <a:ea typeface="Fira Code" pitchFamily="49"/>
-              </a:rPr>
-              <a:t>Work in your groups!</a:t>
-            </a:r>
-          </a:p>
-          <a:p>
-            <a:pPr marL="0" marR="0" lvl="0" indent="0" algn="l" defTabSz="914400" rtl="0" fontAlgn="auto" hangingPunct="1">
-              <a:lnSpc>
-                <a:spcPct val="90000"/>
-              </a:lnSpc>
-              <a:spcBef>
-                <a:spcPts val="0"/>
-              </a:spcBef>
-              <a:spcAft>
-                <a:spcPts val="0"/>
-              </a:spcAft>
-              <a:buNone/>
-              <a:tabLst/>
-              <a:defRPr sz="1800" b="0" i="0" u="none" strike="noStrike" kern="0" cap="none" spc="0" baseline="0">
-                <a:solidFill>
-                  <a:srgbClr val="000000"/>
-                </a:solidFill>
-                <a:uFillTx/>
-              </a:defRPr>
-            </a:pPr>
-            <a:r>
-              <a:rPr lang="en-GB" sz="4000" b="1" kern="0" dirty="0">
-                <a:solidFill>
-                  <a:srgbClr val="7F7F7F"/>
-                </a:solidFill>
-                <a:latin typeface="Fira Sans" pitchFamily="34"/>
-                <a:ea typeface="Fira Code" pitchFamily="49"/>
-              </a:rPr>
-              <a:t>Take a break from 14:30 to 14:45</a:t>
-            </a:r>
-            <a:endParaRPr lang="en-GB" sz="4000" b="0" i="0" u="none" strike="noStrike" kern="1200" cap="none" spc="0" baseline="0" dirty="0">
+            <a:endParaRPr lang="en-GB" sz="1800" kern="0" dirty="0">
               <a:solidFill>
-                <a:srgbClr val="7F7F7F"/>
+                <a:srgbClr val="FFFFFF"/>
               </a:solidFill>
-              <a:uFillTx/>
-              <a:latin typeface="Calibri Light"/>
             </a:endParaRPr>
           </a:p>
         </p:txBody>
       </p:sp>
     </p:spTree>
+    <p:extLst>
+      <p:ext uri="{BB962C8B-B14F-4D97-AF65-F5344CB8AC3E}">
+        <p14:creationId xmlns:p14="http://schemas.microsoft.com/office/powerpoint/2010/main" val="2146089861"/>
+      </p:ext>
+    </p:extLst>
   </p:cSld>
   <p:clrMapOvr>
     <a:masterClrMapping/>
@@ -30429,5947 +30320,6 @@
 </file>
 
 <file path=ppt/slides/slide50.xml><?xml version="1.0" encoding="utf-8"?>
-<p:sld xmlns:a="http://schemas.openxmlformats.org/drawingml/2006/main" xmlns:r="http://schemas.openxmlformats.org/officeDocument/2006/relationships" xmlns:p="http://schemas.openxmlformats.org/presentationml/2006/main">
-  <p:cSld>
-    <p:bg>
-      <p:bgPr>
-        <a:solidFill>
-          <a:srgbClr val="006388"/>
-        </a:solidFill>
-        <a:effectLst/>
-      </p:bgPr>
-    </p:bg>
-    <p:spTree>
-      <p:nvGrpSpPr>
-        <p:cNvPr id="1" name=""/>
-        <p:cNvGrpSpPr/>
-        <p:nvPr/>
-      </p:nvGrpSpPr>
-      <p:grpSpPr>
-        <a:xfrm>
-          <a:off x="0" y="0"/>
-          <a:ext cx="0" cy="0"/>
-          <a:chOff x="0" y="0"/>
-          <a:chExt cx="0" cy="0"/>
-        </a:xfrm>
-      </p:grpSpPr>
-      <p:sp>
-        <p:nvSpPr>
-          <p:cNvPr id="2" name="Title 1">
-            <a:extLst>
-              <a:ext uri="{FF2B5EF4-FFF2-40B4-BE49-F238E27FC236}">
-                <a16:creationId xmlns:a16="http://schemas.microsoft.com/office/drawing/2014/main" id="{35BAD9E9-4EDD-4A8E-BACA-88345240EC67}"/>
-              </a:ext>
-            </a:extLst>
-          </p:cNvPr>
-          <p:cNvSpPr txBox="1">
-            <a:spLocks noGrp="1"/>
-          </p:cNvSpPr>
-          <p:nvPr>
-            <p:ph type="title"/>
-          </p:nvPr>
-        </p:nvSpPr>
-        <p:spPr>
-          <a:xfrm>
-            <a:off x="838203" y="2766215"/>
-            <a:ext cx="10515600" cy="1325559"/>
-          </a:xfrm>
-        </p:spPr>
-        <p:txBody>
-          <a:bodyPr anchorCtr="1"/>
-          <a:lstStyle/>
-          <a:p>
-            <a:pPr lvl="0" algn="ctr">
-              <a:lnSpc>
-                <a:spcPct val="100000"/>
-              </a:lnSpc>
-            </a:pPr>
-            <a:r>
-              <a:rPr lang="en-GB" sz="5400" b="1" kern="0" dirty="0">
-                <a:solidFill>
-                  <a:srgbClr val="FFFFFF"/>
-                </a:solidFill>
-                <a:latin typeface="Fira Sans" pitchFamily="34"/>
-                <a:ea typeface="Fira Code" pitchFamily="49"/>
-              </a:rPr>
-              <a:t>Break</a:t>
-            </a:r>
-            <a:endParaRPr lang="en-GB" sz="1800" kern="0" dirty="0">
-              <a:solidFill>
-                <a:srgbClr val="FFFFFF"/>
-              </a:solidFill>
-            </a:endParaRPr>
-          </a:p>
-        </p:txBody>
-      </p:sp>
-    </p:spTree>
-    <p:extLst>
-      <p:ext uri="{BB962C8B-B14F-4D97-AF65-F5344CB8AC3E}">
-        <p14:creationId xmlns:p14="http://schemas.microsoft.com/office/powerpoint/2010/main" val="2146089861"/>
-      </p:ext>
-    </p:extLst>
-  </p:cSld>
-  <p:clrMapOvr>
-    <a:masterClrMapping/>
-  </p:clrMapOvr>
-</p:sld>
-</file>
-
-<file path=ppt/slides/slide51.xml><?xml version="1.0" encoding="utf-8"?>
-<p:sld xmlns:a="http://schemas.openxmlformats.org/drawingml/2006/main" xmlns:r="http://schemas.openxmlformats.org/officeDocument/2006/relationships" xmlns:p="http://schemas.openxmlformats.org/presentationml/2006/main">
-  <p:cSld>
-    <p:spTree>
-      <p:nvGrpSpPr>
-        <p:cNvPr id="1" name=""/>
-        <p:cNvGrpSpPr/>
-        <p:nvPr/>
-      </p:nvGrpSpPr>
-      <p:grpSpPr>
-        <a:xfrm>
-          <a:off x="0" y="0"/>
-          <a:ext cx="0" cy="0"/>
-          <a:chOff x="0" y="0"/>
-          <a:chExt cx="0" cy="0"/>
-        </a:xfrm>
-      </p:grpSpPr>
-      <mc:AlternateContent xmlns:mc="http://schemas.openxmlformats.org/markup-compatibility/2006" xmlns:a14="http://schemas.microsoft.com/office/drawing/2010/main">
-        <mc:Choice Requires="a14">
-          <p:graphicFrame>
-            <p:nvGraphicFramePr>
-              <p:cNvPr id="3" name="Table 6">
-                <a:extLst>
-                  <a:ext uri="{FF2B5EF4-FFF2-40B4-BE49-F238E27FC236}">
-                    <a16:creationId xmlns:a16="http://schemas.microsoft.com/office/drawing/2014/main" id="{7F5D5E0C-E332-687C-116D-5583F775151D}"/>
-                  </a:ext>
-                </a:extLst>
-              </p:cNvPr>
-              <p:cNvGraphicFramePr>
-                <a:graphicFrameLocks noGrp="1"/>
-              </p:cNvGraphicFramePr>
-              <p:nvPr/>
-            </p:nvGraphicFramePr>
-            <p:xfrm>
-              <a:off x="1833232" y="529063"/>
-              <a:ext cx="8123445" cy="5628601"/>
-            </p:xfrm>
-            <a:graphic>
-              <a:graphicData uri="http://schemas.openxmlformats.org/drawingml/2006/table">
-                <a:tbl>
-                  <a:tblPr firstRow="1" bandRow="1">
-                    <a:tableStyleId>{5C22544A-7EE6-4342-B048-85BDC9FD1C3A}</a:tableStyleId>
-                  </a:tblPr>
-                  <a:tblGrid>
-                    <a:gridCol w="902605">
-                      <a:extLst>
-                        <a:ext uri="{9D8B030D-6E8A-4147-A177-3AD203B41FA5}">
-                          <a16:colId xmlns:a16="http://schemas.microsoft.com/office/drawing/2014/main" val="1284712509"/>
-                        </a:ext>
-                      </a:extLst>
-                    </a:gridCol>
-                    <a:gridCol w="902605">
-                      <a:extLst>
-                        <a:ext uri="{9D8B030D-6E8A-4147-A177-3AD203B41FA5}">
-                          <a16:colId xmlns:a16="http://schemas.microsoft.com/office/drawing/2014/main" val="3384408917"/>
-                        </a:ext>
-                      </a:extLst>
-                    </a:gridCol>
-                    <a:gridCol w="902605">
-                      <a:extLst>
-                        <a:ext uri="{9D8B030D-6E8A-4147-A177-3AD203B41FA5}">
-                          <a16:colId xmlns:a16="http://schemas.microsoft.com/office/drawing/2014/main" val="3475929590"/>
-                        </a:ext>
-                      </a:extLst>
-                    </a:gridCol>
-                    <a:gridCol w="902605">
-                      <a:extLst>
-                        <a:ext uri="{9D8B030D-6E8A-4147-A177-3AD203B41FA5}">
-                          <a16:colId xmlns:a16="http://schemas.microsoft.com/office/drawing/2014/main" val="2809065463"/>
-                        </a:ext>
-                      </a:extLst>
-                    </a:gridCol>
-                    <a:gridCol w="902605">
-                      <a:extLst>
-                        <a:ext uri="{9D8B030D-6E8A-4147-A177-3AD203B41FA5}">
-                          <a16:colId xmlns:a16="http://schemas.microsoft.com/office/drawing/2014/main" val="3102601274"/>
-                        </a:ext>
-                      </a:extLst>
-                    </a:gridCol>
-                    <a:gridCol w="902605">
-                      <a:extLst>
-                        <a:ext uri="{9D8B030D-6E8A-4147-A177-3AD203B41FA5}">
-                          <a16:colId xmlns:a16="http://schemas.microsoft.com/office/drawing/2014/main" val="1858631198"/>
-                        </a:ext>
-                      </a:extLst>
-                    </a:gridCol>
-                    <a:gridCol w="902605">
-                      <a:extLst>
-                        <a:ext uri="{9D8B030D-6E8A-4147-A177-3AD203B41FA5}">
-                          <a16:colId xmlns:a16="http://schemas.microsoft.com/office/drawing/2014/main" val="587508660"/>
-                        </a:ext>
-                      </a:extLst>
-                    </a:gridCol>
-                    <a:gridCol w="902605">
-                      <a:extLst>
-                        <a:ext uri="{9D8B030D-6E8A-4147-A177-3AD203B41FA5}">
-                          <a16:colId xmlns:a16="http://schemas.microsoft.com/office/drawing/2014/main" val="805818918"/>
-                        </a:ext>
-                      </a:extLst>
-                    </a:gridCol>
-                    <a:gridCol w="902605">
-                      <a:extLst>
-                        <a:ext uri="{9D8B030D-6E8A-4147-A177-3AD203B41FA5}">
-                          <a16:colId xmlns:a16="http://schemas.microsoft.com/office/drawing/2014/main" val="1909512876"/>
-                        </a:ext>
-                      </a:extLst>
-                    </a:gridCol>
-                  </a:tblGrid>
-                  <a:tr h="0">
-                    <a:tc>
-                      <a:txBody>
-                        <a:bodyPr/>
-                        <a:lstStyle/>
-                        <a:p>
-                          <a:endParaRPr lang="nl-NL" sz="1900" dirty="0"/>
-                        </a:p>
-                      </a:txBody>
-                      <a:tcPr>
-                        <a:lnL w="12701" cap="flat" cmpd="sng" algn="ctr">
-                          <a:noFill/>
-                          <a:prstDash val="solid"/>
-                          <a:round/>
-                          <a:headEnd type="none" w="med" len="med"/>
-                          <a:tailEnd type="none" w="med" len="med"/>
-                        </a:lnL>
-                        <a:lnR w="12700" cmpd="sng">
-                          <a:noFill/>
-                          <a:prstDash val="solid"/>
-                        </a:lnR>
-                        <a:lnT w="12701" cap="flat" cmpd="sng" algn="ctr">
-                          <a:noFill/>
-                          <a:prstDash val="solid"/>
-                          <a:round/>
-                          <a:headEnd type="none" w="med" len="med"/>
-                          <a:tailEnd type="none" w="med" len="med"/>
-                        </a:lnT>
-                        <a:lnB w="38103" cap="flat" cmpd="sng" algn="ctr">
-                          <a:noFill/>
-                          <a:prstDash val="solid"/>
-                          <a:round/>
-                          <a:headEnd type="none" w="med" len="med"/>
-                          <a:tailEnd type="none" w="med" len="med"/>
-                        </a:lnB>
-                        <a:lnTlToBr w="12700" cmpd="sng">
-                          <a:noFill/>
-                          <a:prstDash val="solid"/>
-                        </a:lnTlToBr>
-                        <a:lnBlToTr w="12700" cmpd="sng">
-                          <a:noFill/>
-                          <a:prstDash val="solid"/>
-                        </a:lnBlToTr>
-                        <a:noFill/>
-                      </a:tcPr>
-                    </a:tc>
-                    <a:tc>
-                      <a:txBody>
-                        <a:bodyPr/>
-                        <a:lstStyle/>
-                        <a:p>
-                          <a:endParaRPr lang="nl-NL" sz="1900" dirty="0"/>
-                        </a:p>
-                      </a:txBody>
-                      <a:tcPr>
-                        <a:lnL w="12700" cmpd="sng">
-                          <a:noFill/>
-                          <a:prstDash val="solid"/>
-                        </a:lnL>
-                        <a:lnR w="12700" cmpd="sng">
-                          <a:noFill/>
-                          <a:prstDash val="solid"/>
-                        </a:lnR>
-                        <a:lnT w="12701" cap="flat" cmpd="sng" algn="ctr">
-                          <a:noFill/>
-                          <a:prstDash val="solid"/>
-                          <a:round/>
-                          <a:headEnd type="none" w="med" len="med"/>
-                          <a:tailEnd type="none" w="med" len="med"/>
-                        </a:lnT>
-                        <a:lnB w="38103" cap="flat" cmpd="sng" algn="ctr">
-                          <a:noFill/>
-                          <a:prstDash val="solid"/>
-                          <a:round/>
-                          <a:headEnd type="none" w="med" len="med"/>
-                          <a:tailEnd type="none" w="med" len="med"/>
-                        </a:lnB>
-                        <a:lnTlToBr w="12700" cmpd="sng">
-                          <a:noFill/>
-                          <a:prstDash val="solid"/>
-                        </a:lnTlToBr>
-                        <a:lnBlToTr w="12700" cmpd="sng">
-                          <a:noFill/>
-                          <a:prstDash val="solid"/>
-                        </a:lnBlToTr>
-                        <a:noFill/>
-                      </a:tcPr>
-                    </a:tc>
-                    <a:tc>
-                      <a:txBody>
-                        <a:bodyPr/>
-                        <a:lstStyle/>
-                        <a:p>
-                          <a:endParaRPr lang="nl-NL" sz="1900" dirty="0"/>
-                        </a:p>
-                      </a:txBody>
-                      <a:tcPr>
-                        <a:lnL w="12700" cmpd="sng">
-                          <a:noFill/>
-                          <a:prstDash val="solid"/>
-                        </a:lnL>
-                        <a:lnR w="12700" cmpd="sng">
-                          <a:noFill/>
-                          <a:prstDash val="solid"/>
-                        </a:lnR>
-                        <a:lnT w="12701" cap="flat" cmpd="sng" algn="ctr">
-                          <a:noFill/>
-                          <a:prstDash val="solid"/>
-                          <a:round/>
-                          <a:headEnd type="none" w="med" len="med"/>
-                          <a:tailEnd type="none" w="med" len="med"/>
-                        </a:lnT>
-                        <a:lnB w="38103" cap="flat" cmpd="sng" algn="ctr">
-                          <a:noFill/>
-                          <a:prstDash val="solid"/>
-                          <a:round/>
-                          <a:headEnd type="none" w="med" len="med"/>
-                          <a:tailEnd type="none" w="med" len="med"/>
-                        </a:lnB>
-                        <a:lnTlToBr w="12700" cmpd="sng">
-                          <a:noFill/>
-                          <a:prstDash val="solid"/>
-                        </a:lnTlToBr>
-                        <a:lnBlToTr w="12700" cmpd="sng">
-                          <a:noFill/>
-                          <a:prstDash val="solid"/>
-                        </a:lnBlToTr>
-                        <a:noFill/>
-                      </a:tcPr>
-                    </a:tc>
-                    <a:tc>
-                      <a:txBody>
-                        <a:bodyPr/>
-                        <a:lstStyle/>
-                        <a:p>
-                          <a:endParaRPr lang="nl-NL" sz="1900" dirty="0"/>
-                        </a:p>
-                      </a:txBody>
-                      <a:tcPr>
-                        <a:lnL w="12700" cmpd="sng">
-                          <a:noFill/>
-                          <a:prstDash val="solid"/>
-                        </a:lnL>
-                        <a:lnR w="12701" cap="flat" cmpd="sng" algn="ctr">
-                          <a:noFill/>
-                          <a:prstDash val="solid"/>
-                          <a:round/>
-                          <a:headEnd type="none" w="med" len="med"/>
-                          <a:tailEnd type="none" w="med" len="med"/>
-                        </a:lnR>
-                        <a:lnT w="12701" cap="flat" cmpd="sng" algn="ctr">
-                          <a:noFill/>
-                          <a:prstDash val="solid"/>
-                          <a:round/>
-                          <a:headEnd type="none" w="med" len="med"/>
-                          <a:tailEnd type="none" w="med" len="med"/>
-                        </a:lnT>
-                        <a:lnB w="38103" cap="flat" cmpd="sng" algn="ctr">
-                          <a:noFill/>
-                          <a:prstDash val="solid"/>
-                          <a:round/>
-                          <a:headEnd type="none" w="med" len="med"/>
-                          <a:tailEnd type="none" w="med" len="med"/>
-                        </a:lnB>
-                        <a:lnTlToBr w="12700" cmpd="sng">
-                          <a:noFill/>
-                          <a:prstDash val="solid"/>
-                        </a:lnTlToBr>
-                        <a:lnBlToTr w="12700" cmpd="sng">
-                          <a:noFill/>
-                          <a:prstDash val="solid"/>
-                        </a:lnBlToTr>
-                        <a:noFill/>
-                      </a:tcPr>
-                    </a:tc>
-                    <a:tc>
-                      <a:txBody>
-                        <a:bodyPr/>
-                        <a:lstStyle/>
-                        <a:p>
-                          <a:endParaRPr lang="nl-NL" sz="1900" dirty="0"/>
-                        </a:p>
-                      </a:txBody>
-                      <a:tcPr>
-                        <a:lnL w="12700" cmpd="sng">
-                          <a:noFill/>
-                          <a:prstDash val="solid"/>
-                        </a:lnL>
-                        <a:lnR w="12701" cap="flat" cmpd="sng" algn="ctr">
-                          <a:noFill/>
-                          <a:prstDash val="solid"/>
-                          <a:round/>
-                          <a:headEnd type="none" w="med" len="med"/>
-                          <a:tailEnd type="none" w="med" len="med"/>
-                        </a:lnR>
-                        <a:lnT w="12701" cap="flat" cmpd="sng" algn="ctr">
-                          <a:noFill/>
-                          <a:prstDash val="solid"/>
-                          <a:round/>
-                          <a:headEnd type="none" w="med" len="med"/>
-                          <a:tailEnd type="none" w="med" len="med"/>
-                        </a:lnT>
-                        <a:lnB w="38103" cap="flat" cmpd="sng" algn="ctr">
-                          <a:noFill/>
-                          <a:prstDash val="solid"/>
-                          <a:round/>
-                          <a:headEnd type="none" w="med" len="med"/>
-                          <a:tailEnd type="none" w="med" len="med"/>
-                        </a:lnB>
-                        <a:lnTlToBr w="12700" cmpd="sng">
-                          <a:noFill/>
-                          <a:prstDash val="solid"/>
-                        </a:lnTlToBr>
-                        <a:lnBlToTr w="12700" cmpd="sng">
-                          <a:noFill/>
-                          <a:prstDash val="solid"/>
-                        </a:lnBlToTr>
-                        <a:noFill/>
-                      </a:tcPr>
-                    </a:tc>
-                    <a:tc>
-                      <a:txBody>
-                        <a:bodyPr/>
-                        <a:lstStyle/>
-                        <a:p>
-                          <a:endParaRPr lang="nl-NL" sz="1900" dirty="0"/>
-                        </a:p>
-                      </a:txBody>
-                      <a:tcPr>
-                        <a:lnL w="12700" cmpd="sng">
-                          <a:noFill/>
-                          <a:prstDash val="solid"/>
-                        </a:lnL>
-                        <a:lnR w="12701" cap="flat" cmpd="sng" algn="ctr">
-                          <a:noFill/>
-                          <a:prstDash val="solid"/>
-                          <a:round/>
-                          <a:headEnd type="none" w="med" len="med"/>
-                          <a:tailEnd type="none" w="med" len="med"/>
-                        </a:lnR>
-                        <a:lnT w="12701" cap="flat" cmpd="sng" algn="ctr">
-                          <a:noFill/>
-                          <a:prstDash val="solid"/>
-                          <a:round/>
-                          <a:headEnd type="none" w="med" len="med"/>
-                          <a:tailEnd type="none" w="med" len="med"/>
-                        </a:lnT>
-                        <a:lnB w="38103" cap="flat" cmpd="sng" algn="ctr">
-                          <a:noFill/>
-                          <a:prstDash val="solid"/>
-                          <a:round/>
-                          <a:headEnd type="none" w="med" len="med"/>
-                          <a:tailEnd type="none" w="med" len="med"/>
-                        </a:lnB>
-                        <a:lnTlToBr w="12700" cmpd="sng">
-                          <a:noFill/>
-                          <a:prstDash val="solid"/>
-                        </a:lnTlToBr>
-                        <a:lnBlToTr w="12700" cmpd="sng">
-                          <a:noFill/>
-                          <a:prstDash val="solid"/>
-                        </a:lnBlToTr>
-                        <a:noFill/>
-                      </a:tcPr>
-                    </a:tc>
-                    <a:tc>
-                      <a:txBody>
-                        <a:bodyPr/>
-                        <a:lstStyle/>
-                        <a:p>
-                          <a:endParaRPr lang="nl-NL" sz="1900" dirty="0"/>
-                        </a:p>
-                      </a:txBody>
-                      <a:tcPr>
-                        <a:lnL w="12700" cmpd="sng">
-                          <a:noFill/>
-                          <a:prstDash val="solid"/>
-                        </a:lnL>
-                        <a:lnR w="12701" cap="flat" cmpd="sng" algn="ctr">
-                          <a:noFill/>
-                          <a:prstDash val="solid"/>
-                          <a:round/>
-                          <a:headEnd type="none" w="med" len="med"/>
-                          <a:tailEnd type="none" w="med" len="med"/>
-                        </a:lnR>
-                        <a:lnT w="12701" cap="flat" cmpd="sng" algn="ctr">
-                          <a:noFill/>
-                          <a:prstDash val="solid"/>
-                          <a:round/>
-                          <a:headEnd type="none" w="med" len="med"/>
-                          <a:tailEnd type="none" w="med" len="med"/>
-                        </a:lnT>
-                        <a:lnB w="38103" cap="flat" cmpd="sng" algn="ctr">
-                          <a:noFill/>
-                          <a:prstDash val="solid"/>
-                          <a:round/>
-                          <a:headEnd type="none" w="med" len="med"/>
-                          <a:tailEnd type="none" w="med" len="med"/>
-                        </a:lnB>
-                        <a:lnTlToBr w="12700" cmpd="sng">
-                          <a:noFill/>
-                          <a:prstDash val="solid"/>
-                        </a:lnTlToBr>
-                        <a:lnBlToTr w="12700" cmpd="sng">
-                          <a:noFill/>
-                          <a:prstDash val="solid"/>
-                        </a:lnBlToTr>
-                        <a:noFill/>
-                      </a:tcPr>
-                    </a:tc>
-                    <a:tc>
-                      <a:txBody>
-                        <a:bodyPr/>
-                        <a:lstStyle/>
-                        <a:p>
-                          <a:endParaRPr lang="nl-NL" sz="1900" dirty="0"/>
-                        </a:p>
-                      </a:txBody>
-                      <a:tcPr>
-                        <a:lnL w="12700" cmpd="sng">
-                          <a:noFill/>
-                          <a:prstDash val="solid"/>
-                        </a:lnL>
-                        <a:lnR w="12701" cap="flat" cmpd="sng" algn="ctr">
-                          <a:noFill/>
-                          <a:prstDash val="solid"/>
-                          <a:round/>
-                          <a:headEnd type="none" w="med" len="med"/>
-                          <a:tailEnd type="none" w="med" len="med"/>
-                        </a:lnR>
-                        <a:lnT w="12701" cap="flat" cmpd="sng" algn="ctr">
-                          <a:noFill/>
-                          <a:prstDash val="solid"/>
-                          <a:round/>
-                          <a:headEnd type="none" w="med" len="med"/>
-                          <a:tailEnd type="none" w="med" len="med"/>
-                        </a:lnT>
-                        <a:lnB w="38103" cap="flat" cmpd="sng" algn="ctr">
-                          <a:noFill/>
-                          <a:prstDash val="solid"/>
-                          <a:round/>
-                          <a:headEnd type="none" w="med" len="med"/>
-                          <a:tailEnd type="none" w="med" len="med"/>
-                        </a:lnB>
-                        <a:lnTlToBr w="12700" cmpd="sng">
-                          <a:noFill/>
-                          <a:prstDash val="solid"/>
-                        </a:lnTlToBr>
-                        <a:lnBlToTr w="12700" cmpd="sng">
-                          <a:noFill/>
-                          <a:prstDash val="solid"/>
-                        </a:lnBlToTr>
-                        <a:noFill/>
-                      </a:tcPr>
-                    </a:tc>
-                    <a:tc>
-                      <a:txBody>
-                        <a:bodyPr/>
-                        <a:lstStyle/>
-                        <a:p>
-                          <a:endParaRPr lang="nl-NL" sz="1900" dirty="0"/>
-                        </a:p>
-                      </a:txBody>
-                      <a:tcPr>
-                        <a:lnL w="12700" cmpd="sng">
-                          <a:noFill/>
-                          <a:prstDash val="solid"/>
-                        </a:lnL>
-                        <a:lnR w="12701" cap="flat" cmpd="sng" algn="ctr">
-                          <a:noFill/>
-                          <a:prstDash val="solid"/>
-                          <a:round/>
-                          <a:headEnd type="none" w="med" len="med"/>
-                          <a:tailEnd type="none" w="med" len="med"/>
-                        </a:lnR>
-                        <a:lnT w="12701" cap="flat" cmpd="sng" algn="ctr">
-                          <a:noFill/>
-                          <a:prstDash val="solid"/>
-                          <a:round/>
-                          <a:headEnd type="none" w="med" len="med"/>
-                          <a:tailEnd type="none" w="med" len="med"/>
-                        </a:lnT>
-                        <a:lnB w="38103" cap="flat" cmpd="sng" algn="ctr">
-                          <a:noFill/>
-                          <a:prstDash val="solid"/>
-                          <a:round/>
-                          <a:headEnd type="none" w="med" len="med"/>
-                          <a:tailEnd type="none" w="med" len="med"/>
-                        </a:lnB>
-                        <a:lnTlToBr w="12700" cmpd="sng">
-                          <a:noFill/>
-                          <a:prstDash val="solid"/>
-                        </a:lnTlToBr>
-                        <a:lnBlToTr w="12700" cmpd="sng">
-                          <a:noFill/>
-                          <a:prstDash val="solid"/>
-                        </a:lnBlToTr>
-                        <a:noFill/>
-                      </a:tcPr>
-                    </a:tc>
-                    <a:extLst>
-                      <a:ext uri="{0D108BD9-81ED-4DB2-BD59-A6C34878D82A}">
-                        <a16:rowId xmlns:a16="http://schemas.microsoft.com/office/drawing/2014/main" val="4043508505"/>
-                      </a:ext>
-                    </a:extLst>
-                  </a:tr>
-                  <a:tr h="518161">
-                    <a:tc>
-                      <a:txBody>
-                        <a:bodyPr/>
-                        <a:lstStyle/>
-                        <a:p>
-                          <a:pPr/>
-                          <a14:m>
-                            <m:oMathPara xmlns:m="http://schemas.openxmlformats.org/officeDocument/2006/math">
-                              <m:oMathParaPr>
-                                <m:jc m:val="centerGroup"/>
-                              </m:oMathParaPr>
-                              <m:oMath xmlns:m="http://schemas.openxmlformats.org/officeDocument/2006/math">
-                                <m:r>
-                                  <a:rPr lang="en-GB" sz="2800" b="0" i="1" smtClean="0">
-                                    <a:latin typeface="Cambria Math" panose="02040503050406030204" pitchFamily="18" charset="0"/>
-                                  </a:rPr>
-                                  <m:t>𝑇𝑖𝑚𝑒</m:t>
-                                </m:r>
-                              </m:oMath>
-                            </m:oMathPara>
-                          </a14:m>
-                          <a:endParaRPr lang="nl-NL" sz="2800" dirty="0"/>
-                        </a:p>
-                      </a:txBody>
-                      <a:tcPr>
-                        <a:lnT w="38103" cap="flat" cmpd="sng" algn="ctr">
-                          <a:noFill/>
-                          <a:prstDash val="solid"/>
-                          <a:round/>
-                          <a:headEnd type="none" w="med" len="med"/>
-                          <a:tailEnd type="none" w="med" len="med"/>
-                        </a:lnT>
-                        <a:noFill/>
-                      </a:tcPr>
-                    </a:tc>
-                    <a:tc>
-                      <a:txBody>
-                        <a:bodyPr/>
-                        <a:lstStyle/>
-                        <a:p>
-                          <a:pPr/>
-                          <a14:m>
-                            <m:oMathPara xmlns:m="http://schemas.openxmlformats.org/officeDocument/2006/math">
-                              <m:oMathParaPr>
-                                <m:jc m:val="centerGroup"/>
-                              </m:oMathParaPr>
-                              <m:oMath xmlns:m="http://schemas.openxmlformats.org/officeDocument/2006/math">
-                                <m:sSub>
-                                  <m:sSubPr>
-                                    <m:ctrlPr>
-                                      <a:rPr lang="en-GB" sz="2800" b="0" i="1" smtClean="0">
-                                        <a:latin typeface="Cambria Math" panose="02040503050406030204" pitchFamily="18" charset="0"/>
-                                      </a:rPr>
-                                    </m:ctrlPr>
-                                  </m:sSubPr>
-                                  <m:e>
-                                    <m:r>
-                                      <a:rPr lang="en-GB" sz="2800" b="0" i="1" smtClean="0">
-                                        <a:latin typeface="Cambria Math" panose="02040503050406030204" pitchFamily="18" charset="0"/>
-                                      </a:rPr>
-                                      <m:t>𝑌</m:t>
-                                    </m:r>
-                                  </m:e>
-                                  <m:sub>
-                                    <m:r>
-                                      <a:rPr lang="en-GB" sz="2800" b="0" i="1" smtClean="0">
-                                        <a:latin typeface="Cambria Math" panose="02040503050406030204" pitchFamily="18" charset="0"/>
-                                      </a:rPr>
-                                      <m:t>𝑡</m:t>
-                                    </m:r>
-                                  </m:sub>
-                                </m:sSub>
-                              </m:oMath>
-                            </m:oMathPara>
-                          </a14:m>
-                          <a:endParaRPr lang="nl-NL" sz="2800" dirty="0"/>
-                        </a:p>
-                      </a:txBody>
-                      <a:tcPr>
-                        <a:lnT w="38103" cap="flat" cmpd="sng" algn="ctr">
-                          <a:noFill/>
-                          <a:prstDash val="solid"/>
-                          <a:round/>
-                          <a:headEnd type="none" w="med" len="med"/>
-                          <a:tailEnd type="none" w="med" len="med"/>
-                        </a:lnT>
-                        <a:noFill/>
-                      </a:tcPr>
-                    </a:tc>
-                    <a:tc>
-                      <a:txBody>
-                        <a:bodyPr/>
-                        <a:lstStyle/>
-                        <a:p>
-                          <a:pPr/>
-                          <a14:m>
-                            <m:oMathPara xmlns:m="http://schemas.openxmlformats.org/officeDocument/2006/math">
-                              <m:oMathParaPr>
-                                <m:jc m:val="centerGroup"/>
-                              </m:oMathParaPr>
-                              <m:oMath xmlns:m="http://schemas.openxmlformats.org/officeDocument/2006/math">
-                                <m:sSub>
-                                  <m:sSubPr>
-                                    <m:ctrlPr>
-                                      <a:rPr lang="en-GB" sz="2800" b="0" i="1" smtClean="0">
-                                        <a:latin typeface="Cambria Math" panose="02040503050406030204" pitchFamily="18" charset="0"/>
-                                      </a:rPr>
-                                    </m:ctrlPr>
-                                  </m:sSubPr>
-                                  <m:e>
-                                    <m:r>
-                                      <a:rPr lang="en-GB" sz="2800" b="0" i="1" smtClean="0">
-                                        <a:latin typeface="Cambria Math" panose="02040503050406030204" pitchFamily="18" charset="0"/>
-                                      </a:rPr>
-                                      <m:t>𝐴</m:t>
-                                    </m:r>
-                                  </m:e>
-                                  <m:sub>
-                                    <m:r>
-                                      <a:rPr lang="en-GB" sz="2800" b="0" i="1" smtClean="0">
-                                        <a:latin typeface="Cambria Math" panose="02040503050406030204" pitchFamily="18" charset="0"/>
-                                      </a:rPr>
-                                      <m:t>𝑡</m:t>
-                                    </m:r>
-                                  </m:sub>
-                                </m:sSub>
-                              </m:oMath>
-                            </m:oMathPara>
-                          </a14:m>
-                          <a:endParaRPr lang="nl-NL" sz="2800" dirty="0"/>
-                        </a:p>
-                      </a:txBody>
-                      <a:tcPr>
-                        <a:lnT w="38103" cap="flat" cmpd="sng" algn="ctr">
-                          <a:noFill/>
-                          <a:prstDash val="solid"/>
-                          <a:round/>
-                          <a:headEnd type="none" w="med" len="med"/>
-                          <a:tailEnd type="none" w="med" len="med"/>
-                        </a:lnT>
-                        <a:noFill/>
-                      </a:tcPr>
-                    </a:tc>
-                    <a:tc>
-                      <a:txBody>
-                        <a:bodyPr/>
-                        <a:lstStyle/>
-                        <a:p>
-                          <a:pPr/>
-                          <a14:m>
-                            <m:oMathPara xmlns:m="http://schemas.openxmlformats.org/officeDocument/2006/math">
-                              <m:oMathParaPr>
-                                <m:jc m:val="centerGroup"/>
-                              </m:oMathParaPr>
-                              <m:oMath xmlns:m="http://schemas.openxmlformats.org/officeDocument/2006/math">
-                                <m:sSubSup>
-                                  <m:sSubSupPr>
-                                    <m:ctrlPr>
-                                      <a:rPr lang="en-GB" sz="2800" b="0" i="1" smtClean="0">
-                                        <a:latin typeface="Cambria Math" panose="02040503050406030204" pitchFamily="18" charset="0"/>
-                                      </a:rPr>
-                                    </m:ctrlPr>
-                                  </m:sSubSupPr>
-                                  <m:e>
-                                    <m:r>
-                                      <a:rPr lang="en-GB" sz="2800" b="0" i="1" smtClean="0">
-                                        <a:latin typeface="Cambria Math" panose="02040503050406030204" pitchFamily="18" charset="0"/>
-                                      </a:rPr>
-                                      <m:t>𝑌</m:t>
-                                    </m:r>
-                                  </m:e>
-                                  <m:sub>
-                                    <m:r>
-                                      <a:rPr lang="en-GB" sz="2800" b="0" i="1" smtClean="0">
-                                        <a:latin typeface="Cambria Math" panose="02040503050406030204" pitchFamily="18" charset="0"/>
-                                      </a:rPr>
-                                      <m:t>𝑡</m:t>
-                                    </m:r>
-                                  </m:sub>
-                                  <m:sup>
-                                    <m:r>
-                                      <a:rPr lang="en-GB" sz="2800" b="0" i="1" smtClean="0">
-                                        <a:latin typeface="Cambria Math" panose="02040503050406030204" pitchFamily="18" charset="0"/>
-                                      </a:rPr>
-                                      <m:t>0</m:t>
-                                    </m:r>
-                                  </m:sup>
-                                </m:sSubSup>
-                              </m:oMath>
-                            </m:oMathPara>
-                          </a14:m>
-                          <a:endParaRPr lang="nl-NL" sz="2800" dirty="0"/>
-                        </a:p>
-                      </a:txBody>
-                      <a:tcPr>
-                        <a:lnT w="38103" cap="flat" cmpd="sng" algn="ctr">
-                          <a:noFill/>
-                          <a:prstDash val="solid"/>
-                          <a:round/>
-                          <a:headEnd type="none" w="med" len="med"/>
-                          <a:tailEnd type="none" w="med" len="med"/>
-                        </a:lnT>
-                        <a:noFill/>
-                      </a:tcPr>
-                    </a:tc>
-                    <a:tc>
-                      <a:txBody>
-                        <a:bodyPr/>
-                        <a:lstStyle/>
-                        <a:p>
-                          <a:pPr/>
-                          <a14:m>
-                            <m:oMathPara xmlns:m="http://schemas.openxmlformats.org/officeDocument/2006/math">
-                              <m:oMathParaPr>
-                                <m:jc m:val="centerGroup"/>
-                              </m:oMathParaPr>
-                              <m:oMath xmlns:m="http://schemas.openxmlformats.org/officeDocument/2006/math">
-                                <m:sSubSup>
-                                  <m:sSubSupPr>
-                                    <m:ctrlPr>
-                                      <a:rPr lang="en-GB" sz="2800" b="0" i="1" smtClean="0">
-                                        <a:latin typeface="Cambria Math" panose="02040503050406030204" pitchFamily="18" charset="0"/>
-                                      </a:rPr>
-                                    </m:ctrlPr>
-                                  </m:sSubSupPr>
-                                  <m:e>
-                                    <m:r>
-                                      <a:rPr lang="en-GB" sz="2800" b="0" i="1" smtClean="0">
-                                        <a:latin typeface="Cambria Math" panose="02040503050406030204" pitchFamily="18" charset="0"/>
-                                      </a:rPr>
-                                      <m:t>𝑌</m:t>
-                                    </m:r>
-                                  </m:e>
-                                  <m:sub>
-                                    <m:r>
-                                      <a:rPr lang="en-GB" sz="2800" b="0" i="1" smtClean="0">
-                                        <a:latin typeface="Cambria Math" panose="02040503050406030204" pitchFamily="18" charset="0"/>
-                                      </a:rPr>
-                                      <m:t>𝑡</m:t>
-                                    </m:r>
-                                  </m:sub>
-                                  <m:sup>
-                                    <m:r>
-                                      <a:rPr lang="en-GB" sz="2800" b="0" i="1" smtClean="0">
-                                        <a:latin typeface="Cambria Math" panose="02040503050406030204" pitchFamily="18" charset="0"/>
-                                      </a:rPr>
-                                      <m:t>1</m:t>
-                                    </m:r>
-                                  </m:sup>
-                                </m:sSubSup>
-                              </m:oMath>
-                            </m:oMathPara>
-                          </a14:m>
-                          <a:endParaRPr lang="nl-NL" sz="2800" dirty="0"/>
-                        </a:p>
-                      </a:txBody>
-                      <a:tcPr>
-                        <a:lnT w="38103" cap="flat" cmpd="sng" algn="ctr">
-                          <a:noFill/>
-                          <a:prstDash val="solid"/>
-                          <a:round/>
-                          <a:headEnd type="none" w="med" len="med"/>
-                          <a:tailEnd type="none" w="med" len="med"/>
-                        </a:lnT>
-                        <a:noFill/>
-                      </a:tcPr>
-                    </a:tc>
-                    <a:tc>
-                      <a:txBody>
-                        <a:bodyPr/>
-                        <a:lstStyle/>
-                        <a:p>
-                          <a:pPr/>
-                          <a14:m>
-                            <m:oMathPara xmlns:m="http://schemas.openxmlformats.org/officeDocument/2006/math">
-                              <m:oMathParaPr>
-                                <m:jc m:val="centerGroup"/>
-                              </m:oMathParaPr>
-                              <m:oMath xmlns:m="http://schemas.openxmlformats.org/officeDocument/2006/math">
-                                <m:sSubSup>
-                                  <m:sSubSupPr>
-                                    <m:ctrlPr>
-                                      <a:rPr lang="en-GB" sz="2800" b="0" i="1" smtClean="0">
-                                        <a:latin typeface="Cambria Math" panose="02040503050406030204" pitchFamily="18" charset="0"/>
-                                      </a:rPr>
-                                    </m:ctrlPr>
-                                  </m:sSubSupPr>
-                                  <m:e>
-                                    <m:r>
-                                      <a:rPr lang="en-GB" sz="2800" b="0" i="1" smtClean="0">
-                                        <a:latin typeface="Cambria Math" panose="02040503050406030204" pitchFamily="18" charset="0"/>
-                                      </a:rPr>
-                                      <m:t>𝐶</m:t>
-                                    </m:r>
-                                  </m:e>
-                                  <m:sub>
-                                    <m:r>
-                                      <a:rPr lang="en-GB" sz="2800" b="0" i="1" smtClean="0">
-                                        <a:latin typeface="Cambria Math" panose="02040503050406030204" pitchFamily="18" charset="0"/>
-                                      </a:rPr>
-                                      <m:t>1</m:t>
-                                    </m:r>
-                                    <m:r>
-                                      <a:rPr lang="en-GB" sz="2800" b="0" i="1" smtClean="0">
-                                        <a:latin typeface="Cambria Math" panose="02040503050406030204" pitchFamily="18" charset="0"/>
-                                      </a:rPr>
-                                      <m:t>𝑡</m:t>
-                                    </m:r>
-                                  </m:sub>
-                                  <m:sup>
-                                    <m:r>
-                                      <a:rPr lang="en-GB" sz="2800" b="0" i="1" smtClean="0">
-                                        <a:latin typeface="Cambria Math" panose="02040503050406030204" pitchFamily="18" charset="0"/>
-                                      </a:rPr>
-                                      <m:t>0</m:t>
-                                    </m:r>
-                                  </m:sup>
-                                </m:sSubSup>
-                              </m:oMath>
-                            </m:oMathPara>
-                          </a14:m>
-                          <a:endParaRPr lang="nl-NL" sz="2800" dirty="0"/>
-                        </a:p>
-                      </a:txBody>
-                      <a:tcPr>
-                        <a:lnT w="38103" cap="flat" cmpd="sng" algn="ctr">
-                          <a:noFill/>
-                          <a:prstDash val="solid"/>
-                          <a:round/>
-                          <a:headEnd type="none" w="med" len="med"/>
-                          <a:tailEnd type="none" w="med" len="med"/>
-                        </a:lnT>
-                        <a:noFill/>
-                      </a:tcPr>
-                    </a:tc>
-                    <a:tc>
-                      <a:txBody>
-                        <a:bodyPr/>
-                        <a:lstStyle/>
-                        <a:p>
-                          <a:pPr/>
-                          <a14:m>
-                            <m:oMathPara xmlns:m="http://schemas.openxmlformats.org/officeDocument/2006/math">
-                              <m:oMathParaPr>
-                                <m:jc m:val="centerGroup"/>
-                              </m:oMathParaPr>
-                              <m:oMath xmlns:m="http://schemas.openxmlformats.org/officeDocument/2006/math">
-                                <m:sSubSup>
-                                  <m:sSubSupPr>
-                                    <m:ctrlPr>
-                                      <a:rPr lang="en-GB" sz="2800" b="0" i="1" smtClean="0">
-                                        <a:latin typeface="Cambria Math" panose="02040503050406030204" pitchFamily="18" charset="0"/>
-                                      </a:rPr>
-                                    </m:ctrlPr>
-                                  </m:sSubSupPr>
-                                  <m:e>
-                                    <m:r>
-                                      <a:rPr lang="en-GB" sz="2800" b="0" i="1" smtClean="0">
-                                        <a:latin typeface="Cambria Math" panose="02040503050406030204" pitchFamily="18" charset="0"/>
-                                      </a:rPr>
-                                      <m:t>𝐶</m:t>
-                                    </m:r>
-                                  </m:e>
-                                  <m:sub>
-                                    <m:r>
-                                      <a:rPr lang="en-GB" sz="2800" b="0" i="1" smtClean="0">
-                                        <a:latin typeface="Cambria Math" panose="02040503050406030204" pitchFamily="18" charset="0"/>
-                                      </a:rPr>
-                                      <m:t>2</m:t>
-                                    </m:r>
-                                    <m:r>
-                                      <a:rPr lang="en-GB" sz="2800" b="0" i="1" smtClean="0">
-                                        <a:latin typeface="Cambria Math" panose="02040503050406030204" pitchFamily="18" charset="0"/>
-                                      </a:rPr>
-                                      <m:t>𝑡</m:t>
-                                    </m:r>
-                                  </m:sub>
-                                  <m:sup>
-                                    <m:r>
-                                      <a:rPr lang="en-GB" sz="2800" b="0" i="1" smtClean="0">
-                                        <a:latin typeface="Cambria Math" panose="02040503050406030204" pitchFamily="18" charset="0"/>
-                                      </a:rPr>
-                                      <m:t>0</m:t>
-                                    </m:r>
-                                  </m:sup>
-                                </m:sSubSup>
-                              </m:oMath>
-                            </m:oMathPara>
-                          </a14:m>
-                          <a:endParaRPr lang="nl-NL" sz="2800" dirty="0"/>
-                        </a:p>
-                      </a:txBody>
-                      <a:tcPr>
-                        <a:lnT w="38103" cap="flat" cmpd="sng" algn="ctr">
-                          <a:noFill/>
-                          <a:prstDash val="solid"/>
-                          <a:round/>
-                          <a:headEnd type="none" w="med" len="med"/>
-                          <a:tailEnd type="none" w="med" len="med"/>
-                        </a:lnT>
-                        <a:noFill/>
-                      </a:tcPr>
-                    </a:tc>
-                    <a:tc>
-                      <a:txBody>
-                        <a:bodyPr/>
-                        <a:lstStyle/>
-                        <a:p>
-                          <a:pPr algn="ctr"/>
-                          <a:r>
-                            <a:rPr lang="en-GB" sz="2800" dirty="0"/>
-                            <a:t>…</a:t>
-                          </a:r>
-                          <a:endParaRPr lang="nl-NL" sz="2800" dirty="0"/>
-                        </a:p>
-                      </a:txBody>
-                      <a:tcPr>
-                        <a:lnT w="38103" cap="flat" cmpd="sng" algn="ctr">
-                          <a:noFill/>
-                          <a:prstDash val="solid"/>
-                          <a:round/>
-                          <a:headEnd type="none" w="med" len="med"/>
-                          <a:tailEnd type="none" w="med" len="med"/>
-                        </a:lnT>
-                        <a:noFill/>
-                      </a:tcPr>
-                    </a:tc>
-                    <a:tc>
-                      <a:txBody>
-                        <a:bodyPr/>
-                        <a:lstStyle/>
-                        <a:p>
-                          <a:pPr/>
-                          <a14:m>
-                            <m:oMathPara xmlns:m="http://schemas.openxmlformats.org/officeDocument/2006/math">
-                              <m:oMathParaPr>
-                                <m:jc m:val="centerGroup"/>
-                              </m:oMathParaPr>
-                              <m:oMath xmlns:m="http://schemas.openxmlformats.org/officeDocument/2006/math">
-                                <m:sSubSup>
-                                  <m:sSubSupPr>
-                                    <m:ctrlPr>
-                                      <a:rPr lang="en-GB" sz="2800" b="0" i="1" smtClean="0">
-                                        <a:latin typeface="Cambria Math" panose="02040503050406030204" pitchFamily="18" charset="0"/>
-                                      </a:rPr>
-                                    </m:ctrlPr>
-                                  </m:sSubSupPr>
-                                  <m:e>
-                                    <m:r>
-                                      <a:rPr lang="en-GB" sz="2800" b="0" i="1" smtClean="0">
-                                        <a:latin typeface="Cambria Math" panose="02040503050406030204" pitchFamily="18" charset="0"/>
-                                      </a:rPr>
-                                      <m:t>𝐶</m:t>
-                                    </m:r>
-                                  </m:e>
-                                  <m:sub>
-                                    <m:r>
-                                      <a:rPr lang="en-GB" sz="2800" b="0" i="1" smtClean="0">
-                                        <a:latin typeface="Cambria Math" panose="02040503050406030204" pitchFamily="18" charset="0"/>
-                                      </a:rPr>
-                                      <m:t>𝑗𝑡</m:t>
-                                    </m:r>
-                                  </m:sub>
-                                  <m:sup>
-                                    <m:r>
-                                      <a:rPr lang="en-GB" sz="2800" b="0" i="1" smtClean="0">
-                                        <a:latin typeface="Cambria Math" panose="02040503050406030204" pitchFamily="18" charset="0"/>
-                                      </a:rPr>
-                                      <m:t>0</m:t>
-                                    </m:r>
-                                  </m:sup>
-                                </m:sSubSup>
-                              </m:oMath>
-                            </m:oMathPara>
-                          </a14:m>
-                          <a:endParaRPr lang="nl-NL" sz="2800" dirty="0"/>
-                        </a:p>
-                      </a:txBody>
-                      <a:tcPr>
-                        <a:lnT w="38103" cap="flat" cmpd="sng" algn="ctr">
-                          <a:noFill/>
-                          <a:prstDash val="solid"/>
-                          <a:round/>
-                          <a:headEnd type="none" w="med" len="med"/>
-                          <a:tailEnd type="none" w="med" len="med"/>
-                        </a:lnT>
-                        <a:noFill/>
-                      </a:tcPr>
-                    </a:tc>
-                    <a:extLst>
-                      <a:ext uri="{0D108BD9-81ED-4DB2-BD59-A6C34878D82A}">
-                        <a16:rowId xmlns:a16="http://schemas.microsoft.com/office/drawing/2014/main" val="1687714552"/>
-                      </a:ext>
-                    </a:extLst>
-                  </a:tr>
-                  <a:tr h="465540">
-                    <a:tc>
-                      <a:txBody>
-                        <a:bodyPr/>
-                        <a:lstStyle/>
-                        <a:p>
-                          <a:pPr/>
-                          <a14:m>
-                            <m:oMathPara xmlns:m="http://schemas.openxmlformats.org/officeDocument/2006/math">
-                              <m:oMathParaPr>
-                                <m:jc m:val="centerGroup"/>
-                              </m:oMathParaPr>
-                              <m:oMath xmlns:m="http://schemas.openxmlformats.org/officeDocument/2006/math">
-                                <m:r>
-                                  <a:rPr lang="en-GB" sz="2100" b="0" i="1" smtClean="0">
-                                    <a:latin typeface="Cambria Math" panose="02040503050406030204" pitchFamily="18" charset="0"/>
-                                  </a:rPr>
-                                  <m:t>1</m:t>
-                                </m:r>
-                              </m:oMath>
-                            </m:oMathPara>
-                          </a14:m>
-                          <a:endParaRPr lang="nl-NL" sz="2100" dirty="0"/>
-                        </a:p>
-                      </a:txBody>
-                      <a:tcPr>
-                        <a:noFill/>
-                      </a:tcPr>
-                    </a:tc>
-                    <a:tc>
-                      <a:txBody>
-                        <a:bodyPr/>
-                        <a:lstStyle/>
-                        <a:p>
-                          <a:pPr/>
-                          <a14:m>
-                            <m:oMathPara xmlns:m="http://schemas.openxmlformats.org/officeDocument/2006/math">
-                              <m:oMathParaPr>
-                                <m:jc m:val="centerGroup"/>
-                              </m:oMathParaPr>
-                              <m:oMath xmlns:m="http://schemas.openxmlformats.org/officeDocument/2006/math">
-                                <m:r>
-                                  <a:rPr lang="en-GB" sz="2100" b="0" i="1" smtClean="0">
-                                    <a:latin typeface="Cambria Math" panose="02040503050406030204" pitchFamily="18" charset="0"/>
-                                  </a:rPr>
-                                  <m:t>7</m:t>
-                                </m:r>
-                              </m:oMath>
-                            </m:oMathPara>
-                          </a14:m>
-                          <a:endParaRPr lang="nl-NL" sz="2100" dirty="0"/>
-                        </a:p>
-                      </a:txBody>
-                      <a:tcPr>
-                        <a:noFill/>
-                      </a:tcPr>
-                    </a:tc>
-                    <a:tc>
-                      <a:txBody>
-                        <a:bodyPr/>
-                        <a:lstStyle/>
-                        <a:p>
-                          <a:pPr/>
-                          <a14:m>
-                            <m:oMathPara xmlns:m="http://schemas.openxmlformats.org/officeDocument/2006/math">
-                              <m:oMathParaPr>
-                                <m:jc m:val="centerGroup"/>
-                              </m:oMathParaPr>
-                              <m:oMath xmlns:m="http://schemas.openxmlformats.org/officeDocument/2006/math">
-                                <m:r>
-                                  <a:rPr lang="en-GB" sz="2000" b="0" i="1" smtClean="0">
-                                    <a:latin typeface="Cambria Math" panose="02040503050406030204" pitchFamily="18" charset="0"/>
-                                  </a:rPr>
-                                  <m:t>0</m:t>
-                                </m:r>
-                              </m:oMath>
-                            </m:oMathPara>
-                          </a14:m>
-                          <a:endParaRPr lang="nl-NL" sz="2000" dirty="0"/>
-                        </a:p>
-                      </a:txBody>
-                      <a:tcPr>
-                        <a:noFill/>
-                      </a:tcPr>
-                    </a:tc>
-                    <a:tc>
-                      <a:txBody>
-                        <a:bodyPr/>
-                        <a:lstStyle/>
-                        <a:p>
-                          <a:pPr/>
-                          <a14:m>
-                            <m:oMathPara xmlns:m="http://schemas.openxmlformats.org/officeDocument/2006/math">
-                              <m:oMathParaPr>
-                                <m:jc m:val="centerGroup"/>
-                              </m:oMathParaPr>
-                              <m:oMath xmlns:m="http://schemas.openxmlformats.org/officeDocument/2006/math">
-                                <m:r>
-                                  <a:rPr lang="en-GB" sz="2100" b="0" i="1" smtClean="0">
-                                    <a:solidFill>
-                                      <a:schemeClr val="accent1"/>
-                                    </a:solidFill>
-                                    <a:latin typeface="Cambria Math" panose="02040503050406030204" pitchFamily="18" charset="0"/>
-                                  </a:rPr>
-                                  <m:t>7</m:t>
-                                </m:r>
-                              </m:oMath>
-                            </m:oMathPara>
-                          </a14:m>
-                          <a:endParaRPr lang="nl-NL" sz="2100" dirty="0">
-                            <a:solidFill>
-                              <a:schemeClr val="accent1"/>
-                            </a:solidFill>
-                          </a:endParaRPr>
-                        </a:p>
-                      </a:txBody>
-                      <a:tcPr>
-                        <a:noFill/>
-                      </a:tcPr>
-                    </a:tc>
-                    <a:tc>
-                      <a:txBody>
-                        <a:bodyPr/>
-                        <a:lstStyle/>
-                        <a:p>
-                          <a:pPr/>
-                          <a14:m>
-                            <m:oMathPara xmlns:m="http://schemas.openxmlformats.org/officeDocument/2006/math">
-                              <m:oMathParaPr>
-                                <m:jc m:val="centerGroup"/>
-                              </m:oMathParaPr>
-                              <m:oMath xmlns:m="http://schemas.openxmlformats.org/officeDocument/2006/math">
-                                <m:r>
-                                  <a:rPr lang="en-GB" sz="2100" b="0" i="1" smtClean="0">
-                                    <a:latin typeface="Cambria Math" panose="02040503050406030204" pitchFamily="18" charset="0"/>
-                                  </a:rPr>
-                                  <m:t>𝑁𝐴</m:t>
-                                </m:r>
-                              </m:oMath>
-                            </m:oMathPara>
-                          </a14:m>
-                          <a:endParaRPr lang="nl-NL" sz="2100" dirty="0"/>
-                        </a:p>
-                      </a:txBody>
-                      <a:tcPr>
-                        <a:noFill/>
-                      </a:tcPr>
-                    </a:tc>
-                    <a:tc>
-                      <a:txBody>
-                        <a:bodyPr/>
-                        <a:lstStyle/>
-                        <a:p>
-                          <a:pPr algn="ctr"/>
-                          <a:r>
-                            <a:rPr lang="en-GB" sz="2100" dirty="0"/>
-                            <a:t>2</a:t>
-                          </a:r>
-                          <a:endParaRPr lang="nl-NL" sz="2100" dirty="0"/>
-                        </a:p>
-                      </a:txBody>
-                      <a:tcPr>
-                        <a:noFill/>
-                      </a:tcPr>
-                    </a:tc>
-                    <a:tc>
-                      <a:txBody>
-                        <a:bodyPr/>
-                        <a:lstStyle/>
-                        <a:p>
-                          <a:pPr algn="ctr"/>
-                          <a:r>
-                            <a:rPr lang="en-GB" sz="2100" dirty="0"/>
-                            <a:t>9</a:t>
-                          </a:r>
-                          <a:endParaRPr lang="nl-NL" sz="2100" dirty="0"/>
-                        </a:p>
-                      </a:txBody>
-                      <a:tcPr>
-                        <a:noFill/>
-                      </a:tcPr>
-                    </a:tc>
-                    <a:tc>
-                      <a:txBody>
-                        <a:bodyPr/>
-                        <a:lstStyle/>
-                        <a:p>
-                          <a:pPr algn="ctr"/>
-                          <a:r>
-                            <a:rPr lang="en-GB" sz="2100" dirty="0"/>
-                            <a:t>…</a:t>
-                          </a:r>
-                          <a:endParaRPr lang="nl-NL" sz="2100" dirty="0"/>
-                        </a:p>
-                      </a:txBody>
-                      <a:tcPr>
-                        <a:noFill/>
-                      </a:tcPr>
-                    </a:tc>
-                    <a:tc>
-                      <a:txBody>
-                        <a:bodyPr/>
-                        <a:lstStyle/>
-                        <a:p>
-                          <a:pPr algn="ctr"/>
-                          <a:r>
-                            <a:rPr lang="en-GB" sz="2100" dirty="0"/>
-                            <a:t>6</a:t>
-                          </a:r>
-                          <a:endParaRPr lang="nl-NL" sz="2100" dirty="0"/>
-                        </a:p>
-                      </a:txBody>
-                      <a:tcPr>
-                        <a:noFill/>
-                      </a:tcPr>
-                    </a:tc>
-                    <a:extLst>
-                      <a:ext uri="{0D108BD9-81ED-4DB2-BD59-A6C34878D82A}">
-                        <a16:rowId xmlns:a16="http://schemas.microsoft.com/office/drawing/2014/main" val="390264655"/>
-                      </a:ext>
-                    </a:extLst>
-                  </a:tr>
-                  <a:tr h="465540">
-                    <a:tc>
-                      <a:txBody>
-                        <a:bodyPr/>
-                        <a:lstStyle/>
-                        <a:p>
-                          <a:pPr/>
-                          <a14:m>
-                            <m:oMathPara xmlns:m="http://schemas.openxmlformats.org/officeDocument/2006/math">
-                              <m:oMathParaPr>
-                                <m:jc m:val="centerGroup"/>
-                              </m:oMathParaPr>
-                              <m:oMath xmlns:m="http://schemas.openxmlformats.org/officeDocument/2006/math">
-                                <m:r>
-                                  <a:rPr lang="en-GB" sz="2100" b="0" i="1" smtClean="0">
-                                    <a:latin typeface="Cambria Math" panose="02040503050406030204" pitchFamily="18" charset="0"/>
-                                  </a:rPr>
-                                  <m:t>2</m:t>
-                                </m:r>
-                              </m:oMath>
-                            </m:oMathPara>
-                          </a14:m>
-                          <a:endParaRPr lang="nl-NL" sz="2100" dirty="0"/>
-                        </a:p>
-                      </a:txBody>
-                      <a:tcPr>
-                        <a:noFill/>
-                      </a:tcPr>
-                    </a:tc>
-                    <a:tc>
-                      <a:txBody>
-                        <a:bodyPr/>
-                        <a:lstStyle/>
-                        <a:p>
-                          <a:pPr/>
-                          <a14:m>
-                            <m:oMathPara xmlns:m="http://schemas.openxmlformats.org/officeDocument/2006/math">
-                              <m:oMathParaPr>
-                                <m:jc m:val="centerGroup"/>
-                              </m:oMathParaPr>
-                              <m:oMath xmlns:m="http://schemas.openxmlformats.org/officeDocument/2006/math">
-                                <m:r>
-                                  <a:rPr lang="en-GB" sz="2100" b="0" i="1" smtClean="0">
-                                    <a:latin typeface="Cambria Math" panose="02040503050406030204" pitchFamily="18" charset="0"/>
-                                  </a:rPr>
-                                  <m:t>9</m:t>
-                                </m:r>
-                              </m:oMath>
-                            </m:oMathPara>
-                          </a14:m>
-                          <a:endParaRPr lang="nl-NL" sz="2100" dirty="0"/>
-                        </a:p>
-                      </a:txBody>
-                      <a:tcPr>
-                        <a:noFill/>
-                      </a:tcPr>
-                    </a:tc>
-                    <a:tc>
-                      <a:txBody>
-                        <a:bodyPr/>
-                        <a:lstStyle/>
-                        <a:p>
-                          <a:pPr/>
-                          <a14:m>
-                            <m:oMathPara xmlns:m="http://schemas.openxmlformats.org/officeDocument/2006/math">
-                              <m:oMathParaPr>
-                                <m:jc m:val="centerGroup"/>
-                              </m:oMathParaPr>
-                              <m:oMath xmlns:m="http://schemas.openxmlformats.org/officeDocument/2006/math">
-                                <m:r>
-                                  <a:rPr lang="en-GB" sz="2000" b="0" i="1" smtClean="0">
-                                    <a:latin typeface="Cambria Math" panose="02040503050406030204" pitchFamily="18" charset="0"/>
-                                  </a:rPr>
-                                  <m:t>0</m:t>
-                                </m:r>
-                              </m:oMath>
-                            </m:oMathPara>
-                          </a14:m>
-                          <a:endParaRPr lang="nl-NL" sz="2000" dirty="0"/>
-                        </a:p>
-                      </a:txBody>
-                      <a:tcPr>
-                        <a:noFill/>
-                      </a:tcPr>
-                    </a:tc>
-                    <a:tc>
-                      <a:txBody>
-                        <a:bodyPr/>
-                        <a:lstStyle/>
-                        <a:p>
-                          <a:pPr/>
-                          <a14:m>
-                            <m:oMathPara xmlns:m="http://schemas.openxmlformats.org/officeDocument/2006/math">
-                              <m:oMathParaPr>
-                                <m:jc m:val="centerGroup"/>
-                              </m:oMathParaPr>
-                              <m:oMath xmlns:m="http://schemas.openxmlformats.org/officeDocument/2006/math">
-                                <m:r>
-                                  <a:rPr lang="en-GB" sz="2100" b="0" i="1" smtClean="0">
-                                    <a:solidFill>
-                                      <a:schemeClr val="accent1"/>
-                                    </a:solidFill>
-                                    <a:latin typeface="Cambria Math" panose="02040503050406030204" pitchFamily="18" charset="0"/>
-                                  </a:rPr>
-                                  <m:t>9</m:t>
-                                </m:r>
-                              </m:oMath>
-                            </m:oMathPara>
-                          </a14:m>
-                          <a:endParaRPr lang="nl-NL" sz="2100" dirty="0">
-                            <a:solidFill>
-                              <a:schemeClr val="accent1"/>
-                            </a:solidFill>
-                          </a:endParaRPr>
-                        </a:p>
-                      </a:txBody>
-                      <a:tcPr>
-                        <a:noFill/>
-                      </a:tcPr>
-                    </a:tc>
-                    <a:tc>
-                      <a:txBody>
-                        <a:bodyPr/>
-                        <a:lstStyle/>
-                        <a:p>
-                          <a:pPr/>
-                          <a14:m>
-                            <m:oMathPara xmlns:m="http://schemas.openxmlformats.org/officeDocument/2006/math">
-                              <m:oMathParaPr>
-                                <m:jc m:val="centerGroup"/>
-                              </m:oMathParaPr>
-                              <m:oMath xmlns:m="http://schemas.openxmlformats.org/officeDocument/2006/math">
-                                <m:r>
-                                  <a:rPr lang="en-GB" sz="2100" b="0" i="1" smtClean="0">
-                                    <a:latin typeface="Cambria Math" panose="02040503050406030204" pitchFamily="18" charset="0"/>
-                                  </a:rPr>
-                                  <m:t>𝑁𝐴</m:t>
-                                </m:r>
-                              </m:oMath>
-                            </m:oMathPara>
-                          </a14:m>
-                          <a:endParaRPr lang="nl-NL" sz="2100" dirty="0"/>
-                        </a:p>
-                      </a:txBody>
-                      <a:tcPr>
-                        <a:noFill/>
-                      </a:tcPr>
-                    </a:tc>
-                    <a:tc>
-                      <a:txBody>
-                        <a:bodyPr/>
-                        <a:lstStyle/>
-                        <a:p>
-                          <a:pPr algn="ctr"/>
-                          <a:r>
-                            <a:rPr lang="en-GB" sz="2100" dirty="0"/>
-                            <a:t>6</a:t>
-                          </a:r>
-                          <a:endParaRPr lang="nl-NL" sz="2100" dirty="0"/>
-                        </a:p>
-                      </a:txBody>
-                      <a:tcPr>
-                        <a:noFill/>
-                      </a:tcPr>
-                    </a:tc>
-                    <a:tc>
-                      <a:txBody>
-                        <a:bodyPr/>
-                        <a:lstStyle/>
-                        <a:p>
-                          <a:pPr algn="ctr"/>
-                          <a:r>
-                            <a:rPr lang="en-GB" sz="2100" dirty="0"/>
-                            <a:t>9</a:t>
-                          </a:r>
-                          <a:endParaRPr lang="nl-NL" sz="2100" dirty="0"/>
-                        </a:p>
-                      </a:txBody>
-                      <a:tcPr>
-                        <a:noFill/>
-                      </a:tcPr>
-                    </a:tc>
-                    <a:tc>
-                      <a:txBody>
-                        <a:bodyPr/>
-                        <a:lstStyle/>
-                        <a:p>
-                          <a:pPr algn="ctr"/>
-                          <a:r>
-                            <a:rPr lang="en-GB" sz="2100" dirty="0"/>
-                            <a:t>…</a:t>
-                          </a:r>
-                          <a:endParaRPr lang="nl-NL" sz="2100" dirty="0"/>
-                        </a:p>
-                      </a:txBody>
-                      <a:tcPr>
-                        <a:noFill/>
-                      </a:tcPr>
-                    </a:tc>
-                    <a:tc>
-                      <a:txBody>
-                        <a:bodyPr/>
-                        <a:lstStyle/>
-                        <a:p>
-                          <a:pPr algn="ctr"/>
-                          <a:r>
-                            <a:rPr lang="en-GB" sz="2100" dirty="0"/>
-                            <a:t>8</a:t>
-                          </a:r>
-                          <a:endParaRPr lang="nl-NL" sz="2100" dirty="0"/>
-                        </a:p>
-                      </a:txBody>
-                      <a:tcPr>
-                        <a:noFill/>
-                      </a:tcPr>
-                    </a:tc>
-                    <a:extLst>
-                      <a:ext uri="{0D108BD9-81ED-4DB2-BD59-A6C34878D82A}">
-                        <a16:rowId xmlns:a16="http://schemas.microsoft.com/office/drawing/2014/main" val="2224430632"/>
-                      </a:ext>
-                    </a:extLst>
-                  </a:tr>
-                  <a:tr h="465540">
-                    <a:tc>
-                      <a:txBody>
-                        <a:bodyPr/>
-                        <a:lstStyle/>
-                        <a:p>
-                          <a:pPr/>
-                          <a14:m>
-                            <m:oMathPara xmlns:m="http://schemas.openxmlformats.org/officeDocument/2006/math">
-                              <m:oMathParaPr>
-                                <m:jc m:val="centerGroup"/>
-                              </m:oMathParaPr>
-                              <m:oMath xmlns:m="http://schemas.openxmlformats.org/officeDocument/2006/math">
-                                <m:r>
-                                  <a:rPr lang="en-GB" sz="2100" b="0" i="1" smtClean="0">
-                                    <a:latin typeface="Cambria Math" panose="02040503050406030204" pitchFamily="18" charset="0"/>
-                                  </a:rPr>
-                                  <m:t>3</m:t>
-                                </m:r>
-                              </m:oMath>
-                            </m:oMathPara>
-                          </a14:m>
-                          <a:endParaRPr lang="nl-NL" sz="2100" dirty="0"/>
-                        </a:p>
-                      </a:txBody>
-                      <a:tcPr>
-                        <a:noFill/>
-                      </a:tcPr>
-                    </a:tc>
-                    <a:tc>
-                      <a:txBody>
-                        <a:bodyPr/>
-                        <a:lstStyle/>
-                        <a:p>
-                          <a:pPr/>
-                          <a14:m>
-                            <m:oMathPara xmlns:m="http://schemas.openxmlformats.org/officeDocument/2006/math">
-                              <m:oMathParaPr>
-                                <m:jc m:val="centerGroup"/>
-                              </m:oMathParaPr>
-                              <m:oMath xmlns:m="http://schemas.openxmlformats.org/officeDocument/2006/math">
-                                <m:r>
-                                  <a:rPr lang="en-GB" sz="2100" b="0" i="1" smtClean="0">
-                                    <a:latin typeface="Cambria Math" panose="02040503050406030204" pitchFamily="18" charset="0"/>
-                                  </a:rPr>
-                                  <m:t>6</m:t>
-                                </m:r>
-                              </m:oMath>
-                            </m:oMathPara>
-                          </a14:m>
-                          <a:endParaRPr lang="nl-NL" sz="2100" dirty="0"/>
-                        </a:p>
-                      </a:txBody>
-                      <a:tcPr>
-                        <a:noFill/>
-                      </a:tcPr>
-                    </a:tc>
-                    <a:tc>
-                      <a:txBody>
-                        <a:bodyPr/>
-                        <a:lstStyle/>
-                        <a:p>
-                          <a:pPr/>
-                          <a14:m>
-                            <m:oMathPara xmlns:m="http://schemas.openxmlformats.org/officeDocument/2006/math">
-                              <m:oMathParaPr>
-                                <m:jc m:val="centerGroup"/>
-                              </m:oMathParaPr>
-                              <m:oMath xmlns:m="http://schemas.openxmlformats.org/officeDocument/2006/math">
-                                <m:r>
-                                  <a:rPr lang="en-GB" sz="2000" b="0" i="1" smtClean="0">
-                                    <a:latin typeface="Cambria Math" panose="02040503050406030204" pitchFamily="18" charset="0"/>
-                                  </a:rPr>
-                                  <m:t>0</m:t>
-                                </m:r>
-                              </m:oMath>
-                            </m:oMathPara>
-                          </a14:m>
-                          <a:endParaRPr lang="nl-NL" sz="2000" dirty="0"/>
-                        </a:p>
-                      </a:txBody>
-                      <a:tcPr>
-                        <a:noFill/>
-                      </a:tcPr>
-                    </a:tc>
-                    <a:tc>
-                      <a:txBody>
-                        <a:bodyPr/>
-                        <a:lstStyle/>
-                        <a:p>
-                          <a:pPr/>
-                          <a14:m>
-                            <m:oMathPara xmlns:m="http://schemas.openxmlformats.org/officeDocument/2006/math">
-                              <m:oMathParaPr>
-                                <m:jc m:val="centerGroup"/>
-                              </m:oMathParaPr>
-                              <m:oMath xmlns:m="http://schemas.openxmlformats.org/officeDocument/2006/math">
-                                <m:r>
-                                  <a:rPr lang="en-GB" sz="2100" b="0" i="1" smtClean="0">
-                                    <a:solidFill>
-                                      <a:schemeClr val="accent1"/>
-                                    </a:solidFill>
-                                    <a:latin typeface="Cambria Math" panose="02040503050406030204" pitchFamily="18" charset="0"/>
-                                  </a:rPr>
-                                  <m:t>6</m:t>
-                                </m:r>
-                              </m:oMath>
-                            </m:oMathPara>
-                          </a14:m>
-                          <a:endParaRPr lang="nl-NL" sz="2100" dirty="0">
-                            <a:solidFill>
-                              <a:schemeClr val="accent1"/>
-                            </a:solidFill>
-                          </a:endParaRPr>
-                        </a:p>
-                      </a:txBody>
-                      <a:tcPr>
-                        <a:noFill/>
-                      </a:tcPr>
-                    </a:tc>
-                    <a:tc>
-                      <a:txBody>
-                        <a:bodyPr/>
-                        <a:lstStyle/>
-                        <a:p>
-                          <a:pPr/>
-                          <a14:m>
-                            <m:oMathPara xmlns:m="http://schemas.openxmlformats.org/officeDocument/2006/math">
-                              <m:oMathParaPr>
-                                <m:jc m:val="centerGroup"/>
-                              </m:oMathParaPr>
-                              <m:oMath xmlns:m="http://schemas.openxmlformats.org/officeDocument/2006/math">
-                                <m:r>
-                                  <a:rPr lang="en-GB" sz="2100" b="0" i="1" smtClean="0">
-                                    <a:latin typeface="Cambria Math" panose="02040503050406030204" pitchFamily="18" charset="0"/>
-                                  </a:rPr>
-                                  <m:t>𝑁𝐴</m:t>
-                                </m:r>
-                              </m:oMath>
-                            </m:oMathPara>
-                          </a14:m>
-                          <a:endParaRPr lang="nl-NL" sz="2100" dirty="0"/>
-                        </a:p>
-                      </a:txBody>
-                      <a:tcPr>
-                        <a:noFill/>
-                      </a:tcPr>
-                    </a:tc>
-                    <a:tc>
-                      <a:txBody>
-                        <a:bodyPr/>
-                        <a:lstStyle/>
-                        <a:p>
-                          <a:pPr algn="ctr"/>
-                          <a:r>
-                            <a:rPr lang="en-GB" sz="2100" dirty="0"/>
-                            <a:t>4</a:t>
-                          </a:r>
-                          <a:endParaRPr lang="nl-NL" sz="2100" dirty="0"/>
-                        </a:p>
-                      </a:txBody>
-                      <a:tcPr>
-                        <a:noFill/>
-                      </a:tcPr>
-                    </a:tc>
-                    <a:tc>
-                      <a:txBody>
-                        <a:bodyPr/>
-                        <a:lstStyle/>
-                        <a:p>
-                          <a:pPr algn="ctr"/>
-                          <a:r>
-                            <a:rPr lang="en-GB" sz="2100" dirty="0"/>
-                            <a:t>3</a:t>
-                          </a:r>
-                          <a:endParaRPr lang="nl-NL" sz="2100" dirty="0"/>
-                        </a:p>
-                      </a:txBody>
-                      <a:tcPr>
-                        <a:noFill/>
-                      </a:tcPr>
-                    </a:tc>
-                    <a:tc>
-                      <a:txBody>
-                        <a:bodyPr/>
-                        <a:lstStyle/>
-                        <a:p>
-                          <a:pPr algn="ctr"/>
-                          <a:r>
-                            <a:rPr lang="en-GB" sz="2100" dirty="0"/>
-                            <a:t>…</a:t>
-                          </a:r>
-                          <a:endParaRPr lang="nl-NL" sz="2100" dirty="0"/>
-                        </a:p>
-                      </a:txBody>
-                      <a:tcPr>
-                        <a:noFill/>
-                      </a:tcPr>
-                    </a:tc>
-                    <a:tc>
-                      <a:txBody>
-                        <a:bodyPr/>
-                        <a:lstStyle/>
-                        <a:p>
-                          <a:pPr algn="ctr"/>
-                          <a:r>
-                            <a:rPr lang="en-GB" sz="2100" dirty="0"/>
-                            <a:t>5</a:t>
-                          </a:r>
-                          <a:endParaRPr lang="nl-NL" sz="2100" dirty="0"/>
-                        </a:p>
-                      </a:txBody>
-                      <a:tcPr>
-                        <a:noFill/>
-                      </a:tcPr>
-                    </a:tc>
-                    <a:extLst>
-                      <a:ext uri="{0D108BD9-81ED-4DB2-BD59-A6C34878D82A}">
-                        <a16:rowId xmlns:a16="http://schemas.microsoft.com/office/drawing/2014/main" val="2346763742"/>
-                      </a:ext>
-                    </a:extLst>
-                  </a:tr>
-                  <a:tr h="465540">
-                    <a:tc>
-                      <a:txBody>
-                        <a:bodyPr/>
-                        <a:lstStyle/>
-                        <a:p>
-                          <a:pPr/>
-                          <a14:m>
-                            <m:oMathPara xmlns:m="http://schemas.openxmlformats.org/officeDocument/2006/math">
-                              <m:oMathParaPr>
-                                <m:jc m:val="centerGroup"/>
-                              </m:oMathParaPr>
-                              <m:oMath xmlns:m="http://schemas.openxmlformats.org/officeDocument/2006/math">
-                                <m:r>
-                                  <a:rPr lang="en-GB" sz="2100" b="0" i="1" smtClean="0">
-                                    <a:latin typeface="Cambria Math" panose="02040503050406030204" pitchFamily="18" charset="0"/>
-                                  </a:rPr>
-                                  <m:t>4</m:t>
-                                </m:r>
-                              </m:oMath>
-                            </m:oMathPara>
-                          </a14:m>
-                          <a:endParaRPr lang="nl-NL" sz="2100" dirty="0"/>
-                        </a:p>
-                      </a:txBody>
-                      <a:tcPr>
-                        <a:noFill/>
-                      </a:tcPr>
-                    </a:tc>
-                    <a:tc>
-                      <a:txBody>
-                        <a:bodyPr/>
-                        <a:lstStyle/>
-                        <a:p>
-                          <a:pPr/>
-                          <a14:m>
-                            <m:oMathPara xmlns:m="http://schemas.openxmlformats.org/officeDocument/2006/math">
-                              <m:oMathParaPr>
-                                <m:jc m:val="centerGroup"/>
-                              </m:oMathParaPr>
-                              <m:oMath xmlns:m="http://schemas.openxmlformats.org/officeDocument/2006/math">
-                                <m:r>
-                                  <a:rPr lang="en-GB" sz="2100" b="0" i="1" smtClean="0">
-                                    <a:latin typeface="Cambria Math" panose="02040503050406030204" pitchFamily="18" charset="0"/>
-                                  </a:rPr>
-                                  <m:t>5</m:t>
-                                </m:r>
-                              </m:oMath>
-                            </m:oMathPara>
-                          </a14:m>
-                          <a:endParaRPr lang="nl-NL" sz="2100" dirty="0"/>
-                        </a:p>
-                      </a:txBody>
-                      <a:tcPr>
-                        <a:noFill/>
-                      </a:tcPr>
-                    </a:tc>
-                    <a:tc>
-                      <a:txBody>
-                        <a:bodyPr/>
-                        <a:lstStyle/>
-                        <a:p>
-                          <a:pPr/>
-                          <a14:m>
-                            <m:oMathPara xmlns:m="http://schemas.openxmlformats.org/officeDocument/2006/math">
-                              <m:oMathParaPr>
-                                <m:jc m:val="centerGroup"/>
-                              </m:oMathParaPr>
-                              <m:oMath xmlns:m="http://schemas.openxmlformats.org/officeDocument/2006/math">
-                                <m:r>
-                                  <a:rPr lang="en-GB" sz="2000" b="0" i="1" smtClean="0">
-                                    <a:latin typeface="Cambria Math" panose="02040503050406030204" pitchFamily="18" charset="0"/>
-                                  </a:rPr>
-                                  <m:t>0</m:t>
-                                </m:r>
-                              </m:oMath>
-                            </m:oMathPara>
-                          </a14:m>
-                          <a:endParaRPr lang="nl-NL" sz="2000" dirty="0"/>
-                        </a:p>
-                      </a:txBody>
-                      <a:tcPr>
-                        <a:noFill/>
-                      </a:tcPr>
-                    </a:tc>
-                    <a:tc>
-                      <a:txBody>
-                        <a:bodyPr/>
-                        <a:lstStyle/>
-                        <a:p>
-                          <a:pPr/>
-                          <a14:m>
-                            <m:oMathPara xmlns:m="http://schemas.openxmlformats.org/officeDocument/2006/math">
-                              <m:oMathParaPr>
-                                <m:jc m:val="centerGroup"/>
-                              </m:oMathParaPr>
-                              <m:oMath xmlns:m="http://schemas.openxmlformats.org/officeDocument/2006/math">
-                                <m:r>
-                                  <a:rPr lang="en-GB" sz="2100" b="0" i="1" smtClean="0">
-                                    <a:solidFill>
-                                      <a:schemeClr val="accent1"/>
-                                    </a:solidFill>
-                                    <a:latin typeface="Cambria Math" panose="02040503050406030204" pitchFamily="18" charset="0"/>
-                                  </a:rPr>
-                                  <m:t>5</m:t>
-                                </m:r>
-                              </m:oMath>
-                            </m:oMathPara>
-                          </a14:m>
-                          <a:endParaRPr lang="nl-NL" sz="2100" dirty="0">
-                            <a:solidFill>
-                              <a:schemeClr val="accent1"/>
-                            </a:solidFill>
-                          </a:endParaRPr>
-                        </a:p>
-                      </a:txBody>
-                      <a:tcPr>
-                        <a:noFill/>
-                      </a:tcPr>
-                    </a:tc>
-                    <a:tc>
-                      <a:txBody>
-                        <a:bodyPr/>
-                        <a:lstStyle/>
-                        <a:p>
-                          <a:pPr/>
-                          <a14:m>
-                            <m:oMathPara xmlns:m="http://schemas.openxmlformats.org/officeDocument/2006/math">
-                              <m:oMathParaPr>
-                                <m:jc m:val="centerGroup"/>
-                              </m:oMathParaPr>
-                              <m:oMath xmlns:m="http://schemas.openxmlformats.org/officeDocument/2006/math">
-                                <m:r>
-                                  <a:rPr lang="en-GB" sz="2100" b="0" i="1" smtClean="0">
-                                    <a:latin typeface="Cambria Math" panose="02040503050406030204" pitchFamily="18" charset="0"/>
-                                  </a:rPr>
-                                  <m:t>𝑁𝐴</m:t>
-                                </m:r>
-                              </m:oMath>
-                            </m:oMathPara>
-                          </a14:m>
-                          <a:endParaRPr lang="nl-NL" sz="2100" dirty="0"/>
-                        </a:p>
-                      </a:txBody>
-                      <a:tcPr>
-                        <a:noFill/>
-                      </a:tcPr>
-                    </a:tc>
-                    <a:tc>
-                      <a:txBody>
-                        <a:bodyPr/>
-                        <a:lstStyle/>
-                        <a:p>
-                          <a:pPr algn="ctr"/>
-                          <a:r>
-                            <a:rPr lang="en-GB" sz="2100" dirty="0"/>
-                            <a:t>2</a:t>
-                          </a:r>
-                          <a:endParaRPr lang="nl-NL" sz="2100" dirty="0"/>
-                        </a:p>
-                      </a:txBody>
-                      <a:tcPr>
-                        <a:noFill/>
-                      </a:tcPr>
-                    </a:tc>
-                    <a:tc>
-                      <a:txBody>
-                        <a:bodyPr/>
-                        <a:lstStyle/>
-                        <a:p>
-                          <a:pPr algn="ctr"/>
-                          <a:r>
-                            <a:rPr lang="en-GB" sz="2100" dirty="0"/>
-                            <a:t>1</a:t>
-                          </a:r>
-                          <a:endParaRPr lang="nl-NL" sz="2100" dirty="0"/>
-                        </a:p>
-                      </a:txBody>
-                      <a:tcPr>
-                        <a:noFill/>
-                      </a:tcPr>
-                    </a:tc>
-                    <a:tc>
-                      <a:txBody>
-                        <a:bodyPr/>
-                        <a:lstStyle/>
-                        <a:p>
-                          <a:pPr algn="ctr"/>
-                          <a:r>
-                            <a:rPr lang="en-GB" sz="2100" dirty="0"/>
-                            <a:t>…</a:t>
-                          </a:r>
-                          <a:endParaRPr lang="nl-NL" sz="2100" dirty="0"/>
-                        </a:p>
-                      </a:txBody>
-                      <a:tcPr>
-                        <a:noFill/>
-                      </a:tcPr>
-                    </a:tc>
-                    <a:tc>
-                      <a:txBody>
-                        <a:bodyPr/>
-                        <a:lstStyle/>
-                        <a:p>
-                          <a:pPr algn="ctr"/>
-                          <a:r>
-                            <a:rPr lang="en-GB" sz="2100" dirty="0"/>
-                            <a:t>4</a:t>
-                          </a:r>
-                          <a:endParaRPr lang="nl-NL" sz="2100" dirty="0"/>
-                        </a:p>
-                      </a:txBody>
-                      <a:tcPr>
-                        <a:noFill/>
-                      </a:tcPr>
-                    </a:tc>
-                    <a:extLst>
-                      <a:ext uri="{0D108BD9-81ED-4DB2-BD59-A6C34878D82A}">
-                        <a16:rowId xmlns:a16="http://schemas.microsoft.com/office/drawing/2014/main" val="877257161"/>
-                      </a:ext>
-                    </a:extLst>
-                  </a:tr>
-                  <a:tr h="465540">
-                    <a:tc>
-                      <a:txBody>
-                        <a:bodyPr/>
-                        <a:lstStyle/>
-                        <a:p>
-                          <a:pPr/>
-                          <a14:m>
-                            <m:oMathPara xmlns:m="http://schemas.openxmlformats.org/officeDocument/2006/math">
-                              <m:oMathParaPr>
-                                <m:jc m:val="centerGroup"/>
-                              </m:oMathParaPr>
-                              <m:oMath xmlns:m="http://schemas.openxmlformats.org/officeDocument/2006/math">
-                                <m:r>
-                                  <a:rPr lang="en-GB" sz="2100" b="0" i="1" smtClean="0">
-                                    <a:latin typeface="Cambria Math" panose="02040503050406030204" pitchFamily="18" charset="0"/>
-                                  </a:rPr>
-                                  <m:t>5</m:t>
-                                </m:r>
-                              </m:oMath>
-                            </m:oMathPara>
-                          </a14:m>
-                          <a:endParaRPr lang="nl-NL" sz="2100" dirty="0"/>
-                        </a:p>
-                      </a:txBody>
-                      <a:tcPr>
-                        <a:noFill/>
-                      </a:tcPr>
-                    </a:tc>
-                    <a:tc>
-                      <a:txBody>
-                        <a:bodyPr/>
-                        <a:lstStyle/>
-                        <a:p>
-                          <a:pPr/>
-                          <a14:m>
-                            <m:oMathPara xmlns:m="http://schemas.openxmlformats.org/officeDocument/2006/math">
-                              <m:oMathParaPr>
-                                <m:jc m:val="centerGroup"/>
-                              </m:oMathParaPr>
-                              <m:oMath xmlns:m="http://schemas.openxmlformats.org/officeDocument/2006/math">
-                                <m:r>
-                                  <a:rPr lang="en-GB" sz="2100" b="0" i="1" smtClean="0">
-                                    <a:latin typeface="Cambria Math" panose="02040503050406030204" pitchFamily="18" charset="0"/>
-                                  </a:rPr>
-                                  <m:t>6</m:t>
-                                </m:r>
-                              </m:oMath>
-                            </m:oMathPara>
-                          </a14:m>
-                          <a:endParaRPr lang="nl-NL" sz="2100" dirty="0"/>
-                        </a:p>
-                      </a:txBody>
-                      <a:tcPr>
-                        <a:noFill/>
-                      </a:tcPr>
-                    </a:tc>
-                    <a:tc>
-                      <a:txBody>
-                        <a:bodyPr/>
-                        <a:lstStyle/>
-                        <a:p>
-                          <a:pPr/>
-                          <a14:m>
-                            <m:oMathPara xmlns:m="http://schemas.openxmlformats.org/officeDocument/2006/math">
-                              <m:oMathParaPr>
-                                <m:jc m:val="centerGroup"/>
-                              </m:oMathParaPr>
-                              <m:oMath xmlns:m="http://schemas.openxmlformats.org/officeDocument/2006/math">
-                                <m:r>
-                                  <a:rPr lang="en-GB" sz="2000" b="0" i="1" smtClean="0">
-                                    <a:latin typeface="Cambria Math" panose="02040503050406030204" pitchFamily="18" charset="0"/>
-                                  </a:rPr>
-                                  <m:t>0</m:t>
-                                </m:r>
-                              </m:oMath>
-                            </m:oMathPara>
-                          </a14:m>
-                          <a:endParaRPr lang="nl-NL" sz="2000" dirty="0"/>
-                        </a:p>
-                      </a:txBody>
-                      <a:tcPr>
-                        <a:noFill/>
-                      </a:tcPr>
-                    </a:tc>
-                    <a:tc>
-                      <a:txBody>
-                        <a:bodyPr/>
-                        <a:lstStyle/>
-                        <a:p>
-                          <a:pPr/>
-                          <a14:m>
-                            <m:oMathPara xmlns:m="http://schemas.openxmlformats.org/officeDocument/2006/math">
-                              <m:oMathParaPr>
-                                <m:jc m:val="centerGroup"/>
-                              </m:oMathParaPr>
-                              <m:oMath xmlns:m="http://schemas.openxmlformats.org/officeDocument/2006/math">
-                                <m:r>
-                                  <a:rPr lang="en-GB" sz="2100" b="0" i="1" smtClean="0">
-                                    <a:solidFill>
-                                      <a:schemeClr val="accent1"/>
-                                    </a:solidFill>
-                                    <a:latin typeface="Cambria Math" panose="02040503050406030204" pitchFamily="18" charset="0"/>
-                                  </a:rPr>
-                                  <m:t>6</m:t>
-                                </m:r>
-                              </m:oMath>
-                            </m:oMathPara>
-                          </a14:m>
-                          <a:endParaRPr lang="nl-NL" sz="2100" dirty="0">
-                            <a:solidFill>
-                              <a:schemeClr val="accent1"/>
-                            </a:solidFill>
-                          </a:endParaRPr>
-                        </a:p>
-                      </a:txBody>
-                      <a:tcPr>
-                        <a:noFill/>
-                      </a:tcPr>
-                    </a:tc>
-                    <a:tc>
-                      <a:txBody>
-                        <a:bodyPr/>
-                        <a:lstStyle/>
-                        <a:p>
-                          <a:pPr/>
-                          <a14:m>
-                            <m:oMathPara xmlns:m="http://schemas.openxmlformats.org/officeDocument/2006/math">
-                              <m:oMathParaPr>
-                                <m:jc m:val="centerGroup"/>
-                              </m:oMathParaPr>
-                              <m:oMath xmlns:m="http://schemas.openxmlformats.org/officeDocument/2006/math">
-                                <m:r>
-                                  <a:rPr lang="en-GB" sz="2100" b="0" i="1" smtClean="0">
-                                    <a:latin typeface="Cambria Math" panose="02040503050406030204" pitchFamily="18" charset="0"/>
-                                  </a:rPr>
-                                  <m:t>𝑁𝐴</m:t>
-                                </m:r>
-                              </m:oMath>
-                            </m:oMathPara>
-                          </a14:m>
-                          <a:endParaRPr lang="nl-NL" sz="2100" dirty="0"/>
-                        </a:p>
-                      </a:txBody>
-                      <a:tcPr>
-                        <a:noFill/>
-                      </a:tcPr>
-                    </a:tc>
-                    <a:tc>
-                      <a:txBody>
-                        <a:bodyPr/>
-                        <a:lstStyle/>
-                        <a:p>
-                          <a:pPr algn="ctr"/>
-                          <a:r>
-                            <a:rPr lang="en-GB" sz="2100" dirty="0"/>
-                            <a:t>1</a:t>
-                          </a:r>
-                          <a:endParaRPr lang="nl-NL" sz="2100" dirty="0"/>
-                        </a:p>
-                      </a:txBody>
-                      <a:tcPr>
-                        <a:noFill/>
-                      </a:tcPr>
-                    </a:tc>
-                    <a:tc>
-                      <a:txBody>
-                        <a:bodyPr/>
-                        <a:lstStyle/>
-                        <a:p>
-                          <a:pPr algn="ctr"/>
-                          <a:r>
-                            <a:rPr lang="en-GB" sz="2100" dirty="0"/>
-                            <a:t>2</a:t>
-                          </a:r>
-                          <a:endParaRPr lang="nl-NL" sz="2100" dirty="0"/>
-                        </a:p>
-                      </a:txBody>
-                      <a:tcPr>
-                        <a:noFill/>
-                      </a:tcPr>
-                    </a:tc>
-                    <a:tc>
-                      <a:txBody>
-                        <a:bodyPr/>
-                        <a:lstStyle/>
-                        <a:p>
-                          <a:pPr algn="ctr"/>
-                          <a:r>
-                            <a:rPr lang="en-GB" sz="2100" dirty="0"/>
-                            <a:t>…</a:t>
-                          </a:r>
-                          <a:endParaRPr lang="nl-NL" sz="2100" dirty="0"/>
-                        </a:p>
-                      </a:txBody>
-                      <a:tcPr>
-                        <a:noFill/>
-                      </a:tcPr>
-                    </a:tc>
-                    <a:tc>
-                      <a:txBody>
-                        <a:bodyPr/>
-                        <a:lstStyle/>
-                        <a:p>
-                          <a:pPr algn="ctr"/>
-                          <a:r>
-                            <a:rPr lang="en-GB" sz="2100" dirty="0"/>
-                            <a:t>7</a:t>
-                          </a:r>
-                          <a:endParaRPr lang="nl-NL" sz="2100" dirty="0"/>
-                        </a:p>
-                      </a:txBody>
-                      <a:tcPr>
-                        <a:noFill/>
-                      </a:tcPr>
-                    </a:tc>
-                    <a:extLst>
-                      <a:ext uri="{0D108BD9-81ED-4DB2-BD59-A6C34878D82A}">
-                        <a16:rowId xmlns:a16="http://schemas.microsoft.com/office/drawing/2014/main" val="2496063903"/>
-                      </a:ext>
-                    </a:extLst>
-                  </a:tr>
-                  <a:tr h="465540">
-                    <a:tc>
-                      <a:txBody>
-                        <a:bodyPr/>
-                        <a:lstStyle/>
-                        <a:p>
-                          <a:pPr/>
-                          <a14:m>
-                            <m:oMathPara xmlns:m="http://schemas.openxmlformats.org/officeDocument/2006/math">
-                              <m:oMathParaPr>
-                                <m:jc m:val="centerGroup"/>
-                              </m:oMathParaPr>
-                              <m:oMath xmlns:m="http://schemas.openxmlformats.org/officeDocument/2006/math">
-                                <m:r>
-                                  <a:rPr lang="en-GB" sz="2100" b="0" i="1" smtClean="0">
-                                    <a:latin typeface="Cambria Math" panose="02040503050406030204" pitchFamily="18" charset="0"/>
-                                  </a:rPr>
-                                  <m:t>6</m:t>
-                                </m:r>
-                              </m:oMath>
-                            </m:oMathPara>
-                          </a14:m>
-                          <a:endParaRPr lang="nl-NL" sz="2100" dirty="0"/>
-                        </a:p>
-                      </a:txBody>
-                      <a:tcPr>
-                        <a:noFill/>
-                      </a:tcPr>
-                    </a:tc>
-                    <a:tc>
-                      <a:txBody>
-                        <a:bodyPr/>
-                        <a:lstStyle/>
-                        <a:p>
-                          <a:pPr/>
-                          <a14:m>
-                            <m:oMathPara xmlns:m="http://schemas.openxmlformats.org/officeDocument/2006/math">
-                              <m:oMathParaPr>
-                                <m:jc m:val="centerGroup"/>
-                              </m:oMathParaPr>
-                              <m:oMath xmlns:m="http://schemas.openxmlformats.org/officeDocument/2006/math">
-                                <m:r>
-                                  <a:rPr lang="en-GB" sz="2100" b="0" i="1" smtClean="0">
-                                    <a:latin typeface="Cambria Math" panose="02040503050406030204" pitchFamily="18" charset="0"/>
-                                  </a:rPr>
-                                  <m:t>2</m:t>
-                                </m:r>
-                              </m:oMath>
-                            </m:oMathPara>
-                          </a14:m>
-                          <a:endParaRPr lang="nl-NL" sz="2100" dirty="0"/>
-                        </a:p>
-                      </a:txBody>
-                      <a:tcPr>
-                        <a:noFill/>
-                      </a:tcPr>
-                    </a:tc>
-                    <a:tc>
-                      <a:txBody>
-                        <a:bodyPr/>
-                        <a:lstStyle/>
-                        <a:p>
-                          <a:pPr/>
-                          <a14:m>
-                            <m:oMathPara xmlns:m="http://schemas.openxmlformats.org/officeDocument/2006/math">
-                              <m:oMathParaPr>
-                                <m:jc m:val="centerGroup"/>
-                              </m:oMathParaPr>
-                              <m:oMath xmlns:m="http://schemas.openxmlformats.org/officeDocument/2006/math">
-                                <m:r>
-                                  <a:rPr lang="en-GB" sz="2000" b="0" i="1" smtClean="0">
-                                    <a:latin typeface="Cambria Math" panose="02040503050406030204" pitchFamily="18" charset="0"/>
-                                  </a:rPr>
-                                  <m:t>1</m:t>
-                                </m:r>
-                              </m:oMath>
-                            </m:oMathPara>
-                          </a14:m>
-                          <a:endParaRPr lang="nl-NL" sz="2000" dirty="0"/>
-                        </a:p>
-                      </a:txBody>
-                      <a:tcPr>
-                        <a:noFill/>
-                      </a:tcPr>
-                    </a:tc>
-                    <a:tc>
-                      <a:txBody>
-                        <a:bodyPr/>
-                        <a:lstStyle/>
-                        <a:p>
-                          <a:pPr/>
-                          <a14:m>
-                            <m:oMathPara xmlns:m="http://schemas.openxmlformats.org/officeDocument/2006/math">
-                              <m:oMathParaPr>
-                                <m:jc m:val="centerGroup"/>
-                              </m:oMathParaPr>
-                              <m:oMath xmlns:m="http://schemas.openxmlformats.org/officeDocument/2006/math">
-                                <m:r>
-                                  <a:rPr lang="en-GB" sz="2100" b="0" i="1" smtClean="0">
-                                    <a:latin typeface="Cambria Math" panose="02040503050406030204" pitchFamily="18" charset="0"/>
-                                  </a:rPr>
-                                  <m:t>𝑁𝐴</m:t>
-                                </m:r>
-                              </m:oMath>
-                            </m:oMathPara>
-                          </a14:m>
-                          <a:endParaRPr lang="nl-NL" sz="2100" dirty="0"/>
-                        </a:p>
-                      </a:txBody>
-                      <a:tcPr>
-                        <a:noFill/>
-                      </a:tcPr>
-                    </a:tc>
-                    <a:tc>
-                      <a:txBody>
-                        <a:bodyPr/>
-                        <a:lstStyle/>
-                        <a:p>
-                          <a:pPr/>
-                          <a14:m>
-                            <m:oMathPara xmlns:m="http://schemas.openxmlformats.org/officeDocument/2006/math">
-                              <m:oMathParaPr>
-                                <m:jc m:val="centerGroup"/>
-                              </m:oMathParaPr>
-                              <m:oMath xmlns:m="http://schemas.openxmlformats.org/officeDocument/2006/math">
-                                <m:r>
-                                  <a:rPr lang="en-GB" sz="2100" b="0" i="1" smtClean="0">
-                                    <a:solidFill>
-                                      <a:srgbClr val="FF0000"/>
-                                    </a:solidFill>
-                                    <a:latin typeface="Cambria Math" panose="02040503050406030204" pitchFamily="18" charset="0"/>
-                                  </a:rPr>
-                                  <m:t>2</m:t>
-                                </m:r>
-                              </m:oMath>
-                            </m:oMathPara>
-                          </a14:m>
-                          <a:endParaRPr lang="nl-NL" sz="2100" dirty="0">
-                            <a:solidFill>
-                              <a:srgbClr val="FF0000"/>
-                            </a:solidFill>
-                          </a:endParaRPr>
-                        </a:p>
-                      </a:txBody>
-                      <a:tcPr>
-                        <a:noFill/>
-                      </a:tcPr>
-                    </a:tc>
-                    <a:tc>
-                      <a:txBody>
-                        <a:bodyPr/>
-                        <a:lstStyle/>
-                        <a:p>
-                          <a:pPr algn="ctr"/>
-                          <a:r>
-                            <a:rPr lang="en-GB" sz="2100" dirty="0">
-                              <a:solidFill>
-                                <a:schemeClr val="tx1"/>
-                              </a:solidFill>
-                            </a:rPr>
-                            <a:t>3</a:t>
-                          </a:r>
-                          <a:endParaRPr lang="nl-NL" sz="2100" dirty="0">
-                            <a:solidFill>
-                              <a:schemeClr val="tx1"/>
-                            </a:solidFill>
-                          </a:endParaRPr>
-                        </a:p>
-                      </a:txBody>
-                      <a:tcPr>
-                        <a:noFill/>
-                      </a:tcPr>
-                    </a:tc>
-                    <a:tc>
-                      <a:txBody>
-                        <a:bodyPr/>
-                        <a:lstStyle/>
-                        <a:p>
-                          <a:pPr algn="ctr"/>
-                          <a:r>
-                            <a:rPr lang="en-GB" sz="2100" dirty="0">
-                              <a:solidFill>
-                                <a:schemeClr val="tx1"/>
-                              </a:solidFill>
-                            </a:rPr>
-                            <a:t>6</a:t>
-                          </a:r>
-                          <a:endParaRPr lang="nl-NL" sz="2100" dirty="0">
-                            <a:solidFill>
-                              <a:schemeClr val="tx1"/>
-                            </a:solidFill>
-                          </a:endParaRPr>
-                        </a:p>
-                      </a:txBody>
-                      <a:tcPr>
-                        <a:noFill/>
-                      </a:tcPr>
-                    </a:tc>
-                    <a:tc>
-                      <a:txBody>
-                        <a:bodyPr/>
-                        <a:lstStyle/>
-                        <a:p>
-                          <a:pPr algn="ctr"/>
-                          <a:r>
-                            <a:rPr lang="en-GB" sz="2100" dirty="0">
-                              <a:solidFill>
-                                <a:schemeClr val="tx1"/>
-                              </a:solidFill>
-                            </a:rPr>
-                            <a:t>…</a:t>
-                          </a:r>
-                          <a:endParaRPr lang="nl-NL" sz="2100" dirty="0">
-                            <a:solidFill>
-                              <a:schemeClr val="tx1"/>
-                            </a:solidFill>
-                          </a:endParaRPr>
-                        </a:p>
-                      </a:txBody>
-                      <a:tcPr>
-                        <a:noFill/>
-                      </a:tcPr>
-                    </a:tc>
-                    <a:tc>
-                      <a:txBody>
-                        <a:bodyPr/>
-                        <a:lstStyle/>
-                        <a:p>
-                          <a:pPr algn="ctr"/>
-                          <a:r>
-                            <a:rPr lang="en-GB" sz="2100" dirty="0"/>
-                            <a:t>7</a:t>
-                          </a:r>
-                          <a:endParaRPr lang="nl-NL" sz="2100" dirty="0"/>
-                        </a:p>
-                      </a:txBody>
-                      <a:tcPr>
-                        <a:noFill/>
-                      </a:tcPr>
-                    </a:tc>
-                    <a:extLst>
-                      <a:ext uri="{0D108BD9-81ED-4DB2-BD59-A6C34878D82A}">
-                        <a16:rowId xmlns:a16="http://schemas.microsoft.com/office/drawing/2014/main" val="305272429"/>
-                      </a:ext>
-                    </a:extLst>
-                  </a:tr>
-                  <a:tr h="465540">
-                    <a:tc>
-                      <a:txBody>
-                        <a:bodyPr/>
-                        <a:lstStyle/>
-                        <a:p>
-                          <a:pPr/>
-                          <a14:m>
-                            <m:oMathPara xmlns:m="http://schemas.openxmlformats.org/officeDocument/2006/math">
-                              <m:oMathParaPr>
-                                <m:jc m:val="centerGroup"/>
-                              </m:oMathParaPr>
-                              <m:oMath xmlns:m="http://schemas.openxmlformats.org/officeDocument/2006/math">
-                                <m:r>
-                                  <a:rPr lang="en-GB" sz="2100" b="0" i="1" smtClean="0">
-                                    <a:latin typeface="Cambria Math" panose="02040503050406030204" pitchFamily="18" charset="0"/>
-                                  </a:rPr>
-                                  <m:t>7</m:t>
-                                </m:r>
-                              </m:oMath>
-                            </m:oMathPara>
-                          </a14:m>
-                          <a:endParaRPr lang="nl-NL" sz="2100" dirty="0"/>
-                        </a:p>
-                      </a:txBody>
-                      <a:tcPr>
-                        <a:noFill/>
-                      </a:tcPr>
-                    </a:tc>
-                    <a:tc>
-                      <a:txBody>
-                        <a:bodyPr/>
-                        <a:lstStyle/>
-                        <a:p>
-                          <a:pPr/>
-                          <a14:m>
-                            <m:oMathPara xmlns:m="http://schemas.openxmlformats.org/officeDocument/2006/math">
-                              <m:oMathParaPr>
-                                <m:jc m:val="centerGroup"/>
-                              </m:oMathParaPr>
-                              <m:oMath xmlns:m="http://schemas.openxmlformats.org/officeDocument/2006/math">
-                                <m:r>
-                                  <a:rPr lang="en-GB" sz="2100" b="0" i="1" smtClean="0">
-                                    <a:latin typeface="Cambria Math" panose="02040503050406030204" pitchFamily="18" charset="0"/>
-                                  </a:rPr>
-                                  <m:t>3</m:t>
-                                </m:r>
-                              </m:oMath>
-                            </m:oMathPara>
-                          </a14:m>
-                          <a:endParaRPr lang="nl-NL" sz="2100" dirty="0"/>
-                        </a:p>
-                      </a:txBody>
-                      <a:tcPr>
-                        <a:noFill/>
-                      </a:tcPr>
-                    </a:tc>
-                    <a:tc>
-                      <a:txBody>
-                        <a:bodyPr/>
-                        <a:lstStyle/>
-                        <a:p>
-                          <a:pPr/>
-                          <a14:m>
-                            <m:oMathPara xmlns:m="http://schemas.openxmlformats.org/officeDocument/2006/math">
-                              <m:oMathParaPr>
-                                <m:jc m:val="centerGroup"/>
-                              </m:oMathParaPr>
-                              <m:oMath xmlns:m="http://schemas.openxmlformats.org/officeDocument/2006/math">
-                                <m:r>
-                                  <a:rPr lang="en-GB" sz="2000" b="0" i="1" smtClean="0">
-                                    <a:latin typeface="Cambria Math" panose="02040503050406030204" pitchFamily="18" charset="0"/>
-                                  </a:rPr>
-                                  <m:t>1</m:t>
-                                </m:r>
-                              </m:oMath>
-                            </m:oMathPara>
-                          </a14:m>
-                          <a:endParaRPr lang="nl-NL" sz="2000" dirty="0"/>
-                        </a:p>
-                      </a:txBody>
-                      <a:tcPr>
-                        <a:noFill/>
-                      </a:tcPr>
-                    </a:tc>
-                    <a:tc>
-                      <a:txBody>
-                        <a:bodyPr/>
-                        <a:lstStyle/>
-                        <a:p>
-                          <a:pPr/>
-                          <a14:m>
-                            <m:oMathPara xmlns:m="http://schemas.openxmlformats.org/officeDocument/2006/math">
-                              <m:oMathParaPr>
-                                <m:jc m:val="centerGroup"/>
-                              </m:oMathParaPr>
-                              <m:oMath xmlns:m="http://schemas.openxmlformats.org/officeDocument/2006/math">
-                                <m:r>
-                                  <a:rPr lang="en-GB" sz="2100" b="0" i="1" smtClean="0">
-                                    <a:latin typeface="Cambria Math" panose="02040503050406030204" pitchFamily="18" charset="0"/>
-                                  </a:rPr>
-                                  <m:t>𝑁𝐴</m:t>
-                                </m:r>
-                              </m:oMath>
-                            </m:oMathPara>
-                          </a14:m>
-                          <a:endParaRPr lang="nl-NL" sz="2100" dirty="0"/>
-                        </a:p>
-                      </a:txBody>
-                      <a:tcPr>
-                        <a:noFill/>
-                      </a:tcPr>
-                    </a:tc>
-                    <a:tc>
-                      <a:txBody>
-                        <a:bodyPr/>
-                        <a:lstStyle/>
-                        <a:p>
-                          <a:pPr/>
-                          <a14:m>
-                            <m:oMathPara xmlns:m="http://schemas.openxmlformats.org/officeDocument/2006/math">
-                              <m:oMathParaPr>
-                                <m:jc m:val="centerGroup"/>
-                              </m:oMathParaPr>
-                              <m:oMath xmlns:m="http://schemas.openxmlformats.org/officeDocument/2006/math">
-                                <m:r>
-                                  <a:rPr lang="en-GB" sz="2100" b="0" i="1" smtClean="0">
-                                    <a:solidFill>
-                                      <a:srgbClr val="FF0000"/>
-                                    </a:solidFill>
-                                    <a:latin typeface="Cambria Math" panose="02040503050406030204" pitchFamily="18" charset="0"/>
-                                  </a:rPr>
-                                  <m:t>3</m:t>
-                                </m:r>
-                              </m:oMath>
-                            </m:oMathPara>
-                          </a14:m>
-                          <a:endParaRPr lang="nl-NL" sz="2100" dirty="0">
-                            <a:solidFill>
-                              <a:srgbClr val="FF0000"/>
-                            </a:solidFill>
-                          </a:endParaRPr>
-                        </a:p>
-                      </a:txBody>
-                      <a:tcPr>
-                        <a:noFill/>
-                      </a:tcPr>
-                    </a:tc>
-                    <a:tc>
-                      <a:txBody>
-                        <a:bodyPr/>
-                        <a:lstStyle/>
-                        <a:p>
-                          <a:pPr algn="ctr"/>
-                          <a:r>
-                            <a:rPr lang="en-GB" sz="2100" dirty="0">
-                              <a:solidFill>
-                                <a:schemeClr val="tx1"/>
-                              </a:solidFill>
-                            </a:rPr>
-                            <a:t>2</a:t>
-                          </a:r>
-                          <a:endParaRPr lang="nl-NL" sz="2100" dirty="0">
-                            <a:solidFill>
-                              <a:schemeClr val="tx1"/>
-                            </a:solidFill>
-                          </a:endParaRPr>
-                        </a:p>
-                      </a:txBody>
-                      <a:tcPr>
-                        <a:noFill/>
-                      </a:tcPr>
-                    </a:tc>
-                    <a:tc>
-                      <a:txBody>
-                        <a:bodyPr/>
-                        <a:lstStyle/>
-                        <a:p>
-                          <a:pPr algn="ctr"/>
-                          <a:r>
-                            <a:rPr lang="en-GB" sz="2100" dirty="0">
-                              <a:solidFill>
-                                <a:schemeClr val="tx1"/>
-                              </a:solidFill>
-                            </a:rPr>
-                            <a:t>5</a:t>
-                          </a:r>
-                          <a:endParaRPr lang="nl-NL" sz="2100" dirty="0">
-                            <a:solidFill>
-                              <a:schemeClr val="tx1"/>
-                            </a:solidFill>
-                          </a:endParaRPr>
-                        </a:p>
-                      </a:txBody>
-                      <a:tcPr>
-                        <a:noFill/>
-                      </a:tcPr>
-                    </a:tc>
-                    <a:tc>
-                      <a:txBody>
-                        <a:bodyPr/>
-                        <a:lstStyle/>
-                        <a:p>
-                          <a:pPr algn="ctr"/>
-                          <a:r>
-                            <a:rPr lang="en-GB" sz="2100" dirty="0">
-                              <a:solidFill>
-                                <a:schemeClr val="tx1"/>
-                              </a:solidFill>
-                            </a:rPr>
-                            <a:t>…</a:t>
-                          </a:r>
-                          <a:endParaRPr lang="nl-NL" sz="2100" dirty="0">
-                            <a:solidFill>
-                              <a:schemeClr val="tx1"/>
-                            </a:solidFill>
-                          </a:endParaRPr>
-                        </a:p>
-                      </a:txBody>
-                      <a:tcPr>
-                        <a:noFill/>
-                      </a:tcPr>
-                    </a:tc>
-                    <a:tc>
-                      <a:txBody>
-                        <a:bodyPr/>
-                        <a:lstStyle/>
-                        <a:p>
-                          <a:pPr algn="ctr"/>
-                          <a:r>
-                            <a:rPr lang="en-GB" sz="2100" dirty="0"/>
-                            <a:t>6</a:t>
-                          </a:r>
-                          <a:endParaRPr lang="nl-NL" sz="2100" dirty="0"/>
-                        </a:p>
-                      </a:txBody>
-                      <a:tcPr>
-                        <a:noFill/>
-                      </a:tcPr>
-                    </a:tc>
-                    <a:extLst>
-                      <a:ext uri="{0D108BD9-81ED-4DB2-BD59-A6C34878D82A}">
-                        <a16:rowId xmlns:a16="http://schemas.microsoft.com/office/drawing/2014/main" val="1137048644"/>
-                      </a:ext>
-                    </a:extLst>
-                  </a:tr>
-                  <a:tr h="465540">
-                    <a:tc>
-                      <a:txBody>
-                        <a:bodyPr/>
-                        <a:lstStyle/>
-                        <a:p>
-                          <a:pPr/>
-                          <a14:m>
-                            <m:oMathPara xmlns:m="http://schemas.openxmlformats.org/officeDocument/2006/math">
-                              <m:oMathParaPr>
-                                <m:jc m:val="centerGroup"/>
-                              </m:oMathParaPr>
-                              <m:oMath xmlns:m="http://schemas.openxmlformats.org/officeDocument/2006/math">
-                                <m:r>
-                                  <a:rPr lang="en-GB" sz="2100" b="0" i="1" smtClean="0">
-                                    <a:latin typeface="Cambria Math" panose="02040503050406030204" pitchFamily="18" charset="0"/>
-                                  </a:rPr>
-                                  <m:t>8</m:t>
-                                </m:r>
-                              </m:oMath>
-                            </m:oMathPara>
-                          </a14:m>
-                          <a:endParaRPr lang="nl-NL" sz="2100" dirty="0"/>
-                        </a:p>
-                      </a:txBody>
-                      <a:tcPr>
-                        <a:noFill/>
-                      </a:tcPr>
-                    </a:tc>
-                    <a:tc>
-                      <a:txBody>
-                        <a:bodyPr/>
-                        <a:lstStyle/>
-                        <a:p>
-                          <a:pPr/>
-                          <a14:m>
-                            <m:oMathPara xmlns:m="http://schemas.openxmlformats.org/officeDocument/2006/math">
-                              <m:oMathParaPr>
-                                <m:jc m:val="centerGroup"/>
-                              </m:oMathParaPr>
-                              <m:oMath xmlns:m="http://schemas.openxmlformats.org/officeDocument/2006/math">
-                                <m:r>
-                                  <a:rPr lang="en-GB" sz="2100" b="0" i="1" smtClean="0">
-                                    <a:latin typeface="Cambria Math" panose="02040503050406030204" pitchFamily="18" charset="0"/>
-                                  </a:rPr>
-                                  <m:t>1</m:t>
-                                </m:r>
-                              </m:oMath>
-                            </m:oMathPara>
-                          </a14:m>
-                          <a:endParaRPr lang="nl-NL" sz="2100" dirty="0"/>
-                        </a:p>
-                      </a:txBody>
-                      <a:tcPr>
-                        <a:noFill/>
-                      </a:tcPr>
-                    </a:tc>
-                    <a:tc>
-                      <a:txBody>
-                        <a:bodyPr/>
-                        <a:lstStyle/>
-                        <a:p>
-                          <a:pPr/>
-                          <a14:m>
-                            <m:oMathPara xmlns:m="http://schemas.openxmlformats.org/officeDocument/2006/math">
-                              <m:oMathParaPr>
-                                <m:jc m:val="centerGroup"/>
-                              </m:oMathParaPr>
-                              <m:oMath xmlns:m="http://schemas.openxmlformats.org/officeDocument/2006/math">
-                                <m:r>
-                                  <a:rPr lang="en-GB" sz="2000" b="0" i="1" smtClean="0">
-                                    <a:latin typeface="Cambria Math" panose="02040503050406030204" pitchFamily="18" charset="0"/>
-                                  </a:rPr>
-                                  <m:t>1</m:t>
-                                </m:r>
-                              </m:oMath>
-                            </m:oMathPara>
-                          </a14:m>
-                          <a:endParaRPr lang="nl-NL" sz="2000" dirty="0"/>
-                        </a:p>
-                      </a:txBody>
-                      <a:tcPr>
-                        <a:noFill/>
-                      </a:tcPr>
-                    </a:tc>
-                    <a:tc>
-                      <a:txBody>
-                        <a:bodyPr/>
-                        <a:lstStyle/>
-                        <a:p>
-                          <a:pPr/>
-                          <a14:m>
-                            <m:oMathPara xmlns:m="http://schemas.openxmlformats.org/officeDocument/2006/math">
-                              <m:oMathParaPr>
-                                <m:jc m:val="centerGroup"/>
-                              </m:oMathParaPr>
-                              <m:oMath xmlns:m="http://schemas.openxmlformats.org/officeDocument/2006/math">
-                                <m:r>
-                                  <a:rPr lang="en-GB" sz="2100" b="0" i="1" smtClean="0">
-                                    <a:latin typeface="Cambria Math" panose="02040503050406030204" pitchFamily="18" charset="0"/>
-                                  </a:rPr>
-                                  <m:t>𝑁𝐴</m:t>
-                                </m:r>
-                              </m:oMath>
-                            </m:oMathPara>
-                          </a14:m>
-                          <a:endParaRPr lang="nl-NL" sz="2100" dirty="0"/>
-                        </a:p>
-                      </a:txBody>
-                      <a:tcPr>
-                        <a:noFill/>
-                      </a:tcPr>
-                    </a:tc>
-                    <a:tc>
-                      <a:txBody>
-                        <a:bodyPr/>
-                        <a:lstStyle/>
-                        <a:p>
-                          <a:pPr/>
-                          <a14:m>
-                            <m:oMathPara xmlns:m="http://schemas.openxmlformats.org/officeDocument/2006/math">
-                              <m:oMathParaPr>
-                                <m:jc m:val="centerGroup"/>
-                              </m:oMathParaPr>
-                              <m:oMath xmlns:m="http://schemas.openxmlformats.org/officeDocument/2006/math">
-                                <m:r>
-                                  <a:rPr lang="en-GB" sz="2100" b="0" i="1" smtClean="0">
-                                    <a:solidFill>
-                                      <a:srgbClr val="FF0000"/>
-                                    </a:solidFill>
-                                    <a:latin typeface="Cambria Math" panose="02040503050406030204" pitchFamily="18" charset="0"/>
-                                  </a:rPr>
-                                  <m:t>1</m:t>
-                                </m:r>
-                              </m:oMath>
-                            </m:oMathPara>
-                          </a14:m>
-                          <a:endParaRPr lang="nl-NL" sz="2100" dirty="0">
-                            <a:solidFill>
-                              <a:srgbClr val="FF0000"/>
-                            </a:solidFill>
-                          </a:endParaRPr>
-                        </a:p>
-                      </a:txBody>
-                      <a:tcPr>
-                        <a:noFill/>
-                      </a:tcPr>
-                    </a:tc>
-                    <a:tc>
-                      <a:txBody>
-                        <a:bodyPr/>
-                        <a:lstStyle/>
-                        <a:p>
-                          <a:pPr algn="ctr"/>
-                          <a:r>
-                            <a:rPr lang="en-GB" sz="2100" dirty="0">
-                              <a:solidFill>
-                                <a:schemeClr val="tx1"/>
-                              </a:solidFill>
-                            </a:rPr>
-                            <a:t>4</a:t>
-                          </a:r>
-                          <a:endParaRPr lang="nl-NL" sz="2100" dirty="0">
-                            <a:solidFill>
-                              <a:schemeClr val="tx1"/>
-                            </a:solidFill>
-                          </a:endParaRPr>
-                        </a:p>
-                      </a:txBody>
-                      <a:tcPr>
-                        <a:noFill/>
-                      </a:tcPr>
-                    </a:tc>
-                    <a:tc>
-                      <a:txBody>
-                        <a:bodyPr/>
-                        <a:lstStyle/>
-                        <a:p>
-                          <a:pPr algn="ctr"/>
-                          <a:r>
-                            <a:rPr lang="en-GB" sz="2100" dirty="0">
-                              <a:solidFill>
-                                <a:schemeClr val="tx1"/>
-                              </a:solidFill>
-                            </a:rPr>
-                            <a:t>6</a:t>
-                          </a:r>
-                          <a:endParaRPr lang="nl-NL" sz="2100" dirty="0">
-                            <a:solidFill>
-                              <a:schemeClr val="tx1"/>
-                            </a:solidFill>
-                          </a:endParaRPr>
-                        </a:p>
-                      </a:txBody>
-                      <a:tcPr>
-                        <a:noFill/>
-                      </a:tcPr>
-                    </a:tc>
-                    <a:tc>
-                      <a:txBody>
-                        <a:bodyPr/>
-                        <a:lstStyle/>
-                        <a:p>
-                          <a:pPr algn="ctr"/>
-                          <a:r>
-                            <a:rPr lang="en-GB" sz="2100" dirty="0">
-                              <a:solidFill>
-                                <a:schemeClr val="tx1"/>
-                              </a:solidFill>
-                            </a:rPr>
-                            <a:t>…</a:t>
-                          </a:r>
-                          <a:endParaRPr lang="nl-NL" sz="2100" dirty="0">
-                            <a:solidFill>
-                              <a:schemeClr val="tx1"/>
-                            </a:solidFill>
-                          </a:endParaRPr>
-                        </a:p>
-                      </a:txBody>
-                      <a:tcPr>
-                        <a:noFill/>
-                      </a:tcPr>
-                    </a:tc>
-                    <a:tc>
-                      <a:txBody>
-                        <a:bodyPr/>
-                        <a:lstStyle/>
-                        <a:p>
-                          <a:pPr algn="ctr"/>
-                          <a:r>
-                            <a:rPr lang="en-GB" sz="2100" dirty="0"/>
-                            <a:t>5</a:t>
-                          </a:r>
-                          <a:endParaRPr lang="nl-NL" sz="2100" dirty="0"/>
-                        </a:p>
-                      </a:txBody>
-                      <a:tcPr>
-                        <a:noFill/>
-                      </a:tcPr>
-                    </a:tc>
-                    <a:extLst>
-                      <a:ext uri="{0D108BD9-81ED-4DB2-BD59-A6C34878D82A}">
-                        <a16:rowId xmlns:a16="http://schemas.microsoft.com/office/drawing/2014/main" val="1712240706"/>
-                      </a:ext>
-                    </a:extLst>
-                  </a:tr>
-                  <a:tr h="465540">
-                    <a:tc>
-                      <a:txBody>
-                        <a:bodyPr/>
-                        <a:lstStyle/>
-                        <a:p>
-                          <a:pPr/>
-                          <a14:m>
-                            <m:oMathPara xmlns:m="http://schemas.openxmlformats.org/officeDocument/2006/math">
-                              <m:oMathParaPr>
-                                <m:jc m:val="centerGroup"/>
-                              </m:oMathParaPr>
-                              <m:oMath xmlns:m="http://schemas.openxmlformats.org/officeDocument/2006/math">
-                                <m:r>
-                                  <a:rPr lang="en-GB" sz="2100" b="0" i="1" smtClean="0">
-                                    <a:latin typeface="Cambria Math" panose="02040503050406030204" pitchFamily="18" charset="0"/>
-                                  </a:rPr>
-                                  <m:t>…</m:t>
-                                </m:r>
-                              </m:oMath>
-                            </m:oMathPara>
-                          </a14:m>
-                          <a:endParaRPr lang="nl-NL" sz="2100" dirty="0"/>
-                        </a:p>
-                      </a:txBody>
-                      <a:tcPr>
-                        <a:noFill/>
-                      </a:tcPr>
-                    </a:tc>
-                    <a:tc>
-                      <a:txBody>
-                        <a:bodyPr/>
-                        <a:lstStyle/>
-                        <a:p>
-                          <a:pPr/>
-                          <a14:m>
-                            <m:oMathPara xmlns:m="http://schemas.openxmlformats.org/officeDocument/2006/math">
-                              <m:oMathParaPr>
-                                <m:jc m:val="centerGroup"/>
-                              </m:oMathParaPr>
-                              <m:oMath xmlns:m="http://schemas.openxmlformats.org/officeDocument/2006/math">
-                                <m:r>
-                                  <a:rPr lang="en-GB" sz="2100" b="0" i="1" smtClean="0">
-                                    <a:latin typeface="Cambria Math" panose="02040503050406030204" pitchFamily="18" charset="0"/>
-                                  </a:rPr>
-                                  <m:t>…</m:t>
-                                </m:r>
-                              </m:oMath>
-                            </m:oMathPara>
-                          </a14:m>
-                          <a:endParaRPr lang="nl-NL" sz="2100" dirty="0"/>
-                        </a:p>
-                      </a:txBody>
-                      <a:tcPr>
-                        <a:noFill/>
-                      </a:tcPr>
-                    </a:tc>
-                    <a:tc>
-                      <a:txBody>
-                        <a:bodyPr/>
-                        <a:lstStyle/>
-                        <a:p>
-                          <a:pPr/>
-                          <a14:m>
-                            <m:oMathPara xmlns:m="http://schemas.openxmlformats.org/officeDocument/2006/math">
-                              <m:oMathParaPr>
-                                <m:jc m:val="centerGroup"/>
-                              </m:oMathParaPr>
-                              <m:oMath xmlns:m="http://schemas.openxmlformats.org/officeDocument/2006/math">
-                                <m:r>
-                                  <a:rPr lang="en-GB" sz="2000" b="0" i="1" smtClean="0">
-                                    <a:latin typeface="Cambria Math" panose="02040503050406030204" pitchFamily="18" charset="0"/>
-                                  </a:rPr>
-                                  <m:t>…</m:t>
-                                </m:r>
-                              </m:oMath>
-                            </m:oMathPara>
-                          </a14:m>
-                          <a:endParaRPr lang="nl-NL" sz="2000" dirty="0"/>
-                        </a:p>
-                      </a:txBody>
-                      <a:tcPr>
-                        <a:noFill/>
-                      </a:tcPr>
-                    </a:tc>
-                    <a:tc>
-                      <a:txBody>
-                        <a:bodyPr/>
-                        <a:lstStyle/>
-                        <a:p>
-                          <a:pPr/>
-                          <a14:m>
-                            <m:oMathPara xmlns:m="http://schemas.openxmlformats.org/officeDocument/2006/math">
-                              <m:oMathParaPr>
-                                <m:jc m:val="centerGroup"/>
-                              </m:oMathParaPr>
-                              <m:oMath xmlns:m="http://schemas.openxmlformats.org/officeDocument/2006/math">
-                                <m:r>
-                                  <a:rPr lang="en-GB" sz="2100" b="0" i="1" smtClean="0">
-                                    <a:latin typeface="Cambria Math" panose="02040503050406030204" pitchFamily="18" charset="0"/>
-                                  </a:rPr>
-                                  <m:t>...</m:t>
-                                </m:r>
-                              </m:oMath>
-                            </m:oMathPara>
-                          </a14:m>
-                          <a:endParaRPr lang="nl-NL" sz="2100" dirty="0"/>
-                        </a:p>
-                      </a:txBody>
-                      <a:tcPr>
-                        <a:noFill/>
-                      </a:tcPr>
-                    </a:tc>
-                    <a:tc>
-                      <a:txBody>
-                        <a:bodyPr/>
-                        <a:lstStyle/>
-                        <a:p>
-                          <a:pPr/>
-                          <a14:m>
-                            <m:oMathPara xmlns:m="http://schemas.openxmlformats.org/officeDocument/2006/math">
-                              <m:oMathParaPr>
-                                <m:jc m:val="centerGroup"/>
-                              </m:oMathParaPr>
-                              <m:oMath xmlns:m="http://schemas.openxmlformats.org/officeDocument/2006/math">
-                                <m:r>
-                                  <a:rPr lang="en-GB" sz="2100" b="0" i="1" smtClean="0">
-                                    <a:solidFill>
-                                      <a:srgbClr val="FF0000"/>
-                                    </a:solidFill>
-                                    <a:latin typeface="Cambria Math" panose="02040503050406030204" pitchFamily="18" charset="0"/>
-                                  </a:rPr>
-                                  <m:t>…</m:t>
-                                </m:r>
-                              </m:oMath>
-                            </m:oMathPara>
-                          </a14:m>
-                          <a:endParaRPr lang="nl-NL" sz="2100" dirty="0">
-                            <a:solidFill>
-                              <a:srgbClr val="FF0000"/>
-                            </a:solidFill>
-                          </a:endParaRPr>
-                        </a:p>
-                      </a:txBody>
-                      <a:tcPr>
-                        <a:noFill/>
-                      </a:tcPr>
-                    </a:tc>
-                    <a:tc>
-                      <a:txBody>
-                        <a:bodyPr/>
-                        <a:lstStyle/>
-                        <a:p>
-                          <a:pPr algn="ctr"/>
-                          <a:r>
-                            <a:rPr lang="en-GB" sz="2100" dirty="0">
-                              <a:solidFill>
-                                <a:schemeClr val="tx1"/>
-                              </a:solidFill>
-                            </a:rPr>
-                            <a:t>…</a:t>
-                          </a:r>
-                          <a:endParaRPr lang="nl-NL" sz="2100" dirty="0">
-                            <a:solidFill>
-                              <a:schemeClr val="tx1"/>
-                            </a:solidFill>
-                          </a:endParaRPr>
-                        </a:p>
-                      </a:txBody>
-                      <a:tcPr>
-                        <a:noFill/>
-                      </a:tcPr>
-                    </a:tc>
-                    <a:tc>
-                      <a:txBody>
-                        <a:bodyPr/>
-                        <a:lstStyle/>
-                        <a:p>
-                          <a:pPr algn="ctr"/>
-                          <a:r>
-                            <a:rPr lang="en-GB" sz="2100" dirty="0">
-                              <a:solidFill>
-                                <a:schemeClr val="tx1"/>
-                              </a:solidFill>
-                            </a:rPr>
-                            <a:t>…</a:t>
-                          </a:r>
-                          <a:endParaRPr lang="nl-NL" sz="2100" dirty="0">
-                            <a:solidFill>
-                              <a:schemeClr val="tx1"/>
-                            </a:solidFill>
-                          </a:endParaRPr>
-                        </a:p>
-                      </a:txBody>
-                      <a:tcPr>
-                        <a:noFill/>
-                      </a:tcPr>
-                    </a:tc>
-                    <a:tc>
-                      <a:txBody>
-                        <a:bodyPr/>
-                        <a:lstStyle/>
-                        <a:p>
-                          <a:pPr algn="ctr"/>
-                          <a:r>
-                            <a:rPr lang="en-GB" sz="2100" dirty="0">
-                              <a:solidFill>
-                                <a:schemeClr val="tx1"/>
-                              </a:solidFill>
-                            </a:rPr>
-                            <a:t>…</a:t>
-                          </a:r>
-                          <a:endParaRPr lang="nl-NL" sz="2100" dirty="0">
-                            <a:solidFill>
-                              <a:schemeClr val="tx1"/>
-                            </a:solidFill>
-                          </a:endParaRPr>
-                        </a:p>
-                      </a:txBody>
-                      <a:tcPr>
-                        <a:noFill/>
-                      </a:tcPr>
-                    </a:tc>
-                    <a:tc>
-                      <a:txBody>
-                        <a:bodyPr/>
-                        <a:lstStyle/>
-                        <a:p>
-                          <a:pPr algn="ctr"/>
-                          <a:r>
-                            <a:rPr lang="en-GB" sz="2100" dirty="0"/>
-                            <a:t>4</a:t>
-                          </a:r>
-                          <a:endParaRPr lang="nl-NL" sz="2100" dirty="0"/>
-                        </a:p>
-                      </a:txBody>
-                      <a:tcPr>
-                        <a:noFill/>
-                      </a:tcPr>
-                    </a:tc>
-                    <a:extLst>
-                      <a:ext uri="{0D108BD9-81ED-4DB2-BD59-A6C34878D82A}">
-                        <a16:rowId xmlns:a16="http://schemas.microsoft.com/office/drawing/2014/main" val="1201809782"/>
-                      </a:ext>
-                    </a:extLst>
-                  </a:tr>
-                  <a:tr h="465540">
-                    <a:tc>
-                      <a:txBody>
-                        <a:bodyPr/>
-                        <a:lstStyle/>
-                        <a:p>
-                          <a:pPr/>
-                          <a14:m>
-                            <m:oMathPara xmlns:m="http://schemas.openxmlformats.org/officeDocument/2006/math">
-                              <m:oMathParaPr>
-                                <m:jc m:val="centerGroup"/>
-                              </m:oMathParaPr>
-                              <m:oMath xmlns:m="http://schemas.openxmlformats.org/officeDocument/2006/math">
-                                <m:r>
-                                  <a:rPr lang="en-GB" sz="2100" b="0" i="1" smtClean="0">
-                                    <a:latin typeface="Cambria Math" panose="02040503050406030204" pitchFamily="18" charset="0"/>
-                                  </a:rPr>
-                                  <m:t>𝑇</m:t>
-                                </m:r>
-                              </m:oMath>
-                            </m:oMathPara>
-                          </a14:m>
-                          <a:endParaRPr lang="nl-NL" sz="2100" dirty="0"/>
-                        </a:p>
-                      </a:txBody>
-                      <a:tcPr>
-                        <a:noFill/>
-                      </a:tcPr>
-                    </a:tc>
-                    <a:tc>
-                      <a:txBody>
-                        <a:bodyPr/>
-                        <a:lstStyle/>
-                        <a:p>
-                          <a:pPr/>
-                          <a14:m>
-                            <m:oMathPara xmlns:m="http://schemas.openxmlformats.org/officeDocument/2006/math">
-                              <m:oMathParaPr>
-                                <m:jc m:val="centerGroup"/>
-                              </m:oMathParaPr>
-                              <m:oMath xmlns:m="http://schemas.openxmlformats.org/officeDocument/2006/math">
-                                <m:r>
-                                  <a:rPr lang="en-GB" sz="2100" b="0" i="1" smtClean="0">
-                                    <a:latin typeface="Cambria Math" panose="02040503050406030204" pitchFamily="18" charset="0"/>
-                                  </a:rPr>
-                                  <m:t>2</m:t>
-                                </m:r>
-                              </m:oMath>
-                            </m:oMathPara>
-                          </a14:m>
-                          <a:endParaRPr lang="nl-NL" sz="2100" dirty="0"/>
-                        </a:p>
-                      </a:txBody>
-                      <a:tcPr>
-                        <a:noFill/>
-                      </a:tcPr>
-                    </a:tc>
-                    <a:tc>
-                      <a:txBody>
-                        <a:bodyPr/>
-                        <a:lstStyle/>
-                        <a:p>
-                          <a:pPr/>
-                          <a14:m>
-                            <m:oMathPara xmlns:m="http://schemas.openxmlformats.org/officeDocument/2006/math">
-                              <m:oMathParaPr>
-                                <m:jc m:val="centerGroup"/>
-                              </m:oMathParaPr>
-                              <m:oMath xmlns:m="http://schemas.openxmlformats.org/officeDocument/2006/math">
-                                <m:r>
-                                  <a:rPr lang="en-GB" sz="2000" b="0" i="1" smtClean="0">
-                                    <a:latin typeface="Cambria Math" panose="02040503050406030204" pitchFamily="18" charset="0"/>
-                                  </a:rPr>
-                                  <m:t>1</m:t>
-                                </m:r>
-                              </m:oMath>
-                            </m:oMathPara>
-                          </a14:m>
-                          <a:endParaRPr lang="nl-NL" sz="2000" dirty="0"/>
-                        </a:p>
-                      </a:txBody>
-                      <a:tcPr>
-                        <a:noFill/>
-                      </a:tcPr>
-                    </a:tc>
-                    <a:tc>
-                      <a:txBody>
-                        <a:bodyPr/>
-                        <a:lstStyle/>
-                        <a:p>
-                          <a:pPr/>
-                          <a14:m>
-                            <m:oMathPara xmlns:m="http://schemas.openxmlformats.org/officeDocument/2006/math">
-                              <m:oMathParaPr>
-                                <m:jc m:val="centerGroup"/>
-                              </m:oMathParaPr>
-                              <m:oMath xmlns:m="http://schemas.openxmlformats.org/officeDocument/2006/math">
-                                <m:r>
-                                  <a:rPr lang="en-GB" sz="2100" b="0" i="1" smtClean="0">
-                                    <a:latin typeface="Cambria Math" panose="02040503050406030204" pitchFamily="18" charset="0"/>
-                                  </a:rPr>
-                                  <m:t>𝑁𝐴</m:t>
-                                </m:r>
-                              </m:oMath>
-                            </m:oMathPara>
-                          </a14:m>
-                          <a:endParaRPr lang="nl-NL" sz="2100" dirty="0"/>
-                        </a:p>
-                      </a:txBody>
-                      <a:tcPr>
-                        <a:noFill/>
-                      </a:tcPr>
-                    </a:tc>
-                    <a:tc>
-                      <a:txBody>
-                        <a:bodyPr/>
-                        <a:lstStyle/>
-                        <a:p>
-                          <a:pPr/>
-                          <a14:m>
-                            <m:oMathPara xmlns:m="http://schemas.openxmlformats.org/officeDocument/2006/math">
-                              <m:oMathParaPr>
-                                <m:jc m:val="centerGroup"/>
-                              </m:oMathParaPr>
-                              <m:oMath xmlns:m="http://schemas.openxmlformats.org/officeDocument/2006/math">
-                                <m:r>
-                                  <a:rPr lang="en-GB" sz="2100" b="0" i="1" smtClean="0">
-                                    <a:solidFill>
-                                      <a:srgbClr val="FF0000"/>
-                                    </a:solidFill>
-                                    <a:latin typeface="Cambria Math" panose="02040503050406030204" pitchFamily="18" charset="0"/>
-                                  </a:rPr>
-                                  <m:t>2</m:t>
-                                </m:r>
-                              </m:oMath>
-                            </m:oMathPara>
-                          </a14:m>
-                          <a:endParaRPr lang="nl-NL" sz="2100" dirty="0">
-                            <a:solidFill>
-                              <a:srgbClr val="FF0000"/>
-                            </a:solidFill>
-                          </a:endParaRPr>
-                        </a:p>
-                      </a:txBody>
-                      <a:tcPr>
-                        <a:noFill/>
-                      </a:tcPr>
-                    </a:tc>
-                    <a:tc>
-                      <a:txBody>
-                        <a:bodyPr/>
-                        <a:lstStyle/>
-                        <a:p>
-                          <a:pPr algn="ctr"/>
-                          <a:r>
-                            <a:rPr lang="en-GB" sz="2100" dirty="0">
-                              <a:solidFill>
-                                <a:schemeClr val="tx1"/>
-                              </a:solidFill>
-                            </a:rPr>
-                            <a:t>3</a:t>
-                          </a:r>
-                          <a:endParaRPr lang="nl-NL" sz="2100" dirty="0">
-                            <a:solidFill>
-                              <a:schemeClr val="tx1"/>
-                            </a:solidFill>
-                          </a:endParaRPr>
-                        </a:p>
-                      </a:txBody>
-                      <a:tcPr>
-                        <a:noFill/>
-                      </a:tcPr>
-                    </a:tc>
-                    <a:tc>
-                      <a:txBody>
-                        <a:bodyPr/>
-                        <a:lstStyle/>
-                        <a:p>
-                          <a:pPr algn="ctr"/>
-                          <a:r>
-                            <a:rPr lang="en-GB" sz="2100" dirty="0">
-                              <a:solidFill>
-                                <a:schemeClr val="tx1"/>
-                              </a:solidFill>
-                            </a:rPr>
-                            <a:t>4</a:t>
-                          </a:r>
-                          <a:endParaRPr lang="nl-NL" sz="2100" dirty="0">
-                            <a:solidFill>
-                              <a:schemeClr val="tx1"/>
-                            </a:solidFill>
-                          </a:endParaRPr>
-                        </a:p>
-                      </a:txBody>
-                      <a:tcPr>
-                        <a:noFill/>
-                      </a:tcPr>
-                    </a:tc>
-                    <a:tc>
-                      <a:txBody>
-                        <a:bodyPr/>
-                        <a:lstStyle/>
-                        <a:p>
-                          <a:pPr algn="ctr"/>
-                          <a:r>
-                            <a:rPr lang="en-GB" sz="2100" dirty="0">
-                              <a:solidFill>
-                                <a:schemeClr val="tx1"/>
-                              </a:solidFill>
-                            </a:rPr>
-                            <a:t>…</a:t>
-                          </a:r>
-                          <a:endParaRPr lang="nl-NL" sz="2100" dirty="0">
-                            <a:solidFill>
-                              <a:schemeClr val="tx1"/>
-                            </a:solidFill>
-                          </a:endParaRPr>
-                        </a:p>
-                      </a:txBody>
-                      <a:tcPr>
-                        <a:noFill/>
-                      </a:tcPr>
-                    </a:tc>
-                    <a:tc>
-                      <a:txBody>
-                        <a:bodyPr/>
-                        <a:lstStyle/>
-                        <a:p>
-                          <a:pPr algn="ctr"/>
-                          <a:r>
-                            <a:rPr lang="en-GB" sz="2100" dirty="0"/>
-                            <a:t>6</a:t>
-                          </a:r>
-                          <a:endParaRPr lang="nl-NL" sz="2100" dirty="0"/>
-                        </a:p>
-                      </a:txBody>
-                      <a:tcPr>
-                        <a:noFill/>
-                      </a:tcPr>
-                    </a:tc>
-                    <a:extLst>
-                      <a:ext uri="{0D108BD9-81ED-4DB2-BD59-A6C34878D82A}">
-                        <a16:rowId xmlns:a16="http://schemas.microsoft.com/office/drawing/2014/main" val="3378232694"/>
-                      </a:ext>
-                    </a:extLst>
-                  </a:tr>
-                </a:tbl>
-              </a:graphicData>
-            </a:graphic>
-          </p:graphicFrame>
-        </mc:Choice>
-        <mc:Fallback xmlns="">
-          <p:graphicFrame>
-            <p:nvGraphicFramePr>
-              <p:cNvPr id="3" name="Table 6">
-                <a:extLst>
-                  <a:ext uri="{FF2B5EF4-FFF2-40B4-BE49-F238E27FC236}">
-                    <a16:creationId xmlns:a16="http://schemas.microsoft.com/office/drawing/2014/main" id="{7F5D5E0C-E332-687C-116D-5583F775151D}"/>
-                  </a:ext>
-                </a:extLst>
-              </p:cNvPr>
-              <p:cNvGraphicFramePr>
-                <a:graphicFrameLocks noGrp="1"/>
-              </p:cNvGraphicFramePr>
-              <p:nvPr/>
-            </p:nvGraphicFramePr>
-            <p:xfrm>
-              <a:off x="1833232" y="529063"/>
-              <a:ext cx="8123445" cy="5628601"/>
-            </p:xfrm>
-            <a:graphic>
-              <a:graphicData uri="http://schemas.openxmlformats.org/drawingml/2006/table">
-                <a:tbl>
-                  <a:tblPr firstRow="1" bandRow="1">
-                    <a:tableStyleId>{5C22544A-7EE6-4342-B048-85BDC9FD1C3A}</a:tableStyleId>
-                  </a:tblPr>
-                  <a:tblGrid>
-                    <a:gridCol w="902605">
-                      <a:extLst>
-                        <a:ext uri="{9D8B030D-6E8A-4147-A177-3AD203B41FA5}">
-                          <a16:colId xmlns:a16="http://schemas.microsoft.com/office/drawing/2014/main" val="1284712509"/>
-                        </a:ext>
-                      </a:extLst>
-                    </a:gridCol>
-                    <a:gridCol w="902605">
-                      <a:extLst>
-                        <a:ext uri="{9D8B030D-6E8A-4147-A177-3AD203B41FA5}">
-                          <a16:colId xmlns:a16="http://schemas.microsoft.com/office/drawing/2014/main" val="3384408917"/>
-                        </a:ext>
-                      </a:extLst>
-                    </a:gridCol>
-                    <a:gridCol w="902605">
-                      <a:extLst>
-                        <a:ext uri="{9D8B030D-6E8A-4147-A177-3AD203B41FA5}">
-                          <a16:colId xmlns:a16="http://schemas.microsoft.com/office/drawing/2014/main" val="3475929590"/>
-                        </a:ext>
-                      </a:extLst>
-                    </a:gridCol>
-                    <a:gridCol w="902605">
-                      <a:extLst>
-                        <a:ext uri="{9D8B030D-6E8A-4147-A177-3AD203B41FA5}">
-                          <a16:colId xmlns:a16="http://schemas.microsoft.com/office/drawing/2014/main" val="2809065463"/>
-                        </a:ext>
-                      </a:extLst>
-                    </a:gridCol>
-                    <a:gridCol w="902605">
-                      <a:extLst>
-                        <a:ext uri="{9D8B030D-6E8A-4147-A177-3AD203B41FA5}">
-                          <a16:colId xmlns:a16="http://schemas.microsoft.com/office/drawing/2014/main" val="3102601274"/>
-                        </a:ext>
-                      </a:extLst>
-                    </a:gridCol>
-                    <a:gridCol w="902605">
-                      <a:extLst>
-                        <a:ext uri="{9D8B030D-6E8A-4147-A177-3AD203B41FA5}">
-                          <a16:colId xmlns:a16="http://schemas.microsoft.com/office/drawing/2014/main" val="1858631198"/>
-                        </a:ext>
-                      </a:extLst>
-                    </a:gridCol>
-                    <a:gridCol w="902605">
-                      <a:extLst>
-                        <a:ext uri="{9D8B030D-6E8A-4147-A177-3AD203B41FA5}">
-                          <a16:colId xmlns:a16="http://schemas.microsoft.com/office/drawing/2014/main" val="587508660"/>
-                        </a:ext>
-                      </a:extLst>
-                    </a:gridCol>
-                    <a:gridCol w="902605">
-                      <a:extLst>
-                        <a:ext uri="{9D8B030D-6E8A-4147-A177-3AD203B41FA5}">
-                          <a16:colId xmlns:a16="http://schemas.microsoft.com/office/drawing/2014/main" val="805818918"/>
-                        </a:ext>
-                      </a:extLst>
-                    </a:gridCol>
-                    <a:gridCol w="902605">
-                      <a:extLst>
-                        <a:ext uri="{9D8B030D-6E8A-4147-A177-3AD203B41FA5}">
-                          <a16:colId xmlns:a16="http://schemas.microsoft.com/office/drawing/2014/main" val="1909512876"/>
-                        </a:ext>
-                      </a:extLst>
-                    </a:gridCol>
-                  </a:tblGrid>
-                  <a:tr h="381000">
-                    <a:tc>
-                      <a:txBody>
-                        <a:bodyPr/>
-                        <a:lstStyle/>
-                        <a:p>
-                          <a:endParaRPr lang="nl-NL" sz="1900" dirty="0"/>
-                        </a:p>
-                      </a:txBody>
-                      <a:tcPr>
-                        <a:lnL w="12701" cap="flat" cmpd="sng" algn="ctr">
-                          <a:noFill/>
-                          <a:prstDash val="solid"/>
-                          <a:round/>
-                          <a:headEnd type="none" w="med" len="med"/>
-                          <a:tailEnd type="none" w="med" len="med"/>
-                        </a:lnL>
-                        <a:lnR w="12700" cmpd="sng">
-                          <a:noFill/>
-                          <a:prstDash val="solid"/>
-                        </a:lnR>
-                        <a:lnT w="12701" cap="flat" cmpd="sng" algn="ctr">
-                          <a:noFill/>
-                          <a:prstDash val="solid"/>
-                          <a:round/>
-                          <a:headEnd type="none" w="med" len="med"/>
-                          <a:tailEnd type="none" w="med" len="med"/>
-                        </a:lnT>
-                        <a:lnB w="38103" cap="flat" cmpd="sng" algn="ctr">
-                          <a:noFill/>
-                          <a:prstDash val="solid"/>
-                          <a:round/>
-                          <a:headEnd type="none" w="med" len="med"/>
-                          <a:tailEnd type="none" w="med" len="med"/>
-                        </a:lnB>
-                        <a:lnTlToBr w="12700" cmpd="sng">
-                          <a:noFill/>
-                          <a:prstDash val="solid"/>
-                        </a:lnTlToBr>
-                        <a:lnBlToTr w="12700" cmpd="sng">
-                          <a:noFill/>
-                          <a:prstDash val="solid"/>
-                        </a:lnBlToTr>
-                        <a:noFill/>
-                      </a:tcPr>
-                    </a:tc>
-                    <a:tc>
-                      <a:txBody>
-                        <a:bodyPr/>
-                        <a:lstStyle/>
-                        <a:p>
-                          <a:endParaRPr lang="nl-NL" sz="1900" dirty="0"/>
-                        </a:p>
-                      </a:txBody>
-                      <a:tcPr>
-                        <a:lnL w="12700" cmpd="sng">
-                          <a:noFill/>
-                          <a:prstDash val="solid"/>
-                        </a:lnL>
-                        <a:lnR w="12700" cmpd="sng">
-                          <a:noFill/>
-                          <a:prstDash val="solid"/>
-                        </a:lnR>
-                        <a:lnT w="12701" cap="flat" cmpd="sng" algn="ctr">
-                          <a:noFill/>
-                          <a:prstDash val="solid"/>
-                          <a:round/>
-                          <a:headEnd type="none" w="med" len="med"/>
-                          <a:tailEnd type="none" w="med" len="med"/>
-                        </a:lnT>
-                        <a:lnB w="38103" cap="flat" cmpd="sng" algn="ctr">
-                          <a:noFill/>
-                          <a:prstDash val="solid"/>
-                          <a:round/>
-                          <a:headEnd type="none" w="med" len="med"/>
-                          <a:tailEnd type="none" w="med" len="med"/>
-                        </a:lnB>
-                        <a:lnTlToBr w="12700" cmpd="sng">
-                          <a:noFill/>
-                          <a:prstDash val="solid"/>
-                        </a:lnTlToBr>
-                        <a:lnBlToTr w="12700" cmpd="sng">
-                          <a:noFill/>
-                          <a:prstDash val="solid"/>
-                        </a:lnBlToTr>
-                        <a:noFill/>
-                      </a:tcPr>
-                    </a:tc>
-                    <a:tc>
-                      <a:txBody>
-                        <a:bodyPr/>
-                        <a:lstStyle/>
-                        <a:p>
-                          <a:endParaRPr lang="nl-NL" sz="1900" dirty="0"/>
-                        </a:p>
-                      </a:txBody>
-                      <a:tcPr>
-                        <a:lnL w="12700" cmpd="sng">
-                          <a:noFill/>
-                          <a:prstDash val="solid"/>
-                        </a:lnL>
-                        <a:lnR w="12700" cmpd="sng">
-                          <a:noFill/>
-                          <a:prstDash val="solid"/>
-                        </a:lnR>
-                        <a:lnT w="12701" cap="flat" cmpd="sng" algn="ctr">
-                          <a:noFill/>
-                          <a:prstDash val="solid"/>
-                          <a:round/>
-                          <a:headEnd type="none" w="med" len="med"/>
-                          <a:tailEnd type="none" w="med" len="med"/>
-                        </a:lnT>
-                        <a:lnB w="38103" cap="flat" cmpd="sng" algn="ctr">
-                          <a:noFill/>
-                          <a:prstDash val="solid"/>
-                          <a:round/>
-                          <a:headEnd type="none" w="med" len="med"/>
-                          <a:tailEnd type="none" w="med" len="med"/>
-                        </a:lnB>
-                        <a:lnTlToBr w="12700" cmpd="sng">
-                          <a:noFill/>
-                          <a:prstDash val="solid"/>
-                        </a:lnTlToBr>
-                        <a:lnBlToTr w="12700" cmpd="sng">
-                          <a:noFill/>
-                          <a:prstDash val="solid"/>
-                        </a:lnBlToTr>
-                        <a:noFill/>
-                      </a:tcPr>
-                    </a:tc>
-                    <a:tc>
-                      <a:txBody>
-                        <a:bodyPr/>
-                        <a:lstStyle/>
-                        <a:p>
-                          <a:endParaRPr lang="nl-NL" sz="1900" dirty="0"/>
-                        </a:p>
-                      </a:txBody>
-                      <a:tcPr>
-                        <a:lnL w="12700" cmpd="sng">
-                          <a:noFill/>
-                          <a:prstDash val="solid"/>
-                        </a:lnL>
-                        <a:lnR w="12701" cap="flat" cmpd="sng" algn="ctr">
-                          <a:noFill/>
-                          <a:prstDash val="solid"/>
-                          <a:round/>
-                          <a:headEnd type="none" w="med" len="med"/>
-                          <a:tailEnd type="none" w="med" len="med"/>
-                        </a:lnR>
-                        <a:lnT w="12701" cap="flat" cmpd="sng" algn="ctr">
-                          <a:noFill/>
-                          <a:prstDash val="solid"/>
-                          <a:round/>
-                          <a:headEnd type="none" w="med" len="med"/>
-                          <a:tailEnd type="none" w="med" len="med"/>
-                        </a:lnT>
-                        <a:lnB w="38103" cap="flat" cmpd="sng" algn="ctr">
-                          <a:noFill/>
-                          <a:prstDash val="solid"/>
-                          <a:round/>
-                          <a:headEnd type="none" w="med" len="med"/>
-                          <a:tailEnd type="none" w="med" len="med"/>
-                        </a:lnB>
-                        <a:lnTlToBr w="12700" cmpd="sng">
-                          <a:noFill/>
-                          <a:prstDash val="solid"/>
-                        </a:lnTlToBr>
-                        <a:lnBlToTr w="12700" cmpd="sng">
-                          <a:noFill/>
-                          <a:prstDash val="solid"/>
-                        </a:lnBlToTr>
-                        <a:noFill/>
-                      </a:tcPr>
-                    </a:tc>
-                    <a:tc>
-                      <a:txBody>
-                        <a:bodyPr/>
-                        <a:lstStyle/>
-                        <a:p>
-                          <a:endParaRPr lang="nl-NL" sz="1900" dirty="0"/>
-                        </a:p>
-                      </a:txBody>
-                      <a:tcPr>
-                        <a:lnL w="12700" cmpd="sng">
-                          <a:noFill/>
-                          <a:prstDash val="solid"/>
-                        </a:lnL>
-                        <a:lnR w="12701" cap="flat" cmpd="sng" algn="ctr">
-                          <a:noFill/>
-                          <a:prstDash val="solid"/>
-                          <a:round/>
-                          <a:headEnd type="none" w="med" len="med"/>
-                          <a:tailEnd type="none" w="med" len="med"/>
-                        </a:lnR>
-                        <a:lnT w="12701" cap="flat" cmpd="sng" algn="ctr">
-                          <a:noFill/>
-                          <a:prstDash val="solid"/>
-                          <a:round/>
-                          <a:headEnd type="none" w="med" len="med"/>
-                          <a:tailEnd type="none" w="med" len="med"/>
-                        </a:lnT>
-                        <a:lnB w="38103" cap="flat" cmpd="sng" algn="ctr">
-                          <a:noFill/>
-                          <a:prstDash val="solid"/>
-                          <a:round/>
-                          <a:headEnd type="none" w="med" len="med"/>
-                          <a:tailEnd type="none" w="med" len="med"/>
-                        </a:lnB>
-                        <a:lnTlToBr w="12700" cmpd="sng">
-                          <a:noFill/>
-                          <a:prstDash val="solid"/>
-                        </a:lnTlToBr>
-                        <a:lnBlToTr w="12700" cmpd="sng">
-                          <a:noFill/>
-                          <a:prstDash val="solid"/>
-                        </a:lnBlToTr>
-                        <a:noFill/>
-                      </a:tcPr>
-                    </a:tc>
-                    <a:tc>
-                      <a:txBody>
-                        <a:bodyPr/>
-                        <a:lstStyle/>
-                        <a:p>
-                          <a:endParaRPr lang="nl-NL" sz="1900" dirty="0"/>
-                        </a:p>
-                      </a:txBody>
-                      <a:tcPr>
-                        <a:lnL w="12700" cmpd="sng">
-                          <a:noFill/>
-                          <a:prstDash val="solid"/>
-                        </a:lnL>
-                        <a:lnR w="12701" cap="flat" cmpd="sng" algn="ctr">
-                          <a:noFill/>
-                          <a:prstDash val="solid"/>
-                          <a:round/>
-                          <a:headEnd type="none" w="med" len="med"/>
-                          <a:tailEnd type="none" w="med" len="med"/>
-                        </a:lnR>
-                        <a:lnT w="12701" cap="flat" cmpd="sng" algn="ctr">
-                          <a:noFill/>
-                          <a:prstDash val="solid"/>
-                          <a:round/>
-                          <a:headEnd type="none" w="med" len="med"/>
-                          <a:tailEnd type="none" w="med" len="med"/>
-                        </a:lnT>
-                        <a:lnB w="38103" cap="flat" cmpd="sng" algn="ctr">
-                          <a:noFill/>
-                          <a:prstDash val="solid"/>
-                          <a:round/>
-                          <a:headEnd type="none" w="med" len="med"/>
-                          <a:tailEnd type="none" w="med" len="med"/>
-                        </a:lnB>
-                        <a:lnTlToBr w="12700" cmpd="sng">
-                          <a:noFill/>
-                          <a:prstDash val="solid"/>
-                        </a:lnTlToBr>
-                        <a:lnBlToTr w="12700" cmpd="sng">
-                          <a:noFill/>
-                          <a:prstDash val="solid"/>
-                        </a:lnBlToTr>
-                        <a:noFill/>
-                      </a:tcPr>
-                    </a:tc>
-                    <a:tc>
-                      <a:txBody>
-                        <a:bodyPr/>
-                        <a:lstStyle/>
-                        <a:p>
-                          <a:endParaRPr lang="nl-NL" sz="1900" dirty="0"/>
-                        </a:p>
-                      </a:txBody>
-                      <a:tcPr>
-                        <a:lnL w="12700" cmpd="sng">
-                          <a:noFill/>
-                          <a:prstDash val="solid"/>
-                        </a:lnL>
-                        <a:lnR w="12701" cap="flat" cmpd="sng" algn="ctr">
-                          <a:noFill/>
-                          <a:prstDash val="solid"/>
-                          <a:round/>
-                          <a:headEnd type="none" w="med" len="med"/>
-                          <a:tailEnd type="none" w="med" len="med"/>
-                        </a:lnR>
-                        <a:lnT w="12701" cap="flat" cmpd="sng" algn="ctr">
-                          <a:noFill/>
-                          <a:prstDash val="solid"/>
-                          <a:round/>
-                          <a:headEnd type="none" w="med" len="med"/>
-                          <a:tailEnd type="none" w="med" len="med"/>
-                        </a:lnT>
-                        <a:lnB w="38103" cap="flat" cmpd="sng" algn="ctr">
-                          <a:noFill/>
-                          <a:prstDash val="solid"/>
-                          <a:round/>
-                          <a:headEnd type="none" w="med" len="med"/>
-                          <a:tailEnd type="none" w="med" len="med"/>
-                        </a:lnB>
-                        <a:lnTlToBr w="12700" cmpd="sng">
-                          <a:noFill/>
-                          <a:prstDash val="solid"/>
-                        </a:lnTlToBr>
-                        <a:lnBlToTr w="12700" cmpd="sng">
-                          <a:noFill/>
-                          <a:prstDash val="solid"/>
-                        </a:lnBlToTr>
-                        <a:noFill/>
-                      </a:tcPr>
-                    </a:tc>
-                    <a:tc>
-                      <a:txBody>
-                        <a:bodyPr/>
-                        <a:lstStyle/>
-                        <a:p>
-                          <a:endParaRPr lang="nl-NL" sz="1900" dirty="0"/>
-                        </a:p>
-                      </a:txBody>
-                      <a:tcPr>
-                        <a:lnL w="12700" cmpd="sng">
-                          <a:noFill/>
-                          <a:prstDash val="solid"/>
-                        </a:lnL>
-                        <a:lnR w="12701" cap="flat" cmpd="sng" algn="ctr">
-                          <a:noFill/>
-                          <a:prstDash val="solid"/>
-                          <a:round/>
-                          <a:headEnd type="none" w="med" len="med"/>
-                          <a:tailEnd type="none" w="med" len="med"/>
-                        </a:lnR>
-                        <a:lnT w="12701" cap="flat" cmpd="sng" algn="ctr">
-                          <a:noFill/>
-                          <a:prstDash val="solid"/>
-                          <a:round/>
-                          <a:headEnd type="none" w="med" len="med"/>
-                          <a:tailEnd type="none" w="med" len="med"/>
-                        </a:lnT>
-                        <a:lnB w="38103" cap="flat" cmpd="sng" algn="ctr">
-                          <a:noFill/>
-                          <a:prstDash val="solid"/>
-                          <a:round/>
-                          <a:headEnd type="none" w="med" len="med"/>
-                          <a:tailEnd type="none" w="med" len="med"/>
-                        </a:lnB>
-                        <a:lnTlToBr w="12700" cmpd="sng">
-                          <a:noFill/>
-                          <a:prstDash val="solid"/>
-                        </a:lnTlToBr>
-                        <a:lnBlToTr w="12700" cmpd="sng">
-                          <a:noFill/>
-                          <a:prstDash val="solid"/>
-                        </a:lnBlToTr>
-                        <a:noFill/>
-                      </a:tcPr>
-                    </a:tc>
-                    <a:tc>
-                      <a:txBody>
-                        <a:bodyPr/>
-                        <a:lstStyle/>
-                        <a:p>
-                          <a:endParaRPr lang="nl-NL" sz="1900" dirty="0"/>
-                        </a:p>
-                      </a:txBody>
-                      <a:tcPr>
-                        <a:lnL w="12700" cmpd="sng">
-                          <a:noFill/>
-                          <a:prstDash val="solid"/>
-                        </a:lnL>
-                        <a:lnR w="12701" cap="flat" cmpd="sng" algn="ctr">
-                          <a:noFill/>
-                          <a:prstDash val="solid"/>
-                          <a:round/>
-                          <a:headEnd type="none" w="med" len="med"/>
-                          <a:tailEnd type="none" w="med" len="med"/>
-                        </a:lnR>
-                        <a:lnT w="12701" cap="flat" cmpd="sng" algn="ctr">
-                          <a:noFill/>
-                          <a:prstDash val="solid"/>
-                          <a:round/>
-                          <a:headEnd type="none" w="med" len="med"/>
-                          <a:tailEnd type="none" w="med" len="med"/>
-                        </a:lnT>
-                        <a:lnB w="38103" cap="flat" cmpd="sng" algn="ctr">
-                          <a:noFill/>
-                          <a:prstDash val="solid"/>
-                          <a:round/>
-                          <a:headEnd type="none" w="med" len="med"/>
-                          <a:tailEnd type="none" w="med" len="med"/>
-                        </a:lnB>
-                        <a:lnTlToBr w="12700" cmpd="sng">
-                          <a:noFill/>
-                          <a:prstDash val="solid"/>
-                        </a:lnTlToBr>
-                        <a:lnBlToTr w="12700" cmpd="sng">
-                          <a:noFill/>
-                          <a:prstDash val="solid"/>
-                        </a:lnBlToTr>
-                        <a:noFill/>
-                      </a:tcPr>
-                    </a:tc>
-                    <a:extLst>
-                      <a:ext uri="{0D108BD9-81ED-4DB2-BD59-A6C34878D82A}">
-                        <a16:rowId xmlns:a16="http://schemas.microsoft.com/office/drawing/2014/main" val="4043508505"/>
-                      </a:ext>
-                    </a:extLst>
-                  </a:tr>
-                  <a:tr h="592201">
-                    <a:tc>
-                      <a:txBody>
-                        <a:bodyPr/>
-                        <a:lstStyle/>
-                        <a:p>
-                          <a:endParaRPr lang="nl-NL"/>
-                        </a:p>
-                      </a:txBody>
-                      <a:tcPr>
-                        <a:lnT w="38103" cap="flat" cmpd="sng" algn="ctr">
-                          <a:noFill/>
-                          <a:prstDash val="solid"/>
-                          <a:round/>
-                          <a:headEnd type="none" w="med" len="med"/>
-                          <a:tailEnd type="none" w="med" len="med"/>
-                        </a:lnT>
-                        <a:blipFill>
-                          <a:blip r:embed="rId2"/>
-                          <a:stretch>
-                            <a:fillRect l="-676" t="-64948" r="-802703" b="-798969"/>
-                          </a:stretch>
-                        </a:blipFill>
-                      </a:tcPr>
-                    </a:tc>
-                    <a:tc>
-                      <a:txBody>
-                        <a:bodyPr/>
-                        <a:lstStyle/>
-                        <a:p>
-                          <a:endParaRPr lang="nl-NL"/>
-                        </a:p>
-                      </a:txBody>
-                      <a:tcPr>
-                        <a:lnT w="38103" cap="flat" cmpd="sng" algn="ctr">
-                          <a:noFill/>
-                          <a:prstDash val="solid"/>
-                          <a:round/>
-                          <a:headEnd type="none" w="med" len="med"/>
-                          <a:tailEnd type="none" w="med" len="med"/>
-                        </a:lnT>
-                        <a:blipFill>
-                          <a:blip r:embed="rId2"/>
-                          <a:stretch>
-                            <a:fillRect l="-100676" t="-64948" r="-702703" b="-798969"/>
-                          </a:stretch>
-                        </a:blipFill>
-                      </a:tcPr>
-                    </a:tc>
-                    <a:tc>
-                      <a:txBody>
-                        <a:bodyPr/>
-                        <a:lstStyle/>
-                        <a:p>
-                          <a:endParaRPr lang="nl-NL"/>
-                        </a:p>
-                      </a:txBody>
-                      <a:tcPr>
-                        <a:lnT w="38103" cap="flat" cmpd="sng" algn="ctr">
-                          <a:noFill/>
-                          <a:prstDash val="solid"/>
-                          <a:round/>
-                          <a:headEnd type="none" w="med" len="med"/>
-                          <a:tailEnd type="none" w="med" len="med"/>
-                        </a:lnT>
-                        <a:blipFill>
-                          <a:blip r:embed="rId2"/>
-                          <a:stretch>
-                            <a:fillRect l="-199329" t="-64948" r="-597987" b="-798969"/>
-                          </a:stretch>
-                        </a:blipFill>
-                      </a:tcPr>
-                    </a:tc>
-                    <a:tc>
-                      <a:txBody>
-                        <a:bodyPr/>
-                        <a:lstStyle/>
-                        <a:p>
-                          <a:endParaRPr lang="nl-NL"/>
-                        </a:p>
-                      </a:txBody>
-                      <a:tcPr>
-                        <a:lnT w="38103" cap="flat" cmpd="sng" algn="ctr">
-                          <a:noFill/>
-                          <a:prstDash val="solid"/>
-                          <a:round/>
-                          <a:headEnd type="none" w="med" len="med"/>
-                          <a:tailEnd type="none" w="med" len="med"/>
-                        </a:lnT>
-                        <a:blipFill>
-                          <a:blip r:embed="rId2"/>
-                          <a:stretch>
-                            <a:fillRect l="-301351" t="-64948" r="-502027" b="-798969"/>
-                          </a:stretch>
-                        </a:blipFill>
-                      </a:tcPr>
-                    </a:tc>
-                    <a:tc>
-                      <a:txBody>
-                        <a:bodyPr/>
-                        <a:lstStyle/>
-                        <a:p>
-                          <a:endParaRPr lang="nl-NL"/>
-                        </a:p>
-                      </a:txBody>
-                      <a:tcPr>
-                        <a:lnT w="38103" cap="flat" cmpd="sng" algn="ctr">
-                          <a:noFill/>
-                          <a:prstDash val="solid"/>
-                          <a:round/>
-                          <a:headEnd type="none" w="med" len="med"/>
-                          <a:tailEnd type="none" w="med" len="med"/>
-                        </a:lnT>
-                        <a:blipFill>
-                          <a:blip r:embed="rId2"/>
-                          <a:stretch>
-                            <a:fillRect l="-401351" t="-64948" r="-402027" b="-798969"/>
-                          </a:stretch>
-                        </a:blipFill>
-                      </a:tcPr>
-                    </a:tc>
-                    <a:tc>
-                      <a:txBody>
-                        <a:bodyPr/>
-                        <a:lstStyle/>
-                        <a:p>
-                          <a:endParaRPr lang="nl-NL"/>
-                        </a:p>
-                      </a:txBody>
-                      <a:tcPr>
-                        <a:lnT w="38103" cap="flat" cmpd="sng" algn="ctr">
-                          <a:noFill/>
-                          <a:prstDash val="solid"/>
-                          <a:round/>
-                          <a:headEnd type="none" w="med" len="med"/>
-                          <a:tailEnd type="none" w="med" len="med"/>
-                        </a:lnT>
-                        <a:blipFill>
-                          <a:blip r:embed="rId2"/>
-                          <a:stretch>
-                            <a:fillRect l="-501351" t="-64948" r="-302027" b="-798969"/>
-                          </a:stretch>
-                        </a:blipFill>
-                      </a:tcPr>
-                    </a:tc>
-                    <a:tc>
-                      <a:txBody>
-                        <a:bodyPr/>
-                        <a:lstStyle/>
-                        <a:p>
-                          <a:endParaRPr lang="nl-NL"/>
-                        </a:p>
-                      </a:txBody>
-                      <a:tcPr>
-                        <a:lnT w="38103" cap="flat" cmpd="sng" algn="ctr">
-                          <a:noFill/>
-                          <a:prstDash val="solid"/>
-                          <a:round/>
-                          <a:headEnd type="none" w="med" len="med"/>
-                          <a:tailEnd type="none" w="med" len="med"/>
-                        </a:lnT>
-                        <a:blipFill>
-                          <a:blip r:embed="rId2"/>
-                          <a:stretch>
-                            <a:fillRect l="-597315" t="-64948" r="-200000" b="-798969"/>
-                          </a:stretch>
-                        </a:blipFill>
-                      </a:tcPr>
-                    </a:tc>
-                    <a:tc>
-                      <a:txBody>
-                        <a:bodyPr/>
-                        <a:lstStyle/>
-                        <a:p>
-                          <a:pPr algn="ctr"/>
-                          <a:r>
-                            <a:rPr lang="en-GB" sz="2800" dirty="0"/>
-                            <a:t>…</a:t>
-                          </a:r>
-                          <a:endParaRPr lang="nl-NL" sz="2800" dirty="0"/>
-                        </a:p>
-                      </a:txBody>
-                      <a:tcPr>
-                        <a:lnT w="38103" cap="flat" cmpd="sng" algn="ctr">
-                          <a:noFill/>
-                          <a:prstDash val="solid"/>
-                          <a:round/>
-                          <a:headEnd type="none" w="med" len="med"/>
-                          <a:tailEnd type="none" w="med" len="med"/>
-                        </a:lnT>
-                        <a:noFill/>
-                      </a:tcPr>
-                    </a:tc>
-                    <a:tc>
-                      <a:txBody>
-                        <a:bodyPr/>
-                        <a:lstStyle/>
-                        <a:p>
-                          <a:endParaRPr lang="nl-NL"/>
-                        </a:p>
-                      </a:txBody>
-                      <a:tcPr>
-                        <a:lnT w="38103" cap="flat" cmpd="sng" algn="ctr">
-                          <a:noFill/>
-                          <a:prstDash val="solid"/>
-                          <a:round/>
-                          <a:headEnd type="none" w="med" len="med"/>
-                          <a:tailEnd type="none" w="med" len="med"/>
-                        </a:lnT>
-                        <a:blipFill>
-                          <a:blip r:embed="rId2"/>
-                          <a:stretch>
-                            <a:fillRect l="-802027" t="-64948" r="-1351" b="-798969"/>
-                          </a:stretch>
-                        </a:blipFill>
-                      </a:tcPr>
-                    </a:tc>
-                    <a:extLst>
-                      <a:ext uri="{0D108BD9-81ED-4DB2-BD59-A6C34878D82A}">
-                        <a16:rowId xmlns:a16="http://schemas.microsoft.com/office/drawing/2014/main" val="1687714552"/>
-                      </a:ext>
-                    </a:extLst>
-                  </a:tr>
-                  <a:tr h="465540">
-                    <a:tc>
-                      <a:txBody>
-                        <a:bodyPr/>
-                        <a:lstStyle/>
-                        <a:p>
-                          <a:endParaRPr lang="nl-NL"/>
-                        </a:p>
-                      </a:txBody>
-                      <a:tcPr>
-                        <a:blipFill>
-                          <a:blip r:embed="rId2"/>
-                          <a:stretch>
-                            <a:fillRect l="-676" t="-210526" r="-802703" b="-919737"/>
-                          </a:stretch>
-                        </a:blipFill>
-                      </a:tcPr>
-                    </a:tc>
-                    <a:tc>
-                      <a:txBody>
-                        <a:bodyPr/>
-                        <a:lstStyle/>
-                        <a:p>
-                          <a:endParaRPr lang="nl-NL"/>
-                        </a:p>
-                      </a:txBody>
-                      <a:tcPr>
-                        <a:blipFill>
-                          <a:blip r:embed="rId2"/>
-                          <a:stretch>
-                            <a:fillRect l="-100676" t="-210526" r="-702703" b="-919737"/>
-                          </a:stretch>
-                        </a:blipFill>
-                      </a:tcPr>
-                    </a:tc>
-                    <a:tc>
-                      <a:txBody>
-                        <a:bodyPr/>
-                        <a:lstStyle/>
-                        <a:p>
-                          <a:endParaRPr lang="nl-NL"/>
-                        </a:p>
-                      </a:txBody>
-                      <a:tcPr>
-                        <a:blipFill>
-                          <a:blip r:embed="rId2"/>
-                          <a:stretch>
-                            <a:fillRect l="-199329" t="-210526" r="-597987" b="-919737"/>
-                          </a:stretch>
-                        </a:blipFill>
-                      </a:tcPr>
-                    </a:tc>
-                    <a:tc>
-                      <a:txBody>
-                        <a:bodyPr/>
-                        <a:lstStyle/>
-                        <a:p>
-                          <a:endParaRPr lang="nl-NL"/>
-                        </a:p>
-                      </a:txBody>
-                      <a:tcPr>
-                        <a:blipFill>
-                          <a:blip r:embed="rId2"/>
-                          <a:stretch>
-                            <a:fillRect l="-301351" t="-210526" r="-502027" b="-919737"/>
-                          </a:stretch>
-                        </a:blipFill>
-                      </a:tcPr>
-                    </a:tc>
-                    <a:tc>
-                      <a:txBody>
-                        <a:bodyPr/>
-                        <a:lstStyle/>
-                        <a:p>
-                          <a:endParaRPr lang="nl-NL"/>
-                        </a:p>
-                      </a:txBody>
-                      <a:tcPr>
-                        <a:blipFill>
-                          <a:blip r:embed="rId2"/>
-                          <a:stretch>
-                            <a:fillRect l="-401351" t="-210526" r="-402027" b="-919737"/>
-                          </a:stretch>
-                        </a:blipFill>
-                      </a:tcPr>
-                    </a:tc>
-                    <a:tc>
-                      <a:txBody>
-                        <a:bodyPr/>
-                        <a:lstStyle/>
-                        <a:p>
-                          <a:pPr algn="ctr"/>
-                          <a:r>
-                            <a:rPr lang="en-GB" sz="2100" dirty="0"/>
-                            <a:t>2</a:t>
-                          </a:r>
-                          <a:endParaRPr lang="nl-NL" sz="2100" dirty="0"/>
-                        </a:p>
-                      </a:txBody>
-                      <a:tcPr>
-                        <a:noFill/>
-                      </a:tcPr>
-                    </a:tc>
-                    <a:tc>
-                      <a:txBody>
-                        <a:bodyPr/>
-                        <a:lstStyle/>
-                        <a:p>
-                          <a:pPr algn="ctr"/>
-                          <a:r>
-                            <a:rPr lang="en-GB" sz="2100" dirty="0"/>
-                            <a:t>9</a:t>
-                          </a:r>
-                          <a:endParaRPr lang="nl-NL" sz="2100" dirty="0"/>
-                        </a:p>
-                      </a:txBody>
-                      <a:tcPr>
-                        <a:noFill/>
-                      </a:tcPr>
-                    </a:tc>
-                    <a:tc>
-                      <a:txBody>
-                        <a:bodyPr/>
-                        <a:lstStyle/>
-                        <a:p>
-                          <a:pPr algn="ctr"/>
-                          <a:r>
-                            <a:rPr lang="en-GB" sz="2100" dirty="0"/>
-                            <a:t>…</a:t>
-                          </a:r>
-                          <a:endParaRPr lang="nl-NL" sz="2100" dirty="0"/>
-                        </a:p>
-                      </a:txBody>
-                      <a:tcPr>
-                        <a:noFill/>
-                      </a:tcPr>
-                    </a:tc>
-                    <a:tc>
-                      <a:txBody>
-                        <a:bodyPr/>
-                        <a:lstStyle/>
-                        <a:p>
-                          <a:pPr algn="ctr"/>
-                          <a:r>
-                            <a:rPr lang="en-GB" sz="2100" dirty="0"/>
-                            <a:t>6</a:t>
-                          </a:r>
-                          <a:endParaRPr lang="nl-NL" sz="2100" dirty="0"/>
-                        </a:p>
-                      </a:txBody>
-                      <a:tcPr>
-                        <a:noFill/>
-                      </a:tcPr>
-                    </a:tc>
-                    <a:extLst>
-                      <a:ext uri="{0D108BD9-81ED-4DB2-BD59-A6C34878D82A}">
-                        <a16:rowId xmlns:a16="http://schemas.microsoft.com/office/drawing/2014/main" val="390264655"/>
-                      </a:ext>
-                    </a:extLst>
-                  </a:tr>
-                  <a:tr h="465540">
-                    <a:tc>
-                      <a:txBody>
-                        <a:bodyPr/>
-                        <a:lstStyle/>
-                        <a:p>
-                          <a:endParaRPr lang="nl-NL"/>
-                        </a:p>
-                      </a:txBody>
-                      <a:tcPr>
-                        <a:blipFill>
-                          <a:blip r:embed="rId2"/>
-                          <a:stretch>
-                            <a:fillRect l="-676" t="-306494" r="-802703" b="-807792"/>
-                          </a:stretch>
-                        </a:blipFill>
-                      </a:tcPr>
-                    </a:tc>
-                    <a:tc>
-                      <a:txBody>
-                        <a:bodyPr/>
-                        <a:lstStyle/>
-                        <a:p>
-                          <a:endParaRPr lang="nl-NL"/>
-                        </a:p>
-                      </a:txBody>
-                      <a:tcPr>
-                        <a:blipFill>
-                          <a:blip r:embed="rId2"/>
-                          <a:stretch>
-                            <a:fillRect l="-100676" t="-306494" r="-702703" b="-807792"/>
-                          </a:stretch>
-                        </a:blipFill>
-                      </a:tcPr>
-                    </a:tc>
-                    <a:tc>
-                      <a:txBody>
-                        <a:bodyPr/>
-                        <a:lstStyle/>
-                        <a:p>
-                          <a:endParaRPr lang="nl-NL"/>
-                        </a:p>
-                      </a:txBody>
-                      <a:tcPr>
-                        <a:blipFill>
-                          <a:blip r:embed="rId2"/>
-                          <a:stretch>
-                            <a:fillRect l="-199329" t="-306494" r="-597987" b="-807792"/>
-                          </a:stretch>
-                        </a:blipFill>
-                      </a:tcPr>
-                    </a:tc>
-                    <a:tc>
-                      <a:txBody>
-                        <a:bodyPr/>
-                        <a:lstStyle/>
-                        <a:p>
-                          <a:endParaRPr lang="nl-NL"/>
-                        </a:p>
-                      </a:txBody>
-                      <a:tcPr>
-                        <a:blipFill>
-                          <a:blip r:embed="rId2"/>
-                          <a:stretch>
-                            <a:fillRect l="-301351" t="-306494" r="-502027" b="-807792"/>
-                          </a:stretch>
-                        </a:blipFill>
-                      </a:tcPr>
-                    </a:tc>
-                    <a:tc>
-                      <a:txBody>
-                        <a:bodyPr/>
-                        <a:lstStyle/>
-                        <a:p>
-                          <a:endParaRPr lang="nl-NL"/>
-                        </a:p>
-                      </a:txBody>
-                      <a:tcPr>
-                        <a:blipFill>
-                          <a:blip r:embed="rId2"/>
-                          <a:stretch>
-                            <a:fillRect l="-401351" t="-306494" r="-402027" b="-807792"/>
-                          </a:stretch>
-                        </a:blipFill>
-                      </a:tcPr>
-                    </a:tc>
-                    <a:tc>
-                      <a:txBody>
-                        <a:bodyPr/>
-                        <a:lstStyle/>
-                        <a:p>
-                          <a:pPr algn="ctr"/>
-                          <a:r>
-                            <a:rPr lang="en-GB" sz="2100" dirty="0"/>
-                            <a:t>6</a:t>
-                          </a:r>
-                          <a:endParaRPr lang="nl-NL" sz="2100" dirty="0"/>
-                        </a:p>
-                      </a:txBody>
-                      <a:tcPr>
-                        <a:noFill/>
-                      </a:tcPr>
-                    </a:tc>
-                    <a:tc>
-                      <a:txBody>
-                        <a:bodyPr/>
-                        <a:lstStyle/>
-                        <a:p>
-                          <a:pPr algn="ctr"/>
-                          <a:r>
-                            <a:rPr lang="en-GB" sz="2100" dirty="0"/>
-                            <a:t>9</a:t>
-                          </a:r>
-                          <a:endParaRPr lang="nl-NL" sz="2100" dirty="0"/>
-                        </a:p>
-                      </a:txBody>
-                      <a:tcPr>
-                        <a:noFill/>
-                      </a:tcPr>
-                    </a:tc>
-                    <a:tc>
-                      <a:txBody>
-                        <a:bodyPr/>
-                        <a:lstStyle/>
-                        <a:p>
-                          <a:pPr algn="ctr"/>
-                          <a:r>
-                            <a:rPr lang="en-GB" sz="2100" dirty="0"/>
-                            <a:t>…</a:t>
-                          </a:r>
-                          <a:endParaRPr lang="nl-NL" sz="2100" dirty="0"/>
-                        </a:p>
-                      </a:txBody>
-                      <a:tcPr>
-                        <a:noFill/>
-                      </a:tcPr>
-                    </a:tc>
-                    <a:tc>
-                      <a:txBody>
-                        <a:bodyPr/>
-                        <a:lstStyle/>
-                        <a:p>
-                          <a:pPr algn="ctr"/>
-                          <a:r>
-                            <a:rPr lang="en-GB" sz="2100" dirty="0"/>
-                            <a:t>8</a:t>
-                          </a:r>
-                          <a:endParaRPr lang="nl-NL" sz="2100" dirty="0"/>
-                        </a:p>
-                      </a:txBody>
-                      <a:tcPr>
-                        <a:noFill/>
-                      </a:tcPr>
-                    </a:tc>
-                    <a:extLst>
-                      <a:ext uri="{0D108BD9-81ED-4DB2-BD59-A6C34878D82A}">
-                        <a16:rowId xmlns:a16="http://schemas.microsoft.com/office/drawing/2014/main" val="2224430632"/>
-                      </a:ext>
-                    </a:extLst>
-                  </a:tr>
-                  <a:tr h="465540">
-                    <a:tc>
-                      <a:txBody>
-                        <a:bodyPr/>
-                        <a:lstStyle/>
-                        <a:p>
-                          <a:endParaRPr lang="nl-NL"/>
-                        </a:p>
-                      </a:txBody>
-                      <a:tcPr>
-                        <a:blipFill>
-                          <a:blip r:embed="rId2"/>
-                          <a:stretch>
-                            <a:fillRect l="-676" t="-411842" r="-802703" b="-718421"/>
-                          </a:stretch>
-                        </a:blipFill>
-                      </a:tcPr>
-                    </a:tc>
-                    <a:tc>
-                      <a:txBody>
-                        <a:bodyPr/>
-                        <a:lstStyle/>
-                        <a:p>
-                          <a:endParaRPr lang="nl-NL"/>
-                        </a:p>
-                      </a:txBody>
-                      <a:tcPr>
-                        <a:blipFill>
-                          <a:blip r:embed="rId2"/>
-                          <a:stretch>
-                            <a:fillRect l="-100676" t="-411842" r="-702703" b="-718421"/>
-                          </a:stretch>
-                        </a:blipFill>
-                      </a:tcPr>
-                    </a:tc>
-                    <a:tc>
-                      <a:txBody>
-                        <a:bodyPr/>
-                        <a:lstStyle/>
-                        <a:p>
-                          <a:endParaRPr lang="nl-NL"/>
-                        </a:p>
-                      </a:txBody>
-                      <a:tcPr>
-                        <a:blipFill>
-                          <a:blip r:embed="rId2"/>
-                          <a:stretch>
-                            <a:fillRect l="-199329" t="-411842" r="-597987" b="-718421"/>
-                          </a:stretch>
-                        </a:blipFill>
-                      </a:tcPr>
-                    </a:tc>
-                    <a:tc>
-                      <a:txBody>
-                        <a:bodyPr/>
-                        <a:lstStyle/>
-                        <a:p>
-                          <a:endParaRPr lang="nl-NL"/>
-                        </a:p>
-                      </a:txBody>
-                      <a:tcPr>
-                        <a:blipFill>
-                          <a:blip r:embed="rId2"/>
-                          <a:stretch>
-                            <a:fillRect l="-301351" t="-411842" r="-502027" b="-718421"/>
-                          </a:stretch>
-                        </a:blipFill>
-                      </a:tcPr>
-                    </a:tc>
-                    <a:tc>
-                      <a:txBody>
-                        <a:bodyPr/>
-                        <a:lstStyle/>
-                        <a:p>
-                          <a:endParaRPr lang="nl-NL"/>
-                        </a:p>
-                      </a:txBody>
-                      <a:tcPr>
-                        <a:blipFill>
-                          <a:blip r:embed="rId2"/>
-                          <a:stretch>
-                            <a:fillRect l="-401351" t="-411842" r="-402027" b="-718421"/>
-                          </a:stretch>
-                        </a:blipFill>
-                      </a:tcPr>
-                    </a:tc>
-                    <a:tc>
-                      <a:txBody>
-                        <a:bodyPr/>
-                        <a:lstStyle/>
-                        <a:p>
-                          <a:pPr algn="ctr"/>
-                          <a:r>
-                            <a:rPr lang="en-GB" sz="2100" dirty="0"/>
-                            <a:t>4</a:t>
-                          </a:r>
-                          <a:endParaRPr lang="nl-NL" sz="2100" dirty="0"/>
-                        </a:p>
-                      </a:txBody>
-                      <a:tcPr>
-                        <a:noFill/>
-                      </a:tcPr>
-                    </a:tc>
-                    <a:tc>
-                      <a:txBody>
-                        <a:bodyPr/>
-                        <a:lstStyle/>
-                        <a:p>
-                          <a:pPr algn="ctr"/>
-                          <a:r>
-                            <a:rPr lang="en-GB" sz="2100" dirty="0"/>
-                            <a:t>3</a:t>
-                          </a:r>
-                          <a:endParaRPr lang="nl-NL" sz="2100" dirty="0"/>
-                        </a:p>
-                      </a:txBody>
-                      <a:tcPr>
-                        <a:noFill/>
-                      </a:tcPr>
-                    </a:tc>
-                    <a:tc>
-                      <a:txBody>
-                        <a:bodyPr/>
-                        <a:lstStyle/>
-                        <a:p>
-                          <a:pPr algn="ctr"/>
-                          <a:r>
-                            <a:rPr lang="en-GB" sz="2100" dirty="0"/>
-                            <a:t>…</a:t>
-                          </a:r>
-                          <a:endParaRPr lang="nl-NL" sz="2100" dirty="0"/>
-                        </a:p>
-                      </a:txBody>
-                      <a:tcPr>
-                        <a:noFill/>
-                      </a:tcPr>
-                    </a:tc>
-                    <a:tc>
-                      <a:txBody>
-                        <a:bodyPr/>
-                        <a:lstStyle/>
-                        <a:p>
-                          <a:pPr algn="ctr"/>
-                          <a:r>
-                            <a:rPr lang="en-GB" sz="2100" dirty="0"/>
-                            <a:t>5</a:t>
-                          </a:r>
-                          <a:endParaRPr lang="nl-NL" sz="2100" dirty="0"/>
-                        </a:p>
-                      </a:txBody>
-                      <a:tcPr>
-                        <a:noFill/>
-                      </a:tcPr>
-                    </a:tc>
-                    <a:extLst>
-                      <a:ext uri="{0D108BD9-81ED-4DB2-BD59-A6C34878D82A}">
-                        <a16:rowId xmlns:a16="http://schemas.microsoft.com/office/drawing/2014/main" val="2346763742"/>
-                      </a:ext>
-                    </a:extLst>
-                  </a:tr>
-                  <a:tr h="465540">
-                    <a:tc>
-                      <a:txBody>
-                        <a:bodyPr/>
-                        <a:lstStyle/>
-                        <a:p>
-                          <a:endParaRPr lang="nl-NL"/>
-                        </a:p>
-                      </a:txBody>
-                      <a:tcPr>
-                        <a:blipFill>
-                          <a:blip r:embed="rId2"/>
-                          <a:stretch>
-                            <a:fillRect l="-676" t="-505195" r="-802703" b="-609091"/>
-                          </a:stretch>
-                        </a:blipFill>
-                      </a:tcPr>
-                    </a:tc>
-                    <a:tc>
-                      <a:txBody>
-                        <a:bodyPr/>
-                        <a:lstStyle/>
-                        <a:p>
-                          <a:endParaRPr lang="nl-NL"/>
-                        </a:p>
-                      </a:txBody>
-                      <a:tcPr>
-                        <a:blipFill>
-                          <a:blip r:embed="rId2"/>
-                          <a:stretch>
-                            <a:fillRect l="-100676" t="-505195" r="-702703" b="-609091"/>
-                          </a:stretch>
-                        </a:blipFill>
-                      </a:tcPr>
-                    </a:tc>
-                    <a:tc>
-                      <a:txBody>
-                        <a:bodyPr/>
-                        <a:lstStyle/>
-                        <a:p>
-                          <a:endParaRPr lang="nl-NL"/>
-                        </a:p>
-                      </a:txBody>
-                      <a:tcPr>
-                        <a:blipFill>
-                          <a:blip r:embed="rId2"/>
-                          <a:stretch>
-                            <a:fillRect l="-199329" t="-505195" r="-597987" b="-609091"/>
-                          </a:stretch>
-                        </a:blipFill>
-                      </a:tcPr>
-                    </a:tc>
-                    <a:tc>
-                      <a:txBody>
-                        <a:bodyPr/>
-                        <a:lstStyle/>
-                        <a:p>
-                          <a:endParaRPr lang="nl-NL"/>
-                        </a:p>
-                      </a:txBody>
-                      <a:tcPr>
-                        <a:blipFill>
-                          <a:blip r:embed="rId2"/>
-                          <a:stretch>
-                            <a:fillRect l="-301351" t="-505195" r="-502027" b="-609091"/>
-                          </a:stretch>
-                        </a:blipFill>
-                      </a:tcPr>
-                    </a:tc>
-                    <a:tc>
-                      <a:txBody>
-                        <a:bodyPr/>
-                        <a:lstStyle/>
-                        <a:p>
-                          <a:endParaRPr lang="nl-NL"/>
-                        </a:p>
-                      </a:txBody>
-                      <a:tcPr>
-                        <a:blipFill>
-                          <a:blip r:embed="rId2"/>
-                          <a:stretch>
-                            <a:fillRect l="-401351" t="-505195" r="-402027" b="-609091"/>
-                          </a:stretch>
-                        </a:blipFill>
-                      </a:tcPr>
-                    </a:tc>
-                    <a:tc>
-                      <a:txBody>
-                        <a:bodyPr/>
-                        <a:lstStyle/>
-                        <a:p>
-                          <a:pPr algn="ctr"/>
-                          <a:r>
-                            <a:rPr lang="en-GB" sz="2100" dirty="0"/>
-                            <a:t>2</a:t>
-                          </a:r>
-                          <a:endParaRPr lang="nl-NL" sz="2100" dirty="0"/>
-                        </a:p>
-                      </a:txBody>
-                      <a:tcPr>
-                        <a:noFill/>
-                      </a:tcPr>
-                    </a:tc>
-                    <a:tc>
-                      <a:txBody>
-                        <a:bodyPr/>
-                        <a:lstStyle/>
-                        <a:p>
-                          <a:pPr algn="ctr"/>
-                          <a:r>
-                            <a:rPr lang="en-GB" sz="2100" dirty="0"/>
-                            <a:t>1</a:t>
-                          </a:r>
-                          <a:endParaRPr lang="nl-NL" sz="2100" dirty="0"/>
-                        </a:p>
-                      </a:txBody>
-                      <a:tcPr>
-                        <a:noFill/>
-                      </a:tcPr>
-                    </a:tc>
-                    <a:tc>
-                      <a:txBody>
-                        <a:bodyPr/>
-                        <a:lstStyle/>
-                        <a:p>
-                          <a:pPr algn="ctr"/>
-                          <a:r>
-                            <a:rPr lang="en-GB" sz="2100" dirty="0"/>
-                            <a:t>…</a:t>
-                          </a:r>
-                          <a:endParaRPr lang="nl-NL" sz="2100" dirty="0"/>
-                        </a:p>
-                      </a:txBody>
-                      <a:tcPr>
-                        <a:noFill/>
-                      </a:tcPr>
-                    </a:tc>
-                    <a:tc>
-                      <a:txBody>
-                        <a:bodyPr/>
-                        <a:lstStyle/>
-                        <a:p>
-                          <a:pPr algn="ctr"/>
-                          <a:r>
-                            <a:rPr lang="en-GB" sz="2100" dirty="0"/>
-                            <a:t>4</a:t>
-                          </a:r>
-                          <a:endParaRPr lang="nl-NL" sz="2100" dirty="0"/>
-                        </a:p>
-                      </a:txBody>
-                      <a:tcPr>
-                        <a:noFill/>
-                      </a:tcPr>
-                    </a:tc>
-                    <a:extLst>
-                      <a:ext uri="{0D108BD9-81ED-4DB2-BD59-A6C34878D82A}">
-                        <a16:rowId xmlns:a16="http://schemas.microsoft.com/office/drawing/2014/main" val="877257161"/>
-                      </a:ext>
-                    </a:extLst>
-                  </a:tr>
-                  <a:tr h="465540">
-                    <a:tc>
-                      <a:txBody>
-                        <a:bodyPr/>
-                        <a:lstStyle/>
-                        <a:p>
-                          <a:endParaRPr lang="nl-NL"/>
-                        </a:p>
-                      </a:txBody>
-                      <a:tcPr>
-                        <a:blipFill>
-                          <a:blip r:embed="rId2"/>
-                          <a:stretch>
-                            <a:fillRect l="-676" t="-613158" r="-802703" b="-517105"/>
-                          </a:stretch>
-                        </a:blipFill>
-                      </a:tcPr>
-                    </a:tc>
-                    <a:tc>
-                      <a:txBody>
-                        <a:bodyPr/>
-                        <a:lstStyle/>
-                        <a:p>
-                          <a:endParaRPr lang="nl-NL"/>
-                        </a:p>
-                      </a:txBody>
-                      <a:tcPr>
-                        <a:blipFill>
-                          <a:blip r:embed="rId2"/>
-                          <a:stretch>
-                            <a:fillRect l="-100676" t="-613158" r="-702703" b="-517105"/>
-                          </a:stretch>
-                        </a:blipFill>
-                      </a:tcPr>
-                    </a:tc>
-                    <a:tc>
-                      <a:txBody>
-                        <a:bodyPr/>
-                        <a:lstStyle/>
-                        <a:p>
-                          <a:endParaRPr lang="nl-NL"/>
-                        </a:p>
-                      </a:txBody>
-                      <a:tcPr>
-                        <a:blipFill>
-                          <a:blip r:embed="rId2"/>
-                          <a:stretch>
-                            <a:fillRect l="-199329" t="-613158" r="-597987" b="-517105"/>
-                          </a:stretch>
-                        </a:blipFill>
-                      </a:tcPr>
-                    </a:tc>
-                    <a:tc>
-                      <a:txBody>
-                        <a:bodyPr/>
-                        <a:lstStyle/>
-                        <a:p>
-                          <a:endParaRPr lang="nl-NL"/>
-                        </a:p>
-                      </a:txBody>
-                      <a:tcPr>
-                        <a:blipFill>
-                          <a:blip r:embed="rId2"/>
-                          <a:stretch>
-                            <a:fillRect l="-301351" t="-613158" r="-502027" b="-517105"/>
-                          </a:stretch>
-                        </a:blipFill>
-                      </a:tcPr>
-                    </a:tc>
-                    <a:tc>
-                      <a:txBody>
-                        <a:bodyPr/>
-                        <a:lstStyle/>
-                        <a:p>
-                          <a:endParaRPr lang="nl-NL"/>
-                        </a:p>
-                      </a:txBody>
-                      <a:tcPr>
-                        <a:blipFill>
-                          <a:blip r:embed="rId2"/>
-                          <a:stretch>
-                            <a:fillRect l="-401351" t="-613158" r="-402027" b="-517105"/>
-                          </a:stretch>
-                        </a:blipFill>
-                      </a:tcPr>
-                    </a:tc>
-                    <a:tc>
-                      <a:txBody>
-                        <a:bodyPr/>
-                        <a:lstStyle/>
-                        <a:p>
-                          <a:pPr algn="ctr"/>
-                          <a:r>
-                            <a:rPr lang="en-GB" sz="2100" dirty="0"/>
-                            <a:t>1</a:t>
-                          </a:r>
-                          <a:endParaRPr lang="nl-NL" sz="2100" dirty="0"/>
-                        </a:p>
-                      </a:txBody>
-                      <a:tcPr>
-                        <a:noFill/>
-                      </a:tcPr>
-                    </a:tc>
-                    <a:tc>
-                      <a:txBody>
-                        <a:bodyPr/>
-                        <a:lstStyle/>
-                        <a:p>
-                          <a:pPr algn="ctr"/>
-                          <a:r>
-                            <a:rPr lang="en-GB" sz="2100" dirty="0"/>
-                            <a:t>2</a:t>
-                          </a:r>
-                          <a:endParaRPr lang="nl-NL" sz="2100" dirty="0"/>
-                        </a:p>
-                      </a:txBody>
-                      <a:tcPr>
-                        <a:noFill/>
-                      </a:tcPr>
-                    </a:tc>
-                    <a:tc>
-                      <a:txBody>
-                        <a:bodyPr/>
-                        <a:lstStyle/>
-                        <a:p>
-                          <a:pPr algn="ctr"/>
-                          <a:r>
-                            <a:rPr lang="en-GB" sz="2100" dirty="0"/>
-                            <a:t>…</a:t>
-                          </a:r>
-                          <a:endParaRPr lang="nl-NL" sz="2100" dirty="0"/>
-                        </a:p>
-                      </a:txBody>
-                      <a:tcPr>
-                        <a:noFill/>
-                      </a:tcPr>
-                    </a:tc>
-                    <a:tc>
-                      <a:txBody>
-                        <a:bodyPr/>
-                        <a:lstStyle/>
-                        <a:p>
-                          <a:pPr algn="ctr"/>
-                          <a:r>
-                            <a:rPr lang="en-GB" sz="2100" dirty="0"/>
-                            <a:t>7</a:t>
-                          </a:r>
-                          <a:endParaRPr lang="nl-NL" sz="2100" dirty="0"/>
-                        </a:p>
-                      </a:txBody>
-                      <a:tcPr>
-                        <a:noFill/>
-                      </a:tcPr>
-                    </a:tc>
-                    <a:extLst>
-                      <a:ext uri="{0D108BD9-81ED-4DB2-BD59-A6C34878D82A}">
-                        <a16:rowId xmlns:a16="http://schemas.microsoft.com/office/drawing/2014/main" val="2496063903"/>
-                      </a:ext>
-                    </a:extLst>
-                  </a:tr>
-                  <a:tr h="465540">
-                    <a:tc>
-                      <a:txBody>
-                        <a:bodyPr/>
-                        <a:lstStyle/>
-                        <a:p>
-                          <a:endParaRPr lang="nl-NL"/>
-                        </a:p>
-                      </a:txBody>
-                      <a:tcPr>
-                        <a:blipFill>
-                          <a:blip r:embed="rId2"/>
-                          <a:stretch>
-                            <a:fillRect l="-676" t="-703896" r="-802703" b="-410390"/>
-                          </a:stretch>
-                        </a:blipFill>
-                      </a:tcPr>
-                    </a:tc>
-                    <a:tc>
-                      <a:txBody>
-                        <a:bodyPr/>
-                        <a:lstStyle/>
-                        <a:p>
-                          <a:endParaRPr lang="nl-NL"/>
-                        </a:p>
-                      </a:txBody>
-                      <a:tcPr>
-                        <a:blipFill>
-                          <a:blip r:embed="rId2"/>
-                          <a:stretch>
-                            <a:fillRect l="-100676" t="-703896" r="-702703" b="-410390"/>
-                          </a:stretch>
-                        </a:blipFill>
-                      </a:tcPr>
-                    </a:tc>
-                    <a:tc>
-                      <a:txBody>
-                        <a:bodyPr/>
-                        <a:lstStyle/>
-                        <a:p>
-                          <a:endParaRPr lang="nl-NL"/>
-                        </a:p>
-                      </a:txBody>
-                      <a:tcPr>
-                        <a:blipFill>
-                          <a:blip r:embed="rId2"/>
-                          <a:stretch>
-                            <a:fillRect l="-199329" t="-703896" r="-597987" b="-410390"/>
-                          </a:stretch>
-                        </a:blipFill>
-                      </a:tcPr>
-                    </a:tc>
-                    <a:tc>
-                      <a:txBody>
-                        <a:bodyPr/>
-                        <a:lstStyle/>
-                        <a:p>
-                          <a:endParaRPr lang="nl-NL"/>
-                        </a:p>
-                      </a:txBody>
-                      <a:tcPr>
-                        <a:blipFill>
-                          <a:blip r:embed="rId2"/>
-                          <a:stretch>
-                            <a:fillRect l="-301351" t="-703896" r="-502027" b="-410390"/>
-                          </a:stretch>
-                        </a:blipFill>
-                      </a:tcPr>
-                    </a:tc>
-                    <a:tc>
-                      <a:txBody>
-                        <a:bodyPr/>
-                        <a:lstStyle/>
-                        <a:p>
-                          <a:endParaRPr lang="nl-NL"/>
-                        </a:p>
-                      </a:txBody>
-                      <a:tcPr>
-                        <a:blipFill>
-                          <a:blip r:embed="rId2"/>
-                          <a:stretch>
-                            <a:fillRect l="-401351" t="-703896" r="-402027" b="-410390"/>
-                          </a:stretch>
-                        </a:blipFill>
-                      </a:tcPr>
-                    </a:tc>
-                    <a:tc>
-                      <a:txBody>
-                        <a:bodyPr/>
-                        <a:lstStyle/>
-                        <a:p>
-                          <a:pPr algn="ctr"/>
-                          <a:r>
-                            <a:rPr lang="en-GB" sz="2100" dirty="0">
-                              <a:solidFill>
-                                <a:schemeClr val="tx1"/>
-                              </a:solidFill>
-                            </a:rPr>
-                            <a:t>3</a:t>
-                          </a:r>
-                          <a:endParaRPr lang="nl-NL" sz="2100" dirty="0">
-                            <a:solidFill>
-                              <a:schemeClr val="tx1"/>
-                            </a:solidFill>
-                          </a:endParaRPr>
-                        </a:p>
-                      </a:txBody>
-                      <a:tcPr>
-                        <a:noFill/>
-                      </a:tcPr>
-                    </a:tc>
-                    <a:tc>
-                      <a:txBody>
-                        <a:bodyPr/>
-                        <a:lstStyle/>
-                        <a:p>
-                          <a:pPr algn="ctr"/>
-                          <a:r>
-                            <a:rPr lang="en-GB" sz="2100" dirty="0">
-                              <a:solidFill>
-                                <a:schemeClr val="tx1"/>
-                              </a:solidFill>
-                            </a:rPr>
-                            <a:t>6</a:t>
-                          </a:r>
-                          <a:endParaRPr lang="nl-NL" sz="2100" dirty="0">
-                            <a:solidFill>
-                              <a:schemeClr val="tx1"/>
-                            </a:solidFill>
-                          </a:endParaRPr>
-                        </a:p>
-                      </a:txBody>
-                      <a:tcPr>
-                        <a:noFill/>
-                      </a:tcPr>
-                    </a:tc>
-                    <a:tc>
-                      <a:txBody>
-                        <a:bodyPr/>
-                        <a:lstStyle/>
-                        <a:p>
-                          <a:pPr algn="ctr"/>
-                          <a:r>
-                            <a:rPr lang="en-GB" sz="2100" dirty="0">
-                              <a:solidFill>
-                                <a:schemeClr val="tx1"/>
-                              </a:solidFill>
-                            </a:rPr>
-                            <a:t>…</a:t>
-                          </a:r>
-                          <a:endParaRPr lang="nl-NL" sz="2100" dirty="0">
-                            <a:solidFill>
-                              <a:schemeClr val="tx1"/>
-                            </a:solidFill>
-                          </a:endParaRPr>
-                        </a:p>
-                      </a:txBody>
-                      <a:tcPr>
-                        <a:noFill/>
-                      </a:tcPr>
-                    </a:tc>
-                    <a:tc>
-                      <a:txBody>
-                        <a:bodyPr/>
-                        <a:lstStyle/>
-                        <a:p>
-                          <a:pPr algn="ctr"/>
-                          <a:r>
-                            <a:rPr lang="en-GB" sz="2100" dirty="0"/>
-                            <a:t>7</a:t>
-                          </a:r>
-                          <a:endParaRPr lang="nl-NL" sz="2100" dirty="0"/>
-                        </a:p>
-                      </a:txBody>
-                      <a:tcPr>
-                        <a:noFill/>
-                      </a:tcPr>
-                    </a:tc>
-                    <a:extLst>
-                      <a:ext uri="{0D108BD9-81ED-4DB2-BD59-A6C34878D82A}">
-                        <a16:rowId xmlns:a16="http://schemas.microsoft.com/office/drawing/2014/main" val="305272429"/>
-                      </a:ext>
-                    </a:extLst>
-                  </a:tr>
-                  <a:tr h="465540">
-                    <a:tc>
-                      <a:txBody>
-                        <a:bodyPr/>
-                        <a:lstStyle/>
-                        <a:p>
-                          <a:endParaRPr lang="nl-NL"/>
-                        </a:p>
-                      </a:txBody>
-                      <a:tcPr>
-                        <a:blipFill>
-                          <a:blip r:embed="rId2"/>
-                          <a:stretch>
-                            <a:fillRect l="-676" t="-814474" r="-802703" b="-315789"/>
-                          </a:stretch>
-                        </a:blipFill>
-                      </a:tcPr>
-                    </a:tc>
-                    <a:tc>
-                      <a:txBody>
-                        <a:bodyPr/>
-                        <a:lstStyle/>
-                        <a:p>
-                          <a:endParaRPr lang="nl-NL"/>
-                        </a:p>
-                      </a:txBody>
-                      <a:tcPr>
-                        <a:blipFill>
-                          <a:blip r:embed="rId2"/>
-                          <a:stretch>
-                            <a:fillRect l="-100676" t="-814474" r="-702703" b="-315789"/>
-                          </a:stretch>
-                        </a:blipFill>
-                      </a:tcPr>
-                    </a:tc>
-                    <a:tc>
-                      <a:txBody>
-                        <a:bodyPr/>
-                        <a:lstStyle/>
-                        <a:p>
-                          <a:endParaRPr lang="nl-NL"/>
-                        </a:p>
-                      </a:txBody>
-                      <a:tcPr>
-                        <a:blipFill>
-                          <a:blip r:embed="rId2"/>
-                          <a:stretch>
-                            <a:fillRect l="-199329" t="-814474" r="-597987" b="-315789"/>
-                          </a:stretch>
-                        </a:blipFill>
-                      </a:tcPr>
-                    </a:tc>
-                    <a:tc>
-                      <a:txBody>
-                        <a:bodyPr/>
-                        <a:lstStyle/>
-                        <a:p>
-                          <a:endParaRPr lang="nl-NL"/>
-                        </a:p>
-                      </a:txBody>
-                      <a:tcPr>
-                        <a:blipFill>
-                          <a:blip r:embed="rId2"/>
-                          <a:stretch>
-                            <a:fillRect l="-301351" t="-814474" r="-502027" b="-315789"/>
-                          </a:stretch>
-                        </a:blipFill>
-                      </a:tcPr>
-                    </a:tc>
-                    <a:tc>
-                      <a:txBody>
-                        <a:bodyPr/>
-                        <a:lstStyle/>
-                        <a:p>
-                          <a:endParaRPr lang="nl-NL"/>
-                        </a:p>
-                      </a:txBody>
-                      <a:tcPr>
-                        <a:blipFill>
-                          <a:blip r:embed="rId2"/>
-                          <a:stretch>
-                            <a:fillRect l="-401351" t="-814474" r="-402027" b="-315789"/>
-                          </a:stretch>
-                        </a:blipFill>
-                      </a:tcPr>
-                    </a:tc>
-                    <a:tc>
-                      <a:txBody>
-                        <a:bodyPr/>
-                        <a:lstStyle/>
-                        <a:p>
-                          <a:pPr algn="ctr"/>
-                          <a:r>
-                            <a:rPr lang="en-GB" sz="2100" dirty="0">
-                              <a:solidFill>
-                                <a:schemeClr val="tx1"/>
-                              </a:solidFill>
-                            </a:rPr>
-                            <a:t>2</a:t>
-                          </a:r>
-                          <a:endParaRPr lang="nl-NL" sz="2100" dirty="0">
-                            <a:solidFill>
-                              <a:schemeClr val="tx1"/>
-                            </a:solidFill>
-                          </a:endParaRPr>
-                        </a:p>
-                      </a:txBody>
-                      <a:tcPr>
-                        <a:noFill/>
-                      </a:tcPr>
-                    </a:tc>
-                    <a:tc>
-                      <a:txBody>
-                        <a:bodyPr/>
-                        <a:lstStyle/>
-                        <a:p>
-                          <a:pPr algn="ctr"/>
-                          <a:r>
-                            <a:rPr lang="en-GB" sz="2100" dirty="0">
-                              <a:solidFill>
-                                <a:schemeClr val="tx1"/>
-                              </a:solidFill>
-                            </a:rPr>
-                            <a:t>5</a:t>
-                          </a:r>
-                          <a:endParaRPr lang="nl-NL" sz="2100" dirty="0">
-                            <a:solidFill>
-                              <a:schemeClr val="tx1"/>
-                            </a:solidFill>
-                          </a:endParaRPr>
-                        </a:p>
-                      </a:txBody>
-                      <a:tcPr>
-                        <a:noFill/>
-                      </a:tcPr>
-                    </a:tc>
-                    <a:tc>
-                      <a:txBody>
-                        <a:bodyPr/>
-                        <a:lstStyle/>
-                        <a:p>
-                          <a:pPr algn="ctr"/>
-                          <a:r>
-                            <a:rPr lang="en-GB" sz="2100" dirty="0">
-                              <a:solidFill>
-                                <a:schemeClr val="tx1"/>
-                              </a:solidFill>
-                            </a:rPr>
-                            <a:t>…</a:t>
-                          </a:r>
-                          <a:endParaRPr lang="nl-NL" sz="2100" dirty="0">
-                            <a:solidFill>
-                              <a:schemeClr val="tx1"/>
-                            </a:solidFill>
-                          </a:endParaRPr>
-                        </a:p>
-                      </a:txBody>
-                      <a:tcPr>
-                        <a:noFill/>
-                      </a:tcPr>
-                    </a:tc>
-                    <a:tc>
-                      <a:txBody>
-                        <a:bodyPr/>
-                        <a:lstStyle/>
-                        <a:p>
-                          <a:pPr algn="ctr"/>
-                          <a:r>
-                            <a:rPr lang="en-GB" sz="2100" dirty="0"/>
-                            <a:t>6</a:t>
-                          </a:r>
-                          <a:endParaRPr lang="nl-NL" sz="2100" dirty="0"/>
-                        </a:p>
-                      </a:txBody>
-                      <a:tcPr>
-                        <a:noFill/>
-                      </a:tcPr>
-                    </a:tc>
-                    <a:extLst>
-                      <a:ext uri="{0D108BD9-81ED-4DB2-BD59-A6C34878D82A}">
-                        <a16:rowId xmlns:a16="http://schemas.microsoft.com/office/drawing/2014/main" val="1137048644"/>
-                      </a:ext>
-                    </a:extLst>
-                  </a:tr>
-                  <a:tr h="465540">
-                    <a:tc>
-                      <a:txBody>
-                        <a:bodyPr/>
-                        <a:lstStyle/>
-                        <a:p>
-                          <a:endParaRPr lang="nl-NL"/>
-                        </a:p>
-                      </a:txBody>
-                      <a:tcPr>
-                        <a:blipFill>
-                          <a:blip r:embed="rId2"/>
-                          <a:stretch>
-                            <a:fillRect l="-676" t="-902597" r="-802703" b="-211688"/>
-                          </a:stretch>
-                        </a:blipFill>
-                      </a:tcPr>
-                    </a:tc>
-                    <a:tc>
-                      <a:txBody>
-                        <a:bodyPr/>
-                        <a:lstStyle/>
-                        <a:p>
-                          <a:endParaRPr lang="nl-NL"/>
-                        </a:p>
-                      </a:txBody>
-                      <a:tcPr>
-                        <a:blipFill>
-                          <a:blip r:embed="rId2"/>
-                          <a:stretch>
-                            <a:fillRect l="-100676" t="-902597" r="-702703" b="-211688"/>
-                          </a:stretch>
-                        </a:blipFill>
-                      </a:tcPr>
-                    </a:tc>
-                    <a:tc>
-                      <a:txBody>
-                        <a:bodyPr/>
-                        <a:lstStyle/>
-                        <a:p>
-                          <a:endParaRPr lang="nl-NL"/>
-                        </a:p>
-                      </a:txBody>
-                      <a:tcPr>
-                        <a:blipFill>
-                          <a:blip r:embed="rId2"/>
-                          <a:stretch>
-                            <a:fillRect l="-199329" t="-902597" r="-597987" b="-211688"/>
-                          </a:stretch>
-                        </a:blipFill>
-                      </a:tcPr>
-                    </a:tc>
-                    <a:tc>
-                      <a:txBody>
-                        <a:bodyPr/>
-                        <a:lstStyle/>
-                        <a:p>
-                          <a:endParaRPr lang="nl-NL"/>
-                        </a:p>
-                      </a:txBody>
-                      <a:tcPr>
-                        <a:blipFill>
-                          <a:blip r:embed="rId2"/>
-                          <a:stretch>
-                            <a:fillRect l="-301351" t="-902597" r="-502027" b="-211688"/>
-                          </a:stretch>
-                        </a:blipFill>
-                      </a:tcPr>
-                    </a:tc>
-                    <a:tc>
-                      <a:txBody>
-                        <a:bodyPr/>
-                        <a:lstStyle/>
-                        <a:p>
-                          <a:endParaRPr lang="nl-NL"/>
-                        </a:p>
-                      </a:txBody>
-                      <a:tcPr>
-                        <a:blipFill>
-                          <a:blip r:embed="rId2"/>
-                          <a:stretch>
-                            <a:fillRect l="-401351" t="-902597" r="-402027" b="-211688"/>
-                          </a:stretch>
-                        </a:blipFill>
-                      </a:tcPr>
-                    </a:tc>
-                    <a:tc>
-                      <a:txBody>
-                        <a:bodyPr/>
-                        <a:lstStyle/>
-                        <a:p>
-                          <a:pPr algn="ctr"/>
-                          <a:r>
-                            <a:rPr lang="en-GB" sz="2100" dirty="0">
-                              <a:solidFill>
-                                <a:schemeClr val="tx1"/>
-                              </a:solidFill>
-                            </a:rPr>
-                            <a:t>4</a:t>
-                          </a:r>
-                          <a:endParaRPr lang="nl-NL" sz="2100" dirty="0">
-                            <a:solidFill>
-                              <a:schemeClr val="tx1"/>
-                            </a:solidFill>
-                          </a:endParaRPr>
-                        </a:p>
-                      </a:txBody>
-                      <a:tcPr>
-                        <a:noFill/>
-                      </a:tcPr>
-                    </a:tc>
-                    <a:tc>
-                      <a:txBody>
-                        <a:bodyPr/>
-                        <a:lstStyle/>
-                        <a:p>
-                          <a:pPr algn="ctr"/>
-                          <a:r>
-                            <a:rPr lang="en-GB" sz="2100" dirty="0">
-                              <a:solidFill>
-                                <a:schemeClr val="tx1"/>
-                              </a:solidFill>
-                            </a:rPr>
-                            <a:t>6</a:t>
-                          </a:r>
-                          <a:endParaRPr lang="nl-NL" sz="2100" dirty="0">
-                            <a:solidFill>
-                              <a:schemeClr val="tx1"/>
-                            </a:solidFill>
-                          </a:endParaRPr>
-                        </a:p>
-                      </a:txBody>
-                      <a:tcPr>
-                        <a:noFill/>
-                      </a:tcPr>
-                    </a:tc>
-                    <a:tc>
-                      <a:txBody>
-                        <a:bodyPr/>
-                        <a:lstStyle/>
-                        <a:p>
-                          <a:pPr algn="ctr"/>
-                          <a:r>
-                            <a:rPr lang="en-GB" sz="2100" dirty="0">
-                              <a:solidFill>
-                                <a:schemeClr val="tx1"/>
-                              </a:solidFill>
-                            </a:rPr>
-                            <a:t>…</a:t>
-                          </a:r>
-                          <a:endParaRPr lang="nl-NL" sz="2100" dirty="0">
-                            <a:solidFill>
-                              <a:schemeClr val="tx1"/>
-                            </a:solidFill>
-                          </a:endParaRPr>
-                        </a:p>
-                      </a:txBody>
-                      <a:tcPr>
-                        <a:noFill/>
-                      </a:tcPr>
-                    </a:tc>
-                    <a:tc>
-                      <a:txBody>
-                        <a:bodyPr/>
-                        <a:lstStyle/>
-                        <a:p>
-                          <a:pPr algn="ctr"/>
-                          <a:r>
-                            <a:rPr lang="en-GB" sz="2100" dirty="0"/>
-                            <a:t>5</a:t>
-                          </a:r>
-                          <a:endParaRPr lang="nl-NL" sz="2100" dirty="0"/>
-                        </a:p>
-                      </a:txBody>
-                      <a:tcPr>
-                        <a:noFill/>
-                      </a:tcPr>
-                    </a:tc>
-                    <a:extLst>
-                      <a:ext uri="{0D108BD9-81ED-4DB2-BD59-A6C34878D82A}">
-                        <a16:rowId xmlns:a16="http://schemas.microsoft.com/office/drawing/2014/main" val="1712240706"/>
-                      </a:ext>
-                    </a:extLst>
-                  </a:tr>
-                  <a:tr h="465540">
-                    <a:tc>
-                      <a:txBody>
-                        <a:bodyPr/>
-                        <a:lstStyle/>
-                        <a:p>
-                          <a:endParaRPr lang="nl-NL"/>
-                        </a:p>
-                      </a:txBody>
-                      <a:tcPr>
-                        <a:blipFill>
-                          <a:blip r:embed="rId2"/>
-                          <a:stretch>
-                            <a:fillRect l="-676" t="-1015789" r="-802703" b="-114474"/>
-                          </a:stretch>
-                        </a:blipFill>
-                      </a:tcPr>
-                    </a:tc>
-                    <a:tc>
-                      <a:txBody>
-                        <a:bodyPr/>
-                        <a:lstStyle/>
-                        <a:p>
-                          <a:endParaRPr lang="nl-NL"/>
-                        </a:p>
-                      </a:txBody>
-                      <a:tcPr>
-                        <a:blipFill>
-                          <a:blip r:embed="rId2"/>
-                          <a:stretch>
-                            <a:fillRect l="-100676" t="-1015789" r="-702703" b="-114474"/>
-                          </a:stretch>
-                        </a:blipFill>
-                      </a:tcPr>
-                    </a:tc>
-                    <a:tc>
-                      <a:txBody>
-                        <a:bodyPr/>
-                        <a:lstStyle/>
-                        <a:p>
-                          <a:endParaRPr lang="nl-NL"/>
-                        </a:p>
-                      </a:txBody>
-                      <a:tcPr>
-                        <a:blipFill>
-                          <a:blip r:embed="rId2"/>
-                          <a:stretch>
-                            <a:fillRect l="-199329" t="-1015789" r="-597987" b="-114474"/>
-                          </a:stretch>
-                        </a:blipFill>
-                      </a:tcPr>
-                    </a:tc>
-                    <a:tc>
-                      <a:txBody>
-                        <a:bodyPr/>
-                        <a:lstStyle/>
-                        <a:p>
-                          <a:endParaRPr lang="nl-NL"/>
-                        </a:p>
-                      </a:txBody>
-                      <a:tcPr>
-                        <a:blipFill>
-                          <a:blip r:embed="rId2"/>
-                          <a:stretch>
-                            <a:fillRect l="-301351" t="-1015789" r="-502027" b="-114474"/>
-                          </a:stretch>
-                        </a:blipFill>
-                      </a:tcPr>
-                    </a:tc>
-                    <a:tc>
-                      <a:txBody>
-                        <a:bodyPr/>
-                        <a:lstStyle/>
-                        <a:p>
-                          <a:endParaRPr lang="nl-NL"/>
-                        </a:p>
-                      </a:txBody>
-                      <a:tcPr>
-                        <a:blipFill>
-                          <a:blip r:embed="rId2"/>
-                          <a:stretch>
-                            <a:fillRect l="-401351" t="-1015789" r="-402027" b="-114474"/>
-                          </a:stretch>
-                        </a:blipFill>
-                      </a:tcPr>
-                    </a:tc>
-                    <a:tc>
-                      <a:txBody>
-                        <a:bodyPr/>
-                        <a:lstStyle/>
-                        <a:p>
-                          <a:pPr algn="ctr"/>
-                          <a:r>
-                            <a:rPr lang="en-GB" sz="2100" dirty="0">
-                              <a:solidFill>
-                                <a:schemeClr val="tx1"/>
-                              </a:solidFill>
-                            </a:rPr>
-                            <a:t>…</a:t>
-                          </a:r>
-                          <a:endParaRPr lang="nl-NL" sz="2100" dirty="0">
-                            <a:solidFill>
-                              <a:schemeClr val="tx1"/>
-                            </a:solidFill>
-                          </a:endParaRPr>
-                        </a:p>
-                      </a:txBody>
-                      <a:tcPr>
-                        <a:noFill/>
-                      </a:tcPr>
-                    </a:tc>
-                    <a:tc>
-                      <a:txBody>
-                        <a:bodyPr/>
-                        <a:lstStyle/>
-                        <a:p>
-                          <a:pPr algn="ctr"/>
-                          <a:r>
-                            <a:rPr lang="en-GB" sz="2100" dirty="0">
-                              <a:solidFill>
-                                <a:schemeClr val="tx1"/>
-                              </a:solidFill>
-                            </a:rPr>
-                            <a:t>…</a:t>
-                          </a:r>
-                          <a:endParaRPr lang="nl-NL" sz="2100" dirty="0">
-                            <a:solidFill>
-                              <a:schemeClr val="tx1"/>
-                            </a:solidFill>
-                          </a:endParaRPr>
-                        </a:p>
-                      </a:txBody>
-                      <a:tcPr>
-                        <a:noFill/>
-                      </a:tcPr>
-                    </a:tc>
-                    <a:tc>
-                      <a:txBody>
-                        <a:bodyPr/>
-                        <a:lstStyle/>
-                        <a:p>
-                          <a:pPr algn="ctr"/>
-                          <a:r>
-                            <a:rPr lang="en-GB" sz="2100" dirty="0">
-                              <a:solidFill>
-                                <a:schemeClr val="tx1"/>
-                              </a:solidFill>
-                            </a:rPr>
-                            <a:t>…</a:t>
-                          </a:r>
-                          <a:endParaRPr lang="nl-NL" sz="2100" dirty="0">
-                            <a:solidFill>
-                              <a:schemeClr val="tx1"/>
-                            </a:solidFill>
-                          </a:endParaRPr>
-                        </a:p>
-                      </a:txBody>
-                      <a:tcPr>
-                        <a:noFill/>
-                      </a:tcPr>
-                    </a:tc>
-                    <a:tc>
-                      <a:txBody>
-                        <a:bodyPr/>
-                        <a:lstStyle/>
-                        <a:p>
-                          <a:pPr algn="ctr"/>
-                          <a:r>
-                            <a:rPr lang="en-GB" sz="2100" dirty="0"/>
-                            <a:t>4</a:t>
-                          </a:r>
-                          <a:endParaRPr lang="nl-NL" sz="2100" dirty="0"/>
-                        </a:p>
-                      </a:txBody>
-                      <a:tcPr>
-                        <a:noFill/>
-                      </a:tcPr>
-                    </a:tc>
-                    <a:extLst>
-                      <a:ext uri="{0D108BD9-81ED-4DB2-BD59-A6C34878D82A}">
-                        <a16:rowId xmlns:a16="http://schemas.microsoft.com/office/drawing/2014/main" val="1201809782"/>
-                      </a:ext>
-                    </a:extLst>
-                  </a:tr>
-                  <a:tr h="465540">
-                    <a:tc>
-                      <a:txBody>
-                        <a:bodyPr/>
-                        <a:lstStyle/>
-                        <a:p>
-                          <a:endParaRPr lang="nl-NL"/>
-                        </a:p>
-                      </a:txBody>
-                      <a:tcPr>
-                        <a:blipFill>
-                          <a:blip r:embed="rId2"/>
-                          <a:stretch>
-                            <a:fillRect l="-676" t="-1101299" r="-802703" b="-12987"/>
-                          </a:stretch>
-                        </a:blipFill>
-                      </a:tcPr>
-                    </a:tc>
-                    <a:tc>
-                      <a:txBody>
-                        <a:bodyPr/>
-                        <a:lstStyle/>
-                        <a:p>
-                          <a:endParaRPr lang="nl-NL"/>
-                        </a:p>
-                      </a:txBody>
-                      <a:tcPr>
-                        <a:blipFill>
-                          <a:blip r:embed="rId2"/>
-                          <a:stretch>
-                            <a:fillRect l="-100676" t="-1101299" r="-702703" b="-12987"/>
-                          </a:stretch>
-                        </a:blipFill>
-                      </a:tcPr>
-                    </a:tc>
-                    <a:tc>
-                      <a:txBody>
-                        <a:bodyPr/>
-                        <a:lstStyle/>
-                        <a:p>
-                          <a:endParaRPr lang="nl-NL"/>
-                        </a:p>
-                      </a:txBody>
-                      <a:tcPr>
-                        <a:blipFill>
-                          <a:blip r:embed="rId2"/>
-                          <a:stretch>
-                            <a:fillRect l="-199329" t="-1101299" r="-597987" b="-12987"/>
-                          </a:stretch>
-                        </a:blipFill>
-                      </a:tcPr>
-                    </a:tc>
-                    <a:tc>
-                      <a:txBody>
-                        <a:bodyPr/>
-                        <a:lstStyle/>
-                        <a:p>
-                          <a:endParaRPr lang="nl-NL"/>
-                        </a:p>
-                      </a:txBody>
-                      <a:tcPr>
-                        <a:blipFill>
-                          <a:blip r:embed="rId2"/>
-                          <a:stretch>
-                            <a:fillRect l="-301351" t="-1101299" r="-502027" b="-12987"/>
-                          </a:stretch>
-                        </a:blipFill>
-                      </a:tcPr>
-                    </a:tc>
-                    <a:tc>
-                      <a:txBody>
-                        <a:bodyPr/>
-                        <a:lstStyle/>
-                        <a:p>
-                          <a:endParaRPr lang="nl-NL"/>
-                        </a:p>
-                      </a:txBody>
-                      <a:tcPr>
-                        <a:blipFill>
-                          <a:blip r:embed="rId2"/>
-                          <a:stretch>
-                            <a:fillRect l="-401351" t="-1101299" r="-402027" b="-12987"/>
-                          </a:stretch>
-                        </a:blipFill>
-                      </a:tcPr>
-                    </a:tc>
-                    <a:tc>
-                      <a:txBody>
-                        <a:bodyPr/>
-                        <a:lstStyle/>
-                        <a:p>
-                          <a:pPr algn="ctr"/>
-                          <a:r>
-                            <a:rPr lang="en-GB" sz="2100" dirty="0">
-                              <a:solidFill>
-                                <a:schemeClr val="tx1"/>
-                              </a:solidFill>
-                            </a:rPr>
-                            <a:t>3</a:t>
-                          </a:r>
-                          <a:endParaRPr lang="nl-NL" sz="2100" dirty="0">
-                            <a:solidFill>
-                              <a:schemeClr val="tx1"/>
-                            </a:solidFill>
-                          </a:endParaRPr>
-                        </a:p>
-                      </a:txBody>
-                      <a:tcPr>
-                        <a:noFill/>
-                      </a:tcPr>
-                    </a:tc>
-                    <a:tc>
-                      <a:txBody>
-                        <a:bodyPr/>
-                        <a:lstStyle/>
-                        <a:p>
-                          <a:pPr algn="ctr"/>
-                          <a:r>
-                            <a:rPr lang="en-GB" sz="2100" dirty="0">
-                              <a:solidFill>
-                                <a:schemeClr val="tx1"/>
-                              </a:solidFill>
-                            </a:rPr>
-                            <a:t>4</a:t>
-                          </a:r>
-                          <a:endParaRPr lang="nl-NL" sz="2100" dirty="0">
-                            <a:solidFill>
-                              <a:schemeClr val="tx1"/>
-                            </a:solidFill>
-                          </a:endParaRPr>
-                        </a:p>
-                      </a:txBody>
-                      <a:tcPr>
-                        <a:noFill/>
-                      </a:tcPr>
-                    </a:tc>
-                    <a:tc>
-                      <a:txBody>
-                        <a:bodyPr/>
-                        <a:lstStyle/>
-                        <a:p>
-                          <a:pPr algn="ctr"/>
-                          <a:r>
-                            <a:rPr lang="en-GB" sz="2100" dirty="0">
-                              <a:solidFill>
-                                <a:schemeClr val="tx1"/>
-                              </a:solidFill>
-                            </a:rPr>
-                            <a:t>…</a:t>
-                          </a:r>
-                          <a:endParaRPr lang="nl-NL" sz="2100" dirty="0">
-                            <a:solidFill>
-                              <a:schemeClr val="tx1"/>
-                            </a:solidFill>
-                          </a:endParaRPr>
-                        </a:p>
-                      </a:txBody>
-                      <a:tcPr>
-                        <a:noFill/>
-                      </a:tcPr>
-                    </a:tc>
-                    <a:tc>
-                      <a:txBody>
-                        <a:bodyPr/>
-                        <a:lstStyle/>
-                        <a:p>
-                          <a:pPr algn="ctr"/>
-                          <a:r>
-                            <a:rPr lang="en-GB" sz="2100" dirty="0"/>
-                            <a:t>6</a:t>
-                          </a:r>
-                          <a:endParaRPr lang="nl-NL" sz="2100" dirty="0"/>
-                        </a:p>
-                      </a:txBody>
-                      <a:tcPr>
-                        <a:noFill/>
-                      </a:tcPr>
-                    </a:tc>
-                    <a:extLst>
-                      <a:ext uri="{0D108BD9-81ED-4DB2-BD59-A6C34878D82A}">
-                        <a16:rowId xmlns:a16="http://schemas.microsoft.com/office/drawing/2014/main" val="3378232694"/>
-                      </a:ext>
-                    </a:extLst>
-                  </a:tr>
-                </a:tbl>
-              </a:graphicData>
-            </a:graphic>
-          </p:graphicFrame>
-        </mc:Fallback>
-      </mc:AlternateContent>
-      <p:cxnSp>
-        <p:nvCxnSpPr>
-          <p:cNvPr id="4" name="Straight Connector 3">
-            <a:extLst>
-              <a:ext uri="{FF2B5EF4-FFF2-40B4-BE49-F238E27FC236}">
-                <a16:creationId xmlns:a16="http://schemas.microsoft.com/office/drawing/2014/main" id="{96137F44-C657-4A91-0F4D-E0D618331BBE}"/>
-              </a:ext>
-            </a:extLst>
-          </p:cNvPr>
-          <p:cNvCxnSpPr/>
-          <p:nvPr/>
-        </p:nvCxnSpPr>
-        <p:spPr>
-          <a:xfrm>
-            <a:off x="1867579" y="3813884"/>
-            <a:ext cx="8199611" cy="0"/>
-          </a:xfrm>
-          <a:prstGeom prst="line">
-            <a:avLst/>
-          </a:prstGeom>
-          <a:ln w="50800">
-            <a:solidFill>
-              <a:schemeClr val="tx1"/>
-            </a:solidFill>
-          </a:ln>
-        </p:spPr>
-        <p:style>
-          <a:lnRef idx="1">
-            <a:schemeClr val="accent1"/>
-          </a:lnRef>
-          <a:fillRef idx="0">
-            <a:schemeClr val="accent1"/>
-          </a:fillRef>
-          <a:effectRef idx="0">
-            <a:schemeClr val="accent1"/>
-          </a:effectRef>
-          <a:fontRef idx="minor">
-            <a:schemeClr val="tx1"/>
-          </a:fontRef>
-        </p:style>
-      </p:cxnSp>
-    </p:spTree>
-    <p:extLst>
-      <p:ext uri="{BB962C8B-B14F-4D97-AF65-F5344CB8AC3E}">
-        <p14:creationId xmlns:p14="http://schemas.microsoft.com/office/powerpoint/2010/main" val="1156227993"/>
-      </p:ext>
-    </p:extLst>
-  </p:cSld>
-  <p:clrMapOvr>
-    <a:masterClrMapping/>
-  </p:clrMapOvr>
-</p:sld>
-</file>
-
-<file path=ppt/slides/slide52.xml><?xml version="1.0" encoding="utf-8"?>
 <p:sld xmlns:a="http://schemas.openxmlformats.org/drawingml/2006/main" xmlns:r="http://schemas.openxmlformats.org/officeDocument/2006/relationships" xmlns:p="http://schemas.openxmlformats.org/presentationml/2006/main" show="0">
   <p:cSld name="Slide58">
     <p:spTree>
@@ -36617,7 +30567,7 @@
 </p:sld>
 </file>
 
-<file path=ppt/slides/slide53.xml><?xml version="1.0" encoding="utf-8"?>
+<file path=ppt/slides/slide51.xml><?xml version="1.0" encoding="utf-8"?>
 <p:sld xmlns:a="http://schemas.openxmlformats.org/drawingml/2006/main" xmlns:r="http://schemas.openxmlformats.org/officeDocument/2006/relationships" xmlns:p="http://schemas.openxmlformats.org/presentationml/2006/main" show="0">
   <p:cSld name="Slide80">
     <p:bg>
@@ -36877,7 +30827,7 @@
 </p:sld>
 </file>
 
-<file path=ppt/slides/slide54.xml><?xml version="1.0" encoding="utf-8"?>
+<file path=ppt/slides/slide52.xml><?xml version="1.0" encoding="utf-8"?>
 <p:sld xmlns:a="http://schemas.openxmlformats.org/drawingml/2006/main" xmlns:r="http://schemas.openxmlformats.org/officeDocument/2006/relationships" xmlns:p="http://schemas.openxmlformats.org/presentationml/2006/main" show="0">
   <p:cSld>
     <p:bg>
@@ -36934,16 +30884,16 @@
               </a:lnSpc>
             </a:pPr>
             <a:r>
-              <a:rPr lang="en-GB" sz="5400" b="1" kern="0">
+              <a:rPr lang="en-GB" sz="5400" b="1" kern="0" dirty="0">
                 <a:solidFill>
                   <a:srgbClr val="FFFFFF"/>
                 </a:solidFill>
                 <a:latin typeface="Fira Sans" pitchFamily="34"/>
                 <a:ea typeface="Fira Code" pitchFamily="49"/>
               </a:rPr>
-              <a:t>Is this an impact slide?</a:t>
+              <a:t>impact slide</a:t>
             </a:r>
-            <a:endParaRPr lang="en-GB" sz="1800" kern="0">
+            <a:endParaRPr lang="en-GB" sz="1800" kern="0" dirty="0">
               <a:solidFill>
                 <a:srgbClr val="FFFFFF"/>
               </a:solidFill>
@@ -36964,7 +30914,7 @@
 </p:sld>
 </file>
 
-<file path=ppt/slides/slide55.xml><?xml version="1.0" encoding="utf-8"?>
+<file path=ppt/slides/slide53.xml><?xml version="1.0" encoding="utf-8"?>
 <p:sld xmlns:a="http://schemas.openxmlformats.org/drawingml/2006/main" xmlns:r="http://schemas.openxmlformats.org/officeDocument/2006/relationships" xmlns:p="http://schemas.openxmlformats.org/presentationml/2006/main" show="0">
   <p:cSld>
     <p:spTree>
@@ -37105,88 +31055,6 @@
         <p14:creationId xmlns:p14="http://schemas.microsoft.com/office/powerpoint/2010/main" val="1857421431"/>
       </p:ext>
     </p:extLst>
-  </p:cSld>
-  <p:clrMapOvr>
-    <a:masterClrMapping/>
-  </p:clrMapOvr>
-</p:sld>
-</file>
-
-<file path=ppt/slides/slide56.xml><?xml version="1.0" encoding="utf-8"?>
-<p:sld xmlns:a="http://schemas.openxmlformats.org/drawingml/2006/main" xmlns:r="http://schemas.openxmlformats.org/officeDocument/2006/relationships" xmlns:p="http://schemas.openxmlformats.org/presentationml/2006/main" show="0">
-  <p:cSld name="Slide37">
-    <p:bg>
-      <p:bgPr>
-        <a:solidFill>
-          <a:srgbClr val="006388"/>
-        </a:solidFill>
-        <a:effectLst/>
-      </p:bgPr>
-    </p:bg>
-    <p:spTree>
-      <p:nvGrpSpPr>
-        <p:cNvPr id="1" name=""/>
-        <p:cNvGrpSpPr/>
-        <p:nvPr/>
-      </p:nvGrpSpPr>
-      <p:grpSpPr>
-        <a:xfrm>
-          <a:off x="0" y="0"/>
-          <a:ext cx="0" cy="0"/>
-          <a:chOff x="0" y="0"/>
-          <a:chExt cx="0" cy="0"/>
-        </a:xfrm>
-      </p:grpSpPr>
-      <p:sp>
-        <p:nvSpPr>
-          <p:cNvPr id="2" name="Title 1">
-            <a:extLst>
-              <a:ext uri="{FF2B5EF4-FFF2-40B4-BE49-F238E27FC236}">
-                <a16:creationId xmlns:a16="http://schemas.microsoft.com/office/drawing/2014/main" id="{FD7C9718-D798-4F32-BB21-978BA6199775}"/>
-              </a:ext>
-            </a:extLst>
-          </p:cNvPr>
-          <p:cNvSpPr txBox="1">
-            <a:spLocks noGrp="1"/>
-          </p:cNvSpPr>
-          <p:nvPr>
-            <p:ph type="title"/>
-          </p:nvPr>
-        </p:nvSpPr>
-        <p:spPr>
-          <a:xfrm>
-            <a:off x="838203" y="2766215"/>
-            <a:ext cx="10515600" cy="1325559"/>
-          </a:xfrm>
-        </p:spPr>
-        <p:txBody>
-          <a:bodyPr anchorCtr="1"/>
-          <a:lstStyle/>
-          <a:p>
-            <a:pPr lvl="0" algn="ctr">
-              <a:lnSpc>
-                <a:spcPct val="100000"/>
-              </a:lnSpc>
-            </a:pPr>
-            <a:r>
-              <a:rPr lang="en-GB" sz="5400" b="1" kern="0">
-                <a:solidFill>
-                  <a:srgbClr val="FFFFFF"/>
-                </a:solidFill>
-                <a:latin typeface="Fira Sans" pitchFamily="34"/>
-                <a:ea typeface="Fira Code" pitchFamily="49"/>
-              </a:rPr>
-              <a:t>Questions?</a:t>
-            </a:r>
-            <a:endParaRPr lang="en-GB" sz="1800" kern="0">
-              <a:solidFill>
-                <a:srgbClr val="FFFFFF"/>
-              </a:solidFill>
-            </a:endParaRPr>
-          </a:p>
-        </p:txBody>
-      </p:sp>
-    </p:spTree>
   </p:cSld>
   <p:clrMapOvr>
     <a:masterClrMapping/>
